--- a/Fourth Year/SEM VII/Cryptology -  Sarika Bansal/Lecture Notes/Unit 4/Ch13 Crypto7e.pptx
+++ b/Fourth Year/SEM VII/Cryptology -  Sarika Bansal/Lecture Notes/Unit 4/Ch13 Crypto7e.pptx
@@ -161,7 +161,7 @@
   </p:defaultTextStyle>
   <p:extLst>
     <p:ext uri="{EFAFB233-063F-42B5-8137-9DF3F51BA10A}">
-      <p15:sldGuideLst xmlns:p15="http://schemas.microsoft.com/office/powerpoint/2012/main" xmlns="">
+      <p15:sldGuideLst xmlns:p15="http://schemas.microsoft.com/office/powerpoint/2012/main">
         <p15:guide id="1" orient="horz" pos="2160">
           <p15:clr>
             <a:srgbClr val="A4A3A4"/>
@@ -175,7 +175,7 @@
       </p15:sldGuideLst>
     </p:ext>
     <p:ext uri="{2D200454-40CA-4A62-9FC3-DE9A4176ACB9}">
-      <p15:notesGuideLst xmlns:p15="http://schemas.microsoft.com/office/powerpoint/2012/main" xmlns="">
+      <p15:notesGuideLst xmlns:p15="http://schemas.microsoft.com/office/powerpoint/2012/main">
         <p15:guide id="1" orient="horz" pos="2880">
           <p15:clr>
             <a:srgbClr val="A4A3A4"/>
@@ -3963,10 +3963,9 @@
         <a:p>
           <a:pPr rtl="0"/>
           <a:r>
-            <a:rPr lang="en-US" dirty="0" smtClean="0"/>
+            <a:rPr lang="en-US" dirty="0"/>
             <a:t>It must verify the author and the date and time of the signature</a:t>
           </a:r>
-          <a:endParaRPr lang="en-US" dirty="0"/>
         </a:p>
       </dgm:t>
     </dgm:pt>
@@ -4012,10 +4011,9 @@
         <a:p>
           <a:pPr rtl="0"/>
           <a:r>
-            <a:rPr lang="en-US" dirty="0" smtClean="0"/>
+            <a:rPr lang="en-US" dirty="0"/>
             <a:t>It must authenticate the contents at the time of the signature</a:t>
           </a:r>
-          <a:endParaRPr lang="en-US" dirty="0"/>
         </a:p>
       </dgm:t>
     </dgm:pt>
@@ -4061,10 +4059,9 @@
         <a:p>
           <a:pPr rtl="0"/>
           <a:r>
-            <a:rPr lang="en-AU" dirty="0" smtClean="0"/>
+            <a:rPr lang="en-AU" dirty="0"/>
             <a:t>It must be verifiable by third parties to resolve disputes</a:t>
           </a:r>
-          <a:endParaRPr lang="en-AU" dirty="0"/>
         </a:p>
       </dgm:t>
     </dgm:pt>
@@ -4098,13 +4095,6 @@
         </dgm:presLayoutVars>
       </dgm:prSet>
       <dgm:spPr/>
-      <dgm:t>
-        <a:bodyPr/>
-        <a:lstStyle/>
-        <a:p>
-          <a:endParaRPr lang="en-US"/>
-        </a:p>
-      </dgm:t>
     </dgm:pt>
     <dgm:pt modelId="{0D800C52-06DC-0A41-B384-C56F01BE05CB}" type="pres">
       <dgm:prSet presAssocID="{894EEB74-FFF8-3440-9707-F9A53B5CFFD4}" presName="arrow" presStyleLbl="bgShp" presStyleIdx="0" presStyleCnt="1"/>
@@ -4118,13 +4108,6 @@
           </a:solidFill>
         </a:ln>
       </dgm:spPr>
-      <dgm:t>
-        <a:bodyPr/>
-        <a:lstStyle/>
-        <a:p>
-          <a:endParaRPr lang="en-US"/>
-        </a:p>
-      </dgm:t>
     </dgm:pt>
     <dgm:pt modelId="{B6BB4835-31B3-0744-94F0-C95BB912460E}" type="pres">
       <dgm:prSet presAssocID="{894EEB74-FFF8-3440-9707-F9A53B5CFFD4}" presName="linearProcess" presStyleCnt="0"/>
@@ -4137,13 +4120,6 @@
         </dgm:presLayoutVars>
       </dgm:prSet>
       <dgm:spPr/>
-      <dgm:t>
-        <a:bodyPr/>
-        <a:lstStyle/>
-        <a:p>
-          <a:endParaRPr lang="en-US"/>
-        </a:p>
-      </dgm:t>
     </dgm:pt>
     <dgm:pt modelId="{474EB01D-221A-D94E-91AA-A596F0050F35}" type="pres">
       <dgm:prSet presAssocID="{AE497D64-604E-5945-93DC-89D427EF936B}" presName="sibTrans" presStyleCnt="0"/>
@@ -4156,13 +4132,6 @@
         </dgm:presLayoutVars>
       </dgm:prSet>
       <dgm:spPr/>
-      <dgm:t>
-        <a:bodyPr/>
-        <a:lstStyle/>
-        <a:p>
-          <a:endParaRPr lang="en-US"/>
-        </a:p>
-      </dgm:t>
     </dgm:pt>
     <dgm:pt modelId="{954CC56A-3E3C-7F41-A024-E1A1E9D4945C}" type="pres">
       <dgm:prSet presAssocID="{E851933D-E861-7645-B77F-286C1A352391}" presName="sibTrans" presStyleCnt="0"/>
@@ -4175,23 +4144,16 @@
         </dgm:presLayoutVars>
       </dgm:prSet>
       <dgm:spPr/>
-      <dgm:t>
-        <a:bodyPr/>
-        <a:lstStyle/>
-        <a:p>
-          <a:endParaRPr lang="en-US"/>
-        </a:p>
-      </dgm:t>
     </dgm:pt>
   </dgm:ptLst>
   <dgm:cxnLst>
     <dgm:cxn modelId="{6C645109-8057-B247-A1A6-56C207C31553}" type="presOf" srcId="{894EEB74-FFF8-3440-9707-F9A53B5CFFD4}" destId="{61BE224F-D0E9-F24C-A84E-789ED88BA711}" srcOrd="0" destOrd="0" presId="urn:microsoft.com/office/officeart/2005/8/layout/hProcess9"/>
-    <dgm:cxn modelId="{25CB81AB-752C-C34D-AD82-5EC6A9E94F47}" srcId="{894EEB74-FFF8-3440-9707-F9A53B5CFFD4}" destId="{8A68DB36-67A5-4F42-ABAC-A528FE261DC7}" srcOrd="1" destOrd="0" parTransId="{13916DC9-D508-F740-A2F1-3E442A6BF3B9}" sibTransId="{E851933D-E861-7645-B77F-286C1A352391}"/>
-    <dgm:cxn modelId="{4A0B24CA-A81E-4841-977D-9AE5AA119CBE}" type="presOf" srcId="{ADC4598F-8182-B648-83DE-58C2AE6C172F}" destId="{341079C6-9D39-4749-9040-89003A9F25C0}" srcOrd="0" destOrd="0" presId="urn:microsoft.com/office/officeart/2005/8/layout/hProcess9"/>
-    <dgm:cxn modelId="{A53E065B-7214-F040-9612-F8EBC1FD0ABF}" srcId="{894EEB74-FFF8-3440-9707-F9A53B5CFFD4}" destId="{5C89769F-032B-C948-AC72-7A0035E78799}" srcOrd="2" destOrd="0" parTransId="{92C5ACCC-6923-2A40-AB99-6EAA1964F1A7}" sibTransId="{8456E647-AFEA-E643-AC00-1A4DF84B778C}"/>
     <dgm:cxn modelId="{4196A11C-3359-704E-9492-49E931993FF9}" type="presOf" srcId="{8A68DB36-67A5-4F42-ABAC-A528FE261DC7}" destId="{CD297614-583E-E04F-BFD3-0C43552D1603}" srcOrd="0" destOrd="0" presId="urn:microsoft.com/office/officeart/2005/8/layout/hProcess9"/>
     <dgm:cxn modelId="{80D7C726-10A0-FD46-8602-E230973F4480}" srcId="{894EEB74-FFF8-3440-9707-F9A53B5CFFD4}" destId="{ADC4598F-8182-B648-83DE-58C2AE6C172F}" srcOrd="0" destOrd="0" parTransId="{46200DCB-32BF-E541-ACBC-65A746302491}" sibTransId="{AE497D64-604E-5945-93DC-89D427EF936B}"/>
     <dgm:cxn modelId="{78D2C330-6DE2-0B49-923E-67B82D91B62D}" type="presOf" srcId="{5C89769F-032B-C948-AC72-7A0035E78799}" destId="{7EAD0816-1D8B-C14D-B8D6-D7DF56C59B1F}" srcOrd="0" destOrd="0" presId="urn:microsoft.com/office/officeart/2005/8/layout/hProcess9"/>
+    <dgm:cxn modelId="{A53E065B-7214-F040-9612-F8EBC1FD0ABF}" srcId="{894EEB74-FFF8-3440-9707-F9A53B5CFFD4}" destId="{5C89769F-032B-C948-AC72-7A0035E78799}" srcOrd="2" destOrd="0" parTransId="{92C5ACCC-6923-2A40-AB99-6EAA1964F1A7}" sibTransId="{8456E647-AFEA-E643-AC00-1A4DF84B778C}"/>
+    <dgm:cxn modelId="{25CB81AB-752C-C34D-AD82-5EC6A9E94F47}" srcId="{894EEB74-FFF8-3440-9707-F9A53B5CFFD4}" destId="{8A68DB36-67A5-4F42-ABAC-A528FE261DC7}" srcOrd="1" destOrd="0" parTransId="{13916DC9-D508-F740-A2F1-3E442A6BF3B9}" sibTransId="{E851933D-E861-7645-B77F-286C1A352391}"/>
+    <dgm:cxn modelId="{4A0B24CA-A81E-4841-977D-9AE5AA119CBE}" type="presOf" srcId="{ADC4598F-8182-B648-83DE-58C2AE6C172F}" destId="{341079C6-9D39-4749-9040-89003A9F25C0}" srcOrd="0" destOrd="0" presId="urn:microsoft.com/office/officeart/2005/8/layout/hProcess9"/>
     <dgm:cxn modelId="{FEB7CAEF-8BB1-5047-8F89-9F00DA1B5792}" type="presParOf" srcId="{61BE224F-D0E9-F24C-A84E-789ED88BA711}" destId="{0D800C52-06DC-0A41-B384-C56F01BE05CB}" srcOrd="0" destOrd="0" presId="urn:microsoft.com/office/officeart/2005/8/layout/hProcess9"/>
     <dgm:cxn modelId="{38315F14-21E7-554A-8DC7-B455DBDAA16B}" type="presParOf" srcId="{61BE224F-D0E9-F24C-A84E-789ED88BA711}" destId="{B6BB4835-31B3-0744-94F0-C95BB912460E}" srcOrd="1" destOrd="0" presId="urn:microsoft.com/office/officeart/2005/8/layout/hProcess9"/>
     <dgm:cxn modelId="{CE34F62B-81CB-CA40-A2E9-D79CAC4CC446}" type="presParOf" srcId="{B6BB4835-31B3-0744-94F0-C95BB912460E}" destId="{341079C6-9D39-4749-9040-89003A9F25C0}" srcOrd="0" destOrd="0" presId="urn:microsoft.com/office/officeart/2005/8/layout/hProcess9"/>
@@ -4238,7 +4200,7 @@
         <a:lstStyle/>
         <a:p>
           <a:r>
-            <a:rPr lang="en-US" sz="1500" b="1" dirty="0" smtClean="0"/>
+            <a:rPr lang="en-US" sz="1500" b="1" dirty="0"/>
             <a:t>Key-only attack</a:t>
           </a:r>
           <a:endParaRPr lang="en-US" sz="1500" dirty="0"/>
@@ -4290,7 +4252,7 @@
         <a:lstStyle/>
         <a:p>
           <a:r>
-            <a:rPr lang="en-US" sz="1500" dirty="0" smtClean="0"/>
+            <a:rPr lang="en-US" sz="1500" dirty="0"/>
             <a:t>C only knows A’s public key</a:t>
           </a:r>
         </a:p>
@@ -4332,7 +4294,7 @@
         <a:lstStyle/>
         <a:p>
           <a:r>
-            <a:rPr lang="en-US" sz="1500" b="1" dirty="0" smtClean="0"/>
+            <a:rPr lang="en-US" sz="1500" b="1" dirty="0"/>
             <a:t>Known message attack</a:t>
           </a:r>
         </a:p>
@@ -4383,7 +4345,7 @@
         <a:lstStyle/>
         <a:p>
           <a:r>
-            <a:rPr lang="en-US" sz="1500" dirty="0" smtClean="0"/>
+            <a:rPr lang="en-US" sz="1500" dirty="0"/>
             <a:t>C is given access to a set of messages and their signatures</a:t>
           </a:r>
         </a:p>
@@ -4425,7 +4387,7 @@
         <a:lstStyle/>
         <a:p>
           <a:r>
-            <a:rPr lang="en-US" sz="1500" b="1" dirty="0" smtClean="0"/>
+            <a:rPr lang="en-US" sz="1500" b="1" dirty="0"/>
             <a:t>Generic chosen message attack</a:t>
           </a:r>
         </a:p>
@@ -4476,7 +4438,7 @@
         <a:lstStyle/>
         <a:p>
           <a:r>
-            <a:rPr lang="en-US" sz="1500" dirty="0" smtClean="0"/>
+            <a:rPr lang="en-US" sz="1500" dirty="0"/>
             <a:t>C chooses a list of messages before attempting to break A’s signature scheme, independent of A’s public key; C then obtains from A valid signatures for the chosen messages</a:t>
           </a:r>
         </a:p>
@@ -4518,7 +4480,7 @@
         <a:lstStyle/>
         <a:p>
           <a:r>
-            <a:rPr lang="en-US" sz="1500" b="1" dirty="0" smtClean="0"/>
+            <a:rPr lang="en-US" sz="1500" b="1" dirty="0"/>
             <a:t>Directed chosen message attack</a:t>
           </a:r>
         </a:p>
@@ -4569,7 +4531,7 @@
         <a:lstStyle/>
         <a:p>
           <a:r>
-            <a:rPr lang="en-US" sz="1500" dirty="0" smtClean="0"/>
+            <a:rPr lang="en-US" sz="1500" dirty="0"/>
             <a:t>Similar to the generic attack, except that the list of messages to be signed is chosen after C knows A’s public key but before any signatures are seen</a:t>
           </a:r>
         </a:p>
@@ -4611,7 +4573,7 @@
         <a:lstStyle/>
         <a:p>
           <a:r>
-            <a:rPr lang="en-US" sz="1500" b="1" dirty="0" smtClean="0"/>
+            <a:rPr lang="en-US" sz="1500" b="1" dirty="0"/>
             <a:t>Adaptive chosen message attack</a:t>
           </a:r>
         </a:p>
@@ -4647,7 +4609,7 @@
         <a:lstStyle/>
         <a:p>
           <a:r>
-            <a:rPr lang="en-US" sz="1500" dirty="0" smtClean="0"/>
+            <a:rPr lang="en-US" sz="1500" dirty="0"/>
             <a:t>C may request from A signatures of messages that depend on previously obtained message-signature pairs</a:t>
           </a:r>
         </a:p>
@@ -4684,13 +4646,6 @@
         </dgm:presLayoutVars>
       </dgm:prSet>
       <dgm:spPr/>
-      <dgm:t>
-        <a:bodyPr/>
-        <a:lstStyle/>
-        <a:p>
-          <a:endParaRPr lang="en-US"/>
-        </a:p>
-      </dgm:t>
     </dgm:pt>
     <dgm:pt modelId="{9AEF1DA8-F65F-9B46-B7D1-C7F261961B0D}" type="pres">
       <dgm:prSet presAssocID="{1EB4934B-3BCB-884F-B3A6-089FAD951BA9}" presName="tSp" presStyleCnt="0"/>
@@ -4719,13 +4674,6 @@
         </dgm:presLayoutVars>
       </dgm:prSet>
       <dgm:spPr/>
-      <dgm:t>
-        <a:bodyPr/>
-        <a:lstStyle/>
-        <a:p>
-          <a:endParaRPr lang="en-US"/>
-        </a:p>
-      </dgm:t>
     </dgm:pt>
     <dgm:pt modelId="{9FF6089E-CA8D-3A4F-944E-D9A0DDE45842}" type="pres">
       <dgm:prSet presAssocID="{62FD029A-D972-7943-A4AE-C2787FF46D2C}" presName="childNode1tx" presStyleLbl="bgAcc1" presStyleIdx="0" presStyleCnt="5">
@@ -4734,13 +4682,6 @@
         </dgm:presLayoutVars>
       </dgm:prSet>
       <dgm:spPr/>
-      <dgm:t>
-        <a:bodyPr/>
-        <a:lstStyle/>
-        <a:p>
-          <a:endParaRPr lang="en-US"/>
-        </a:p>
-      </dgm:t>
     </dgm:pt>
     <dgm:pt modelId="{29399DDC-8E87-A84A-A1D4-12E19F7A133A}" type="pres">
       <dgm:prSet presAssocID="{62FD029A-D972-7943-A4AE-C2787FF46D2C}" presName="parentNode1" presStyleLbl="node1" presStyleIdx="0" presStyleCnt="5" custScaleX="119268" custScaleY="175909" custLinFactNeighborX="-21490" custLinFactNeighborY="84670">
@@ -4750,13 +4691,6 @@
         </dgm:presLayoutVars>
       </dgm:prSet>
       <dgm:spPr/>
-      <dgm:t>
-        <a:bodyPr/>
-        <a:lstStyle/>
-        <a:p>
-          <a:endParaRPr lang="en-US"/>
-        </a:p>
-      </dgm:t>
     </dgm:pt>
     <dgm:pt modelId="{800553AF-EEBA-754C-9796-24B1655BB9AD}" type="pres">
       <dgm:prSet presAssocID="{62FD029A-D972-7943-A4AE-C2787FF46D2C}" presName="connSite1" presStyleCnt="0"/>
@@ -4765,13 +4699,6 @@
     <dgm:pt modelId="{3AB62E86-72BE-804F-B423-D10B3F6D3EA1}" type="pres">
       <dgm:prSet presAssocID="{8B4C9E09-8B38-0B4C-BD0E-B132F26C264F}" presName="Name9" presStyleLbl="sibTrans2D1" presStyleIdx="0" presStyleCnt="4"/>
       <dgm:spPr/>
-      <dgm:t>
-        <a:bodyPr/>
-        <a:lstStyle/>
-        <a:p>
-          <a:endParaRPr lang="en-US"/>
-        </a:p>
-      </dgm:t>
     </dgm:pt>
     <dgm:pt modelId="{92AA537E-95BD-9141-B7B4-F2224FD5DAA4}" type="pres">
       <dgm:prSet presAssocID="{849806C8-24F5-704B-99D3-C929FEBB3D3D}" presName="composite2" presStyleCnt="0"/>
@@ -4788,13 +4715,6 @@
         </dgm:presLayoutVars>
       </dgm:prSet>
       <dgm:spPr/>
-      <dgm:t>
-        <a:bodyPr/>
-        <a:lstStyle/>
-        <a:p>
-          <a:endParaRPr lang="en-US"/>
-        </a:p>
-      </dgm:t>
     </dgm:pt>
     <dgm:pt modelId="{D46997F3-D542-D94C-8478-DE02FCED3BF3}" type="pres">
       <dgm:prSet presAssocID="{849806C8-24F5-704B-99D3-C929FEBB3D3D}" presName="childNode2tx" presStyleLbl="bgAcc1" presStyleIdx="1" presStyleCnt="5">
@@ -4803,13 +4723,6 @@
         </dgm:presLayoutVars>
       </dgm:prSet>
       <dgm:spPr/>
-      <dgm:t>
-        <a:bodyPr/>
-        <a:lstStyle/>
-        <a:p>
-          <a:endParaRPr lang="en-US"/>
-        </a:p>
-      </dgm:t>
     </dgm:pt>
     <dgm:pt modelId="{86339584-CDAD-2545-AD10-E55D549768B6}" type="pres">
       <dgm:prSet presAssocID="{849806C8-24F5-704B-99D3-C929FEBB3D3D}" presName="parentNode2" presStyleLbl="node1" presStyleIdx="1" presStyleCnt="5" custScaleX="128554" custScaleY="185277" custLinFactY="-56785" custLinFactNeighborX="-17624" custLinFactNeighborY="-100000">
@@ -4819,13 +4732,6 @@
         </dgm:presLayoutVars>
       </dgm:prSet>
       <dgm:spPr/>
-      <dgm:t>
-        <a:bodyPr/>
-        <a:lstStyle/>
-        <a:p>
-          <a:endParaRPr lang="en-US"/>
-        </a:p>
-      </dgm:t>
     </dgm:pt>
     <dgm:pt modelId="{CFA52DE1-BB8A-E04C-A519-44C9E3231359}" type="pres">
       <dgm:prSet presAssocID="{849806C8-24F5-704B-99D3-C929FEBB3D3D}" presName="connSite2" presStyleCnt="0"/>
@@ -4834,13 +4740,6 @@
     <dgm:pt modelId="{6113598A-93D1-5241-9D04-F3AFDFE110F8}" type="pres">
       <dgm:prSet presAssocID="{68A0590E-B82F-AF42-B2FA-8DFB3029E415}" presName="Name18" presStyleLbl="sibTrans2D1" presStyleIdx="1" presStyleCnt="4"/>
       <dgm:spPr/>
-      <dgm:t>
-        <a:bodyPr/>
-        <a:lstStyle/>
-        <a:p>
-          <a:endParaRPr lang="en-US"/>
-        </a:p>
-      </dgm:t>
     </dgm:pt>
     <dgm:pt modelId="{E12D9AFF-1DF2-564A-B1E3-D67ECAB89E02}" type="pres">
       <dgm:prSet presAssocID="{C3171C2A-F864-BE45-A10A-B8FE322549D0}" presName="composite1" presStyleCnt="0"/>
@@ -4857,13 +4756,6 @@
         </dgm:presLayoutVars>
       </dgm:prSet>
       <dgm:spPr/>
-      <dgm:t>
-        <a:bodyPr/>
-        <a:lstStyle/>
-        <a:p>
-          <a:endParaRPr lang="en-US"/>
-        </a:p>
-      </dgm:t>
     </dgm:pt>
     <dgm:pt modelId="{1F6968F0-D84D-0F4C-A1A1-AB016AF79389}" type="pres">
       <dgm:prSet presAssocID="{C3171C2A-F864-BE45-A10A-B8FE322549D0}" presName="childNode1tx" presStyleLbl="bgAcc1" presStyleIdx="2" presStyleCnt="5">
@@ -4872,13 +4764,6 @@
         </dgm:presLayoutVars>
       </dgm:prSet>
       <dgm:spPr/>
-      <dgm:t>
-        <a:bodyPr/>
-        <a:lstStyle/>
-        <a:p>
-          <a:endParaRPr lang="en-US"/>
-        </a:p>
-      </dgm:t>
     </dgm:pt>
     <dgm:pt modelId="{0E115A9D-D4EC-3244-ACF2-287323CC800D}" type="pres">
       <dgm:prSet presAssocID="{C3171C2A-F864-BE45-A10A-B8FE322549D0}" presName="parentNode1" presStyleLbl="node1" presStyleIdx="2" presStyleCnt="5" custScaleX="158273" custScaleY="250250" custLinFactY="184684" custLinFactNeighborX="-20127" custLinFactNeighborY="200000">
@@ -4888,13 +4773,6 @@
         </dgm:presLayoutVars>
       </dgm:prSet>
       <dgm:spPr/>
-      <dgm:t>
-        <a:bodyPr/>
-        <a:lstStyle/>
-        <a:p>
-          <a:endParaRPr lang="en-US"/>
-        </a:p>
-      </dgm:t>
     </dgm:pt>
     <dgm:pt modelId="{0918DA87-C745-6E4A-95E7-0110E634DA69}" type="pres">
       <dgm:prSet presAssocID="{C3171C2A-F864-BE45-A10A-B8FE322549D0}" presName="connSite1" presStyleCnt="0"/>
@@ -4903,13 +4781,6 @@
     <dgm:pt modelId="{E968BA48-84FC-7A48-A3E7-3438D4DCA5BB}" type="pres">
       <dgm:prSet presAssocID="{E28AC4D3-DBD2-E742-A168-2ADC338CA789}" presName="Name9" presStyleLbl="sibTrans2D1" presStyleIdx="2" presStyleCnt="4"/>
       <dgm:spPr/>
-      <dgm:t>
-        <a:bodyPr/>
-        <a:lstStyle/>
-        <a:p>
-          <a:endParaRPr lang="en-US"/>
-        </a:p>
-      </dgm:t>
     </dgm:pt>
     <dgm:pt modelId="{A4F5964B-48B0-CF4B-ACA2-47EA7C31BCDB}" type="pres">
       <dgm:prSet presAssocID="{32821B99-C92F-A840-841D-23AB6FDA3702}" presName="composite2" presStyleCnt="0"/>
@@ -4926,13 +4797,6 @@
         </dgm:presLayoutVars>
       </dgm:prSet>
       <dgm:spPr/>
-      <dgm:t>
-        <a:bodyPr/>
-        <a:lstStyle/>
-        <a:p>
-          <a:endParaRPr lang="en-US"/>
-        </a:p>
-      </dgm:t>
     </dgm:pt>
     <dgm:pt modelId="{54162762-3C3C-AE4E-BF49-8A214A7A64C4}" type="pres">
       <dgm:prSet presAssocID="{32821B99-C92F-A840-841D-23AB6FDA3702}" presName="childNode2tx" presStyleLbl="bgAcc1" presStyleIdx="3" presStyleCnt="5">
@@ -4941,13 +4805,6 @@
         </dgm:presLayoutVars>
       </dgm:prSet>
       <dgm:spPr/>
-      <dgm:t>
-        <a:bodyPr/>
-        <a:lstStyle/>
-        <a:p>
-          <a:endParaRPr lang="en-US"/>
-        </a:p>
-      </dgm:t>
     </dgm:pt>
     <dgm:pt modelId="{BE54856D-6073-D64D-A707-D0537194B9A5}" type="pres">
       <dgm:prSet presAssocID="{32821B99-C92F-A840-841D-23AB6FDA3702}" presName="parentNode2" presStyleLbl="node1" presStyleIdx="3" presStyleCnt="5" custScaleX="155583" custScaleY="150358" custLinFactY="-84380" custLinFactNeighborX="-14507" custLinFactNeighborY="-100000">
@@ -4957,13 +4814,6 @@
         </dgm:presLayoutVars>
       </dgm:prSet>
       <dgm:spPr/>
-      <dgm:t>
-        <a:bodyPr/>
-        <a:lstStyle/>
-        <a:p>
-          <a:endParaRPr lang="en-US"/>
-        </a:p>
-      </dgm:t>
     </dgm:pt>
     <dgm:pt modelId="{18146080-AEB0-0E47-BE4E-C181E545A7CC}" type="pres">
       <dgm:prSet presAssocID="{32821B99-C92F-A840-841D-23AB6FDA3702}" presName="connSite2" presStyleCnt="0"/>
@@ -4972,13 +4822,6 @@
     <dgm:pt modelId="{8DD17C4E-7196-C24B-93A8-6B579DB16B55}" type="pres">
       <dgm:prSet presAssocID="{F50469B2-34BD-1842-BA05-B498F5F70DFD}" presName="Name18" presStyleLbl="sibTrans2D1" presStyleIdx="3" presStyleCnt="4" custAng="21314464" custLinFactNeighborX="-419" custLinFactNeighborY="-6862"/>
       <dgm:spPr/>
-      <dgm:t>
-        <a:bodyPr/>
-        <a:lstStyle/>
-        <a:p>
-          <a:endParaRPr lang="en-US"/>
-        </a:p>
-      </dgm:t>
     </dgm:pt>
     <dgm:pt modelId="{5E9431E5-581D-2B42-8569-972969BDA6CC}" type="pres">
       <dgm:prSet presAssocID="{EF243D23-9000-8E4A-AEB6-1F7A0F74FFD1}" presName="composite1" presStyleCnt="0"/>
@@ -4995,13 +4838,6 @@
         </dgm:presLayoutVars>
       </dgm:prSet>
       <dgm:spPr/>
-      <dgm:t>
-        <a:bodyPr/>
-        <a:lstStyle/>
-        <a:p>
-          <a:endParaRPr lang="en-US"/>
-        </a:p>
-      </dgm:t>
     </dgm:pt>
     <dgm:pt modelId="{0159AD12-8F40-5645-AC96-F9711DFC6F89}" type="pres">
       <dgm:prSet presAssocID="{EF243D23-9000-8E4A-AEB6-1F7A0F74FFD1}" presName="childNode1tx" presStyleLbl="bgAcc1" presStyleIdx="4" presStyleCnt="5">
@@ -5010,13 +4846,6 @@
         </dgm:presLayoutVars>
       </dgm:prSet>
       <dgm:spPr/>
-      <dgm:t>
-        <a:bodyPr/>
-        <a:lstStyle/>
-        <a:p>
-          <a:endParaRPr lang="en-US"/>
-        </a:p>
-      </dgm:t>
     </dgm:pt>
     <dgm:pt modelId="{F738A19E-7D21-704D-B39E-50D5AE06FD79}" type="pres">
       <dgm:prSet presAssocID="{EF243D23-9000-8E4A-AEB6-1F7A0F74FFD1}" presName="parentNode1" presStyleLbl="node1" presStyleIdx="4" presStyleCnt="5" custScaleX="139591" custScaleY="237245" custLinFactY="157845" custLinFactNeighborX="-13530" custLinFactNeighborY="200000">
@@ -5026,13 +4855,6 @@
         </dgm:presLayoutVars>
       </dgm:prSet>
       <dgm:spPr/>
-      <dgm:t>
-        <a:bodyPr/>
-        <a:lstStyle/>
-        <a:p>
-          <a:endParaRPr lang="en-US"/>
-        </a:p>
-      </dgm:t>
     </dgm:pt>
     <dgm:pt modelId="{5960930B-AD1E-BC4F-A9AD-0142D560E164}" type="pres">
       <dgm:prSet presAssocID="{EF243D23-9000-8E4A-AEB6-1F7A0F74FFD1}" presName="connSite1" presStyleCnt="0"/>
@@ -5040,36 +4862,36 @@
     </dgm:pt>
   </dgm:ptLst>
   <dgm:cxnLst>
+    <dgm:cxn modelId="{5D925204-7C37-FD4E-8AEA-D15FE3A718C0}" type="presOf" srcId="{A696D734-37A2-824C-92BC-4D2C0015BA98}" destId="{54162762-3C3C-AE4E-BF49-8A214A7A64C4}" srcOrd="1" destOrd="0" presId="urn:microsoft.com/office/officeart/2005/8/layout/hProcess4"/>
+    <dgm:cxn modelId="{2B9E440B-F866-F94B-89CD-260CBA27D3F4}" srcId="{EF243D23-9000-8E4A-AEB6-1F7A0F74FFD1}" destId="{C5809304-4C55-D747-A9ED-C14293427004}" srcOrd="0" destOrd="0" parTransId="{09A44E5C-8586-D149-9776-190C83A30274}" sibTransId="{5AFBCCC1-9CF6-7748-A501-7C27C2F7CACA}"/>
+    <dgm:cxn modelId="{EB907113-E790-EE48-A80A-9D5261E26375}" srcId="{1EB4934B-3BCB-884F-B3A6-089FAD951BA9}" destId="{C3171C2A-F864-BE45-A10A-B8FE322549D0}" srcOrd="2" destOrd="0" parTransId="{84ED6AB0-00D4-A74F-B0DB-A60E29914930}" sibTransId="{E28AC4D3-DBD2-E742-A168-2ADC338CA789}"/>
+    <dgm:cxn modelId="{A41B7C23-CEE1-524A-8EC7-9B2444F2756A}" srcId="{C3171C2A-F864-BE45-A10A-B8FE322549D0}" destId="{325A0141-45C9-D543-8FC0-DB8BDA02EAFE}" srcOrd="0" destOrd="0" parTransId="{57A79CD8-ECD6-A34B-BF2B-0D175F9DF64D}" sibTransId="{591D6BDB-897A-A746-A7E5-2BC4EFDE4ED0}"/>
+    <dgm:cxn modelId="{82ABE82F-3684-614D-A73F-24670FBF5585}" type="presOf" srcId="{1EB4934B-3BCB-884F-B3A6-089FAD951BA9}" destId="{698D7360-FA08-E34A-A9B9-626E01B319EC}" srcOrd="0" destOrd="0" presId="urn:microsoft.com/office/officeart/2005/8/layout/hProcess4"/>
+    <dgm:cxn modelId="{0B5ED73A-2F37-AB4E-AD7D-A10F63380CE1}" srcId="{62FD029A-D972-7943-A4AE-C2787FF46D2C}" destId="{952A3FC2-61F0-3D44-A926-9E3E30F8E714}" srcOrd="0" destOrd="0" parTransId="{97DE8B61-8BC7-9F40-9340-8DF33749B245}" sibTransId="{85989F38-4F0F-354F-B111-238CFC839B67}"/>
+    <dgm:cxn modelId="{B3372F67-8625-B444-822A-CAD085F7C4DB}" srcId="{1EB4934B-3BCB-884F-B3A6-089FAD951BA9}" destId="{849806C8-24F5-704B-99D3-C929FEBB3D3D}" srcOrd="1" destOrd="0" parTransId="{AB478653-B288-8340-BC42-AD7BD6CB1CA3}" sibTransId="{68A0590E-B82F-AF42-B2FA-8DFB3029E415}"/>
+    <dgm:cxn modelId="{1F3DBF6A-3A5C-2E44-BEF4-FCA7A5545029}" srcId="{1EB4934B-3BCB-884F-B3A6-089FAD951BA9}" destId="{32821B99-C92F-A840-841D-23AB6FDA3702}" srcOrd="3" destOrd="0" parTransId="{3D5799A5-05C2-584D-B8CC-65EACE221A4F}" sibTransId="{F50469B2-34BD-1842-BA05-B498F5F70DFD}"/>
+    <dgm:cxn modelId="{22149B4D-6C81-3C43-AF1C-ABD44DF76217}" type="presOf" srcId="{8B4C9E09-8B38-0B4C-BD0E-B132F26C264F}" destId="{3AB62E86-72BE-804F-B423-D10B3F6D3EA1}" srcOrd="0" destOrd="0" presId="urn:microsoft.com/office/officeart/2005/8/layout/hProcess4"/>
+    <dgm:cxn modelId="{BEFF8256-36CB-7F49-8DA0-D4AED89EAF7F}" type="presOf" srcId="{325A0141-45C9-D543-8FC0-DB8BDA02EAFE}" destId="{1F6968F0-D84D-0F4C-A1A1-AB016AF79389}" srcOrd="1" destOrd="0" presId="urn:microsoft.com/office/officeart/2005/8/layout/hProcess4"/>
+    <dgm:cxn modelId="{72C26857-3036-6242-B85A-F6B9A9B25E27}" type="presOf" srcId="{952A3FC2-61F0-3D44-A926-9E3E30F8E714}" destId="{9FF6089E-CA8D-3A4F-944E-D9A0DDE45842}" srcOrd="1" destOrd="0" presId="urn:microsoft.com/office/officeart/2005/8/layout/hProcess4"/>
+    <dgm:cxn modelId="{D648E87B-017E-0546-93F8-E59EBC58A73F}" type="presOf" srcId="{62FD029A-D972-7943-A4AE-C2787FF46D2C}" destId="{29399DDC-8E87-A84A-A1D4-12E19F7A133A}" srcOrd="0" destOrd="0" presId="urn:microsoft.com/office/officeart/2005/8/layout/hProcess4"/>
     <dgm:cxn modelId="{E06F2885-565F-6B47-8BD7-CF8D8D0DFF42}" type="presOf" srcId="{C3171C2A-F864-BE45-A10A-B8FE322549D0}" destId="{0E115A9D-D4EC-3244-ACF2-287323CC800D}" srcOrd="0" destOrd="0" presId="urn:microsoft.com/office/officeart/2005/8/layout/hProcess4"/>
+    <dgm:cxn modelId="{98C2AF9F-ECC0-9644-9AA8-40A44872E163}" type="presOf" srcId="{C5809304-4C55-D747-A9ED-C14293427004}" destId="{0159AD12-8F40-5645-AC96-F9711DFC6F89}" srcOrd="1" destOrd="0" presId="urn:microsoft.com/office/officeart/2005/8/layout/hProcess4"/>
+    <dgm:cxn modelId="{ADD93AA0-98DD-3A40-961C-592D612C5F84}" type="presOf" srcId="{325A0141-45C9-D543-8FC0-DB8BDA02EAFE}" destId="{261C35D7-B798-044A-8DA7-33BB0B9B7292}" srcOrd="0" destOrd="0" presId="urn:microsoft.com/office/officeart/2005/8/layout/hProcess4"/>
     <dgm:cxn modelId="{616134A9-D800-D545-B397-BA7D7F8DF91A}" srcId="{849806C8-24F5-704B-99D3-C929FEBB3D3D}" destId="{091D4DE6-2638-4345-8AEF-BE41CC43571D}" srcOrd="0" destOrd="0" parTransId="{F63DE0CA-26CF-0F48-A1E7-566A386540F7}" sibTransId="{F72B526E-0350-F84F-81A2-B3C605708F8F}"/>
-    <dgm:cxn modelId="{82ABE82F-3684-614D-A73F-24670FBF5585}" type="presOf" srcId="{1EB4934B-3BCB-884F-B3A6-089FAD951BA9}" destId="{698D7360-FA08-E34A-A9B9-626E01B319EC}" srcOrd="0" destOrd="0" presId="urn:microsoft.com/office/officeart/2005/8/layout/hProcess4"/>
-    <dgm:cxn modelId="{58FA94FC-4DA2-CB41-A9FF-ED5C552720D9}" type="presOf" srcId="{E28AC4D3-DBD2-E742-A168-2ADC338CA789}" destId="{E968BA48-84FC-7A48-A3E7-3438D4DCA5BB}" srcOrd="0" destOrd="0" presId="urn:microsoft.com/office/officeart/2005/8/layout/hProcess4"/>
-    <dgm:cxn modelId="{0B5ED73A-2F37-AB4E-AD7D-A10F63380CE1}" srcId="{62FD029A-D972-7943-A4AE-C2787FF46D2C}" destId="{952A3FC2-61F0-3D44-A926-9E3E30F8E714}" srcOrd="0" destOrd="0" parTransId="{97DE8B61-8BC7-9F40-9340-8DF33749B245}" sibTransId="{85989F38-4F0F-354F-B111-238CFC839B67}"/>
-    <dgm:cxn modelId="{EB907113-E790-EE48-A80A-9D5261E26375}" srcId="{1EB4934B-3BCB-884F-B3A6-089FAD951BA9}" destId="{C3171C2A-F864-BE45-A10A-B8FE322549D0}" srcOrd="2" destOrd="0" parTransId="{84ED6AB0-00D4-A74F-B0DB-A60E29914930}" sibTransId="{E28AC4D3-DBD2-E742-A168-2ADC338CA789}"/>
-    <dgm:cxn modelId="{D648E87B-017E-0546-93F8-E59EBC58A73F}" type="presOf" srcId="{62FD029A-D972-7943-A4AE-C2787FF46D2C}" destId="{29399DDC-8E87-A84A-A1D4-12E19F7A133A}" srcOrd="0" destOrd="0" presId="urn:microsoft.com/office/officeart/2005/8/layout/hProcess4"/>
+    <dgm:cxn modelId="{610E55B3-51DB-404C-A0AE-01C15DAD70D7}" type="presOf" srcId="{EF243D23-9000-8E4A-AEB6-1F7A0F74FFD1}" destId="{F738A19E-7D21-704D-B39E-50D5AE06FD79}" srcOrd="0" destOrd="0" presId="urn:microsoft.com/office/officeart/2005/8/layout/hProcess4"/>
+    <dgm:cxn modelId="{99C158B3-2C2A-7040-84B9-232F33D15BDC}" type="presOf" srcId="{68A0590E-B82F-AF42-B2FA-8DFB3029E415}" destId="{6113598A-93D1-5241-9D04-F3AFDFE110F8}" srcOrd="0" destOrd="0" presId="urn:microsoft.com/office/officeart/2005/8/layout/hProcess4"/>
+    <dgm:cxn modelId="{328A1BB7-2271-9F41-B629-B1F647F6D740}" type="presOf" srcId="{849806C8-24F5-704B-99D3-C929FEBB3D3D}" destId="{86339584-CDAD-2545-AD10-E55D549768B6}" srcOrd="0" destOrd="0" presId="urn:microsoft.com/office/officeart/2005/8/layout/hProcess4"/>
+    <dgm:cxn modelId="{EDCEAFB8-DD4F-614F-A436-10CC3F3EA1BB}" type="presOf" srcId="{32821B99-C92F-A840-841D-23AB6FDA3702}" destId="{BE54856D-6073-D64D-A707-D0537194B9A5}" srcOrd="0" destOrd="0" presId="urn:microsoft.com/office/officeart/2005/8/layout/hProcess4"/>
+    <dgm:cxn modelId="{600F76BC-931B-3743-B3CB-12E0FAC6AF93}" type="presOf" srcId="{A696D734-37A2-824C-92BC-4D2C0015BA98}" destId="{5C04EA05-CA37-1D4F-889F-8A6D2632026E}" srcOrd="0" destOrd="0" presId="urn:microsoft.com/office/officeart/2005/8/layout/hProcess4"/>
+    <dgm:cxn modelId="{CFB247CE-DD0A-0A48-A9B4-974967109C1D}" srcId="{32821B99-C92F-A840-841D-23AB6FDA3702}" destId="{A696D734-37A2-824C-92BC-4D2C0015BA98}" srcOrd="0" destOrd="0" parTransId="{5529BFB6-F188-DE48-87B1-7F4EEB9A98F6}" sibTransId="{DDABB7AC-1F26-1246-ABAA-76AB707B7B43}"/>
+    <dgm:cxn modelId="{901A4ADB-9ADD-4445-AB0F-F97DC4C8863A}" srcId="{1EB4934B-3BCB-884F-B3A6-089FAD951BA9}" destId="{62FD029A-D972-7943-A4AE-C2787FF46D2C}" srcOrd="0" destOrd="0" parTransId="{9F13AF1A-F094-8649-92A3-F9CADEBC5772}" sibTransId="{8B4C9E09-8B38-0B4C-BD0E-B132F26C264F}"/>
+    <dgm:cxn modelId="{9040D9DE-D463-FA40-8931-5E64F384DB5F}" type="presOf" srcId="{C5809304-4C55-D747-A9ED-C14293427004}" destId="{D399F7AC-6D3B-724E-BC8C-A3A47BE4BD45}" srcOrd="0" destOrd="0" presId="urn:microsoft.com/office/officeart/2005/8/layout/hProcess4"/>
+    <dgm:cxn modelId="{7A92A3EF-C621-914F-99EF-FEBF247BAFF5}" type="presOf" srcId="{091D4DE6-2638-4345-8AEF-BE41CC43571D}" destId="{D46997F3-D542-D94C-8478-DE02FCED3BF3}" srcOrd="1" destOrd="0" presId="urn:microsoft.com/office/officeart/2005/8/layout/hProcess4"/>
+    <dgm:cxn modelId="{C943CDF1-3E4D-FD44-A79B-BD7B09ACACC2}" type="presOf" srcId="{952A3FC2-61F0-3D44-A926-9E3E30F8E714}" destId="{28DEADCD-77CB-0247-B0D0-E28962560B96}" srcOrd="0" destOrd="0" presId="urn:microsoft.com/office/officeart/2005/8/layout/hProcess4"/>
+    <dgm:cxn modelId="{F6C96DF2-8DB8-EF43-8046-D3771FEE6A06}" type="presOf" srcId="{091D4DE6-2638-4345-8AEF-BE41CC43571D}" destId="{B1C5817D-CFC5-294F-A476-4B5034865ECB}" srcOrd="0" destOrd="0" presId="urn:microsoft.com/office/officeart/2005/8/layout/hProcess4"/>
     <dgm:cxn modelId="{C16C94F4-58DA-EE45-A918-DC0FC2722FEA}" type="presOf" srcId="{F50469B2-34BD-1842-BA05-B498F5F70DFD}" destId="{8DD17C4E-7196-C24B-93A8-6B579DB16B55}" srcOrd="0" destOrd="0" presId="urn:microsoft.com/office/officeart/2005/8/layout/hProcess4"/>
     <dgm:cxn modelId="{5CAFD1F9-B462-D54C-A8A9-2CEBAE4F1B50}" srcId="{1EB4934B-3BCB-884F-B3A6-089FAD951BA9}" destId="{EF243D23-9000-8E4A-AEB6-1F7A0F74FFD1}" srcOrd="4" destOrd="0" parTransId="{009043D0-D3D8-8A4E-93B1-76FEFE8B7938}" sibTransId="{43695136-E84C-D640-8C5A-894198636253}"/>
-    <dgm:cxn modelId="{2B9E440B-F866-F94B-89CD-260CBA27D3F4}" srcId="{EF243D23-9000-8E4A-AEB6-1F7A0F74FFD1}" destId="{C5809304-4C55-D747-A9ED-C14293427004}" srcOrd="0" destOrd="0" parTransId="{09A44E5C-8586-D149-9776-190C83A30274}" sibTransId="{5AFBCCC1-9CF6-7748-A501-7C27C2F7CACA}"/>
-    <dgm:cxn modelId="{22149B4D-6C81-3C43-AF1C-ABD44DF76217}" type="presOf" srcId="{8B4C9E09-8B38-0B4C-BD0E-B132F26C264F}" destId="{3AB62E86-72BE-804F-B423-D10B3F6D3EA1}" srcOrd="0" destOrd="0" presId="urn:microsoft.com/office/officeart/2005/8/layout/hProcess4"/>
-    <dgm:cxn modelId="{7A92A3EF-C621-914F-99EF-FEBF247BAFF5}" type="presOf" srcId="{091D4DE6-2638-4345-8AEF-BE41CC43571D}" destId="{D46997F3-D542-D94C-8478-DE02FCED3BF3}" srcOrd="1" destOrd="0" presId="urn:microsoft.com/office/officeart/2005/8/layout/hProcess4"/>
-    <dgm:cxn modelId="{1F3DBF6A-3A5C-2E44-BEF4-FCA7A5545029}" srcId="{1EB4934B-3BCB-884F-B3A6-089FAD951BA9}" destId="{32821B99-C92F-A840-841D-23AB6FDA3702}" srcOrd="3" destOrd="0" parTransId="{3D5799A5-05C2-584D-B8CC-65EACE221A4F}" sibTransId="{F50469B2-34BD-1842-BA05-B498F5F70DFD}"/>
-    <dgm:cxn modelId="{CFB247CE-DD0A-0A48-A9B4-974967109C1D}" srcId="{32821B99-C92F-A840-841D-23AB6FDA3702}" destId="{A696D734-37A2-824C-92BC-4D2C0015BA98}" srcOrd="0" destOrd="0" parTransId="{5529BFB6-F188-DE48-87B1-7F4EEB9A98F6}" sibTransId="{DDABB7AC-1F26-1246-ABAA-76AB707B7B43}"/>
-    <dgm:cxn modelId="{5D925204-7C37-FD4E-8AEA-D15FE3A718C0}" type="presOf" srcId="{A696D734-37A2-824C-92BC-4D2C0015BA98}" destId="{54162762-3C3C-AE4E-BF49-8A214A7A64C4}" srcOrd="1" destOrd="0" presId="urn:microsoft.com/office/officeart/2005/8/layout/hProcess4"/>
-    <dgm:cxn modelId="{A41B7C23-CEE1-524A-8EC7-9B2444F2756A}" srcId="{C3171C2A-F864-BE45-A10A-B8FE322549D0}" destId="{325A0141-45C9-D543-8FC0-DB8BDA02EAFE}" srcOrd="0" destOrd="0" parTransId="{57A79CD8-ECD6-A34B-BF2B-0D175F9DF64D}" sibTransId="{591D6BDB-897A-A746-A7E5-2BC4EFDE4ED0}"/>
-    <dgm:cxn modelId="{9040D9DE-D463-FA40-8931-5E64F384DB5F}" type="presOf" srcId="{C5809304-4C55-D747-A9ED-C14293427004}" destId="{D399F7AC-6D3B-724E-BC8C-A3A47BE4BD45}" srcOrd="0" destOrd="0" presId="urn:microsoft.com/office/officeart/2005/8/layout/hProcess4"/>
-    <dgm:cxn modelId="{610E55B3-51DB-404C-A0AE-01C15DAD70D7}" type="presOf" srcId="{EF243D23-9000-8E4A-AEB6-1F7A0F74FFD1}" destId="{F738A19E-7D21-704D-B39E-50D5AE06FD79}" srcOrd="0" destOrd="0" presId="urn:microsoft.com/office/officeart/2005/8/layout/hProcess4"/>
-    <dgm:cxn modelId="{B3372F67-8625-B444-822A-CAD085F7C4DB}" srcId="{1EB4934B-3BCB-884F-B3A6-089FAD951BA9}" destId="{849806C8-24F5-704B-99D3-C929FEBB3D3D}" srcOrd="1" destOrd="0" parTransId="{AB478653-B288-8340-BC42-AD7BD6CB1CA3}" sibTransId="{68A0590E-B82F-AF42-B2FA-8DFB3029E415}"/>
-    <dgm:cxn modelId="{72C26857-3036-6242-B85A-F6B9A9B25E27}" type="presOf" srcId="{952A3FC2-61F0-3D44-A926-9E3E30F8E714}" destId="{9FF6089E-CA8D-3A4F-944E-D9A0DDE45842}" srcOrd="1" destOrd="0" presId="urn:microsoft.com/office/officeart/2005/8/layout/hProcess4"/>
-    <dgm:cxn modelId="{600F76BC-931B-3743-B3CB-12E0FAC6AF93}" type="presOf" srcId="{A696D734-37A2-824C-92BC-4D2C0015BA98}" destId="{5C04EA05-CA37-1D4F-889F-8A6D2632026E}" srcOrd="0" destOrd="0" presId="urn:microsoft.com/office/officeart/2005/8/layout/hProcess4"/>
-    <dgm:cxn modelId="{ADD93AA0-98DD-3A40-961C-592D612C5F84}" type="presOf" srcId="{325A0141-45C9-D543-8FC0-DB8BDA02EAFE}" destId="{261C35D7-B798-044A-8DA7-33BB0B9B7292}" srcOrd="0" destOrd="0" presId="urn:microsoft.com/office/officeart/2005/8/layout/hProcess4"/>
-    <dgm:cxn modelId="{F6C96DF2-8DB8-EF43-8046-D3771FEE6A06}" type="presOf" srcId="{091D4DE6-2638-4345-8AEF-BE41CC43571D}" destId="{B1C5817D-CFC5-294F-A476-4B5034865ECB}" srcOrd="0" destOrd="0" presId="urn:microsoft.com/office/officeart/2005/8/layout/hProcess4"/>
-    <dgm:cxn modelId="{BEFF8256-36CB-7F49-8DA0-D4AED89EAF7F}" type="presOf" srcId="{325A0141-45C9-D543-8FC0-DB8BDA02EAFE}" destId="{1F6968F0-D84D-0F4C-A1A1-AB016AF79389}" srcOrd="1" destOrd="0" presId="urn:microsoft.com/office/officeart/2005/8/layout/hProcess4"/>
-    <dgm:cxn modelId="{99C158B3-2C2A-7040-84B9-232F33D15BDC}" type="presOf" srcId="{68A0590E-B82F-AF42-B2FA-8DFB3029E415}" destId="{6113598A-93D1-5241-9D04-F3AFDFE110F8}" srcOrd="0" destOrd="0" presId="urn:microsoft.com/office/officeart/2005/8/layout/hProcess4"/>
-    <dgm:cxn modelId="{C943CDF1-3E4D-FD44-A79B-BD7B09ACACC2}" type="presOf" srcId="{952A3FC2-61F0-3D44-A926-9E3E30F8E714}" destId="{28DEADCD-77CB-0247-B0D0-E28962560B96}" srcOrd="0" destOrd="0" presId="urn:microsoft.com/office/officeart/2005/8/layout/hProcess4"/>
-    <dgm:cxn modelId="{328A1BB7-2271-9F41-B629-B1F647F6D740}" type="presOf" srcId="{849806C8-24F5-704B-99D3-C929FEBB3D3D}" destId="{86339584-CDAD-2545-AD10-E55D549768B6}" srcOrd="0" destOrd="0" presId="urn:microsoft.com/office/officeart/2005/8/layout/hProcess4"/>
-    <dgm:cxn modelId="{901A4ADB-9ADD-4445-AB0F-F97DC4C8863A}" srcId="{1EB4934B-3BCB-884F-B3A6-089FAD951BA9}" destId="{62FD029A-D972-7943-A4AE-C2787FF46D2C}" srcOrd="0" destOrd="0" parTransId="{9F13AF1A-F094-8649-92A3-F9CADEBC5772}" sibTransId="{8B4C9E09-8B38-0B4C-BD0E-B132F26C264F}"/>
-    <dgm:cxn modelId="{98C2AF9F-ECC0-9644-9AA8-40A44872E163}" type="presOf" srcId="{C5809304-4C55-D747-A9ED-C14293427004}" destId="{0159AD12-8F40-5645-AC96-F9711DFC6F89}" srcOrd="1" destOrd="0" presId="urn:microsoft.com/office/officeart/2005/8/layout/hProcess4"/>
-    <dgm:cxn modelId="{EDCEAFB8-DD4F-614F-A436-10CC3F3EA1BB}" type="presOf" srcId="{32821B99-C92F-A840-841D-23AB6FDA3702}" destId="{BE54856D-6073-D64D-A707-D0537194B9A5}" srcOrd="0" destOrd="0" presId="urn:microsoft.com/office/officeart/2005/8/layout/hProcess4"/>
+    <dgm:cxn modelId="{58FA94FC-4DA2-CB41-A9FF-ED5C552720D9}" type="presOf" srcId="{E28AC4D3-DBD2-E742-A168-2ADC338CA789}" destId="{E968BA48-84FC-7A48-A3E7-3438D4DCA5BB}" srcOrd="0" destOrd="0" presId="urn:microsoft.com/office/officeart/2005/8/layout/hProcess4"/>
     <dgm:cxn modelId="{6EB4F8F1-901D-1841-B8DB-26756B3C316F}" type="presParOf" srcId="{698D7360-FA08-E34A-A9B9-626E01B319EC}" destId="{9AEF1DA8-F65F-9B46-B7D1-C7F261961B0D}" srcOrd="0" destOrd="0" presId="urn:microsoft.com/office/officeart/2005/8/layout/hProcess4"/>
     <dgm:cxn modelId="{5E5BE9BD-0307-7F41-89D2-A0D922C39CD9}" type="presParOf" srcId="{698D7360-FA08-E34A-A9B9-626E01B319EC}" destId="{42C4D25D-BC3E-6647-B655-7E7FB19DABAA}" srcOrd="1" destOrd="0" presId="urn:microsoft.com/office/officeart/2005/8/layout/hProcess4"/>
     <dgm:cxn modelId="{08E36B77-0046-5447-8A9C-F2E8CEEF278D}" type="presParOf" srcId="{698D7360-FA08-E34A-A9B9-626E01B319EC}" destId="{B4ABB926-BF33-7D4E-B7B7-2068623DF516}" srcOrd="2" destOrd="0" presId="urn:microsoft.com/office/officeart/2005/8/layout/hProcess4"/>
@@ -5146,10 +4968,9 @@
         <a:lstStyle/>
         <a:p>
           <a:r>
-            <a:rPr lang="en-US" sz="1600" b="1" i="0" dirty="0" smtClean="0"/>
+            <a:rPr lang="en-US" sz="1600" b="1" i="0" dirty="0"/>
             <a:t>Total break</a:t>
           </a:r>
-          <a:endParaRPr lang="en-US" sz="1600" b="1" i="0" dirty="0"/>
         </a:p>
       </dgm:t>
     </dgm:pt>
@@ -5191,7 +5012,7 @@
         <a:lstStyle/>
         <a:p>
           <a:r>
-            <a:rPr lang="en-US" sz="1600" b="0" i="0" dirty="0" smtClean="0"/>
+            <a:rPr lang="en-US" sz="1600" b="0" i="0" dirty="0"/>
             <a:t>C determines A’s private key</a:t>
           </a:r>
         </a:p>
@@ -5236,7 +5057,7 @@
         <a:lstStyle/>
         <a:p>
           <a:r>
-            <a:rPr lang="en-US" sz="1600" b="1" i="0" dirty="0" smtClean="0"/>
+            <a:rPr lang="en-US" sz="1600" b="1" i="0" dirty="0"/>
             <a:t>Universal forgery</a:t>
           </a:r>
         </a:p>
@@ -5280,7 +5101,7 @@
         <a:lstStyle/>
         <a:p>
           <a:r>
-            <a:rPr lang="en-US" sz="1600" b="0" i="0" dirty="0" smtClean="0"/>
+            <a:rPr lang="en-US" sz="1600" b="0" i="0" dirty="0"/>
             <a:t>C finds an efficient signing algorithm that provides an equivalent way of constructing signatures on arbitrary messages</a:t>
           </a:r>
         </a:p>
@@ -5322,7 +5143,7 @@
         <a:lstStyle/>
         <a:p>
           <a:r>
-            <a:rPr lang="en-US" sz="1600" b="1" i="0" dirty="0" smtClean="0"/>
+            <a:rPr lang="en-US" sz="1600" b="1" i="0" dirty="0"/>
             <a:t>Selective forgery</a:t>
           </a:r>
         </a:p>
@@ -5366,7 +5187,7 @@
         <a:lstStyle/>
         <a:p>
           <a:r>
-            <a:rPr lang="en-US" sz="1600" b="0" i="0" dirty="0" smtClean="0"/>
+            <a:rPr lang="en-US" sz="1600" b="0" i="0" dirty="0"/>
             <a:t>C forges a signature for a particular message chosen by C</a:t>
           </a:r>
         </a:p>
@@ -5408,7 +5229,7 @@
         <a:lstStyle/>
         <a:p>
           <a:r>
-            <a:rPr lang="en-US" sz="1600" b="1" i="0" dirty="0" smtClean="0"/>
+            <a:rPr lang="en-US" sz="1600" b="1" i="0" dirty="0"/>
             <a:t>Existential forgery</a:t>
           </a:r>
         </a:p>
@@ -5444,7 +5265,7 @@
         <a:lstStyle/>
         <a:p>
           <a:r>
-            <a:rPr lang="en-US" sz="1600" b="0" i="0" dirty="0" smtClean="0"/>
+            <a:rPr lang="en-US" sz="1600" b="0" i="0" dirty="0"/>
             <a:t>C forges a signature for at least one message; C has no control over the message</a:t>
           </a:r>
         </a:p>
@@ -5481,13 +5302,6 @@
         </dgm:presLayoutVars>
       </dgm:prSet>
       <dgm:spPr/>
-      <dgm:t>
-        <a:bodyPr/>
-        <a:lstStyle/>
-        <a:p>
-          <a:endParaRPr lang="en-US"/>
-        </a:p>
-      </dgm:t>
     </dgm:pt>
     <dgm:pt modelId="{99C471F4-7460-684C-B214-D5DC51C53E31}" type="pres">
       <dgm:prSet presAssocID="{87426982-4C62-FA47-9D4F-F04163602985}" presName="composite" presStyleCnt="0"/>
@@ -5502,24 +5316,10 @@
         </dgm:presLayoutVars>
       </dgm:prSet>
       <dgm:spPr/>
-      <dgm:t>
-        <a:bodyPr/>
-        <a:lstStyle/>
-        <a:p>
-          <a:endParaRPr lang="en-US"/>
-        </a:p>
-      </dgm:t>
     </dgm:pt>
     <dgm:pt modelId="{101A44DF-AD77-1541-8A87-0836BFDEF031}" type="pres">
       <dgm:prSet presAssocID="{87426982-4C62-FA47-9D4F-F04163602985}" presName="parSh" presStyleLbl="node1" presStyleIdx="0" presStyleCnt="4"/>
       <dgm:spPr/>
-      <dgm:t>
-        <a:bodyPr/>
-        <a:lstStyle/>
-        <a:p>
-          <a:endParaRPr lang="en-US"/>
-        </a:p>
-      </dgm:t>
     </dgm:pt>
     <dgm:pt modelId="{0E4CDE2A-69D9-2845-92AE-4B2CCE826D72}" type="pres">
       <dgm:prSet presAssocID="{87426982-4C62-FA47-9D4F-F04163602985}" presName="desTx" presStyleLbl="fgAcc1" presStyleIdx="0" presStyleCnt="4" custScaleX="118735">
@@ -5528,35 +5328,14 @@
         </dgm:presLayoutVars>
       </dgm:prSet>
       <dgm:spPr/>
-      <dgm:t>
-        <a:bodyPr/>
-        <a:lstStyle/>
-        <a:p>
-          <a:endParaRPr lang="en-US"/>
-        </a:p>
-      </dgm:t>
     </dgm:pt>
     <dgm:pt modelId="{2B4133B3-65E5-CD47-9FFB-4744807E0169}" type="pres">
       <dgm:prSet presAssocID="{F4107901-7FB5-214B-A240-60CF0754073E}" presName="sibTrans" presStyleLbl="sibTrans2D1" presStyleIdx="0" presStyleCnt="3" custLinFactY="200000" custLinFactNeighborX="40391" custLinFactNeighborY="248919"/>
       <dgm:spPr/>
-      <dgm:t>
-        <a:bodyPr/>
-        <a:lstStyle/>
-        <a:p>
-          <a:endParaRPr lang="en-US"/>
-        </a:p>
-      </dgm:t>
     </dgm:pt>
     <dgm:pt modelId="{739EB429-1EFC-F646-9F3F-96D5AE61821C}" type="pres">
       <dgm:prSet presAssocID="{F4107901-7FB5-214B-A240-60CF0754073E}" presName="connTx" presStyleLbl="sibTrans2D1" presStyleIdx="0" presStyleCnt="3"/>
       <dgm:spPr/>
-      <dgm:t>
-        <a:bodyPr/>
-        <a:lstStyle/>
-        <a:p>
-          <a:endParaRPr lang="en-US"/>
-        </a:p>
-      </dgm:t>
     </dgm:pt>
     <dgm:pt modelId="{5E6455DF-785D-D546-A8DE-0E52EBFF0246}" type="pres">
       <dgm:prSet presAssocID="{89C47497-F63A-6D48-80B2-28172461E396}" presName="composite" presStyleCnt="0"/>
@@ -5571,24 +5350,10 @@
         </dgm:presLayoutVars>
       </dgm:prSet>
       <dgm:spPr/>
-      <dgm:t>
-        <a:bodyPr/>
-        <a:lstStyle/>
-        <a:p>
-          <a:endParaRPr lang="en-US"/>
-        </a:p>
-      </dgm:t>
     </dgm:pt>
     <dgm:pt modelId="{6BCE3938-8922-C143-8CE8-22BDF36BD300}" type="pres">
       <dgm:prSet presAssocID="{89C47497-F63A-6D48-80B2-28172461E396}" presName="parSh" presStyleLbl="node1" presStyleIdx="1" presStyleCnt="4" custLinFactNeighborX="2926" custLinFactNeighborY="-26137"/>
       <dgm:spPr/>
-      <dgm:t>
-        <a:bodyPr/>
-        <a:lstStyle/>
-        <a:p>
-          <a:endParaRPr lang="en-US"/>
-        </a:p>
-      </dgm:t>
     </dgm:pt>
     <dgm:pt modelId="{A9604252-7623-6E45-B121-4F7EA3924F41}" type="pres">
       <dgm:prSet presAssocID="{89C47497-F63A-6D48-80B2-28172461E396}" presName="desTx" presStyleLbl="fgAcc1" presStyleIdx="1" presStyleCnt="4" custScaleX="130845" custScaleY="108697">
@@ -5597,35 +5362,14 @@
         </dgm:presLayoutVars>
       </dgm:prSet>
       <dgm:spPr/>
-      <dgm:t>
-        <a:bodyPr/>
-        <a:lstStyle/>
-        <a:p>
-          <a:endParaRPr lang="en-US"/>
-        </a:p>
-      </dgm:t>
     </dgm:pt>
     <dgm:pt modelId="{19EE82D6-0B7D-6D4B-BA04-DCDF8FC17126}" type="pres">
       <dgm:prSet presAssocID="{7122FC5A-28A3-7748-B273-A3699B1915E1}" presName="sibTrans" presStyleLbl="sibTrans2D1" presStyleIdx="1" presStyleCnt="3" custScaleX="99640" custScaleY="120667" custLinFactY="200000" custLinFactNeighborX="40835" custLinFactNeighborY="240929"/>
       <dgm:spPr/>
-      <dgm:t>
-        <a:bodyPr/>
-        <a:lstStyle/>
-        <a:p>
-          <a:endParaRPr lang="en-US"/>
-        </a:p>
-      </dgm:t>
     </dgm:pt>
     <dgm:pt modelId="{7B7F93CB-61CA-FC42-9BAB-FC8512DB2264}" type="pres">
       <dgm:prSet presAssocID="{7122FC5A-28A3-7748-B273-A3699B1915E1}" presName="connTx" presStyleLbl="sibTrans2D1" presStyleIdx="1" presStyleCnt="3"/>
       <dgm:spPr/>
-      <dgm:t>
-        <a:bodyPr/>
-        <a:lstStyle/>
-        <a:p>
-          <a:endParaRPr lang="en-US"/>
-        </a:p>
-      </dgm:t>
     </dgm:pt>
     <dgm:pt modelId="{47A78F8C-6C1C-4646-82FA-C5C91CF0335E}" type="pres">
       <dgm:prSet presAssocID="{C71394A2-4A4B-F542-8B1D-C349B3D43456}" presName="composite" presStyleCnt="0"/>
@@ -5640,24 +5384,10 @@
         </dgm:presLayoutVars>
       </dgm:prSet>
       <dgm:spPr/>
-      <dgm:t>
-        <a:bodyPr/>
-        <a:lstStyle/>
-        <a:p>
-          <a:endParaRPr lang="en-US"/>
-        </a:p>
-      </dgm:t>
     </dgm:pt>
     <dgm:pt modelId="{56717EE1-4E03-A042-8D89-87EB14766B38}" type="pres">
       <dgm:prSet presAssocID="{C71394A2-4A4B-F542-8B1D-C349B3D43456}" presName="parSh" presStyleLbl="node1" presStyleIdx="2" presStyleCnt="4" custLinFactNeighborX="-213" custLinFactNeighborY="-13903"/>
       <dgm:spPr/>
-      <dgm:t>
-        <a:bodyPr/>
-        <a:lstStyle/>
-        <a:p>
-          <a:endParaRPr lang="en-US"/>
-        </a:p>
-      </dgm:t>
     </dgm:pt>
     <dgm:pt modelId="{F514192E-16F6-9549-971E-F56A18C8964B}" type="pres">
       <dgm:prSet presAssocID="{C71394A2-4A4B-F542-8B1D-C349B3D43456}" presName="desTx" presStyleLbl="fgAcc1" presStyleIdx="2" presStyleCnt="4" custScaleX="128689">
@@ -5666,35 +5396,14 @@
         </dgm:presLayoutVars>
       </dgm:prSet>
       <dgm:spPr/>
-      <dgm:t>
-        <a:bodyPr/>
-        <a:lstStyle/>
-        <a:p>
-          <a:endParaRPr lang="en-US"/>
-        </a:p>
-      </dgm:t>
     </dgm:pt>
     <dgm:pt modelId="{610019C1-FC9D-6E4D-9F21-C45689A05A64}" type="pres">
       <dgm:prSet presAssocID="{C31DCADE-BF65-C342-8D5B-05475E493536}" presName="sibTrans" presStyleLbl="sibTrans2D1" presStyleIdx="2" presStyleCnt="3" custLinFactY="200000" custLinFactNeighborX="52478" custLinFactNeighborY="233478"/>
       <dgm:spPr/>
-      <dgm:t>
-        <a:bodyPr/>
-        <a:lstStyle/>
-        <a:p>
-          <a:endParaRPr lang="en-US"/>
-        </a:p>
-      </dgm:t>
     </dgm:pt>
     <dgm:pt modelId="{09005388-F3D5-E943-BDAF-7F9DA16B8176}" type="pres">
       <dgm:prSet presAssocID="{C31DCADE-BF65-C342-8D5B-05475E493536}" presName="connTx" presStyleLbl="sibTrans2D1" presStyleIdx="2" presStyleCnt="3"/>
       <dgm:spPr/>
-      <dgm:t>
-        <a:bodyPr/>
-        <a:lstStyle/>
-        <a:p>
-          <a:endParaRPr lang="en-US"/>
-        </a:p>
-      </dgm:t>
     </dgm:pt>
     <dgm:pt modelId="{0B0EE660-44D8-9A4D-B958-79ACC929D337}" type="pres">
       <dgm:prSet presAssocID="{7244B7EC-048F-3F43-BADB-E4BF5DEFEB95}" presName="composite" presStyleCnt="0"/>
@@ -5709,24 +5418,10 @@
         </dgm:presLayoutVars>
       </dgm:prSet>
       <dgm:spPr/>
-      <dgm:t>
-        <a:bodyPr/>
-        <a:lstStyle/>
-        <a:p>
-          <a:endParaRPr lang="en-US"/>
-        </a:p>
-      </dgm:t>
     </dgm:pt>
     <dgm:pt modelId="{5AD2B861-3BAE-3042-934B-501D64CAC41A}" type="pres">
       <dgm:prSet presAssocID="{7244B7EC-048F-3F43-BADB-E4BF5DEFEB95}" presName="parSh" presStyleLbl="node1" presStyleIdx="3" presStyleCnt="4" custLinFactNeighborX="-1809" custLinFactNeighborY="-13903"/>
       <dgm:spPr/>
-      <dgm:t>
-        <a:bodyPr/>
-        <a:lstStyle/>
-        <a:p>
-          <a:endParaRPr lang="en-US"/>
-        </a:p>
-      </dgm:t>
     </dgm:pt>
     <dgm:pt modelId="{40FE2F61-339C-1F4C-9E02-6D4B443A20E5}" type="pres">
       <dgm:prSet presAssocID="{7244B7EC-048F-3F43-BADB-E4BF5DEFEB95}" presName="desTx" presStyleLbl="fgAcc1" presStyleIdx="3" presStyleCnt="4" custScaleX="132024">
@@ -5735,43 +5430,36 @@
         </dgm:presLayoutVars>
       </dgm:prSet>
       <dgm:spPr/>
-      <dgm:t>
-        <a:bodyPr/>
-        <a:lstStyle/>
-        <a:p>
-          <a:endParaRPr lang="en-US"/>
-        </a:p>
-      </dgm:t>
     </dgm:pt>
   </dgm:ptLst>
   <dgm:cxnLst>
+    <dgm:cxn modelId="{A981CF05-4BA8-A54C-8566-4E95EAB8ABFE}" type="presOf" srcId="{7122FC5A-28A3-7748-B273-A3699B1915E1}" destId="{7B7F93CB-61CA-FC42-9BAB-FC8512DB2264}" srcOrd="1" destOrd="0" presId="urn:microsoft.com/office/officeart/2005/8/layout/process3"/>
+    <dgm:cxn modelId="{C6484007-E7AD-F54B-96E3-8D72082C2F91}" type="presOf" srcId="{4B40B00E-9E57-B548-A6BF-9D701444F990}" destId="{0E4CDE2A-69D9-2845-92AE-4B2CCE826D72}" srcOrd="0" destOrd="0" presId="urn:microsoft.com/office/officeart/2005/8/layout/process3"/>
+    <dgm:cxn modelId="{C858020D-967C-1647-9C11-8FD7810E46FE}" type="presOf" srcId="{87426982-4C62-FA47-9D4F-F04163602985}" destId="{101A44DF-AD77-1541-8A87-0836BFDEF031}" srcOrd="1" destOrd="0" presId="urn:microsoft.com/office/officeart/2005/8/layout/process3"/>
+    <dgm:cxn modelId="{2E4D8918-4D21-FA45-9872-816190575054}" type="presOf" srcId="{C71394A2-4A4B-F542-8B1D-C349B3D43456}" destId="{365AE527-F96E-CD43-A989-4D7507C5A0E7}" srcOrd="0" destOrd="0" presId="urn:microsoft.com/office/officeart/2005/8/layout/process3"/>
+    <dgm:cxn modelId="{70F7A820-9774-BD46-A202-AAB22654A056}" type="presOf" srcId="{F4107901-7FB5-214B-A240-60CF0754073E}" destId="{2B4133B3-65E5-CD47-9FFB-4744807E0169}" srcOrd="0" destOrd="0" presId="urn:microsoft.com/office/officeart/2005/8/layout/process3"/>
+    <dgm:cxn modelId="{2038CF20-3014-8848-8F03-A3BE7A5B0AAA}" type="presOf" srcId="{F4107901-7FB5-214B-A240-60CF0754073E}" destId="{739EB429-1EFC-F646-9F3F-96D5AE61821C}" srcOrd="1" destOrd="0" presId="urn:microsoft.com/office/officeart/2005/8/layout/process3"/>
     <dgm:cxn modelId="{3655DE3C-F43E-E74A-8D1E-CE297AFDEE7E}" srcId="{89C47497-F63A-6D48-80B2-28172461E396}" destId="{0415C92A-EA42-FF4C-B062-93CC10D41834}" srcOrd="0" destOrd="0" parTransId="{BFD929B9-88F0-1E40-ABCA-20D5A327D626}" sibTransId="{FEFC453E-59AC-F642-A930-776991F598CD}"/>
+    <dgm:cxn modelId="{347A3B44-B1EE-574A-9BB5-0C3F3C4143E7}" type="presOf" srcId="{89C47497-F63A-6D48-80B2-28172461E396}" destId="{8F13E31C-38DC-C14F-9BC4-B5B6D13DDCDE}" srcOrd="0" destOrd="0" presId="urn:microsoft.com/office/officeart/2005/8/layout/process3"/>
+    <dgm:cxn modelId="{1A947A66-8B75-CA44-B8FB-BB48A62BE3E0}" type="presOf" srcId="{7244B7EC-048F-3F43-BADB-E4BF5DEFEB95}" destId="{5AD2B861-3BAE-3042-934B-501D64CAC41A}" srcOrd="1" destOrd="0" presId="urn:microsoft.com/office/officeart/2005/8/layout/process3"/>
     <dgm:cxn modelId="{A1124048-C270-DC46-94E5-F14520DC31E7}" type="presOf" srcId="{0415C92A-EA42-FF4C-B062-93CC10D41834}" destId="{A9604252-7623-6E45-B121-4F7EA3924F41}" srcOrd="0" destOrd="0" presId="urn:microsoft.com/office/officeart/2005/8/layout/process3"/>
+    <dgm:cxn modelId="{41FA5E6D-E9C1-D44D-9732-D7A601D6B8BB}" type="presOf" srcId="{87426982-4C62-FA47-9D4F-F04163602985}" destId="{BFFCAE52-0663-8F4A-A36F-AB2F9F363B9C}" srcOrd="0" destOrd="0" presId="urn:microsoft.com/office/officeart/2005/8/layout/process3"/>
+    <dgm:cxn modelId="{2C9A356E-DBC9-DF4A-8F1A-5A8E1F220662}" srcId="{57E9E305-0852-F44C-AB79-98CA4652A724}" destId="{C71394A2-4A4B-F542-8B1D-C349B3D43456}" srcOrd="2" destOrd="0" parTransId="{DC811E5E-6F19-5C4D-92D5-BFEBAD7C09A8}" sibTransId="{C31DCADE-BF65-C342-8D5B-05475E493536}"/>
+    <dgm:cxn modelId="{DACB1451-105C-AF41-AF5F-D320CBC4A758}" type="presOf" srcId="{C71394A2-4A4B-F542-8B1D-C349B3D43456}" destId="{56717EE1-4E03-A042-8D89-87EB14766B38}" srcOrd="1" destOrd="0" presId="urn:microsoft.com/office/officeart/2005/8/layout/process3"/>
+    <dgm:cxn modelId="{01F73252-03FE-6A41-ACAA-3473EAB7E6BD}" type="presOf" srcId="{564C0619-6F0E-9147-A52B-2B62F3ADA0AC}" destId="{40FE2F61-339C-1F4C-9E02-6D4B443A20E5}" srcOrd="0" destOrd="0" presId="urn:microsoft.com/office/officeart/2005/8/layout/process3"/>
+    <dgm:cxn modelId="{FD662654-A894-5845-A86A-DBD2AC40D127}" srcId="{57E9E305-0852-F44C-AB79-98CA4652A724}" destId="{89C47497-F63A-6D48-80B2-28172461E396}" srcOrd="1" destOrd="0" parTransId="{292280B2-B516-A848-B3E4-116EF1902A8B}" sibTransId="{7122FC5A-28A3-7748-B273-A3699B1915E1}"/>
+    <dgm:cxn modelId="{98583A7B-EC6B-5147-8805-3A4B3A8A9E17}" type="presOf" srcId="{89C47497-F63A-6D48-80B2-28172461E396}" destId="{6BCE3938-8922-C143-8CE8-22BDF36BD300}" srcOrd="1" destOrd="0" presId="urn:microsoft.com/office/officeart/2005/8/layout/process3"/>
+    <dgm:cxn modelId="{DE53B980-A27D-504E-943B-9990C7FE403D}" type="presOf" srcId="{57E9E305-0852-F44C-AB79-98CA4652A724}" destId="{E384768B-DD21-624A-BE2C-5294E54DAFBB}" srcOrd="0" destOrd="0" presId="urn:microsoft.com/office/officeart/2005/8/layout/process3"/>
+    <dgm:cxn modelId="{6C3D7189-DF46-9044-AC48-164B9A70B7BD}" type="presOf" srcId="{F377A6DC-C4A0-C243-BE38-ABA973FDD5DE}" destId="{F514192E-16F6-9549-971E-F56A18C8964B}" srcOrd="0" destOrd="0" presId="urn:microsoft.com/office/officeart/2005/8/layout/process3"/>
+    <dgm:cxn modelId="{5C9C5495-E8D9-D243-B58B-F0D3C016F940}" type="presOf" srcId="{7244B7EC-048F-3F43-BADB-E4BF5DEFEB95}" destId="{57F06FFC-026E-B140-80B7-A539397B9ACA}" srcOrd="0" destOrd="0" presId="urn:microsoft.com/office/officeart/2005/8/layout/process3"/>
+    <dgm:cxn modelId="{36FDFE9A-2572-5240-B97C-38C6D50FFB50}" type="presOf" srcId="{C31DCADE-BF65-C342-8D5B-05475E493536}" destId="{09005388-F3D5-E943-BDAF-7F9DA16B8176}" srcOrd="1" destOrd="0" presId="urn:microsoft.com/office/officeart/2005/8/layout/process3"/>
     <dgm:cxn modelId="{576046B5-C546-5843-AC8F-94D26CC0A2A0}" srcId="{87426982-4C62-FA47-9D4F-F04163602985}" destId="{4B40B00E-9E57-B548-A6BF-9D701444F990}" srcOrd="0" destOrd="0" parTransId="{2D939306-DFEC-C44A-A5E5-EDC10A375910}" sibTransId="{FB171677-E161-6E4E-8A05-30015C198AC9}"/>
     <dgm:cxn modelId="{F6EAE0B8-00B6-6B4F-BA22-1E32CB88877D}" type="presOf" srcId="{7122FC5A-28A3-7748-B273-A3699B1915E1}" destId="{19EE82D6-0B7D-6D4B-BA04-DCDF8FC17126}" srcOrd="0" destOrd="0" presId="urn:microsoft.com/office/officeart/2005/8/layout/process3"/>
-    <dgm:cxn modelId="{2C9A356E-DBC9-DF4A-8F1A-5A8E1F220662}" srcId="{57E9E305-0852-F44C-AB79-98CA4652A724}" destId="{C71394A2-4A4B-F542-8B1D-C349B3D43456}" srcOrd="2" destOrd="0" parTransId="{DC811E5E-6F19-5C4D-92D5-BFEBAD7C09A8}" sibTransId="{C31DCADE-BF65-C342-8D5B-05475E493536}"/>
-    <dgm:cxn modelId="{70F7A820-9774-BD46-A202-AAB22654A056}" type="presOf" srcId="{F4107901-7FB5-214B-A240-60CF0754073E}" destId="{2B4133B3-65E5-CD47-9FFB-4744807E0169}" srcOrd="0" destOrd="0" presId="urn:microsoft.com/office/officeart/2005/8/layout/process3"/>
-    <dgm:cxn modelId="{41FA5E6D-E9C1-D44D-9732-D7A601D6B8BB}" type="presOf" srcId="{87426982-4C62-FA47-9D4F-F04163602985}" destId="{BFFCAE52-0663-8F4A-A36F-AB2F9F363B9C}" srcOrd="0" destOrd="0" presId="urn:microsoft.com/office/officeart/2005/8/layout/process3"/>
-    <dgm:cxn modelId="{2E4D8918-4D21-FA45-9872-816190575054}" type="presOf" srcId="{C71394A2-4A4B-F542-8B1D-C349B3D43456}" destId="{365AE527-F96E-CD43-A989-4D7507C5A0E7}" srcOrd="0" destOrd="0" presId="urn:microsoft.com/office/officeart/2005/8/layout/process3"/>
-    <dgm:cxn modelId="{6C3D7189-DF46-9044-AC48-164B9A70B7BD}" type="presOf" srcId="{F377A6DC-C4A0-C243-BE38-ABA973FDD5DE}" destId="{F514192E-16F6-9549-971E-F56A18C8964B}" srcOrd="0" destOrd="0" presId="urn:microsoft.com/office/officeart/2005/8/layout/process3"/>
-    <dgm:cxn modelId="{FD662654-A894-5845-A86A-DBD2AC40D127}" srcId="{57E9E305-0852-F44C-AB79-98CA4652A724}" destId="{89C47497-F63A-6D48-80B2-28172461E396}" srcOrd="1" destOrd="0" parTransId="{292280B2-B516-A848-B3E4-116EF1902A8B}" sibTransId="{7122FC5A-28A3-7748-B273-A3699B1915E1}"/>
     <dgm:cxn modelId="{EBC388BB-F442-264F-A213-34DE77452B26}" srcId="{57E9E305-0852-F44C-AB79-98CA4652A724}" destId="{87426982-4C62-FA47-9D4F-F04163602985}" srcOrd="0" destOrd="0" parTransId="{12C300FB-4CC3-D245-85FB-89013BB52532}" sibTransId="{F4107901-7FB5-214B-A240-60CF0754073E}"/>
-    <dgm:cxn modelId="{2038CF20-3014-8848-8F03-A3BE7A5B0AAA}" type="presOf" srcId="{F4107901-7FB5-214B-A240-60CF0754073E}" destId="{739EB429-1EFC-F646-9F3F-96D5AE61821C}" srcOrd="1" destOrd="0" presId="urn:microsoft.com/office/officeart/2005/8/layout/process3"/>
-    <dgm:cxn modelId="{347A3B44-B1EE-574A-9BB5-0C3F3C4143E7}" type="presOf" srcId="{89C47497-F63A-6D48-80B2-28172461E396}" destId="{8F13E31C-38DC-C14F-9BC4-B5B6D13DDCDE}" srcOrd="0" destOrd="0" presId="urn:microsoft.com/office/officeart/2005/8/layout/process3"/>
+    <dgm:cxn modelId="{D570EBBB-4F1E-CA43-A223-115B080C95AF}" srcId="{7244B7EC-048F-3F43-BADB-E4BF5DEFEB95}" destId="{564C0619-6F0E-9147-A52B-2B62F3ADA0AC}" srcOrd="0" destOrd="0" parTransId="{ED2D9B7C-CB2F-7A47-9B9C-12E2672F1C5E}" sibTransId="{BA08021C-2BA5-F843-A96D-EB72A2EBB253}"/>
     <dgm:cxn modelId="{54DB10C6-D12D-654B-81A2-8ED45350DE66}" srcId="{57E9E305-0852-F44C-AB79-98CA4652A724}" destId="{7244B7EC-048F-3F43-BADB-E4BF5DEFEB95}" srcOrd="3" destOrd="0" parTransId="{6C957609-A7CF-154F-81FB-25743515F4B5}" sibTransId="{B67BC9AF-DF89-414C-8C1F-F8907F325910}"/>
     <dgm:cxn modelId="{4A46A2CD-27C6-8B43-A2DC-08A7545FA416}" srcId="{C71394A2-4A4B-F542-8B1D-C349B3D43456}" destId="{F377A6DC-C4A0-C243-BE38-ABA973FDD5DE}" srcOrd="0" destOrd="0" parTransId="{24FDCF89-9684-4348-A674-CE10DAE09AC5}" sibTransId="{4A08968B-BB9A-DC40-8769-50D6036D6916}"/>
-    <dgm:cxn modelId="{C858020D-967C-1647-9C11-8FD7810E46FE}" type="presOf" srcId="{87426982-4C62-FA47-9D4F-F04163602985}" destId="{101A44DF-AD77-1541-8A87-0836BFDEF031}" srcOrd="1" destOrd="0" presId="urn:microsoft.com/office/officeart/2005/8/layout/process3"/>
     <dgm:cxn modelId="{76F5A6EB-CE5C-F744-B55D-9AC53BD67A21}" type="presOf" srcId="{C31DCADE-BF65-C342-8D5B-05475E493536}" destId="{610019C1-FC9D-6E4D-9F21-C45689A05A64}" srcOrd="0" destOrd="0" presId="urn:microsoft.com/office/officeart/2005/8/layout/process3"/>
-    <dgm:cxn modelId="{C6484007-E7AD-F54B-96E3-8D72082C2F91}" type="presOf" srcId="{4B40B00E-9E57-B548-A6BF-9D701444F990}" destId="{0E4CDE2A-69D9-2845-92AE-4B2CCE826D72}" srcOrd="0" destOrd="0" presId="urn:microsoft.com/office/officeart/2005/8/layout/process3"/>
-    <dgm:cxn modelId="{D570EBBB-4F1E-CA43-A223-115B080C95AF}" srcId="{7244B7EC-048F-3F43-BADB-E4BF5DEFEB95}" destId="{564C0619-6F0E-9147-A52B-2B62F3ADA0AC}" srcOrd="0" destOrd="0" parTransId="{ED2D9B7C-CB2F-7A47-9B9C-12E2672F1C5E}" sibTransId="{BA08021C-2BA5-F843-A96D-EB72A2EBB253}"/>
-    <dgm:cxn modelId="{01F73252-03FE-6A41-ACAA-3473EAB7E6BD}" type="presOf" srcId="{564C0619-6F0E-9147-A52B-2B62F3ADA0AC}" destId="{40FE2F61-339C-1F4C-9E02-6D4B443A20E5}" srcOrd="0" destOrd="0" presId="urn:microsoft.com/office/officeart/2005/8/layout/process3"/>
-    <dgm:cxn modelId="{DE53B980-A27D-504E-943B-9990C7FE403D}" type="presOf" srcId="{57E9E305-0852-F44C-AB79-98CA4652A724}" destId="{E384768B-DD21-624A-BE2C-5294E54DAFBB}" srcOrd="0" destOrd="0" presId="urn:microsoft.com/office/officeart/2005/8/layout/process3"/>
-    <dgm:cxn modelId="{5C9C5495-E8D9-D243-B58B-F0D3C016F940}" type="presOf" srcId="{7244B7EC-048F-3F43-BADB-E4BF5DEFEB95}" destId="{57F06FFC-026E-B140-80B7-A539397B9ACA}" srcOrd="0" destOrd="0" presId="urn:microsoft.com/office/officeart/2005/8/layout/process3"/>
-    <dgm:cxn modelId="{98583A7B-EC6B-5147-8805-3A4B3A8A9E17}" type="presOf" srcId="{89C47497-F63A-6D48-80B2-28172461E396}" destId="{6BCE3938-8922-C143-8CE8-22BDF36BD300}" srcOrd="1" destOrd="0" presId="urn:microsoft.com/office/officeart/2005/8/layout/process3"/>
-    <dgm:cxn modelId="{36FDFE9A-2572-5240-B97C-38C6D50FFB50}" type="presOf" srcId="{C31DCADE-BF65-C342-8D5B-05475E493536}" destId="{09005388-F3D5-E943-BDAF-7F9DA16B8176}" srcOrd="1" destOrd="0" presId="urn:microsoft.com/office/officeart/2005/8/layout/process3"/>
-    <dgm:cxn modelId="{1A947A66-8B75-CA44-B8FB-BB48A62BE3E0}" type="presOf" srcId="{7244B7EC-048F-3F43-BADB-E4BF5DEFEB95}" destId="{5AD2B861-3BAE-3042-934B-501D64CAC41A}" srcOrd="1" destOrd="0" presId="urn:microsoft.com/office/officeart/2005/8/layout/process3"/>
-    <dgm:cxn modelId="{DACB1451-105C-AF41-AF5F-D320CBC4A758}" type="presOf" srcId="{C71394A2-4A4B-F542-8B1D-C349B3D43456}" destId="{56717EE1-4E03-A042-8D89-87EB14766B38}" srcOrd="1" destOrd="0" presId="urn:microsoft.com/office/officeart/2005/8/layout/process3"/>
-    <dgm:cxn modelId="{A981CF05-4BA8-A54C-8566-4E95EAB8ABFE}" type="presOf" srcId="{7122FC5A-28A3-7748-B273-A3699B1915E1}" destId="{7B7F93CB-61CA-FC42-9BAB-FC8512DB2264}" srcOrd="1" destOrd="0" presId="urn:microsoft.com/office/officeart/2005/8/layout/process3"/>
     <dgm:cxn modelId="{44058B8F-75FA-034F-BB3A-C8E317964F82}" type="presParOf" srcId="{E384768B-DD21-624A-BE2C-5294E54DAFBB}" destId="{99C471F4-7460-684C-B214-D5DC51C53E31}" srcOrd="0" destOrd="0" presId="urn:microsoft.com/office/officeart/2005/8/layout/process3"/>
     <dgm:cxn modelId="{F5C11D87-6CA2-274E-A021-4CAE7944E525}" type="presParOf" srcId="{99C471F4-7460-684C-B214-D5DC51C53E31}" destId="{BFFCAE52-0663-8F4A-A36F-AB2F9F363B9C}" srcOrd="0" destOrd="0" presId="urn:microsoft.com/office/officeart/2005/8/layout/process3"/>
     <dgm:cxn modelId="{3877E1BA-3F38-464A-A4B5-982D377A4E06}" type="presParOf" srcId="{99C471F4-7460-684C-B214-D5DC51C53E31}" destId="{101A44DF-AD77-1541-8A87-0836BFDEF031}" srcOrd="1" destOrd="0" presId="urn:microsoft.com/office/officeart/2005/8/layout/process3"/>
@@ -5828,10 +5516,9 @@
         <a:p>
           <a:pPr rtl="0"/>
           <a:r>
-            <a:rPr lang="en-US" dirty="0" smtClean="0"/>
+            <a:rPr lang="en-US" dirty="0"/>
             <a:t>Refers to a digital signature scheme that involves only the communicating parties</a:t>
           </a:r>
-          <a:endParaRPr lang="en-US" dirty="0"/>
         </a:p>
       </dgm:t>
     </dgm:pt>
@@ -5866,10 +5553,9 @@
         <a:p>
           <a:pPr rtl="0"/>
           <a:r>
-            <a:rPr lang="en-US" dirty="0" smtClean="0"/>
+            <a:rPr lang="en-US" dirty="0"/>
             <a:t>It is assumed that the destination knows the public key of the source</a:t>
           </a:r>
-          <a:endParaRPr lang="en-US" dirty="0"/>
         </a:p>
       </dgm:t>
     </dgm:pt>
@@ -5904,10 +5590,9 @@
         <a:p>
           <a:pPr rtl="0"/>
           <a:r>
-            <a:rPr lang="en-US" dirty="0" smtClean="0"/>
+            <a:rPr lang="en-US" dirty="0"/>
             <a:t>Confidentiality can be provided by encrypting the entire message plus signature with a shared secret key</a:t>
           </a:r>
-          <a:endParaRPr lang="en-US" dirty="0"/>
         </a:p>
       </dgm:t>
     </dgm:pt>
@@ -5942,10 +5627,9 @@
         <a:p>
           <a:pPr rtl="0"/>
           <a:r>
-            <a:rPr lang="en-US" dirty="0" smtClean="0"/>
+            <a:rPr lang="en-US" dirty="0"/>
             <a:t>It is important to perform the signature function first and then an outer confidentiality function</a:t>
           </a:r>
-          <a:endParaRPr lang="en-US" dirty="0"/>
         </a:p>
       </dgm:t>
     </dgm:pt>
@@ -5980,10 +5664,9 @@
         <a:p>
           <a:pPr rtl="0"/>
           <a:r>
-            <a:rPr lang="en-US" dirty="0" smtClean="0"/>
+            <a:rPr lang="en-US" dirty="0"/>
             <a:t>In case of dispute some third party must view the message and its signature</a:t>
           </a:r>
-          <a:endParaRPr lang="en-US" dirty="0"/>
         </a:p>
       </dgm:t>
     </dgm:pt>
@@ -6018,10 +5701,9 @@
         <a:p>
           <a:pPr rtl="0"/>
           <a:r>
-            <a:rPr lang="en-US" dirty="0" smtClean="0"/>
+            <a:rPr lang="en-US" dirty="0"/>
             <a:t>The validity of the scheme depends on the security of the sender’s private key</a:t>
           </a:r>
-          <a:endParaRPr lang="en-US" dirty="0"/>
         </a:p>
       </dgm:t>
     </dgm:pt>
@@ -6056,10 +5738,9 @@
         <a:p>
           <a:pPr rtl="0"/>
           <a:r>
-            <a:rPr lang="en-US" dirty="0" smtClean="0"/>
+            <a:rPr lang="en-US" dirty="0"/>
             <a:t>If a sender later wishes to deny sending a particular message, the sender can claim that the private key was lost or stolen and that someone else forged his or her signature</a:t>
           </a:r>
-          <a:endParaRPr lang="en-US" dirty="0"/>
         </a:p>
       </dgm:t>
     </dgm:pt>
@@ -6094,10 +5775,9 @@
         <a:p>
           <a:pPr rtl="0"/>
           <a:r>
-            <a:rPr lang="en-US" dirty="0" smtClean="0"/>
+            <a:rPr lang="en-US" dirty="0"/>
             <a:t>One way to thwart or at least weaken this ploy is to require every signed message to include a timestamp and to require prompt reporting of compromised keys to a central authority</a:t>
           </a:r>
-          <a:endParaRPr lang="en-US" dirty="0"/>
         </a:p>
       </dgm:t>
     </dgm:pt>
@@ -6134,13 +5814,6 @@
         </dgm:presLayoutVars>
       </dgm:prSet>
       <dgm:spPr/>
-      <dgm:t>
-        <a:bodyPr/>
-        <a:lstStyle/>
-        <a:p>
-          <a:endParaRPr lang="en-US"/>
-        </a:p>
-      </dgm:t>
     </dgm:pt>
     <dgm:pt modelId="{BE9374B9-95EA-8046-B444-F7C1AA1CF240}" type="pres">
       <dgm:prSet presAssocID="{6A22A0B6-6E0B-BF4F-9C27-BB7618F54897}" presName="root" presStyleCnt="0"/>
@@ -6153,24 +5826,10 @@
     <dgm:pt modelId="{25FDBBF6-CF11-1E43-9D7C-C6942A31C343}" type="pres">
       <dgm:prSet presAssocID="{6A22A0B6-6E0B-BF4F-9C27-BB7618F54897}" presName="rootText" presStyleLbl="node1" presStyleIdx="0" presStyleCnt="3"/>
       <dgm:spPr/>
-      <dgm:t>
-        <a:bodyPr/>
-        <a:lstStyle/>
-        <a:p>
-          <a:endParaRPr lang="en-US"/>
-        </a:p>
-      </dgm:t>
     </dgm:pt>
     <dgm:pt modelId="{106DD0AE-4430-E54F-9203-2273FFB9A051}" type="pres">
       <dgm:prSet presAssocID="{6A22A0B6-6E0B-BF4F-9C27-BB7618F54897}" presName="rootConnector" presStyleLbl="node1" presStyleIdx="0" presStyleCnt="3"/>
       <dgm:spPr/>
-      <dgm:t>
-        <a:bodyPr/>
-        <a:lstStyle/>
-        <a:p>
-          <a:endParaRPr lang="en-US"/>
-        </a:p>
-      </dgm:t>
     </dgm:pt>
     <dgm:pt modelId="{35C522F6-C92E-704E-96D5-5F56EABC97B0}" type="pres">
       <dgm:prSet presAssocID="{6A22A0B6-6E0B-BF4F-9C27-BB7618F54897}" presName="childShape" presStyleCnt="0"/>
@@ -6179,13 +5838,6 @@
     <dgm:pt modelId="{258D4665-4333-6544-AB2B-1B41EC8A41C4}" type="pres">
       <dgm:prSet presAssocID="{B13B3ABE-DA06-194F-B1E3-3DD7121C84CF}" presName="Name13" presStyleLbl="parChTrans1D2" presStyleIdx="0" presStyleCnt="5"/>
       <dgm:spPr/>
-      <dgm:t>
-        <a:bodyPr/>
-        <a:lstStyle/>
-        <a:p>
-          <a:endParaRPr lang="en-US"/>
-        </a:p>
-      </dgm:t>
     </dgm:pt>
     <dgm:pt modelId="{1907C986-B863-604C-8A4C-6ABD424EF95E}" type="pres">
       <dgm:prSet presAssocID="{854D81C0-9453-AD48-9FEA-CFEC6F012C56}" presName="childText" presStyleLbl="bgAcc1" presStyleIdx="0" presStyleCnt="5">
@@ -6194,13 +5846,6 @@
         </dgm:presLayoutVars>
       </dgm:prSet>
       <dgm:spPr/>
-      <dgm:t>
-        <a:bodyPr/>
-        <a:lstStyle/>
-        <a:p>
-          <a:endParaRPr lang="en-US"/>
-        </a:p>
-      </dgm:t>
     </dgm:pt>
     <dgm:pt modelId="{D18851C5-98E9-214D-AB94-B939AF4EFD3E}" type="pres">
       <dgm:prSet presAssocID="{67C20B91-0B32-1B49-A076-801F924AAB36}" presName="root" presStyleCnt="0"/>
@@ -6213,24 +5858,10 @@
     <dgm:pt modelId="{449E9567-DAD7-AF41-B1E8-AA0D1AC63722}" type="pres">
       <dgm:prSet presAssocID="{67C20B91-0B32-1B49-A076-801F924AAB36}" presName="rootText" presStyleLbl="node1" presStyleIdx="1" presStyleCnt="3"/>
       <dgm:spPr/>
-      <dgm:t>
-        <a:bodyPr/>
-        <a:lstStyle/>
-        <a:p>
-          <a:endParaRPr lang="en-US"/>
-        </a:p>
-      </dgm:t>
     </dgm:pt>
     <dgm:pt modelId="{D0CF2605-70CD-1147-9A10-556C508E1C00}" type="pres">
       <dgm:prSet presAssocID="{67C20B91-0B32-1B49-A076-801F924AAB36}" presName="rootConnector" presStyleLbl="node1" presStyleIdx="1" presStyleCnt="3"/>
       <dgm:spPr/>
-      <dgm:t>
-        <a:bodyPr/>
-        <a:lstStyle/>
-        <a:p>
-          <a:endParaRPr lang="en-US"/>
-        </a:p>
-      </dgm:t>
     </dgm:pt>
     <dgm:pt modelId="{BE182618-F8D9-1B4B-A6B3-4DC410F33958}" type="pres">
       <dgm:prSet presAssocID="{67C20B91-0B32-1B49-A076-801F924AAB36}" presName="childShape" presStyleCnt="0"/>
@@ -6239,13 +5870,6 @@
     <dgm:pt modelId="{8FF83430-68DD-4E47-B221-EC9ABE0C58E4}" type="pres">
       <dgm:prSet presAssocID="{935CA3A7-030B-484E-88E6-BE5F885EC479}" presName="Name13" presStyleLbl="parChTrans1D2" presStyleIdx="1" presStyleCnt="5"/>
       <dgm:spPr/>
-      <dgm:t>
-        <a:bodyPr/>
-        <a:lstStyle/>
-        <a:p>
-          <a:endParaRPr lang="en-US"/>
-        </a:p>
-      </dgm:t>
     </dgm:pt>
     <dgm:pt modelId="{D39A3642-C73D-0C43-B5D8-FE34CA36BC44}" type="pres">
       <dgm:prSet presAssocID="{087529E8-23BC-F54C-A825-2CDA495B0936}" presName="childText" presStyleLbl="bgAcc1" presStyleIdx="1" presStyleCnt="5">
@@ -6254,24 +5878,10 @@
         </dgm:presLayoutVars>
       </dgm:prSet>
       <dgm:spPr/>
-      <dgm:t>
-        <a:bodyPr/>
-        <a:lstStyle/>
-        <a:p>
-          <a:endParaRPr lang="en-US"/>
-        </a:p>
-      </dgm:t>
     </dgm:pt>
     <dgm:pt modelId="{E57540F1-2673-4B45-B3A0-3CB6776E6D4B}" type="pres">
       <dgm:prSet presAssocID="{56E49B82-D4DB-5F45-A818-8BBCAF4AF37C}" presName="Name13" presStyleLbl="parChTrans1D2" presStyleIdx="2" presStyleCnt="5"/>
       <dgm:spPr/>
-      <dgm:t>
-        <a:bodyPr/>
-        <a:lstStyle/>
-        <a:p>
-          <a:endParaRPr lang="en-US"/>
-        </a:p>
-      </dgm:t>
     </dgm:pt>
     <dgm:pt modelId="{7FB44D6D-99C1-264C-8F3D-CFC75605F0B6}" type="pres">
       <dgm:prSet presAssocID="{2AA98F28-8B1C-0B44-A3B1-D8A8BB3DB1F9}" presName="childText" presStyleLbl="bgAcc1" presStyleIdx="2" presStyleCnt="5">
@@ -6280,13 +5890,6 @@
         </dgm:presLayoutVars>
       </dgm:prSet>
       <dgm:spPr/>
-      <dgm:t>
-        <a:bodyPr/>
-        <a:lstStyle/>
-        <a:p>
-          <a:endParaRPr lang="en-US"/>
-        </a:p>
-      </dgm:t>
     </dgm:pt>
     <dgm:pt modelId="{BFACB446-2E43-9E46-AA5D-BF5716979A59}" type="pres">
       <dgm:prSet presAssocID="{B55750F6-D362-2548-9199-FF507E6DD45C}" presName="root" presStyleCnt="0"/>
@@ -6299,24 +5902,10 @@
     <dgm:pt modelId="{E7B513FA-70AE-D243-821A-2AC48297EDDD}" type="pres">
       <dgm:prSet presAssocID="{B55750F6-D362-2548-9199-FF507E6DD45C}" presName="rootText" presStyleLbl="node1" presStyleIdx="2" presStyleCnt="3"/>
       <dgm:spPr/>
-      <dgm:t>
-        <a:bodyPr/>
-        <a:lstStyle/>
-        <a:p>
-          <a:endParaRPr lang="en-US"/>
-        </a:p>
-      </dgm:t>
     </dgm:pt>
     <dgm:pt modelId="{D9B143CB-B343-0941-A40E-88411971BEAA}" type="pres">
       <dgm:prSet presAssocID="{B55750F6-D362-2548-9199-FF507E6DD45C}" presName="rootConnector" presStyleLbl="node1" presStyleIdx="2" presStyleCnt="3"/>
       <dgm:spPr/>
-      <dgm:t>
-        <a:bodyPr/>
-        <a:lstStyle/>
-        <a:p>
-          <a:endParaRPr lang="en-US"/>
-        </a:p>
-      </dgm:t>
     </dgm:pt>
     <dgm:pt modelId="{61E95B19-D214-9746-AA49-2734AFDF9D7B}" type="pres">
       <dgm:prSet presAssocID="{B55750F6-D362-2548-9199-FF507E6DD45C}" presName="childShape" presStyleCnt="0"/>
@@ -6325,13 +5914,6 @@
     <dgm:pt modelId="{782DAD78-06D6-8D40-B9B6-E5B4BA80D92C}" type="pres">
       <dgm:prSet presAssocID="{983F44E6-5619-4941-AA72-09A0F964AE43}" presName="Name13" presStyleLbl="parChTrans1D2" presStyleIdx="3" presStyleCnt="5"/>
       <dgm:spPr/>
-      <dgm:t>
-        <a:bodyPr/>
-        <a:lstStyle/>
-        <a:p>
-          <a:endParaRPr lang="en-US"/>
-        </a:p>
-      </dgm:t>
     </dgm:pt>
     <dgm:pt modelId="{180EAB25-42F6-8044-8932-1287727549AA}" type="pres">
       <dgm:prSet presAssocID="{1D0CC92B-77A0-894E-9E54-0C472490AF03}" presName="childText" presStyleLbl="bgAcc1" presStyleIdx="3" presStyleCnt="5">
@@ -6340,24 +5922,10 @@
         </dgm:presLayoutVars>
       </dgm:prSet>
       <dgm:spPr/>
-      <dgm:t>
-        <a:bodyPr/>
-        <a:lstStyle/>
-        <a:p>
-          <a:endParaRPr lang="en-US"/>
-        </a:p>
-      </dgm:t>
     </dgm:pt>
     <dgm:pt modelId="{34B0DFE2-AC4E-D14C-B2E9-CC9C30A01454}" type="pres">
       <dgm:prSet presAssocID="{C9ABA2B6-381D-BA4E-9AC1-7D0F14543F55}" presName="Name13" presStyleLbl="parChTrans1D2" presStyleIdx="4" presStyleCnt="5"/>
       <dgm:spPr/>
-      <dgm:t>
-        <a:bodyPr/>
-        <a:lstStyle/>
-        <a:p>
-          <a:endParaRPr lang="en-US"/>
-        </a:p>
-      </dgm:t>
     </dgm:pt>
     <dgm:pt modelId="{940C600C-1BFF-AF49-8100-E88376D709D3}" type="pres">
       <dgm:prSet presAssocID="{366BD249-3C81-0F41-ABC6-22D9FE98B059}" presName="childText" presStyleLbl="bgAcc1" presStyleIdx="4" presStyleCnt="5">
@@ -6366,41 +5934,34 @@
         </dgm:presLayoutVars>
       </dgm:prSet>
       <dgm:spPr/>
-      <dgm:t>
-        <a:bodyPr/>
-        <a:lstStyle/>
-        <a:p>
-          <a:endParaRPr lang="en-US"/>
-        </a:p>
-      </dgm:t>
     </dgm:pt>
   </dgm:ptLst>
   <dgm:cxnLst>
+    <dgm:cxn modelId="{819EFA05-8DEB-314E-A044-3ECB9FEA91C7}" srcId="{67C20B91-0B32-1B49-A076-801F924AAB36}" destId="{087529E8-23BC-F54C-A825-2CDA495B0936}" srcOrd="0" destOrd="0" parTransId="{935CA3A7-030B-484E-88E6-BE5F885EC479}" sibTransId="{220BF8C9-68DF-6549-9E40-B9FECD1ED7DF}"/>
+    <dgm:cxn modelId="{0EB6BC0B-26A4-E948-AE7E-BE13C8979F03}" type="presOf" srcId="{B55750F6-D362-2548-9199-FF507E6DD45C}" destId="{D9B143CB-B343-0941-A40E-88411971BEAA}" srcOrd="1" destOrd="0" presId="urn:microsoft.com/office/officeart/2005/8/layout/hierarchy3"/>
+    <dgm:cxn modelId="{0FBD2E11-5EEB-6949-900D-B86F4F3CF122}" type="presOf" srcId="{935CA3A7-030B-484E-88E6-BE5F885EC479}" destId="{8FF83430-68DD-4E47-B221-EC9ABE0C58E4}" srcOrd="0" destOrd="0" presId="urn:microsoft.com/office/officeart/2005/8/layout/hierarchy3"/>
+    <dgm:cxn modelId="{B41EC511-B7DA-9542-BAF1-31A9882CF2CA}" srcId="{593998EB-1832-3441-A0EA-1B8E91D15C61}" destId="{67C20B91-0B32-1B49-A076-801F924AAB36}" srcOrd="1" destOrd="0" parTransId="{8E664C33-AE3B-2A41-AE5E-25B81D87CF86}" sibTransId="{4BB5A627-3C75-F948-8084-75F86F566D92}"/>
+    <dgm:cxn modelId="{60223218-86B3-7A43-8C4C-659BED3632E5}" srcId="{593998EB-1832-3441-A0EA-1B8E91D15C61}" destId="{B55750F6-D362-2548-9199-FF507E6DD45C}" srcOrd="2" destOrd="0" parTransId="{6ABC18F5-E6D0-644B-9A56-809AB32AE506}" sibTransId="{4DD1903B-44CC-3D45-B8EA-3228689620BD}"/>
     <dgm:cxn modelId="{A5CF351B-5127-7148-8A03-73DBEAF5E01A}" type="presOf" srcId="{67C20B91-0B32-1B49-A076-801F924AAB36}" destId="{449E9567-DAD7-AF41-B1E8-AA0D1AC63722}" srcOrd="0" destOrd="0" presId="urn:microsoft.com/office/officeart/2005/8/layout/hierarchy3"/>
+    <dgm:cxn modelId="{42CAC928-C259-C549-8A38-734D705C7FC8}" type="presOf" srcId="{087529E8-23BC-F54C-A825-2CDA495B0936}" destId="{D39A3642-C73D-0C43-B5D8-FE34CA36BC44}" srcOrd="0" destOrd="0" presId="urn:microsoft.com/office/officeart/2005/8/layout/hierarchy3"/>
+    <dgm:cxn modelId="{CCBE222B-F989-9B46-AE9B-EE5C40835EAD}" type="presOf" srcId="{6A22A0B6-6E0B-BF4F-9C27-BB7618F54897}" destId="{106DD0AE-4430-E54F-9203-2273FFB9A051}" srcOrd="1" destOrd="0" presId="urn:microsoft.com/office/officeart/2005/8/layout/hierarchy3"/>
+    <dgm:cxn modelId="{07C22B35-FCDA-7E47-9E74-E66B88AB78BA}" type="presOf" srcId="{983F44E6-5619-4941-AA72-09A0F964AE43}" destId="{782DAD78-06D6-8D40-B9B6-E5B4BA80D92C}" srcOrd="0" destOrd="0" presId="urn:microsoft.com/office/officeart/2005/8/layout/hierarchy3"/>
+    <dgm:cxn modelId="{789DAC39-D387-014B-8C1D-0D5B63491056}" type="presOf" srcId="{593998EB-1832-3441-A0EA-1B8E91D15C61}" destId="{A6304E2B-93C7-A247-B400-827B5DD471F3}" srcOrd="0" destOrd="0" presId="urn:microsoft.com/office/officeart/2005/8/layout/hierarchy3"/>
     <dgm:cxn modelId="{5B9B9661-9FA6-C648-A947-5F3907623C52}" srcId="{B55750F6-D362-2548-9199-FF507E6DD45C}" destId="{366BD249-3C81-0F41-ABC6-22D9FE98B059}" srcOrd="1" destOrd="0" parTransId="{C9ABA2B6-381D-BA4E-9AC1-7D0F14543F55}" sibTransId="{C1A9816C-933B-EB44-9D49-930D330F4094}"/>
+    <dgm:cxn modelId="{BFA08D65-C3B3-814D-B767-F8D021204162}" type="presOf" srcId="{2AA98F28-8B1C-0B44-A3B1-D8A8BB3DB1F9}" destId="{7FB44D6D-99C1-264C-8F3D-CFC75605F0B6}" srcOrd="0" destOrd="0" presId="urn:microsoft.com/office/officeart/2005/8/layout/hierarchy3"/>
+    <dgm:cxn modelId="{967B5A4C-C20A-C548-A00A-FE8D9C5D7FC4}" type="presOf" srcId="{854D81C0-9453-AD48-9FEA-CFEC6F012C56}" destId="{1907C986-B863-604C-8A4C-6ABD424EF95E}" srcOrd="0" destOrd="0" presId="urn:microsoft.com/office/officeart/2005/8/layout/hierarchy3"/>
+    <dgm:cxn modelId="{2504587B-26C6-C54C-9D72-64210C0B93FC}" srcId="{6A22A0B6-6E0B-BF4F-9C27-BB7618F54897}" destId="{854D81C0-9453-AD48-9FEA-CFEC6F012C56}" srcOrd="0" destOrd="0" parTransId="{B13B3ABE-DA06-194F-B1E3-3DD7121C84CF}" sibTransId="{EA5663BB-E2B1-394B-A87D-8C93F918272F}"/>
+    <dgm:cxn modelId="{55F3AA98-2192-FD49-90DA-9808C9493244}" type="presOf" srcId="{1D0CC92B-77A0-894E-9E54-0C472490AF03}" destId="{180EAB25-42F6-8044-8932-1287727549AA}" srcOrd="0" destOrd="0" presId="urn:microsoft.com/office/officeart/2005/8/layout/hierarchy3"/>
+    <dgm:cxn modelId="{20EEF89E-6FFF-FF4A-9AFB-BD050F92F39D}" type="presOf" srcId="{56E49B82-D4DB-5F45-A818-8BBCAF4AF37C}" destId="{E57540F1-2673-4B45-B3A0-3CB6776E6D4B}" srcOrd="0" destOrd="0" presId="urn:microsoft.com/office/officeart/2005/8/layout/hierarchy3"/>
+    <dgm:cxn modelId="{C8AF70A0-1044-9C41-B1DF-08416F47DACC}" srcId="{593998EB-1832-3441-A0EA-1B8E91D15C61}" destId="{6A22A0B6-6E0B-BF4F-9C27-BB7618F54897}" srcOrd="0" destOrd="0" parTransId="{56B9FBF0-5EE0-EE43-BBE7-14021AED164C}" sibTransId="{190CD5C8-F808-F04A-A1A1-D27A291C1018}"/>
+    <dgm:cxn modelId="{1F9B56AE-77C7-6244-BD7A-F9152A53DCC9}" type="presOf" srcId="{366BD249-3C81-0F41-ABC6-22D9FE98B059}" destId="{940C600C-1BFF-AF49-8100-E88376D709D3}" srcOrd="0" destOrd="0" presId="urn:microsoft.com/office/officeart/2005/8/layout/hierarchy3"/>
+    <dgm:cxn modelId="{28D8CAC1-D6A5-E246-A7FC-50679E12B5C4}" type="presOf" srcId="{C9ABA2B6-381D-BA4E-9AC1-7D0F14543F55}" destId="{34B0DFE2-AC4E-D14C-B2E9-CC9C30A01454}" srcOrd="0" destOrd="0" presId="urn:microsoft.com/office/officeart/2005/8/layout/hierarchy3"/>
+    <dgm:cxn modelId="{E45B15CF-3B4F-1040-8E87-4B1D68A204EE}" type="presOf" srcId="{B55750F6-D362-2548-9199-FF507E6DD45C}" destId="{E7B513FA-70AE-D243-821A-2AC48297EDDD}" srcOrd="0" destOrd="0" presId="urn:microsoft.com/office/officeart/2005/8/layout/hierarchy3"/>
+    <dgm:cxn modelId="{7BEE89D2-9DD0-E74C-B0B0-C51C34995E5E}" type="presOf" srcId="{67C20B91-0B32-1B49-A076-801F924AAB36}" destId="{D0CF2605-70CD-1147-9A10-556C508E1C00}" srcOrd="1" destOrd="0" presId="urn:microsoft.com/office/officeart/2005/8/layout/hierarchy3"/>
     <dgm:cxn modelId="{6ED31BD5-A9F4-6540-97D8-EB958662F742}" srcId="{67C20B91-0B32-1B49-A076-801F924AAB36}" destId="{2AA98F28-8B1C-0B44-A3B1-D8A8BB3DB1F9}" srcOrd="1" destOrd="0" parTransId="{56E49B82-D4DB-5F45-A818-8BBCAF4AF37C}" sibTransId="{DCCC614B-69F1-FA4D-B82A-15A5DC4F1B4B}"/>
-    <dgm:cxn modelId="{0EB6BC0B-26A4-E948-AE7E-BE13C8979F03}" type="presOf" srcId="{B55750F6-D362-2548-9199-FF507E6DD45C}" destId="{D9B143CB-B343-0941-A40E-88411971BEAA}" srcOrd="1" destOrd="0" presId="urn:microsoft.com/office/officeart/2005/8/layout/hierarchy3"/>
+    <dgm:cxn modelId="{A02A38DD-D623-EA47-8140-9450610B8029}" srcId="{B55750F6-D362-2548-9199-FF507E6DD45C}" destId="{1D0CC92B-77A0-894E-9E54-0C472490AF03}" srcOrd="0" destOrd="0" parTransId="{983F44E6-5619-4941-AA72-09A0F964AE43}" sibTransId="{F39AA9AD-8569-0547-957F-86398875B6B9}"/>
     <dgm:cxn modelId="{87D8E5E2-3F7D-124F-9993-58EB42776BCC}" type="presOf" srcId="{B13B3ABE-DA06-194F-B1E3-3DD7121C84CF}" destId="{258D4665-4333-6544-AB2B-1B41EC8A41C4}" srcOrd="0" destOrd="0" presId="urn:microsoft.com/office/officeart/2005/8/layout/hierarchy3"/>
-    <dgm:cxn modelId="{967B5A4C-C20A-C548-A00A-FE8D9C5D7FC4}" type="presOf" srcId="{854D81C0-9453-AD48-9FEA-CFEC6F012C56}" destId="{1907C986-B863-604C-8A4C-6ABD424EF95E}" srcOrd="0" destOrd="0" presId="urn:microsoft.com/office/officeart/2005/8/layout/hierarchy3"/>
-    <dgm:cxn modelId="{0FBD2E11-5EEB-6949-900D-B86F4F3CF122}" type="presOf" srcId="{935CA3A7-030B-484E-88E6-BE5F885EC479}" destId="{8FF83430-68DD-4E47-B221-EC9ABE0C58E4}" srcOrd="0" destOrd="0" presId="urn:microsoft.com/office/officeart/2005/8/layout/hierarchy3"/>
-    <dgm:cxn modelId="{1F9B56AE-77C7-6244-BD7A-F9152A53DCC9}" type="presOf" srcId="{366BD249-3C81-0F41-ABC6-22D9FE98B059}" destId="{940C600C-1BFF-AF49-8100-E88376D709D3}" srcOrd="0" destOrd="0" presId="urn:microsoft.com/office/officeart/2005/8/layout/hierarchy3"/>
-    <dgm:cxn modelId="{2504587B-26C6-C54C-9D72-64210C0B93FC}" srcId="{6A22A0B6-6E0B-BF4F-9C27-BB7618F54897}" destId="{854D81C0-9453-AD48-9FEA-CFEC6F012C56}" srcOrd="0" destOrd="0" parTransId="{B13B3ABE-DA06-194F-B1E3-3DD7121C84CF}" sibTransId="{EA5663BB-E2B1-394B-A87D-8C93F918272F}"/>
-    <dgm:cxn modelId="{7BEE89D2-9DD0-E74C-B0B0-C51C34995E5E}" type="presOf" srcId="{67C20B91-0B32-1B49-A076-801F924AAB36}" destId="{D0CF2605-70CD-1147-9A10-556C508E1C00}" srcOrd="1" destOrd="0" presId="urn:microsoft.com/office/officeart/2005/8/layout/hierarchy3"/>
-    <dgm:cxn modelId="{60223218-86B3-7A43-8C4C-659BED3632E5}" srcId="{593998EB-1832-3441-A0EA-1B8E91D15C61}" destId="{B55750F6-D362-2548-9199-FF507E6DD45C}" srcOrd="2" destOrd="0" parTransId="{6ABC18F5-E6D0-644B-9A56-809AB32AE506}" sibTransId="{4DD1903B-44CC-3D45-B8EA-3228689620BD}"/>
-    <dgm:cxn modelId="{A02A38DD-D623-EA47-8140-9450610B8029}" srcId="{B55750F6-D362-2548-9199-FF507E6DD45C}" destId="{1D0CC92B-77A0-894E-9E54-0C472490AF03}" srcOrd="0" destOrd="0" parTransId="{983F44E6-5619-4941-AA72-09A0F964AE43}" sibTransId="{F39AA9AD-8569-0547-957F-86398875B6B9}"/>
-    <dgm:cxn modelId="{819EFA05-8DEB-314E-A044-3ECB9FEA91C7}" srcId="{67C20B91-0B32-1B49-A076-801F924AAB36}" destId="{087529E8-23BC-F54C-A825-2CDA495B0936}" srcOrd="0" destOrd="0" parTransId="{935CA3A7-030B-484E-88E6-BE5F885EC479}" sibTransId="{220BF8C9-68DF-6549-9E40-B9FECD1ED7DF}"/>
-    <dgm:cxn modelId="{BFA08D65-C3B3-814D-B767-F8D021204162}" type="presOf" srcId="{2AA98F28-8B1C-0B44-A3B1-D8A8BB3DB1F9}" destId="{7FB44D6D-99C1-264C-8F3D-CFC75605F0B6}" srcOrd="0" destOrd="0" presId="urn:microsoft.com/office/officeart/2005/8/layout/hierarchy3"/>
-    <dgm:cxn modelId="{20EEF89E-6FFF-FF4A-9AFB-BD050F92F39D}" type="presOf" srcId="{56E49B82-D4DB-5F45-A818-8BBCAF4AF37C}" destId="{E57540F1-2673-4B45-B3A0-3CB6776E6D4B}" srcOrd="0" destOrd="0" presId="urn:microsoft.com/office/officeart/2005/8/layout/hierarchy3"/>
-    <dgm:cxn modelId="{789DAC39-D387-014B-8C1D-0D5B63491056}" type="presOf" srcId="{593998EB-1832-3441-A0EA-1B8E91D15C61}" destId="{A6304E2B-93C7-A247-B400-827B5DD471F3}" srcOrd="0" destOrd="0" presId="urn:microsoft.com/office/officeart/2005/8/layout/hierarchy3"/>
     <dgm:cxn modelId="{D0FF9CFB-C6E3-5D4D-A471-BC48C4C5A6DA}" type="presOf" srcId="{6A22A0B6-6E0B-BF4F-9C27-BB7618F54897}" destId="{25FDBBF6-CF11-1E43-9D7C-C6942A31C343}" srcOrd="0" destOrd="0" presId="urn:microsoft.com/office/officeart/2005/8/layout/hierarchy3"/>
-    <dgm:cxn modelId="{07C22B35-FCDA-7E47-9E74-E66B88AB78BA}" type="presOf" srcId="{983F44E6-5619-4941-AA72-09A0F964AE43}" destId="{782DAD78-06D6-8D40-B9B6-E5B4BA80D92C}" srcOrd="0" destOrd="0" presId="urn:microsoft.com/office/officeart/2005/8/layout/hierarchy3"/>
-    <dgm:cxn modelId="{E45B15CF-3B4F-1040-8E87-4B1D68A204EE}" type="presOf" srcId="{B55750F6-D362-2548-9199-FF507E6DD45C}" destId="{E7B513FA-70AE-D243-821A-2AC48297EDDD}" srcOrd="0" destOrd="0" presId="urn:microsoft.com/office/officeart/2005/8/layout/hierarchy3"/>
-    <dgm:cxn modelId="{42CAC928-C259-C549-8A38-734D705C7FC8}" type="presOf" srcId="{087529E8-23BC-F54C-A825-2CDA495B0936}" destId="{D39A3642-C73D-0C43-B5D8-FE34CA36BC44}" srcOrd="0" destOrd="0" presId="urn:microsoft.com/office/officeart/2005/8/layout/hierarchy3"/>
-    <dgm:cxn modelId="{55F3AA98-2192-FD49-90DA-9808C9493244}" type="presOf" srcId="{1D0CC92B-77A0-894E-9E54-0C472490AF03}" destId="{180EAB25-42F6-8044-8932-1287727549AA}" srcOrd="0" destOrd="0" presId="urn:microsoft.com/office/officeart/2005/8/layout/hierarchy3"/>
-    <dgm:cxn modelId="{28D8CAC1-D6A5-E246-A7FC-50679E12B5C4}" type="presOf" srcId="{C9ABA2B6-381D-BA4E-9AC1-7D0F14543F55}" destId="{34B0DFE2-AC4E-D14C-B2E9-CC9C30A01454}" srcOrd="0" destOrd="0" presId="urn:microsoft.com/office/officeart/2005/8/layout/hierarchy3"/>
-    <dgm:cxn modelId="{C8AF70A0-1044-9C41-B1DF-08416F47DACC}" srcId="{593998EB-1832-3441-A0EA-1B8E91D15C61}" destId="{6A22A0B6-6E0B-BF4F-9C27-BB7618F54897}" srcOrd="0" destOrd="0" parTransId="{56B9FBF0-5EE0-EE43-BBE7-14021AED164C}" sibTransId="{190CD5C8-F808-F04A-A1A1-D27A291C1018}"/>
-    <dgm:cxn modelId="{B41EC511-B7DA-9542-BAF1-31A9882CF2CA}" srcId="{593998EB-1832-3441-A0EA-1B8E91D15C61}" destId="{67C20B91-0B32-1B49-A076-801F924AAB36}" srcOrd="1" destOrd="0" parTransId="{8E664C33-AE3B-2A41-AE5E-25B81D87CF86}" sibTransId="{4BB5A627-3C75-F948-8084-75F86F566D92}"/>
-    <dgm:cxn modelId="{CCBE222B-F989-9B46-AE9B-EE5C40835EAD}" type="presOf" srcId="{6A22A0B6-6E0B-BF4F-9C27-BB7618F54897}" destId="{106DD0AE-4430-E54F-9203-2273FFB9A051}" srcOrd="1" destOrd="0" presId="urn:microsoft.com/office/officeart/2005/8/layout/hierarchy3"/>
     <dgm:cxn modelId="{1307C393-6609-0E4A-AFA2-617C30E687EE}" type="presParOf" srcId="{A6304E2B-93C7-A247-B400-827B5DD471F3}" destId="{BE9374B9-95EA-8046-B444-F7C1AA1CF240}" srcOrd="0" destOrd="0" presId="urn:microsoft.com/office/officeart/2005/8/layout/hierarchy3"/>
     <dgm:cxn modelId="{E59DE3D2-8588-A54C-89BC-3104831537C0}" type="presParOf" srcId="{BE9374B9-95EA-8046-B444-F7C1AA1CF240}" destId="{56536744-D626-5C49-AB55-A24E14AFA545}" srcOrd="0" destOrd="0" presId="urn:microsoft.com/office/officeart/2005/8/layout/hierarchy3"/>
     <dgm:cxn modelId="{C6BA3B64-3F28-5E4D-B996-14E2219E86EC}" type="presParOf" srcId="{56536744-D626-5C49-AB55-A24E14AFA545}" destId="{25FDBBF6-CF11-1E43-9D7C-C6942A31C343}" srcOrd="0" destOrd="0" presId="urn:microsoft.com/office/officeart/2005/8/layout/hierarchy3"/>
@@ -6469,10 +6030,9 @@
         <a:p>
           <a:pPr rtl="0"/>
           <a:r>
-            <a:rPr lang="en-US" dirty="0" smtClean="0"/>
+            <a:rPr lang="en-US" dirty="0"/>
             <a:t>Four elements are involved:</a:t>
           </a:r>
-          <a:endParaRPr lang="en-US" dirty="0"/>
         </a:p>
       </dgm:t>
     </dgm:pt>
@@ -6513,10 +6073,9 @@
         <a:p>
           <a:pPr rtl="0"/>
           <a:r>
-            <a:rPr lang="en-US" dirty="0" smtClean="0"/>
+            <a:rPr lang="en-US" dirty="0"/>
             <a:t>All those participating in the digital signature scheme use the same global domain parameters, which define an elliptic curve and a point of origin on the curve</a:t>
           </a:r>
-          <a:endParaRPr lang="en-US" dirty="0"/>
         </a:p>
       </dgm:t>
     </dgm:pt>
@@ -6557,10 +6116,9 @@
         <a:p>
           <a:pPr rtl="0"/>
           <a:r>
-            <a:rPr lang="en-US" dirty="0" smtClean="0"/>
+            <a:rPr lang="en-US" dirty="0"/>
             <a:t>A signer must first generate a public, private key pair</a:t>
           </a:r>
-          <a:endParaRPr lang="en-US" dirty="0"/>
         </a:p>
       </dgm:t>
     </dgm:pt>
@@ -6601,10 +6159,9 @@
         <a:p>
           <a:pPr rtl="0"/>
           <a:r>
-            <a:rPr lang="en-US" dirty="0" smtClean="0"/>
+            <a:rPr lang="en-US" dirty="0"/>
             <a:t>A hash value is generated for the message to be signed; using the private key, the domain parameters, and the hash value, a signature is generated</a:t>
           </a:r>
-          <a:endParaRPr lang="en-US" dirty="0"/>
         </a:p>
       </dgm:t>
     </dgm:pt>
@@ -6645,35 +6202,35 @@
         <a:p>
           <a:pPr rtl="0"/>
           <a:r>
-            <a:rPr lang="en-US" dirty="0" smtClean="0"/>
+            <a:rPr lang="en-US" dirty="0"/>
             <a:t>To verify the signature, the verifier uses as input the signer’s public key, the domain parameters, and the integer </a:t>
           </a:r>
           <a:r>
-            <a:rPr lang="en-US" i="1" dirty="0" smtClean="0"/>
+            <a:rPr lang="en-US" i="1" dirty="0"/>
             <a:t>s; </a:t>
           </a:r>
           <a:r>
-            <a:rPr lang="en-US" dirty="0" smtClean="0"/>
+            <a:rPr lang="en-US" dirty="0"/>
             <a:t>the output is a value </a:t>
           </a:r>
           <a:r>
-            <a:rPr lang="en-US" i="1" dirty="0" smtClean="0"/>
+            <a:rPr lang="en-US" i="1" dirty="0"/>
             <a:t>v </a:t>
           </a:r>
           <a:r>
-            <a:rPr lang="en-US" dirty="0" smtClean="0"/>
+            <a:rPr lang="en-US" dirty="0"/>
             <a:t>that is compared to </a:t>
           </a:r>
           <a:r>
-            <a:rPr lang="en-US" i="1" dirty="0" smtClean="0"/>
+            <a:rPr lang="en-US" i="1" dirty="0"/>
             <a:t>r </a:t>
           </a:r>
           <a:r>
-            <a:rPr lang="en-US" dirty="0" smtClean="0"/>
+            <a:rPr lang="en-US" dirty="0"/>
             <a:t>; the signature is verified if the </a:t>
           </a:r>
           <a:r>
-            <a:rPr lang="en-US" i="1" dirty="0" smtClean="0"/>
+            <a:rPr lang="en-US" i="1" dirty="0"/>
             <a:t>v = r</a:t>
           </a:r>
           <a:endParaRPr lang="en-US" dirty="0"/>
@@ -6712,13 +6269,6 @@
         </dgm:presLayoutVars>
       </dgm:prSet>
       <dgm:spPr/>
-      <dgm:t>
-        <a:bodyPr/>
-        <a:lstStyle/>
-        <a:p>
-          <a:endParaRPr lang="en-US"/>
-        </a:p>
-      </dgm:t>
     </dgm:pt>
     <dgm:pt modelId="{34D61988-67C9-FF45-AF26-CD6D3024C455}" type="pres">
       <dgm:prSet presAssocID="{DD57F043-3F60-5948-B092-BDE4E8B53817}" presName="matrix" presStyleCnt="0"/>
@@ -6727,13 +6277,6 @@
     <dgm:pt modelId="{262F671A-AD4F-D74F-90D6-B9948421EC89}" type="pres">
       <dgm:prSet presAssocID="{DD57F043-3F60-5948-B092-BDE4E8B53817}" presName="tile1" presStyleLbl="node1" presStyleIdx="0" presStyleCnt="4"/>
       <dgm:spPr/>
-      <dgm:t>
-        <a:bodyPr/>
-        <a:lstStyle/>
-        <a:p>
-          <a:endParaRPr lang="en-US"/>
-        </a:p>
-      </dgm:t>
     </dgm:pt>
     <dgm:pt modelId="{14F690DB-AF9A-9242-8258-89E0EC59B936}" type="pres">
       <dgm:prSet presAssocID="{DD57F043-3F60-5948-B092-BDE4E8B53817}" presName="tile1text" presStyleLbl="node1" presStyleIdx="0" presStyleCnt="4">
@@ -6744,24 +6287,10 @@
         </dgm:presLayoutVars>
       </dgm:prSet>
       <dgm:spPr/>
-      <dgm:t>
-        <a:bodyPr/>
-        <a:lstStyle/>
-        <a:p>
-          <a:endParaRPr lang="en-US"/>
-        </a:p>
-      </dgm:t>
     </dgm:pt>
     <dgm:pt modelId="{86991323-3617-924B-AEF9-64C859FCD223}" type="pres">
       <dgm:prSet presAssocID="{DD57F043-3F60-5948-B092-BDE4E8B53817}" presName="tile2" presStyleLbl="node1" presStyleIdx="1" presStyleCnt="4"/>
       <dgm:spPr/>
-      <dgm:t>
-        <a:bodyPr/>
-        <a:lstStyle/>
-        <a:p>
-          <a:endParaRPr lang="en-US"/>
-        </a:p>
-      </dgm:t>
     </dgm:pt>
     <dgm:pt modelId="{342ABBD6-FE9A-B145-BF02-EE2CB811C02E}" type="pres">
       <dgm:prSet presAssocID="{DD57F043-3F60-5948-B092-BDE4E8B53817}" presName="tile2text" presStyleLbl="node1" presStyleIdx="1" presStyleCnt="4">
@@ -6772,24 +6301,10 @@
         </dgm:presLayoutVars>
       </dgm:prSet>
       <dgm:spPr/>
-      <dgm:t>
-        <a:bodyPr/>
-        <a:lstStyle/>
-        <a:p>
-          <a:endParaRPr lang="en-US"/>
-        </a:p>
-      </dgm:t>
     </dgm:pt>
     <dgm:pt modelId="{CBE51D63-60B9-CB46-AE01-72CFFA68E50D}" type="pres">
       <dgm:prSet presAssocID="{DD57F043-3F60-5948-B092-BDE4E8B53817}" presName="tile3" presStyleLbl="node1" presStyleIdx="2" presStyleCnt="4"/>
       <dgm:spPr/>
-      <dgm:t>
-        <a:bodyPr/>
-        <a:lstStyle/>
-        <a:p>
-          <a:endParaRPr lang="en-US"/>
-        </a:p>
-      </dgm:t>
     </dgm:pt>
     <dgm:pt modelId="{B192E1EB-6969-4F4A-9632-E275D647157C}" type="pres">
       <dgm:prSet presAssocID="{DD57F043-3F60-5948-B092-BDE4E8B53817}" presName="tile3text" presStyleLbl="node1" presStyleIdx="2" presStyleCnt="4">
@@ -6800,24 +6315,10 @@
         </dgm:presLayoutVars>
       </dgm:prSet>
       <dgm:spPr/>
-      <dgm:t>
-        <a:bodyPr/>
-        <a:lstStyle/>
-        <a:p>
-          <a:endParaRPr lang="en-US"/>
-        </a:p>
-      </dgm:t>
     </dgm:pt>
     <dgm:pt modelId="{E8D9C74D-DDED-5A4C-B8A0-7E959C3A17FC}" type="pres">
       <dgm:prSet presAssocID="{DD57F043-3F60-5948-B092-BDE4E8B53817}" presName="tile4" presStyleLbl="node1" presStyleIdx="3" presStyleCnt="4"/>
       <dgm:spPr/>
-      <dgm:t>
-        <a:bodyPr/>
-        <a:lstStyle/>
-        <a:p>
-          <a:endParaRPr lang="en-US"/>
-        </a:p>
-      </dgm:t>
     </dgm:pt>
     <dgm:pt modelId="{DFA61AA1-1A2A-E742-A204-173E771616D8}" type="pres">
       <dgm:prSet presAssocID="{DD57F043-3F60-5948-B092-BDE4E8B53817}" presName="tile4text" presStyleLbl="node1" presStyleIdx="3" presStyleCnt="4">
@@ -6828,13 +6329,6 @@
         </dgm:presLayoutVars>
       </dgm:prSet>
       <dgm:spPr/>
-      <dgm:t>
-        <a:bodyPr/>
-        <a:lstStyle/>
-        <a:p>
-          <a:endParaRPr lang="en-US"/>
-        </a:p>
-      </dgm:t>
     </dgm:pt>
     <dgm:pt modelId="{92E76A77-D1EA-EF42-B28B-6E6E21434418}" type="pres">
       <dgm:prSet presAssocID="{DD57F043-3F60-5948-B092-BDE4E8B53817}" presName="centerTile" presStyleLbl="fgShp" presStyleIdx="0" presStyleCnt="1">
@@ -6844,31 +6338,24 @@
         </dgm:presLayoutVars>
       </dgm:prSet>
       <dgm:spPr/>
-      <dgm:t>
-        <a:bodyPr/>
-        <a:lstStyle/>
-        <a:p>
-          <a:endParaRPr lang="en-US"/>
-        </a:p>
-      </dgm:t>
     </dgm:pt>
   </dgm:ptLst>
   <dgm:cxnLst>
+    <dgm:cxn modelId="{5C73840A-5D6B-9F44-8E92-D305DB15FC99}" type="presOf" srcId="{8181515B-17AA-CF46-9A9C-3867EAB8239C}" destId="{CBE51D63-60B9-CB46-AE01-72CFFA68E50D}" srcOrd="0" destOrd="0" presId="urn:microsoft.com/office/officeart/2005/8/layout/matrix1"/>
     <dgm:cxn modelId="{26DF8012-E9F6-ED49-B09D-27DB7B124627}" srcId="{38606BF3-A1C3-2B4D-8588-207B30E7B60A}" destId="{FE85CCE2-47C3-D34B-AB45-E3A1DA88C165}" srcOrd="0" destOrd="0" parTransId="{AFB064D0-88C6-1A43-87EF-3D70BB0ED367}" sibTransId="{FCDE115F-1CB4-A74F-91B1-9F6181096988}"/>
+    <dgm:cxn modelId="{7F0E5D13-26F9-6442-B11A-393B4CC1FF06}" type="presOf" srcId="{1966C666-8FDA-544D-B35B-6FE50FE15458}" destId="{86991323-3617-924B-AEF9-64C859FCD223}" srcOrd="0" destOrd="0" presId="urn:microsoft.com/office/officeart/2005/8/layout/matrix1"/>
+    <dgm:cxn modelId="{16F3C431-139A-D748-A6FD-D0C4AF422E96}" type="presOf" srcId="{FE85CCE2-47C3-D34B-AB45-E3A1DA88C165}" destId="{262F671A-AD4F-D74F-90D6-B9948421EC89}" srcOrd="0" destOrd="0" presId="urn:microsoft.com/office/officeart/2005/8/layout/matrix1"/>
+    <dgm:cxn modelId="{A437DD3A-6F04-7146-A219-6246C3DFD7A7}" type="presOf" srcId="{8181515B-17AA-CF46-9A9C-3867EAB8239C}" destId="{B192E1EB-6969-4F4A-9632-E275D647157C}" srcOrd="1" destOrd="0" presId="urn:microsoft.com/office/officeart/2005/8/layout/matrix1"/>
+    <dgm:cxn modelId="{53F6703C-6EE5-4842-8801-03898031C1D6}" srcId="{DD57F043-3F60-5948-B092-BDE4E8B53817}" destId="{38606BF3-A1C3-2B4D-8588-207B30E7B60A}" srcOrd="0" destOrd="0" parTransId="{9325432D-1810-8841-A658-5666467E9923}" sibTransId="{E4993074-770C-A64F-9358-68A472E19EA4}"/>
+    <dgm:cxn modelId="{C791A340-29F9-EE4D-B76D-20E6215209B9}" type="presOf" srcId="{4D2B6F4D-F8B5-6642-9908-55C6EB40A699}" destId="{DFA61AA1-1A2A-E742-A204-173E771616D8}" srcOrd="1" destOrd="0" presId="urn:microsoft.com/office/officeart/2005/8/layout/matrix1"/>
     <dgm:cxn modelId="{DA87456B-57EE-C947-A260-9C65E6CE45F3}" srcId="{38606BF3-A1C3-2B4D-8588-207B30E7B60A}" destId="{8181515B-17AA-CF46-9A9C-3867EAB8239C}" srcOrd="2" destOrd="0" parTransId="{7E3F2E79-5D4A-AC4D-BBA8-A74E0F208DE3}" sibTransId="{FEFE6FD2-B83B-4D41-82EC-8F56F5C6CD70}"/>
+    <dgm:cxn modelId="{D8EE976E-6BEA-1946-9D02-7DB2412F72A1}" type="presOf" srcId="{1966C666-8FDA-544D-B35B-6FE50FE15458}" destId="{342ABBD6-FE9A-B145-BF02-EE2CB811C02E}" srcOrd="1" destOrd="0" presId="urn:microsoft.com/office/officeart/2005/8/layout/matrix1"/>
+    <dgm:cxn modelId="{9293CC54-C025-9742-8DCA-0F9A3A03E7F8}" type="presOf" srcId="{38606BF3-A1C3-2B4D-8588-207B30E7B60A}" destId="{92E76A77-D1EA-EF42-B28B-6E6E21434418}" srcOrd="0" destOrd="0" presId="urn:microsoft.com/office/officeart/2005/8/layout/matrix1"/>
+    <dgm:cxn modelId="{9F026B7A-F2B3-BC4D-8615-CF763B84B774}" type="presOf" srcId="{FE85CCE2-47C3-D34B-AB45-E3A1DA88C165}" destId="{14F690DB-AF9A-9242-8258-89E0EC59B936}" srcOrd="1" destOrd="0" presId="urn:microsoft.com/office/officeart/2005/8/layout/matrix1"/>
+    <dgm:cxn modelId="{E4FF36AD-D278-054B-A003-873342BD900C}" type="presOf" srcId="{4D2B6F4D-F8B5-6642-9908-55C6EB40A699}" destId="{E8D9C74D-DDED-5A4C-B8A0-7E959C3A17FC}" srcOrd="0" destOrd="0" presId="urn:microsoft.com/office/officeart/2005/8/layout/matrix1"/>
+    <dgm:cxn modelId="{C932AFB8-4BCA-9448-A8EF-3DFE40D13BDB}" type="presOf" srcId="{DD57F043-3F60-5948-B092-BDE4E8B53817}" destId="{C61372B4-1B54-F443-87CB-2E9DE532E1CB}" srcOrd="0" destOrd="0" presId="urn:microsoft.com/office/officeart/2005/8/layout/matrix1"/>
+    <dgm:cxn modelId="{7BFBDBB9-D1C5-6847-9194-B5393F53D394}" srcId="{38606BF3-A1C3-2B4D-8588-207B30E7B60A}" destId="{1966C666-8FDA-544D-B35B-6FE50FE15458}" srcOrd="1" destOrd="0" parTransId="{AF79958A-76D4-9A47-A852-A116E433F61F}" sibTransId="{9C16CCB7-0F8D-8D42-881F-3981F986D297}"/>
     <dgm:cxn modelId="{EE8796D8-66B1-6245-9AE9-2405FB7212A6}" srcId="{38606BF3-A1C3-2B4D-8588-207B30E7B60A}" destId="{4D2B6F4D-F8B5-6642-9908-55C6EB40A699}" srcOrd="3" destOrd="0" parTransId="{469D1ADD-9016-9240-BC0D-F711B37ED8E9}" sibTransId="{69AB07DF-7C99-E34B-892B-16E9503C9F2B}"/>
-    <dgm:cxn modelId="{C791A340-29F9-EE4D-B76D-20E6215209B9}" type="presOf" srcId="{4D2B6F4D-F8B5-6642-9908-55C6EB40A699}" destId="{DFA61AA1-1A2A-E742-A204-173E771616D8}" srcOrd="1" destOrd="0" presId="urn:microsoft.com/office/officeart/2005/8/layout/matrix1"/>
-    <dgm:cxn modelId="{C932AFB8-4BCA-9448-A8EF-3DFE40D13BDB}" type="presOf" srcId="{DD57F043-3F60-5948-B092-BDE4E8B53817}" destId="{C61372B4-1B54-F443-87CB-2E9DE532E1CB}" srcOrd="0" destOrd="0" presId="urn:microsoft.com/office/officeart/2005/8/layout/matrix1"/>
-    <dgm:cxn modelId="{9F026B7A-F2B3-BC4D-8615-CF763B84B774}" type="presOf" srcId="{FE85CCE2-47C3-D34B-AB45-E3A1DA88C165}" destId="{14F690DB-AF9A-9242-8258-89E0EC59B936}" srcOrd="1" destOrd="0" presId="urn:microsoft.com/office/officeart/2005/8/layout/matrix1"/>
-    <dgm:cxn modelId="{D8EE976E-6BEA-1946-9D02-7DB2412F72A1}" type="presOf" srcId="{1966C666-8FDA-544D-B35B-6FE50FE15458}" destId="{342ABBD6-FE9A-B145-BF02-EE2CB811C02E}" srcOrd="1" destOrd="0" presId="urn:microsoft.com/office/officeart/2005/8/layout/matrix1"/>
-    <dgm:cxn modelId="{16F3C431-139A-D748-A6FD-D0C4AF422E96}" type="presOf" srcId="{FE85CCE2-47C3-D34B-AB45-E3A1DA88C165}" destId="{262F671A-AD4F-D74F-90D6-B9948421EC89}" srcOrd="0" destOrd="0" presId="urn:microsoft.com/office/officeart/2005/8/layout/matrix1"/>
-    <dgm:cxn modelId="{7BFBDBB9-D1C5-6847-9194-B5393F53D394}" srcId="{38606BF3-A1C3-2B4D-8588-207B30E7B60A}" destId="{1966C666-8FDA-544D-B35B-6FE50FE15458}" srcOrd="1" destOrd="0" parTransId="{AF79958A-76D4-9A47-A852-A116E433F61F}" sibTransId="{9C16CCB7-0F8D-8D42-881F-3981F986D297}"/>
-    <dgm:cxn modelId="{53F6703C-6EE5-4842-8801-03898031C1D6}" srcId="{DD57F043-3F60-5948-B092-BDE4E8B53817}" destId="{38606BF3-A1C3-2B4D-8588-207B30E7B60A}" srcOrd="0" destOrd="0" parTransId="{9325432D-1810-8841-A658-5666467E9923}" sibTransId="{E4993074-770C-A64F-9358-68A472E19EA4}"/>
-    <dgm:cxn modelId="{5C73840A-5D6B-9F44-8E92-D305DB15FC99}" type="presOf" srcId="{8181515B-17AA-CF46-9A9C-3867EAB8239C}" destId="{CBE51D63-60B9-CB46-AE01-72CFFA68E50D}" srcOrd="0" destOrd="0" presId="urn:microsoft.com/office/officeart/2005/8/layout/matrix1"/>
-    <dgm:cxn modelId="{A437DD3A-6F04-7146-A219-6246C3DFD7A7}" type="presOf" srcId="{8181515B-17AA-CF46-9A9C-3867EAB8239C}" destId="{B192E1EB-6969-4F4A-9632-E275D647157C}" srcOrd="1" destOrd="0" presId="urn:microsoft.com/office/officeart/2005/8/layout/matrix1"/>
-    <dgm:cxn modelId="{7F0E5D13-26F9-6442-B11A-393B4CC1FF06}" type="presOf" srcId="{1966C666-8FDA-544D-B35B-6FE50FE15458}" destId="{86991323-3617-924B-AEF9-64C859FCD223}" srcOrd="0" destOrd="0" presId="urn:microsoft.com/office/officeart/2005/8/layout/matrix1"/>
-    <dgm:cxn modelId="{E4FF36AD-D278-054B-A003-873342BD900C}" type="presOf" srcId="{4D2B6F4D-F8B5-6642-9908-55C6EB40A699}" destId="{E8D9C74D-DDED-5A4C-B8A0-7E959C3A17FC}" srcOrd="0" destOrd="0" presId="urn:microsoft.com/office/officeart/2005/8/layout/matrix1"/>
-    <dgm:cxn modelId="{9293CC54-C025-9742-8DCA-0F9A3A03E7F8}" type="presOf" srcId="{38606BF3-A1C3-2B4D-8588-207B30E7B60A}" destId="{92E76A77-D1EA-EF42-B28B-6E6E21434418}" srcOrd="0" destOrd="0" presId="urn:microsoft.com/office/officeart/2005/8/layout/matrix1"/>
     <dgm:cxn modelId="{0B136D3B-A014-8642-8171-4FC71A907122}" type="presParOf" srcId="{C61372B4-1B54-F443-87CB-2E9DE532E1CB}" destId="{34D61988-67C9-FF45-AF26-CD6D3024C455}" srcOrd="0" destOrd="0" presId="urn:microsoft.com/office/officeart/2005/8/layout/matrix1"/>
     <dgm:cxn modelId="{E0F1B428-C88B-4742-8207-09995F75AE4B}" type="presParOf" srcId="{34D61988-67C9-FF45-AF26-CD6D3024C455}" destId="{262F671A-AD4F-D74F-90D6-B9948421EC89}" srcOrd="0" destOrd="0" presId="urn:microsoft.com/office/officeart/2005/8/layout/matrix1"/>
     <dgm:cxn modelId="{06A2BF46-C3F6-F045-987C-3313E2E36150}" type="presParOf" srcId="{34D61988-67C9-FF45-AF26-CD6D3024C455}" destId="{14F690DB-AF9A-9242-8258-89E0EC59B936}" srcOrd="1" destOrd="0" presId="urn:microsoft.com/office/officeart/2005/8/layout/matrix1"/>
@@ -6993,7 +6480,7 @@
         </a:bodyPr>
         <a:lstStyle/>
         <a:p>
-          <a:pPr lvl="0" algn="ctr" defTabSz="933450" rtl="0">
+          <a:pPr marL="0" lvl="0" indent="0" algn="ctr" defTabSz="933450" rtl="0">
             <a:lnSpc>
               <a:spcPct val="90000"/>
             </a:lnSpc>
@@ -7003,12 +6490,12 @@
             <a:spcAft>
               <a:spcPct val="35000"/>
             </a:spcAft>
+            <a:buNone/>
           </a:pPr>
           <a:r>
-            <a:rPr lang="en-US" sz="2100" kern="1200" dirty="0" smtClean="0"/>
+            <a:rPr lang="en-US" sz="2100" kern="1200" dirty="0"/>
             <a:t>It must verify the author and the date and time of the signature</a:t>
           </a:r>
-          <a:endParaRPr lang="en-US" sz="2100" kern="1200" dirty="0"/>
         </a:p>
       </dsp:txBody>
       <dsp:txXfrm>
@@ -7067,7 +6554,7 @@
         </a:bodyPr>
         <a:lstStyle/>
         <a:p>
-          <a:pPr lvl="0" algn="ctr" defTabSz="933450" rtl="0">
+          <a:pPr marL="0" lvl="0" indent="0" algn="ctr" defTabSz="933450" rtl="0">
             <a:lnSpc>
               <a:spcPct val="90000"/>
             </a:lnSpc>
@@ -7077,12 +6564,12 @@
             <a:spcAft>
               <a:spcPct val="35000"/>
             </a:spcAft>
+            <a:buNone/>
           </a:pPr>
           <a:r>
-            <a:rPr lang="en-US" sz="2100" kern="1200" dirty="0" smtClean="0"/>
+            <a:rPr lang="en-US" sz="2100" kern="1200" dirty="0"/>
             <a:t>It must authenticate the contents at the time of the signature</a:t>
           </a:r>
-          <a:endParaRPr lang="en-US" sz="2100" kern="1200" dirty="0"/>
         </a:p>
       </dsp:txBody>
       <dsp:txXfrm>
@@ -7141,7 +6628,7 @@
         </a:bodyPr>
         <a:lstStyle/>
         <a:p>
-          <a:pPr lvl="0" algn="ctr" defTabSz="933450" rtl="0">
+          <a:pPr marL="0" lvl="0" indent="0" algn="ctr" defTabSz="933450" rtl="0">
             <a:lnSpc>
               <a:spcPct val="90000"/>
             </a:lnSpc>
@@ -7151,12 +6638,12 @@
             <a:spcAft>
               <a:spcPct val="35000"/>
             </a:spcAft>
+            <a:buNone/>
           </a:pPr>
           <a:r>
-            <a:rPr lang="en-AU" sz="2100" kern="1200" dirty="0" smtClean="0"/>
+            <a:rPr lang="en-AU" sz="2100" kern="1200" dirty="0"/>
             <a:t>It must be verifiable by third parties to resolve disputes</a:t>
           </a:r>
-          <a:endParaRPr lang="en-AU" sz="2100" kern="1200" dirty="0"/>
         </a:p>
       </dsp:txBody>
       <dsp:txXfrm>
@@ -7242,10 +6729,10 @@
             <a:spcAft>
               <a:spcPct val="15000"/>
             </a:spcAft>
-            <a:buChar char="••"/>
+            <a:buChar char="•"/>
           </a:pPr>
           <a:r>
-            <a:rPr lang="en-US" sz="1500" kern="1200" dirty="0" smtClean="0"/>
+            <a:rPr lang="en-US" sz="1500" kern="1200" dirty="0"/>
             <a:t>C only knows A’s public key</a:t>
           </a:r>
         </a:p>
@@ -7362,7 +6849,7 @@
         </a:bodyPr>
         <a:lstStyle/>
         <a:p>
-          <a:pPr lvl="0" algn="ctr" defTabSz="666750">
+          <a:pPr marL="0" lvl="0" indent="0" algn="ctr" defTabSz="666750">
             <a:lnSpc>
               <a:spcPct val="90000"/>
             </a:lnSpc>
@@ -7372,9 +6859,10 @@
             <a:spcAft>
               <a:spcPct val="35000"/>
             </a:spcAft>
+            <a:buNone/>
           </a:pPr>
           <a:r>
-            <a:rPr lang="en-US" sz="1500" b="1" kern="1200" dirty="0" smtClean="0"/>
+            <a:rPr lang="en-US" sz="1500" b="1" kern="1200" dirty="0"/>
             <a:t>Key-only attack</a:t>
           </a:r>
           <a:endParaRPr lang="en-US" sz="1500" kern="1200" dirty="0"/>
@@ -7451,10 +6939,10 @@
             <a:spcAft>
               <a:spcPct val="15000"/>
             </a:spcAft>
-            <a:buChar char="••"/>
+            <a:buChar char="•"/>
           </a:pPr>
           <a:r>
-            <a:rPr lang="en-US" sz="1500" kern="1200" dirty="0" smtClean="0"/>
+            <a:rPr lang="en-US" sz="1500" kern="1200" dirty="0"/>
             <a:t>C is given access to a set of messages and their signatures</a:t>
           </a:r>
         </a:p>
@@ -7571,7 +7059,7 @@
         </a:bodyPr>
         <a:lstStyle/>
         <a:p>
-          <a:pPr lvl="0" algn="ctr" defTabSz="666750">
+          <a:pPr marL="0" lvl="0" indent="0" algn="ctr" defTabSz="666750">
             <a:lnSpc>
               <a:spcPct val="90000"/>
             </a:lnSpc>
@@ -7581,9 +7069,10 @@
             <a:spcAft>
               <a:spcPct val="35000"/>
             </a:spcAft>
+            <a:buNone/>
           </a:pPr>
           <a:r>
-            <a:rPr lang="en-US" sz="1500" b="1" kern="1200" dirty="0" smtClean="0"/>
+            <a:rPr lang="en-US" sz="1500" b="1" kern="1200" dirty="0"/>
             <a:t>Known message attack</a:t>
           </a:r>
         </a:p>
@@ -7659,10 +7148,10 @@
             <a:spcAft>
               <a:spcPct val="15000"/>
             </a:spcAft>
-            <a:buChar char="••"/>
+            <a:buChar char="•"/>
           </a:pPr>
           <a:r>
-            <a:rPr lang="en-US" sz="1500" kern="1200" dirty="0" smtClean="0"/>
+            <a:rPr lang="en-US" sz="1500" kern="1200" dirty="0"/>
             <a:t>C chooses a list of messages before attempting to break A’s signature scheme, independent of A’s public key; C then obtains from A valid signatures for the chosen messages</a:t>
           </a:r>
         </a:p>
@@ -7779,7 +7268,7 @@
         </a:bodyPr>
         <a:lstStyle/>
         <a:p>
-          <a:pPr lvl="0" algn="ctr" defTabSz="666750">
+          <a:pPr marL="0" lvl="0" indent="0" algn="ctr" defTabSz="666750">
             <a:lnSpc>
               <a:spcPct val="90000"/>
             </a:lnSpc>
@@ -7789,9 +7278,10 @@
             <a:spcAft>
               <a:spcPct val="35000"/>
             </a:spcAft>
+            <a:buNone/>
           </a:pPr>
           <a:r>
-            <a:rPr lang="en-US" sz="1500" b="1" kern="1200" dirty="0" smtClean="0"/>
+            <a:rPr lang="en-US" sz="1500" b="1" kern="1200" dirty="0"/>
             <a:t>Generic chosen message attack</a:t>
           </a:r>
         </a:p>
@@ -7867,10 +7357,10 @@
             <a:spcAft>
               <a:spcPct val="15000"/>
             </a:spcAft>
-            <a:buChar char="••"/>
+            <a:buChar char="•"/>
           </a:pPr>
           <a:r>
-            <a:rPr lang="en-US" sz="1500" kern="1200" dirty="0" smtClean="0"/>
+            <a:rPr lang="en-US" sz="1500" kern="1200" dirty="0"/>
             <a:t>Similar to the generic attack, except that the list of messages to be signed is chosen after C knows A’s public key but before any signatures are seen</a:t>
           </a:r>
         </a:p>
@@ -7987,7 +7477,7 @@
         </a:bodyPr>
         <a:lstStyle/>
         <a:p>
-          <a:pPr lvl="0" algn="ctr" defTabSz="666750">
+          <a:pPr marL="0" lvl="0" indent="0" algn="ctr" defTabSz="666750">
             <a:lnSpc>
               <a:spcPct val="90000"/>
             </a:lnSpc>
@@ -7997,9 +7487,10 @@
             <a:spcAft>
               <a:spcPct val="35000"/>
             </a:spcAft>
+            <a:buNone/>
           </a:pPr>
           <a:r>
-            <a:rPr lang="en-US" sz="1500" b="1" kern="1200" dirty="0" smtClean="0"/>
+            <a:rPr lang="en-US" sz="1500" b="1" kern="1200" dirty="0"/>
             <a:t>Directed chosen message attack</a:t>
           </a:r>
         </a:p>
@@ -8075,10 +7566,10 @@
             <a:spcAft>
               <a:spcPct val="15000"/>
             </a:spcAft>
-            <a:buChar char="••"/>
+            <a:buChar char="•"/>
           </a:pPr>
           <a:r>
-            <a:rPr lang="en-US" sz="1500" kern="1200" dirty="0" smtClean="0"/>
+            <a:rPr lang="en-US" sz="1500" kern="1200" dirty="0"/>
             <a:t>C may request from A signatures of messages that depend on previously obtained message-signature pairs</a:t>
           </a:r>
         </a:p>
@@ -8139,7 +7630,7 @@
         </a:bodyPr>
         <a:lstStyle/>
         <a:p>
-          <a:pPr lvl="0" algn="ctr" defTabSz="666750">
+          <a:pPr marL="0" lvl="0" indent="0" algn="ctr" defTabSz="666750">
             <a:lnSpc>
               <a:spcPct val="90000"/>
             </a:lnSpc>
@@ -8149,9 +7640,10 @@
             <a:spcAft>
               <a:spcPct val="35000"/>
             </a:spcAft>
+            <a:buNone/>
           </a:pPr>
           <a:r>
-            <a:rPr lang="en-US" sz="1500" b="1" kern="1200" dirty="0" smtClean="0"/>
+            <a:rPr lang="en-US" sz="1500" b="1" kern="1200" dirty="0"/>
             <a:t>Adaptive chosen message attack</a:t>
           </a:r>
         </a:p>
@@ -8224,7 +7716,7 @@
         </a:bodyPr>
         <a:lstStyle/>
         <a:p>
-          <a:pPr lvl="0" algn="l" defTabSz="711200">
+          <a:pPr marL="0" lvl="0" indent="0" algn="l" defTabSz="711200">
             <a:lnSpc>
               <a:spcPct val="90000"/>
             </a:lnSpc>
@@ -8234,12 +7726,12 @@
             <a:spcAft>
               <a:spcPct val="35000"/>
             </a:spcAft>
+            <a:buNone/>
           </a:pPr>
           <a:r>
-            <a:rPr lang="en-US" sz="1600" b="1" i="0" kern="1200" dirty="0" smtClean="0"/>
+            <a:rPr lang="en-US" sz="1600" b="1" i="0" kern="1200" dirty="0"/>
             <a:t>Total break</a:t>
           </a:r>
-          <a:endParaRPr lang="en-US" sz="1600" b="1" i="0" kern="1200" dirty="0"/>
         </a:p>
       </dsp:txBody>
       <dsp:txXfrm>
@@ -8313,10 +7805,10 @@
             <a:spcAft>
               <a:spcPct val="15000"/>
             </a:spcAft>
-            <a:buChar char="••"/>
+            <a:buChar char="•"/>
           </a:pPr>
           <a:r>
-            <a:rPr lang="en-US" sz="1600" b="0" i="0" kern="1200" dirty="0" smtClean="0"/>
+            <a:rPr lang="en-US" sz="1600" b="0" i="0" kern="1200" dirty="0"/>
             <a:t>C determines A’s private key</a:t>
           </a:r>
         </a:p>
@@ -8342,7 +7834,7 @@
             <a:gd name="adj2" fmla="val 50000"/>
           </a:avLst>
         </a:prstGeom>
-        <a:blipFill rotWithShape="0">
+        <a:blipFill rotWithShape="1">
           <a:blip xmlns:r="http://schemas.openxmlformats.org/officeDocument/2006/relationships" r:embed="rId1">
             <a:duotone>
               <a:schemeClr val="accent1">
@@ -8402,7 +7894,7 @@
         </a:bodyPr>
         <a:lstStyle/>
         <a:p>
-          <a:pPr lvl="0" algn="ctr" defTabSz="622300">
+          <a:pPr marL="0" lvl="0" indent="0" algn="ctr" defTabSz="622300">
             <a:lnSpc>
               <a:spcPct val="90000"/>
             </a:lnSpc>
@@ -8412,6 +7904,7 @@
             <a:spcAft>
               <a:spcPct val="35000"/>
             </a:spcAft>
+            <a:buNone/>
           </a:pPr>
           <a:endParaRPr lang="en-US" sz="1400" kern="1200" dirty="0"/>
         </a:p>
@@ -8472,7 +7965,7 @@
         </a:bodyPr>
         <a:lstStyle/>
         <a:p>
-          <a:pPr lvl="0" algn="l" defTabSz="711200">
+          <a:pPr marL="0" lvl="0" indent="0" algn="l" defTabSz="711200">
             <a:lnSpc>
               <a:spcPct val="90000"/>
             </a:lnSpc>
@@ -8482,9 +7975,10 @@
             <a:spcAft>
               <a:spcPct val="35000"/>
             </a:spcAft>
+            <a:buNone/>
           </a:pPr>
           <a:r>
-            <a:rPr lang="en-US" sz="1600" b="1" i="0" kern="1200" dirty="0" smtClean="0"/>
+            <a:rPr lang="en-US" sz="1600" b="1" i="0" kern="1200" dirty="0"/>
             <a:t>Universal forgery</a:t>
           </a:r>
         </a:p>
@@ -8560,10 +8054,10 @@
             <a:spcAft>
               <a:spcPct val="15000"/>
             </a:spcAft>
-            <a:buChar char="••"/>
+            <a:buChar char="•"/>
           </a:pPr>
           <a:r>
-            <a:rPr lang="en-US" sz="1600" b="0" i="0" kern="1200" dirty="0" smtClean="0"/>
+            <a:rPr lang="en-US" sz="1600" b="0" i="0" kern="1200" dirty="0"/>
             <a:t>C finds an efficient signing algorithm that provides an equivalent way of constructing signatures on arbitrary messages</a:t>
           </a:r>
         </a:p>
@@ -8589,7 +8083,7 @@
             <a:gd name="adj2" fmla="val 50000"/>
           </a:avLst>
         </a:prstGeom>
-        <a:blipFill rotWithShape="0">
+        <a:blipFill rotWithShape="1">
           <a:blip xmlns:r="http://schemas.openxmlformats.org/officeDocument/2006/relationships" r:embed="rId1">
             <a:duotone>
               <a:schemeClr val="accent1">
@@ -8649,7 +8143,7 @@
         </a:bodyPr>
         <a:lstStyle/>
         <a:p>
-          <a:pPr lvl="0" algn="ctr" defTabSz="755650">
+          <a:pPr marL="0" lvl="0" indent="0" algn="ctr" defTabSz="755650">
             <a:lnSpc>
               <a:spcPct val="90000"/>
             </a:lnSpc>
@@ -8659,6 +8153,7 @@
             <a:spcAft>
               <a:spcPct val="35000"/>
             </a:spcAft>
+            <a:buNone/>
           </a:pPr>
           <a:endParaRPr lang="en-US" sz="1700" kern="1200" dirty="0"/>
         </a:p>
@@ -8719,7 +8214,7 @@
         </a:bodyPr>
         <a:lstStyle/>
         <a:p>
-          <a:pPr lvl="0" algn="l" defTabSz="711200">
+          <a:pPr marL="0" lvl="0" indent="0" algn="l" defTabSz="711200">
             <a:lnSpc>
               <a:spcPct val="90000"/>
             </a:lnSpc>
@@ -8729,9 +8224,10 @@
             <a:spcAft>
               <a:spcPct val="35000"/>
             </a:spcAft>
+            <a:buNone/>
           </a:pPr>
           <a:r>
-            <a:rPr lang="en-US" sz="1600" b="1" i="0" kern="1200" dirty="0" smtClean="0"/>
+            <a:rPr lang="en-US" sz="1600" b="1" i="0" kern="1200" dirty="0"/>
             <a:t>Selective forgery</a:t>
           </a:r>
         </a:p>
@@ -8807,10 +8303,10 @@
             <a:spcAft>
               <a:spcPct val="15000"/>
             </a:spcAft>
-            <a:buChar char="••"/>
+            <a:buChar char="•"/>
           </a:pPr>
           <a:r>
-            <a:rPr lang="en-US" sz="1600" b="0" i="0" kern="1200" dirty="0" smtClean="0"/>
+            <a:rPr lang="en-US" sz="1600" b="0" i="0" kern="1200" dirty="0"/>
             <a:t>C forges a signature for a particular message chosen by C</a:t>
           </a:r>
         </a:p>
@@ -8836,7 +8332,7 @@
             <a:gd name="adj2" fmla="val 50000"/>
           </a:avLst>
         </a:prstGeom>
-        <a:blipFill rotWithShape="0">
+        <a:blipFill rotWithShape="1">
           <a:blip xmlns:r="http://schemas.openxmlformats.org/officeDocument/2006/relationships" r:embed="rId1">
             <a:duotone>
               <a:schemeClr val="accent1">
@@ -8896,7 +8392,7 @@
         </a:bodyPr>
         <a:lstStyle/>
         <a:p>
-          <a:pPr lvl="0" algn="ctr" defTabSz="622300">
+          <a:pPr marL="0" lvl="0" indent="0" algn="ctr" defTabSz="622300">
             <a:lnSpc>
               <a:spcPct val="90000"/>
             </a:lnSpc>
@@ -8906,6 +8402,7 @@
             <a:spcAft>
               <a:spcPct val="35000"/>
             </a:spcAft>
+            <a:buNone/>
           </a:pPr>
           <a:endParaRPr lang="en-US" sz="1400" kern="1200" dirty="0"/>
         </a:p>
@@ -8966,7 +8463,7 @@
         </a:bodyPr>
         <a:lstStyle/>
         <a:p>
-          <a:pPr lvl="0" algn="l" defTabSz="711200">
+          <a:pPr marL="0" lvl="0" indent="0" algn="l" defTabSz="711200">
             <a:lnSpc>
               <a:spcPct val="90000"/>
             </a:lnSpc>
@@ -8976,9 +8473,10 @@
             <a:spcAft>
               <a:spcPct val="35000"/>
             </a:spcAft>
+            <a:buNone/>
           </a:pPr>
           <a:r>
-            <a:rPr lang="en-US" sz="1600" b="1" i="0" kern="1200" dirty="0" smtClean="0"/>
+            <a:rPr lang="en-US" sz="1600" b="1" i="0" kern="1200" dirty="0"/>
             <a:t>Existential forgery</a:t>
           </a:r>
         </a:p>
@@ -9054,10 +8552,10 @@
             <a:spcAft>
               <a:spcPct val="15000"/>
             </a:spcAft>
-            <a:buChar char="••"/>
+            <a:buChar char="•"/>
           </a:pPr>
           <a:r>
-            <a:rPr lang="en-US" sz="1600" b="0" i="0" kern="1200" dirty="0" smtClean="0"/>
+            <a:rPr lang="en-US" sz="1600" b="0" i="0" kern="1200" dirty="0"/>
             <a:t>C forges a signature for at least one message; C has no control over the message</a:t>
           </a:r>
         </a:p>
@@ -9094,7 +8592,7 @@
             <a:gd name="adj" fmla="val 10000"/>
           </a:avLst>
         </a:prstGeom>
-        <a:blipFill rotWithShape="0">
+        <a:blipFill rotWithShape="1">
           <a:blip xmlns:r="http://schemas.openxmlformats.org/officeDocument/2006/relationships" r:embed="rId1">
             <a:duotone>
               <a:schemeClr val="accent1">
@@ -9148,7 +8646,7 @@
         </a:bodyPr>
         <a:lstStyle/>
         <a:p>
-          <a:pPr lvl="0" algn="ctr" defTabSz="666750" rtl="0">
+          <a:pPr marL="0" lvl="0" indent="0" algn="ctr" defTabSz="666750" rtl="0">
             <a:lnSpc>
               <a:spcPct val="90000"/>
             </a:lnSpc>
@@ -9158,12 +8656,12 @@
             <a:spcAft>
               <a:spcPct val="35000"/>
             </a:spcAft>
+            <a:buNone/>
           </a:pPr>
           <a:r>
-            <a:rPr lang="en-US" sz="1500" kern="1200" dirty="0" smtClean="0"/>
+            <a:rPr lang="en-US" sz="1500" kern="1200" dirty="0"/>
             <a:t>Refers to a digital signature scheme that involves only the communicating parties</a:t>
           </a:r>
-          <a:endParaRPr lang="en-US" sz="1500" kern="1200" dirty="0"/>
         </a:p>
       </dsp:txBody>
       <dsp:txXfrm>
@@ -9286,7 +8784,7 @@
         </a:bodyPr>
         <a:lstStyle/>
         <a:p>
-          <a:pPr lvl="0" algn="ctr" defTabSz="488950" rtl="0">
+          <a:pPr marL="0" lvl="0" indent="0" algn="ctr" defTabSz="488950" rtl="0">
             <a:lnSpc>
               <a:spcPct val="90000"/>
             </a:lnSpc>
@@ -9296,12 +8794,12 @@
             <a:spcAft>
               <a:spcPct val="35000"/>
             </a:spcAft>
+            <a:buNone/>
           </a:pPr>
           <a:r>
-            <a:rPr lang="en-US" sz="1100" kern="1200" dirty="0" smtClean="0"/>
+            <a:rPr lang="en-US" sz="1100" kern="1200" dirty="0"/>
             <a:t>It is assumed that the destination knows the public key of the source</a:t>
           </a:r>
-          <a:endParaRPr lang="en-US" sz="1100" kern="1200" dirty="0"/>
         </a:p>
       </dsp:txBody>
       <dsp:txXfrm>
@@ -9324,7 +8822,7 @@
             <a:gd name="adj" fmla="val 10000"/>
           </a:avLst>
         </a:prstGeom>
-        <a:blipFill rotWithShape="0">
+        <a:blipFill rotWithShape="1">
           <a:blip xmlns:r="http://schemas.openxmlformats.org/officeDocument/2006/relationships" r:embed="rId1">
             <a:duotone>
               <a:schemeClr val="accent1">
@@ -9378,7 +8876,7 @@
         </a:bodyPr>
         <a:lstStyle/>
         <a:p>
-          <a:pPr lvl="0" algn="ctr" defTabSz="666750" rtl="0">
+          <a:pPr marL="0" lvl="0" indent="0" algn="ctr" defTabSz="666750" rtl="0">
             <a:lnSpc>
               <a:spcPct val="90000"/>
             </a:lnSpc>
@@ -9388,12 +8886,12 @@
             <a:spcAft>
               <a:spcPct val="35000"/>
             </a:spcAft>
+            <a:buNone/>
           </a:pPr>
           <a:r>
-            <a:rPr lang="en-US" sz="1500" kern="1200" dirty="0" smtClean="0"/>
+            <a:rPr lang="en-US" sz="1500" kern="1200" dirty="0"/>
             <a:t>Confidentiality can be provided by encrypting the entire message plus signature with a shared secret key</a:t>
           </a:r>
-          <a:endParaRPr lang="en-US" sz="1500" kern="1200" dirty="0"/>
         </a:p>
       </dsp:txBody>
       <dsp:txXfrm>
@@ -9516,7 +9014,7 @@
         </a:bodyPr>
         <a:lstStyle/>
         <a:p>
-          <a:pPr lvl="0" algn="ctr" defTabSz="488950" rtl="0">
+          <a:pPr marL="0" lvl="0" indent="0" algn="ctr" defTabSz="488950" rtl="0">
             <a:lnSpc>
               <a:spcPct val="90000"/>
             </a:lnSpc>
@@ -9526,12 +9024,12 @@
             <a:spcAft>
               <a:spcPct val="35000"/>
             </a:spcAft>
+            <a:buNone/>
           </a:pPr>
           <a:r>
-            <a:rPr lang="en-US" sz="1100" kern="1200" dirty="0" smtClean="0"/>
+            <a:rPr lang="en-US" sz="1100" kern="1200" dirty="0"/>
             <a:t>It is important to perform the signature function first and then an outer confidentiality function</a:t>
           </a:r>
-          <a:endParaRPr lang="en-US" sz="1100" kern="1200" dirty="0"/>
         </a:p>
       </dsp:txBody>
       <dsp:txXfrm>
@@ -9654,7 +9152,7 @@
         </a:bodyPr>
         <a:lstStyle/>
         <a:p>
-          <a:pPr lvl="0" algn="ctr" defTabSz="488950" rtl="0">
+          <a:pPr marL="0" lvl="0" indent="0" algn="ctr" defTabSz="488950" rtl="0">
             <a:lnSpc>
               <a:spcPct val="90000"/>
             </a:lnSpc>
@@ -9664,12 +9162,12 @@
             <a:spcAft>
               <a:spcPct val="35000"/>
             </a:spcAft>
+            <a:buNone/>
           </a:pPr>
           <a:r>
-            <a:rPr lang="en-US" sz="1100" kern="1200" dirty="0" smtClean="0"/>
+            <a:rPr lang="en-US" sz="1100" kern="1200" dirty="0"/>
             <a:t>In case of dispute some third party must view the message and its signature</a:t>
           </a:r>
-          <a:endParaRPr lang="en-US" sz="1100" kern="1200" dirty="0"/>
         </a:p>
       </dsp:txBody>
       <dsp:txXfrm>
@@ -9692,7 +9190,7 @@
             <a:gd name="adj" fmla="val 10000"/>
           </a:avLst>
         </a:prstGeom>
-        <a:blipFill rotWithShape="0">
+        <a:blipFill rotWithShape="1">
           <a:blip xmlns:r="http://schemas.openxmlformats.org/officeDocument/2006/relationships" r:embed="rId1">
             <a:duotone>
               <a:schemeClr val="accent1">
@@ -9746,7 +9244,7 @@
         </a:bodyPr>
         <a:lstStyle/>
         <a:p>
-          <a:pPr lvl="0" algn="ctr" defTabSz="666750" rtl="0">
+          <a:pPr marL="0" lvl="0" indent="0" algn="ctr" defTabSz="666750" rtl="0">
             <a:lnSpc>
               <a:spcPct val="90000"/>
             </a:lnSpc>
@@ -9756,12 +9254,12 @@
             <a:spcAft>
               <a:spcPct val="35000"/>
             </a:spcAft>
+            <a:buNone/>
           </a:pPr>
           <a:r>
-            <a:rPr lang="en-US" sz="1500" kern="1200" dirty="0" smtClean="0"/>
+            <a:rPr lang="en-US" sz="1500" kern="1200" dirty="0"/>
             <a:t>The validity of the scheme depends on the security of the sender’s private key</a:t>
           </a:r>
-          <a:endParaRPr lang="en-US" sz="1500" kern="1200" dirty="0"/>
         </a:p>
       </dsp:txBody>
       <dsp:txXfrm>
@@ -9884,7 +9382,7 @@
         </a:bodyPr>
         <a:lstStyle/>
         <a:p>
-          <a:pPr lvl="0" algn="ctr" defTabSz="488950" rtl="0">
+          <a:pPr marL="0" lvl="0" indent="0" algn="ctr" defTabSz="488950" rtl="0">
             <a:lnSpc>
               <a:spcPct val="90000"/>
             </a:lnSpc>
@@ -9894,12 +9392,12 @@
             <a:spcAft>
               <a:spcPct val="35000"/>
             </a:spcAft>
+            <a:buNone/>
           </a:pPr>
           <a:r>
-            <a:rPr lang="en-US" sz="1100" kern="1200" dirty="0" smtClean="0"/>
+            <a:rPr lang="en-US" sz="1100" kern="1200" dirty="0"/>
             <a:t>If a sender later wishes to deny sending a particular message, the sender can claim that the private key was lost or stolen and that someone else forged his or her signature</a:t>
           </a:r>
-          <a:endParaRPr lang="en-US" sz="1100" kern="1200" dirty="0"/>
         </a:p>
       </dsp:txBody>
       <dsp:txXfrm>
@@ -10022,7 +9520,7 @@
         </a:bodyPr>
         <a:lstStyle/>
         <a:p>
-          <a:pPr lvl="0" algn="ctr" defTabSz="488950" rtl="0">
+          <a:pPr marL="0" lvl="0" indent="0" algn="ctr" defTabSz="488950" rtl="0">
             <a:lnSpc>
               <a:spcPct val="90000"/>
             </a:lnSpc>
@@ -10032,12 +9530,12 @@
             <a:spcAft>
               <a:spcPct val="35000"/>
             </a:spcAft>
+            <a:buNone/>
           </a:pPr>
           <a:r>
-            <a:rPr lang="en-US" sz="1100" kern="1200" dirty="0" smtClean="0"/>
+            <a:rPr lang="en-US" sz="1100" kern="1200" dirty="0"/>
             <a:t>One way to thwart or at least weaken this ploy is to require every signed message to include a timestamp and to require prompt reporting of compromised keys to a central authority</a:t>
           </a:r>
-          <a:endParaRPr lang="en-US" sz="1100" kern="1200" dirty="0"/>
         </a:p>
       </dsp:txBody>
       <dsp:txXfrm>
@@ -10057,6 +9555,473 @@
       <dsp:cNvGrpSpPr/>
     </dsp:nvGrpSpPr>
     <dsp:grpSpPr/>
+    <dsp:sp modelId="{262F671A-AD4F-D74F-90D6-B9948421EC89}">
+      <dsp:nvSpPr>
+        <dsp:cNvPr id="0" name=""/>
+        <dsp:cNvSpPr/>
+      </dsp:nvSpPr>
+      <dsp:spPr>
+        <a:xfrm rot="16200000">
+          <a:off x="713978" y="-713978"/>
+          <a:ext cx="2357437" cy="3785393"/>
+        </a:xfrm>
+        <a:prstGeom prst="round1Rect">
+          <a:avLst/>
+        </a:prstGeom>
+        <a:blipFill rotWithShape="1">
+          <a:blip xmlns:r="http://schemas.openxmlformats.org/officeDocument/2006/relationships" r:embed="rId1">
+            <a:duotone>
+              <a:schemeClr val="accent1">
+                <a:hueOff val="0"/>
+                <a:satOff val="0"/>
+                <a:lumOff val="0"/>
+                <a:alphaOff val="0"/>
+                <a:shade val="70000"/>
+                <a:satMod val="120000"/>
+              </a:schemeClr>
+              <a:schemeClr val="accent1">
+                <a:hueOff val="0"/>
+                <a:satOff val="0"/>
+                <a:lumOff val="0"/>
+                <a:alphaOff val="0"/>
+                <a:tint val="70000"/>
+                <a:satMod val="135000"/>
+              </a:schemeClr>
+            </a:duotone>
+          </a:blip>
+          <a:tile tx="0" ty="0" sx="40000" sy="40000" flip="none" algn="tl"/>
+        </a:blipFill>
+        <a:ln>
+          <a:solidFill>
+            <a:schemeClr val="tx1"/>
+          </a:solidFill>
+        </a:ln>
+        <a:effectLst>
+          <a:outerShdw blurRad="38100" dist="25400" dir="5400000" rotWithShape="0">
+            <a:srgbClr val="000000">
+              <a:alpha val="50000"/>
+            </a:srgbClr>
+          </a:outerShdw>
+        </a:effectLst>
+      </dsp:spPr>
+      <dsp:style>
+        <a:lnRef idx="0">
+          <a:scrgbClr r="0" g="0" b="0"/>
+        </a:lnRef>
+        <a:fillRef idx="3">
+          <a:scrgbClr r="0" g="0" b="0"/>
+        </a:fillRef>
+        <a:effectRef idx="2">
+          <a:scrgbClr r="0" g="0" b="0"/>
+        </a:effectRef>
+        <a:fontRef idx="minor">
+          <a:schemeClr val="lt1"/>
+        </a:fontRef>
+      </dsp:style>
+      <dsp:txBody>
+        <a:bodyPr spcFirstLastPara="0" vert="horz" wrap="square" lIns="128016" tIns="128016" rIns="128016" bIns="128016" numCol="1" spcCol="1270" anchor="ctr" anchorCtr="0">
+          <a:noAutofit/>
+        </a:bodyPr>
+        <a:lstStyle/>
+        <a:p>
+          <a:pPr marL="0" lvl="0" indent="0" algn="ctr" defTabSz="800100" rtl="0">
+            <a:lnSpc>
+              <a:spcPct val="90000"/>
+            </a:lnSpc>
+            <a:spcBef>
+              <a:spcPct val="0"/>
+            </a:spcBef>
+            <a:spcAft>
+              <a:spcPct val="35000"/>
+            </a:spcAft>
+            <a:buNone/>
+          </a:pPr>
+          <a:r>
+            <a:rPr lang="en-US" sz="1800" kern="1200" dirty="0"/>
+            <a:t>All those participating in the digital signature scheme use the same global domain parameters, which define an elliptic curve and a point of origin on the curve</a:t>
+          </a:r>
+        </a:p>
+      </dsp:txBody>
+      <dsp:txXfrm rot="5400000">
+        <a:off x="0" y="0"/>
+        <a:ext cx="3785393" cy="1768078"/>
+      </dsp:txXfrm>
+    </dsp:sp>
+    <dsp:sp modelId="{86991323-3617-924B-AEF9-64C859FCD223}">
+      <dsp:nvSpPr>
+        <dsp:cNvPr id="0" name=""/>
+        <dsp:cNvSpPr/>
+      </dsp:nvSpPr>
+      <dsp:spPr>
+        <a:xfrm>
+          <a:off x="3785393" y="0"/>
+          <a:ext cx="3785393" cy="2357437"/>
+        </a:xfrm>
+        <a:prstGeom prst="round1Rect">
+          <a:avLst/>
+        </a:prstGeom>
+        <a:blipFill rotWithShape="1">
+          <a:blip xmlns:r="http://schemas.openxmlformats.org/officeDocument/2006/relationships" r:embed="rId1">
+            <a:duotone>
+              <a:schemeClr val="accent1">
+                <a:hueOff val="0"/>
+                <a:satOff val="0"/>
+                <a:lumOff val="0"/>
+                <a:alphaOff val="0"/>
+                <a:shade val="70000"/>
+                <a:satMod val="120000"/>
+              </a:schemeClr>
+              <a:schemeClr val="accent1">
+                <a:hueOff val="0"/>
+                <a:satOff val="0"/>
+                <a:lumOff val="0"/>
+                <a:alphaOff val="0"/>
+                <a:tint val="70000"/>
+                <a:satMod val="135000"/>
+              </a:schemeClr>
+            </a:duotone>
+          </a:blip>
+          <a:tile tx="0" ty="0" sx="40000" sy="40000" flip="none" algn="tl"/>
+        </a:blipFill>
+        <a:ln>
+          <a:solidFill>
+            <a:schemeClr val="tx1"/>
+          </a:solidFill>
+        </a:ln>
+        <a:effectLst>
+          <a:outerShdw blurRad="38100" dist="25400" dir="5400000" rotWithShape="0">
+            <a:srgbClr val="000000">
+              <a:alpha val="50000"/>
+            </a:srgbClr>
+          </a:outerShdw>
+        </a:effectLst>
+      </dsp:spPr>
+      <dsp:style>
+        <a:lnRef idx="0">
+          <a:scrgbClr r="0" g="0" b="0"/>
+        </a:lnRef>
+        <a:fillRef idx="3">
+          <a:scrgbClr r="0" g="0" b="0"/>
+        </a:fillRef>
+        <a:effectRef idx="2">
+          <a:scrgbClr r="0" g="0" b="0"/>
+        </a:effectRef>
+        <a:fontRef idx="minor">
+          <a:schemeClr val="lt1"/>
+        </a:fontRef>
+      </dsp:style>
+      <dsp:txBody>
+        <a:bodyPr spcFirstLastPara="0" vert="horz" wrap="square" lIns="128016" tIns="128016" rIns="128016" bIns="128016" numCol="1" spcCol="1270" anchor="ctr" anchorCtr="0">
+          <a:noAutofit/>
+        </a:bodyPr>
+        <a:lstStyle/>
+        <a:p>
+          <a:pPr marL="0" lvl="0" indent="0" algn="ctr" defTabSz="800100" rtl="0">
+            <a:lnSpc>
+              <a:spcPct val="90000"/>
+            </a:lnSpc>
+            <a:spcBef>
+              <a:spcPct val="0"/>
+            </a:spcBef>
+            <a:spcAft>
+              <a:spcPct val="35000"/>
+            </a:spcAft>
+            <a:buNone/>
+          </a:pPr>
+          <a:r>
+            <a:rPr lang="en-US" sz="1800" kern="1200" dirty="0"/>
+            <a:t>A signer must first generate a public, private key pair</a:t>
+          </a:r>
+        </a:p>
+      </dsp:txBody>
+      <dsp:txXfrm>
+        <a:off x="3785393" y="0"/>
+        <a:ext cx="3785393" cy="1768078"/>
+      </dsp:txXfrm>
+    </dsp:sp>
+    <dsp:sp modelId="{CBE51D63-60B9-CB46-AE01-72CFFA68E50D}">
+      <dsp:nvSpPr>
+        <dsp:cNvPr id="0" name=""/>
+        <dsp:cNvSpPr/>
+      </dsp:nvSpPr>
+      <dsp:spPr>
+        <a:xfrm rot="10800000">
+          <a:off x="0" y="2357437"/>
+          <a:ext cx="3785393" cy="2357437"/>
+        </a:xfrm>
+        <a:prstGeom prst="round1Rect">
+          <a:avLst/>
+        </a:prstGeom>
+        <a:blipFill rotWithShape="1">
+          <a:blip xmlns:r="http://schemas.openxmlformats.org/officeDocument/2006/relationships" r:embed="rId1">
+            <a:duotone>
+              <a:schemeClr val="accent1">
+                <a:hueOff val="0"/>
+                <a:satOff val="0"/>
+                <a:lumOff val="0"/>
+                <a:alphaOff val="0"/>
+                <a:shade val="70000"/>
+                <a:satMod val="120000"/>
+              </a:schemeClr>
+              <a:schemeClr val="accent1">
+                <a:hueOff val="0"/>
+                <a:satOff val="0"/>
+                <a:lumOff val="0"/>
+                <a:alphaOff val="0"/>
+                <a:tint val="70000"/>
+                <a:satMod val="135000"/>
+              </a:schemeClr>
+            </a:duotone>
+          </a:blip>
+          <a:tile tx="0" ty="0" sx="40000" sy="40000" flip="none" algn="tl"/>
+        </a:blipFill>
+        <a:ln>
+          <a:solidFill>
+            <a:schemeClr val="tx1"/>
+          </a:solidFill>
+        </a:ln>
+        <a:effectLst>
+          <a:outerShdw blurRad="38100" dist="25400" dir="5400000" rotWithShape="0">
+            <a:srgbClr val="000000">
+              <a:alpha val="50000"/>
+            </a:srgbClr>
+          </a:outerShdw>
+        </a:effectLst>
+      </dsp:spPr>
+      <dsp:style>
+        <a:lnRef idx="0">
+          <a:scrgbClr r="0" g="0" b="0"/>
+        </a:lnRef>
+        <a:fillRef idx="3">
+          <a:scrgbClr r="0" g="0" b="0"/>
+        </a:fillRef>
+        <a:effectRef idx="2">
+          <a:scrgbClr r="0" g="0" b="0"/>
+        </a:effectRef>
+        <a:fontRef idx="minor">
+          <a:schemeClr val="lt1"/>
+        </a:fontRef>
+      </dsp:style>
+      <dsp:txBody>
+        <a:bodyPr spcFirstLastPara="0" vert="horz" wrap="square" lIns="128016" tIns="128016" rIns="128016" bIns="128016" numCol="1" spcCol="1270" anchor="ctr" anchorCtr="0">
+          <a:noAutofit/>
+        </a:bodyPr>
+        <a:lstStyle/>
+        <a:p>
+          <a:pPr marL="0" lvl="0" indent="0" algn="ctr" defTabSz="800100" rtl="0">
+            <a:lnSpc>
+              <a:spcPct val="90000"/>
+            </a:lnSpc>
+            <a:spcBef>
+              <a:spcPct val="0"/>
+            </a:spcBef>
+            <a:spcAft>
+              <a:spcPct val="35000"/>
+            </a:spcAft>
+            <a:buNone/>
+          </a:pPr>
+          <a:r>
+            <a:rPr lang="en-US" sz="1800" kern="1200" dirty="0"/>
+            <a:t>A hash value is generated for the message to be signed; using the private key, the domain parameters, and the hash value, a signature is generated</a:t>
+          </a:r>
+        </a:p>
+      </dsp:txBody>
+      <dsp:txXfrm rot="10800000">
+        <a:off x="0" y="2946796"/>
+        <a:ext cx="3785393" cy="1768078"/>
+      </dsp:txXfrm>
+    </dsp:sp>
+    <dsp:sp modelId="{E8D9C74D-DDED-5A4C-B8A0-7E959C3A17FC}">
+      <dsp:nvSpPr>
+        <dsp:cNvPr id="0" name=""/>
+        <dsp:cNvSpPr/>
+      </dsp:nvSpPr>
+      <dsp:spPr>
+        <a:xfrm rot="5400000">
+          <a:off x="4499371" y="1643459"/>
+          <a:ext cx="2357437" cy="3785393"/>
+        </a:xfrm>
+        <a:prstGeom prst="round1Rect">
+          <a:avLst/>
+        </a:prstGeom>
+        <a:blipFill rotWithShape="1">
+          <a:blip xmlns:r="http://schemas.openxmlformats.org/officeDocument/2006/relationships" r:embed="rId1">
+            <a:duotone>
+              <a:schemeClr val="accent1">
+                <a:hueOff val="0"/>
+                <a:satOff val="0"/>
+                <a:lumOff val="0"/>
+                <a:alphaOff val="0"/>
+                <a:shade val="70000"/>
+                <a:satMod val="120000"/>
+              </a:schemeClr>
+              <a:schemeClr val="accent1">
+                <a:hueOff val="0"/>
+                <a:satOff val="0"/>
+                <a:lumOff val="0"/>
+                <a:alphaOff val="0"/>
+                <a:tint val="70000"/>
+                <a:satMod val="135000"/>
+              </a:schemeClr>
+            </a:duotone>
+          </a:blip>
+          <a:tile tx="0" ty="0" sx="40000" sy="40000" flip="none" algn="tl"/>
+        </a:blipFill>
+        <a:ln>
+          <a:solidFill>
+            <a:schemeClr val="tx1"/>
+          </a:solidFill>
+        </a:ln>
+        <a:effectLst>
+          <a:outerShdw blurRad="38100" dist="25400" dir="5400000" rotWithShape="0">
+            <a:srgbClr val="000000">
+              <a:alpha val="50000"/>
+            </a:srgbClr>
+          </a:outerShdw>
+        </a:effectLst>
+      </dsp:spPr>
+      <dsp:style>
+        <a:lnRef idx="0">
+          <a:scrgbClr r="0" g="0" b="0"/>
+        </a:lnRef>
+        <a:fillRef idx="3">
+          <a:scrgbClr r="0" g="0" b="0"/>
+        </a:fillRef>
+        <a:effectRef idx="2">
+          <a:scrgbClr r="0" g="0" b="0"/>
+        </a:effectRef>
+        <a:fontRef idx="minor">
+          <a:schemeClr val="lt1"/>
+        </a:fontRef>
+      </dsp:style>
+      <dsp:txBody>
+        <a:bodyPr spcFirstLastPara="0" vert="horz" wrap="square" lIns="128016" tIns="128016" rIns="128016" bIns="128016" numCol="1" spcCol="1270" anchor="ctr" anchorCtr="0">
+          <a:noAutofit/>
+        </a:bodyPr>
+        <a:lstStyle/>
+        <a:p>
+          <a:pPr marL="0" lvl="0" indent="0" algn="ctr" defTabSz="800100" rtl="0">
+            <a:lnSpc>
+              <a:spcPct val="90000"/>
+            </a:lnSpc>
+            <a:spcBef>
+              <a:spcPct val="0"/>
+            </a:spcBef>
+            <a:spcAft>
+              <a:spcPct val="35000"/>
+            </a:spcAft>
+            <a:buNone/>
+          </a:pPr>
+          <a:r>
+            <a:rPr lang="en-US" sz="1800" kern="1200" dirty="0"/>
+            <a:t>To verify the signature, the verifier uses as input the signer’s public key, the domain parameters, and the integer </a:t>
+          </a:r>
+          <a:r>
+            <a:rPr lang="en-US" sz="1800" i="1" kern="1200" dirty="0"/>
+            <a:t>s; </a:t>
+          </a:r>
+          <a:r>
+            <a:rPr lang="en-US" sz="1800" kern="1200" dirty="0"/>
+            <a:t>the output is a value </a:t>
+          </a:r>
+          <a:r>
+            <a:rPr lang="en-US" sz="1800" i="1" kern="1200" dirty="0"/>
+            <a:t>v </a:t>
+          </a:r>
+          <a:r>
+            <a:rPr lang="en-US" sz="1800" kern="1200" dirty="0"/>
+            <a:t>that is compared to </a:t>
+          </a:r>
+          <a:r>
+            <a:rPr lang="en-US" sz="1800" i="1" kern="1200" dirty="0"/>
+            <a:t>r </a:t>
+          </a:r>
+          <a:r>
+            <a:rPr lang="en-US" sz="1800" kern="1200" dirty="0"/>
+            <a:t>; the signature is verified if the </a:t>
+          </a:r>
+          <a:r>
+            <a:rPr lang="en-US" sz="1800" i="1" kern="1200" dirty="0"/>
+            <a:t>v = r</a:t>
+          </a:r>
+          <a:endParaRPr lang="en-US" sz="1800" kern="1200" dirty="0"/>
+        </a:p>
+      </dsp:txBody>
+      <dsp:txXfrm rot="-5400000">
+        <a:off x="3785394" y="2946796"/>
+        <a:ext cx="3785393" cy="1768078"/>
+      </dsp:txXfrm>
+    </dsp:sp>
+    <dsp:sp modelId="{92E76A77-D1EA-EF42-B28B-6E6E21434418}">
+      <dsp:nvSpPr>
+        <dsp:cNvPr id="0" name=""/>
+        <dsp:cNvSpPr/>
+      </dsp:nvSpPr>
+      <dsp:spPr>
+        <a:xfrm>
+          <a:off x="2649775" y="1768078"/>
+          <a:ext cx="2271236" cy="1178718"/>
+        </a:xfrm>
+        <a:prstGeom prst="roundRect">
+          <a:avLst/>
+        </a:prstGeom>
+        <a:solidFill>
+          <a:schemeClr val="bg1"/>
+        </a:solidFill>
+        <a:ln>
+          <a:solidFill>
+            <a:schemeClr val="tx1"/>
+          </a:solidFill>
+        </a:ln>
+        <a:effectLst>
+          <a:outerShdw blurRad="38100" dist="25400" dir="5400000" rotWithShape="0">
+            <a:srgbClr val="000000">
+              <a:alpha val="50000"/>
+            </a:srgbClr>
+          </a:outerShdw>
+        </a:effectLst>
+      </dsp:spPr>
+      <dsp:style>
+        <a:lnRef idx="0">
+          <a:scrgbClr r="0" g="0" b="0"/>
+        </a:lnRef>
+        <a:fillRef idx="3">
+          <a:scrgbClr r="0" g="0" b="0"/>
+        </a:fillRef>
+        <a:effectRef idx="2">
+          <a:scrgbClr r="0" g="0" b="0"/>
+        </a:effectRef>
+        <a:fontRef idx="minor"/>
+      </dsp:style>
+      <dsp:txBody>
+        <a:bodyPr spcFirstLastPara="0" vert="horz" wrap="square" lIns="68580" tIns="68580" rIns="68580" bIns="68580" numCol="1" spcCol="1270" anchor="ctr" anchorCtr="0">
+          <a:noAutofit/>
+        </a:bodyPr>
+        <a:lstStyle/>
+        <a:p>
+          <a:pPr marL="0" lvl="0" indent="0" algn="ctr" defTabSz="800100" rtl="0">
+            <a:lnSpc>
+              <a:spcPct val="90000"/>
+            </a:lnSpc>
+            <a:spcBef>
+              <a:spcPct val="0"/>
+            </a:spcBef>
+            <a:spcAft>
+              <a:spcPct val="35000"/>
+            </a:spcAft>
+            <a:buNone/>
+          </a:pPr>
+          <a:r>
+            <a:rPr lang="en-US" sz="1800" kern="1200" dirty="0"/>
+            <a:t>Four elements are involved:</a:t>
+          </a:r>
+        </a:p>
+      </dsp:txBody>
+      <dsp:txXfrm>
+        <a:off x="2707315" y="1825618"/>
+        <a:ext cx="2156156" cy="1063638"/>
+      </dsp:txXfrm>
+    </dsp:sp>
   </dsp:spTree>
 </dsp:drawing>
 </file>
@@ -17643,7 +17608,7 @@
           <a:lstStyle/>
           <a:p>
             <a:r>
-              <a:rPr lang="en-US" sz="1200" kern="1200" baseline="0" dirty="0" smtClean="0">
+              <a:rPr lang="en-US" sz="1200" kern="1200" baseline="0" dirty="0">
                 <a:solidFill>
                   <a:schemeClr val="tx1"/>
                 </a:solidFill>
@@ -17656,7 +17621,7 @@
           </a:p>
           <a:p>
             <a:r>
-              <a:rPr lang="en-US" sz="1200" kern="1200" baseline="0" dirty="0" smtClean="0">
+              <a:rPr lang="en-US" sz="1200" kern="1200" baseline="0" dirty="0">
                 <a:solidFill>
                   <a:schemeClr val="tx1"/>
                 </a:solidFill>
@@ -17669,7 +17634,7 @@
           </a:p>
           <a:p>
             <a:r>
-              <a:rPr lang="en-US" sz="1200" kern="1200" baseline="0" dirty="0" smtClean="0">
+              <a:rPr lang="en-US" sz="1200" kern="1200" baseline="0" dirty="0">
                 <a:solidFill>
                   <a:schemeClr val="tx1"/>
                 </a:solidFill>
@@ -17679,7 +17644,7 @@
               </a:rPr>
               <a:t>be difficult to implement in any other way.</a:t>
             </a:r>
-            <a:endParaRPr lang="en-US" dirty="0" smtClean="0">
+            <a:endParaRPr lang="en-US" dirty="0">
               <a:latin typeface="Arial" pitchFamily="-84" charset="0"/>
               <a:ea typeface="ＭＳ Ｐゴシック" pitchFamily="-84" charset="-128"/>
               <a:cs typeface="ＭＳ Ｐゴシック" pitchFamily="-84" charset="-128"/>
@@ -17711,7 +17676,7 @@
               <a:pPr/>
               <a:t>1</a:t>
             </a:fld>
-            <a:endParaRPr lang="en-AU" dirty="0" smtClean="0">
+            <a:endParaRPr lang="en-AU" dirty="0">
               <a:latin typeface="Arial" pitchFamily="-84" charset="0"/>
             </a:endParaRPr>
           </a:p>
@@ -17810,7 +17775,7 @@
           <a:lstStyle/>
           <a:p>
             <a:r>
-              <a:rPr lang="en-US" sz="1200" kern="1200" baseline="0" dirty="0" smtClean="0">
+              <a:rPr lang="en-US" sz="1200" kern="1200" baseline="0" dirty="0">
                 <a:solidFill>
                   <a:schemeClr val="tx1"/>
                 </a:solidFill>
@@ -17823,7 +17788,7 @@
           </a:p>
           <a:p>
             <a:r>
-              <a:rPr lang="en-US" sz="1200" kern="1200" baseline="0" dirty="0" smtClean="0">
+              <a:rPr lang="en-US" sz="1200" kern="1200" baseline="0" dirty="0">
                 <a:solidFill>
                   <a:schemeClr val="tx1"/>
                 </a:solidFill>
@@ -17836,7 +17801,7 @@
           </a:p>
           <a:p>
             <a:r>
-              <a:rPr lang="en-US" sz="1200" kern="1200" baseline="0" dirty="0" smtClean="0">
+              <a:rPr lang="en-US" sz="1200" kern="1200" baseline="0" dirty="0">
                 <a:solidFill>
                   <a:schemeClr val="tx1"/>
                 </a:solidFill>
@@ -17849,7 +17814,7 @@
           </a:p>
           <a:p>
             <a:r>
-              <a:rPr lang="en-US" sz="1200" kern="1200" baseline="0" dirty="0" smtClean="0">
+              <a:rPr lang="en-US" sz="1200" kern="1200" baseline="0" dirty="0">
                 <a:solidFill>
                   <a:schemeClr val="tx1"/>
                 </a:solidFill>
@@ -17862,7 +17827,7 @@
           </a:p>
           <a:p>
             <a:r>
-              <a:rPr lang="en-US" sz="1200" kern="1200" baseline="0" dirty="0" smtClean="0">
+              <a:rPr lang="en-US" sz="1200" kern="1200" baseline="0" dirty="0">
                 <a:solidFill>
                   <a:schemeClr val="tx1"/>
                 </a:solidFill>
@@ -17875,7 +17840,7 @@
           </a:p>
           <a:p>
             <a:r>
-              <a:rPr lang="en-US" sz="1200" kern="1200" baseline="0" dirty="0" smtClean="0">
+              <a:rPr lang="en-US" sz="1200" kern="1200" baseline="0" dirty="0">
                 <a:solidFill>
                   <a:schemeClr val="tx1"/>
                 </a:solidFill>
@@ -17888,7 +17853,7 @@
           </a:p>
           <a:p>
             <a:r>
-              <a:rPr lang="en-US" sz="1200" kern="1200" baseline="0" dirty="0" smtClean="0">
+              <a:rPr lang="en-US" sz="1200" kern="1200" baseline="0" dirty="0">
                 <a:solidFill>
                   <a:schemeClr val="tx1"/>
                 </a:solidFill>
@@ -17901,7 +17866,7 @@
           </a:p>
           <a:p>
             <a:r>
-              <a:rPr lang="en-US" sz="1200" kern="1200" baseline="0" dirty="0" smtClean="0">
+              <a:rPr lang="en-US" sz="1200" kern="1200" baseline="0" dirty="0">
                 <a:solidFill>
                   <a:schemeClr val="tx1"/>
                 </a:solidFill>
@@ -17914,7 +17879,7 @@
           </a:p>
           <a:p>
             <a:r>
-              <a:rPr lang="en-US" sz="1200" kern="1200" baseline="0" dirty="0" smtClean="0">
+              <a:rPr lang="en-US" sz="1200" kern="1200" baseline="0" dirty="0">
                 <a:solidFill>
                   <a:schemeClr val="tx1"/>
                 </a:solidFill>
@@ -17927,7 +17892,7 @@
           </a:p>
           <a:p>
             <a:r>
-              <a:rPr lang="en-US" sz="1200" kern="1200" baseline="0" dirty="0" smtClean="0">
+              <a:rPr lang="en-US" sz="1200" kern="1200" baseline="0" dirty="0">
                 <a:solidFill>
                   <a:schemeClr val="tx1"/>
                 </a:solidFill>
@@ -18012,7 +17977,7 @@
           <a:lstStyle/>
           <a:p>
             <a:r>
-              <a:rPr lang="en-US" sz="1200" kern="1200" baseline="0" dirty="0" smtClean="0">
+              <a:rPr lang="en-US" sz="1200" kern="1200" baseline="0" dirty="0">
                 <a:solidFill>
                   <a:schemeClr val="tx1"/>
                 </a:solidFill>
@@ -18020,12 +17985,10 @@
                 <a:ea typeface="ＭＳ Ｐゴシック" pitchFamily="-107" charset="-128"/>
                 <a:cs typeface="ＭＳ Ｐゴシック" pitchFamily="-107" charset="-128"/>
               </a:rPr>
-              <a:t>The DSA uses an algorithm that is designed to provide only the digital signature</a:t>
-            </a:r>
-          </a:p>
-          <a:p>
-            <a:r>
-              <a:rPr lang="en-US" sz="1200" kern="1200" baseline="0" dirty="0" smtClean="0">
+              <a:t>The DSA uses an algorithm that is designed to provide only the </a:t>
+            </a:r>
+            <a:r>
+              <a:rPr lang="en-US" sz="1200" kern="1200" baseline="0">
                 <a:solidFill>
                   <a:schemeClr val="tx1"/>
                 </a:solidFill>
@@ -18033,12 +17996,10 @@
                 <a:ea typeface="ＭＳ Ｐゴシック" pitchFamily="-107" charset="-128"/>
                 <a:cs typeface="ＭＳ Ｐゴシック" pitchFamily="-107" charset="-128"/>
               </a:rPr>
-              <a:t>function. Unlike RSA, it cannot be used for encryption or key exchange.</a:t>
-            </a:r>
-          </a:p>
-          <a:p>
-            <a:r>
-              <a:rPr lang="en-US" sz="1200" kern="1200" baseline="0" dirty="0" smtClean="0">
+              <a:t>digital signature function</a:t>
+            </a:r>
+            <a:r>
+              <a:rPr lang="en-US" sz="1200" kern="1200" baseline="0" dirty="0">
                 <a:solidFill>
                   <a:schemeClr val="tx1"/>
                 </a:solidFill>
@@ -18046,11 +18007,11 @@
                 <a:ea typeface="ＭＳ Ｐゴシック" pitchFamily="-107" charset="-128"/>
                 <a:cs typeface="ＭＳ Ｐゴシック" pitchFamily="-107" charset="-128"/>
               </a:rPr>
-              <a:t>Nevertheless, it is a public-key technique.</a:t>
-            </a:r>
-          </a:p>
-          <a:p>
-            <a:endParaRPr lang="en-US" sz="1200" kern="1200" baseline="0" dirty="0" smtClean="0">
+              <a:t>. Unlike RSA, it cannot be used for encryption or key exchange. Nevertheless, it is a public-key technique.</a:t>
+            </a:r>
+          </a:p>
+          <a:p>
+            <a:endParaRPr lang="en-US" sz="1200" kern="1200" baseline="0" dirty="0">
               <a:solidFill>
                 <a:schemeClr val="tx1"/>
               </a:solidFill>
@@ -18061,7 +18022,7 @@
           </a:p>
           <a:p>
             <a:r>
-              <a:rPr lang="en-US" sz="1200" kern="1200" baseline="0" dirty="0" smtClean="0">
+              <a:rPr lang="en-US" sz="1200" kern="1200" baseline="0" dirty="0">
                 <a:solidFill>
                   <a:schemeClr val="tx1"/>
                 </a:solidFill>
@@ -18069,12 +18030,27 @@
                 <a:ea typeface="ＭＳ Ｐゴシック" pitchFamily="-107" charset="-128"/>
                 <a:cs typeface="ＭＳ Ｐゴシック" pitchFamily="-107" charset="-128"/>
               </a:rPr>
-              <a:t>Figure 13.2 contrasts the DSA approach for generating digital signatures to</a:t>
-            </a:r>
-          </a:p>
-          <a:p>
-            <a:r>
-              <a:rPr lang="en-US" sz="1200" kern="1200" baseline="0" dirty="0" smtClean="0">
+              <a:t>Figure 13.2 contrasts the DSA approach for generating digital signatures to that used with RSA. In the RSA approach, the message to be signed is input to a hash function that produces a secure hash code of fixed length. This hash code is then encrypted using the sender’s private key to form the signature. Both the message and the signature are then transmitted. The recipient takes the message and produces a hash code. The recipient also decrypts the signature using the sender’s public key. If the calculated hash code matches the decrypted signature, the signature is accepted as valid. Because only the sender knows the private key, only the sender could have produced a valid signature.</a:t>
+            </a:r>
+            <a:endParaRPr lang="en-US" dirty="0">
+              <a:latin typeface="Arial" pitchFamily="-84" charset="0"/>
+              <a:ea typeface="ＭＳ Ｐゴシック" pitchFamily="-84" charset="-128"/>
+              <a:cs typeface="ＭＳ Ｐゴシック" pitchFamily="-84" charset="-128"/>
+            </a:endParaRPr>
+          </a:p>
+          <a:p>
+            <a:endParaRPr lang="en-US" sz="1200" kern="1200" baseline="0" dirty="0">
+              <a:solidFill>
+                <a:schemeClr val="tx1"/>
+              </a:solidFill>
+              <a:latin typeface="Arial" charset="0"/>
+              <a:ea typeface="ＭＳ Ｐゴシック" pitchFamily="-107" charset="-128"/>
+              <a:cs typeface="ＭＳ Ｐゴシック" pitchFamily="-107" charset="-128"/>
+            </a:endParaRPr>
+          </a:p>
+          <a:p>
+            <a:r>
+              <a:rPr lang="en-US" sz="1200" kern="1200" baseline="0" dirty="0">
                 <a:solidFill>
                   <a:schemeClr val="tx1"/>
                 </a:solidFill>
@@ -18082,142 +18058,10 @@
                 <a:ea typeface="ＭＳ Ｐゴシック" pitchFamily="-107" charset="-128"/>
                 <a:cs typeface="ＭＳ Ｐゴシック" pitchFamily="-107" charset="-128"/>
               </a:rPr>
-              <a:t>that used with RSA. In the RSA approach, the message to be signed is input to a</a:t>
-            </a:r>
-          </a:p>
-          <a:p>
-            <a:r>
-              <a:rPr lang="en-US" sz="1200" kern="1200" baseline="0" dirty="0" smtClean="0">
-                <a:solidFill>
-                  <a:schemeClr val="tx1"/>
-                </a:solidFill>
-                <a:latin typeface="Arial" charset="0"/>
-                <a:ea typeface="ＭＳ Ｐゴシック" pitchFamily="-107" charset="-128"/>
-                <a:cs typeface="ＭＳ Ｐゴシック" pitchFamily="-107" charset="-128"/>
-              </a:rPr>
-              <a:t>hash function that produces a secure hash code of fixed length. This hash code is</a:t>
-            </a:r>
-          </a:p>
-          <a:p>
-            <a:r>
-              <a:rPr lang="en-US" sz="1200" kern="1200" baseline="0" dirty="0" smtClean="0">
-                <a:solidFill>
-                  <a:schemeClr val="tx1"/>
-                </a:solidFill>
-                <a:latin typeface="Arial" charset="0"/>
-                <a:ea typeface="ＭＳ Ｐゴシック" pitchFamily="-107" charset="-128"/>
-                <a:cs typeface="ＭＳ Ｐゴシック" pitchFamily="-107" charset="-128"/>
-              </a:rPr>
-              <a:t>then encrypted using the sender’s private key to form the signature. Both the message</a:t>
-            </a:r>
-          </a:p>
-          <a:p>
-            <a:r>
-              <a:rPr lang="en-US" sz="1200" kern="1200" baseline="0" dirty="0" smtClean="0">
-                <a:solidFill>
-                  <a:schemeClr val="tx1"/>
-                </a:solidFill>
-                <a:latin typeface="Arial" charset="0"/>
-                <a:ea typeface="ＭＳ Ｐゴシック" pitchFamily="-107" charset="-128"/>
-                <a:cs typeface="ＭＳ Ｐゴシック" pitchFamily="-107" charset="-128"/>
-              </a:rPr>
-              <a:t>and the signature are then transmitted. The recipient takes the message and</a:t>
-            </a:r>
-          </a:p>
-          <a:p>
-            <a:r>
-              <a:rPr lang="en-US" sz="1200" kern="1200" baseline="0" dirty="0" smtClean="0">
-                <a:solidFill>
-                  <a:schemeClr val="tx1"/>
-                </a:solidFill>
-                <a:latin typeface="Arial" charset="0"/>
-                <a:ea typeface="ＭＳ Ｐゴシック" pitchFamily="-107" charset="-128"/>
-                <a:cs typeface="ＭＳ Ｐゴシック" pitchFamily="-107" charset="-128"/>
-              </a:rPr>
-              <a:t>produces a hash code. The recipient also decrypts the signature using the sender’s</a:t>
-            </a:r>
-          </a:p>
-          <a:p>
-            <a:r>
-              <a:rPr lang="en-US" sz="1200" kern="1200" baseline="0" dirty="0" smtClean="0">
-                <a:solidFill>
-                  <a:schemeClr val="tx1"/>
-                </a:solidFill>
-                <a:latin typeface="Arial" charset="0"/>
-                <a:ea typeface="ＭＳ Ｐゴシック" pitchFamily="-107" charset="-128"/>
-                <a:cs typeface="ＭＳ Ｐゴシック" pitchFamily="-107" charset="-128"/>
-              </a:rPr>
-              <a:t>public key. If the calculated hash code matches the decrypted signature, the signature</a:t>
-            </a:r>
-          </a:p>
-          <a:p>
-            <a:r>
-              <a:rPr lang="en-US" sz="1200" kern="1200" baseline="0" dirty="0" smtClean="0">
-                <a:solidFill>
-                  <a:schemeClr val="tx1"/>
-                </a:solidFill>
-                <a:latin typeface="Arial" charset="0"/>
-                <a:ea typeface="ＭＳ Ｐゴシック" pitchFamily="-107" charset="-128"/>
-                <a:cs typeface="ＭＳ Ｐゴシック" pitchFamily="-107" charset="-128"/>
-              </a:rPr>
-              <a:t>is accepted as valid. Because only the sender knows the private key, only the</a:t>
-            </a:r>
-          </a:p>
-          <a:p>
-            <a:r>
-              <a:rPr lang="en-US" sz="1200" kern="1200" baseline="0" dirty="0" smtClean="0">
-                <a:solidFill>
-                  <a:schemeClr val="tx1"/>
-                </a:solidFill>
-                <a:latin typeface="Arial" charset="0"/>
-                <a:ea typeface="ＭＳ Ｐゴシック" pitchFamily="-107" charset="-128"/>
-                <a:cs typeface="ＭＳ Ｐゴシック" pitchFamily="-107" charset="-128"/>
-              </a:rPr>
-              <a:t>sender could have produced a valid signature.</a:t>
-            </a:r>
-            <a:endParaRPr lang="en-US" dirty="0" smtClean="0">
-              <a:latin typeface="Arial" pitchFamily="-84" charset="0"/>
-              <a:ea typeface="ＭＳ Ｐゴシック" pitchFamily="-84" charset="-128"/>
-              <a:cs typeface="ＭＳ Ｐゴシック" pitchFamily="-84" charset="-128"/>
-            </a:endParaRPr>
-          </a:p>
-          <a:p>
-            <a:endParaRPr lang="en-US" sz="1200" kern="1200" baseline="0" dirty="0" smtClean="0">
-              <a:solidFill>
-                <a:schemeClr val="tx1"/>
-              </a:solidFill>
-              <a:latin typeface="Arial" charset="0"/>
-              <a:ea typeface="ＭＳ Ｐゴシック" pitchFamily="-107" charset="-128"/>
-              <a:cs typeface="ＭＳ Ｐゴシック" pitchFamily="-107" charset="-128"/>
-            </a:endParaRPr>
-          </a:p>
-          <a:p>
-            <a:r>
-              <a:rPr lang="en-US" sz="1200" kern="1200" baseline="0" dirty="0" smtClean="0">
-                <a:solidFill>
-                  <a:schemeClr val="tx1"/>
-                </a:solidFill>
-                <a:latin typeface="Arial" charset="0"/>
-                <a:ea typeface="ＭＳ Ｐゴシック" pitchFamily="-107" charset="-128"/>
-                <a:cs typeface="ＭＳ Ｐゴシック" pitchFamily="-107" charset="-128"/>
-              </a:rPr>
-              <a:t>The DSA approach also makes use of a hash function. The hash code is provided</a:t>
-            </a:r>
-          </a:p>
-          <a:p>
-            <a:r>
-              <a:rPr lang="en-US" sz="1200" kern="1200" baseline="0" dirty="0" smtClean="0">
-                <a:solidFill>
-                  <a:schemeClr val="tx1"/>
-                </a:solidFill>
-                <a:latin typeface="Arial" charset="0"/>
-                <a:ea typeface="ＭＳ Ｐゴシック" pitchFamily="-107" charset="-128"/>
-                <a:cs typeface="ＭＳ Ｐゴシック" pitchFamily="-107" charset="-128"/>
-              </a:rPr>
-              <a:t>as input to a signature function along with a random number </a:t>
-            </a:r>
-            <a:r>
-              <a:rPr lang="en-US" sz="1200" i="1" kern="1200" baseline="0" dirty="0" smtClean="0">
+              <a:t>The DSA approach also makes use of a hash function. The hash code is provided as input to a signature function along with a random number </a:t>
+            </a:r>
+            <a:r>
+              <a:rPr lang="en-US" sz="1200" i="1" kern="1200" baseline="0" dirty="0">
                 <a:solidFill>
                   <a:schemeClr val="tx1"/>
                 </a:solidFill>
@@ -18228,7 +18072,7 @@
               <a:t>k</a:t>
             </a:r>
             <a:r>
-              <a:rPr lang="en-US" sz="1200" kern="1200" baseline="0" dirty="0" smtClean="0">
+              <a:rPr lang="en-US" sz="1200" kern="1200" baseline="0" dirty="0">
                 <a:solidFill>
                   <a:schemeClr val="tx1"/>
                 </a:solidFill>
@@ -18236,36 +18080,10 @@
                 <a:ea typeface="ＭＳ Ｐゴシック" pitchFamily="-107" charset="-128"/>
                 <a:cs typeface="ＭＳ Ｐゴシック" pitchFamily="-107" charset="-128"/>
               </a:rPr>
-              <a:t>  generated</a:t>
-            </a:r>
-          </a:p>
-          <a:p>
-            <a:r>
-              <a:rPr lang="en-US" sz="1200" kern="1200" baseline="0" dirty="0" smtClean="0">
-                <a:solidFill>
-                  <a:schemeClr val="tx1"/>
-                </a:solidFill>
-                <a:latin typeface="Arial" charset="0"/>
-                <a:ea typeface="ＭＳ Ｐゴシック" pitchFamily="-107" charset="-128"/>
-                <a:cs typeface="ＭＳ Ｐゴシック" pitchFamily="-107" charset="-128"/>
-              </a:rPr>
-              <a:t>for this particular signature. The signature function also depends on the sender’s</a:t>
-            </a:r>
-          </a:p>
-          <a:p>
-            <a:r>
-              <a:rPr lang="en-US" sz="1200" kern="1200" baseline="0" dirty="0" smtClean="0">
-                <a:solidFill>
-                  <a:schemeClr val="tx1"/>
-                </a:solidFill>
-                <a:latin typeface="Arial" charset="0"/>
-                <a:ea typeface="ＭＳ Ｐゴシック" pitchFamily="-107" charset="-128"/>
-                <a:cs typeface="ＭＳ Ｐゴシック" pitchFamily="-107" charset="-128"/>
-              </a:rPr>
-              <a:t>private key (PR</a:t>
-            </a:r>
-            <a:r>
-              <a:rPr lang="en-US" sz="1200" kern="1200" baseline="-25000" dirty="0" smtClean="0">
+              <a:t>  generated for this particular signature. The signature function also depends on the sender’s private key (PR</a:t>
+            </a:r>
+            <a:r>
+              <a:rPr lang="en-US" sz="1200" kern="1200" baseline="-25000" dirty="0">
                 <a:solidFill>
                   <a:schemeClr val="tx1"/>
                 </a:solidFill>
@@ -18276,7 +18094,7 @@
               <a:t>a</a:t>
             </a:r>
             <a:r>
-              <a:rPr lang="en-US" sz="1200" kern="1200" baseline="0" dirty="0" smtClean="0">
+              <a:rPr lang="en-US" sz="1200" kern="1200" baseline="0" dirty="0">
                 <a:solidFill>
                   <a:schemeClr val="tx1"/>
                 </a:solidFill>
@@ -18284,23 +18102,10 @@
                 <a:ea typeface="ＭＳ Ｐゴシック" pitchFamily="-107" charset="-128"/>
                 <a:cs typeface="ＭＳ Ｐゴシック" pitchFamily="-107" charset="-128"/>
               </a:rPr>
-              <a:t> ) and a set of parameters known to a group of communicating principals.</a:t>
-            </a:r>
-          </a:p>
-          <a:p>
-            <a:r>
-              <a:rPr lang="en-US" sz="1200" kern="1200" baseline="0" dirty="0" smtClean="0">
-                <a:solidFill>
-                  <a:schemeClr val="tx1"/>
-                </a:solidFill>
-                <a:latin typeface="Arial" charset="0"/>
-                <a:ea typeface="ＭＳ Ｐゴシック" pitchFamily="-107" charset="-128"/>
-                <a:cs typeface="ＭＳ Ｐゴシック" pitchFamily="-107" charset="-128"/>
-              </a:rPr>
-              <a:t>We can consider this set to constitute a global public key (PU</a:t>
-            </a:r>
-            <a:r>
-              <a:rPr lang="en-US" sz="1200" kern="1200" baseline="-25000" dirty="0" smtClean="0">
+              <a:t> ) and a set of parameters known to a group of communicating principals. We can consider this set to constitute a global public key (PU</a:t>
+            </a:r>
+            <a:r>
+              <a:rPr lang="en-US" sz="1200" kern="1200" baseline="-25000" dirty="0">
                 <a:solidFill>
                   <a:schemeClr val="tx1"/>
                 </a:solidFill>
@@ -18311,7 +18116,7 @@
               <a:t>G</a:t>
             </a:r>
             <a:r>
-              <a:rPr lang="en-US" sz="1200" kern="1200" baseline="0" dirty="0" smtClean="0">
+              <a:rPr lang="en-US" sz="1200" kern="1200" baseline="0" dirty="0">
                 <a:solidFill>
                   <a:schemeClr val="tx1"/>
                 </a:solidFill>
@@ -18319,23 +18124,10 @@
                 <a:ea typeface="ＭＳ Ｐゴシック" pitchFamily="-107" charset="-128"/>
                 <a:cs typeface="ＭＳ Ｐゴシック" pitchFamily="-107" charset="-128"/>
               </a:rPr>
-              <a:t> ).  The result</a:t>
-            </a:r>
-          </a:p>
-          <a:p>
-            <a:r>
-              <a:rPr lang="en-US" sz="1200" kern="1200" baseline="0" dirty="0" smtClean="0">
-                <a:solidFill>
-                  <a:schemeClr val="tx1"/>
-                </a:solidFill>
-                <a:latin typeface="Arial" charset="0"/>
-                <a:ea typeface="ＭＳ Ｐゴシック" pitchFamily="-107" charset="-128"/>
-                <a:cs typeface="ＭＳ Ｐゴシック" pitchFamily="-107" charset="-128"/>
-              </a:rPr>
-              <a:t>is a signature consisting of two components, labeled </a:t>
-            </a:r>
-            <a:r>
-              <a:rPr lang="en-US" sz="1200" i="1" kern="1200" baseline="0" dirty="0" smtClean="0">
+              <a:t> ).  The result is a signature consisting of two components, labeled </a:t>
+            </a:r>
+            <a:r>
+              <a:rPr lang="en-US" sz="1200" i="1" kern="1200" baseline="0" dirty="0">
                 <a:solidFill>
                   <a:schemeClr val="tx1"/>
                 </a:solidFill>
@@ -18346,7 +18138,7 @@
               <a:t>s</a:t>
             </a:r>
             <a:r>
-              <a:rPr lang="en-US" sz="1200" kern="1200" baseline="0" dirty="0" smtClean="0">
+              <a:rPr lang="en-US" sz="1200" kern="1200" baseline="0" dirty="0">
                 <a:solidFill>
                   <a:schemeClr val="tx1"/>
                 </a:solidFill>
@@ -18357,7 +18149,7 @@
               <a:t>  and </a:t>
             </a:r>
             <a:r>
-              <a:rPr lang="en-US" sz="1200" i="1" kern="1200" baseline="0" dirty="0" smtClean="0">
+              <a:rPr lang="en-US" sz="1200" i="1" kern="1200" baseline="0" dirty="0">
                 <a:solidFill>
                   <a:schemeClr val="tx1"/>
                 </a:solidFill>
@@ -18368,7 +18160,7 @@
               <a:t>r</a:t>
             </a:r>
             <a:r>
-              <a:rPr lang="en-US" sz="1200" kern="1200" baseline="0" dirty="0" smtClean="0">
+              <a:rPr lang="en-US" sz="1200" kern="1200" baseline="0" dirty="0">
                 <a:solidFill>
                   <a:schemeClr val="tx1"/>
                 </a:solidFill>
@@ -18380,7 +18172,7 @@
             </a:r>
           </a:p>
           <a:p>
-            <a:endParaRPr lang="en-US" sz="1200" kern="1200" baseline="0" dirty="0" smtClean="0">
+            <a:endParaRPr lang="en-US" sz="1200" kern="1200" baseline="0" dirty="0">
               <a:solidFill>
                 <a:schemeClr val="tx1"/>
               </a:solidFill>
@@ -18391,7 +18183,7 @@
           </a:p>
           <a:p>
             <a:r>
-              <a:rPr lang="en-US" sz="1200" kern="1200" baseline="0" dirty="0" smtClean="0">
+              <a:rPr lang="en-US" sz="1200" kern="1200" baseline="0" dirty="0">
                 <a:solidFill>
                   <a:schemeClr val="tx1"/>
                 </a:solidFill>
@@ -18399,36 +18191,10 @@
                 <a:ea typeface="ＭＳ Ｐゴシック" pitchFamily="-107" charset="-128"/>
                 <a:cs typeface="ＭＳ Ｐゴシック" pitchFamily="-107" charset="-128"/>
               </a:rPr>
-              <a:t>At the receiving end, the hash code of the incoming message is generated. This</a:t>
-            </a:r>
-          </a:p>
-          <a:p>
-            <a:r>
-              <a:rPr lang="en-US" sz="1200" kern="1200" baseline="0" dirty="0" smtClean="0">
-                <a:solidFill>
-                  <a:schemeClr val="tx1"/>
-                </a:solidFill>
-                <a:latin typeface="Arial" charset="0"/>
-                <a:ea typeface="ＭＳ Ｐゴシック" pitchFamily="-107" charset="-128"/>
-                <a:cs typeface="ＭＳ Ｐゴシック" pitchFamily="-107" charset="-128"/>
-              </a:rPr>
-              <a:t>plus the signature is input to a verification function. The verification function also</a:t>
-            </a:r>
-          </a:p>
-          <a:p>
-            <a:r>
-              <a:rPr lang="en-US" sz="1200" kern="1200" baseline="0" dirty="0" smtClean="0">
-                <a:solidFill>
-                  <a:schemeClr val="tx1"/>
-                </a:solidFill>
-                <a:latin typeface="Arial" charset="0"/>
-                <a:ea typeface="ＭＳ Ｐゴシック" pitchFamily="-107" charset="-128"/>
-                <a:cs typeface="ＭＳ Ｐゴシック" pitchFamily="-107" charset="-128"/>
-              </a:rPr>
-              <a:t>depends on the global public key as well as the sender’s public key (PU</a:t>
-            </a:r>
-            <a:r>
-              <a:rPr lang="en-US" sz="1200" kern="1200" baseline="-25000" dirty="0" smtClean="0">
+              <a:t>At the receiving end, the hash code of the incoming message is generated. This plus the signature is input to a verification function. The verification function also depends on the global public key as well as the sender’s public key (PU</a:t>
+            </a:r>
+            <a:r>
+              <a:rPr lang="en-US" sz="1200" kern="1200" baseline="-25000" dirty="0">
                 <a:solidFill>
                   <a:schemeClr val="tx1"/>
                 </a:solidFill>
@@ -18439,7 +18205,7 @@
               <a:t>a</a:t>
             </a:r>
             <a:r>
-              <a:rPr lang="en-US" sz="1200" kern="1200" baseline="0" dirty="0" smtClean="0">
+              <a:rPr lang="en-US" sz="1200" kern="1200" baseline="0" dirty="0">
                 <a:solidFill>
                   <a:schemeClr val="tx1"/>
                 </a:solidFill>
@@ -18447,36 +18213,10 @@
                 <a:ea typeface="ＭＳ Ｐゴシック" pitchFamily="-107" charset="-128"/>
                 <a:cs typeface="ＭＳ Ｐゴシック" pitchFamily="-107" charset="-128"/>
               </a:rPr>
-              <a:t> ), which</a:t>
-            </a:r>
-          </a:p>
-          <a:p>
-            <a:r>
-              <a:rPr lang="en-US" sz="1200" kern="1200" baseline="0" dirty="0" smtClean="0">
-                <a:solidFill>
-                  <a:schemeClr val="tx1"/>
-                </a:solidFill>
-                <a:latin typeface="Arial" charset="0"/>
-                <a:ea typeface="ＭＳ Ｐゴシック" pitchFamily="-107" charset="-128"/>
-                <a:cs typeface="ＭＳ Ｐゴシック" pitchFamily="-107" charset="-128"/>
-              </a:rPr>
-              <a:t>is paired with the sender’s private key. The output of the verification function is a</a:t>
-            </a:r>
-          </a:p>
-          <a:p>
-            <a:r>
-              <a:rPr lang="en-US" sz="1200" kern="1200" baseline="0" dirty="0" smtClean="0">
-                <a:solidFill>
-                  <a:schemeClr val="tx1"/>
-                </a:solidFill>
-                <a:latin typeface="Arial" charset="0"/>
-                <a:ea typeface="ＭＳ Ｐゴシック" pitchFamily="-107" charset="-128"/>
-                <a:cs typeface="ＭＳ Ｐゴシック" pitchFamily="-107" charset="-128"/>
-              </a:rPr>
-              <a:t>value that is equal to the signature component </a:t>
-            </a:r>
-            <a:r>
-              <a:rPr lang="en-US" sz="1200" i="1" kern="1200" baseline="0" dirty="0" smtClean="0">
+              <a:t> ), which is paired with the sender’s private key. The output of the verification function is a value that is equal to the signature component </a:t>
+            </a:r>
+            <a:r>
+              <a:rPr lang="en-US" sz="1200" i="1" kern="1200" baseline="0" dirty="0">
                 <a:solidFill>
                   <a:schemeClr val="tx1"/>
                 </a:solidFill>
@@ -18487,7 +18227,7 @@
               <a:t>r</a:t>
             </a:r>
             <a:r>
-              <a:rPr lang="en-US" sz="1200" kern="1200" baseline="0" dirty="0" smtClean="0">
+              <a:rPr lang="en-US" sz="1200" kern="1200" baseline="0" dirty="0">
                 <a:solidFill>
                   <a:schemeClr val="tx1"/>
                 </a:solidFill>
@@ -18495,33 +18235,7 @@
                 <a:ea typeface="ＭＳ Ｐゴシック" pitchFamily="-107" charset="-128"/>
                 <a:cs typeface="ＭＳ Ｐゴシック" pitchFamily="-107" charset="-128"/>
               </a:rPr>
-              <a:t>  if the signature is valid. The signature</a:t>
-            </a:r>
-          </a:p>
-          <a:p>
-            <a:r>
-              <a:rPr lang="en-US" sz="1200" kern="1200" baseline="0" dirty="0" smtClean="0">
-                <a:solidFill>
-                  <a:schemeClr val="tx1"/>
-                </a:solidFill>
-                <a:latin typeface="Arial" charset="0"/>
-                <a:ea typeface="ＭＳ Ｐゴシック" pitchFamily="-107" charset="-128"/>
-                <a:cs typeface="ＭＳ Ｐゴシック" pitchFamily="-107" charset="-128"/>
-              </a:rPr>
-              <a:t>function is such that only the sender, with knowledge of the private key, could</a:t>
-            </a:r>
-          </a:p>
-          <a:p>
-            <a:r>
-              <a:rPr lang="en-US" sz="1200" kern="1200" baseline="0" dirty="0" smtClean="0">
-                <a:solidFill>
-                  <a:schemeClr val="tx1"/>
-                </a:solidFill>
-                <a:latin typeface="Arial" charset="0"/>
-                <a:ea typeface="ＭＳ Ｐゴシック" pitchFamily="-107" charset="-128"/>
-                <a:cs typeface="ＭＳ Ｐゴシック" pitchFamily="-107" charset="-128"/>
-              </a:rPr>
-              <a:t>have produced the valid signature.</a:t>
+              <a:t>  if the signature is valid. The signature function is such that only the sender, with knowledge of the private key, could have produced the valid signature.</a:t>
             </a:r>
           </a:p>
         </p:txBody>
@@ -18550,7 +18264,7 @@
               <a:pPr/>
               <a:t>11</a:t>
             </a:fld>
-            <a:endParaRPr lang="en-AU" dirty="0" smtClean="0">
+            <a:endParaRPr lang="en-AU" dirty="0">
               <a:latin typeface="Arial" pitchFamily="-84" charset="0"/>
             </a:endParaRPr>
           </a:p>
@@ -18616,7 +18330,7 @@
           <a:lstStyle/>
           <a:p>
             <a:r>
-              <a:rPr lang="en-US" sz="1200" kern="1200" baseline="0" dirty="0" smtClean="0">
+              <a:rPr lang="en-US" sz="1200" kern="1200" baseline="0" dirty="0">
                 <a:solidFill>
                   <a:schemeClr val="tx1"/>
                 </a:solidFill>
@@ -18629,7 +18343,7 @@
           </a:p>
           <a:p>
             <a:r>
-              <a:rPr lang="en-US" sz="1200" kern="1200" baseline="0" dirty="0" smtClean="0">
+              <a:rPr lang="en-US" sz="1200" kern="1200" baseline="0" dirty="0">
                 <a:solidFill>
                   <a:schemeClr val="tx1"/>
                 </a:solidFill>
@@ -18642,7 +18356,7 @@
           </a:p>
           <a:p>
             <a:r>
-              <a:rPr lang="en-US" sz="1200" kern="1200" baseline="0" dirty="0" smtClean="0">
+              <a:rPr lang="en-US" sz="1200" kern="1200" baseline="0" dirty="0">
                 <a:solidFill>
                   <a:schemeClr val="tx1"/>
                 </a:solidFill>
@@ -18654,7 +18368,7 @@
             </a:r>
           </a:p>
           <a:p>
-            <a:endParaRPr lang="en-US" sz="1200" kern="1200" baseline="0" dirty="0" smtClean="0">
+            <a:endParaRPr lang="en-US" sz="1200" kern="1200" baseline="0" dirty="0">
               <a:solidFill>
                 <a:schemeClr val="tx1"/>
               </a:solidFill>
@@ -18665,7 +18379,7 @@
           </a:p>
           <a:p>
             <a:r>
-              <a:rPr lang="en-US" sz="1200" kern="1200" baseline="0" dirty="0" smtClean="0">
+              <a:rPr lang="en-US" sz="1200" kern="1200" baseline="0" dirty="0">
                 <a:solidFill>
                   <a:schemeClr val="tx1"/>
                 </a:solidFill>
@@ -18768,7 +18482,7 @@
           <a:lstStyle/>
           <a:p>
             <a:r>
-              <a:rPr lang="en-US" sz="1200" b="0" kern="1200" baseline="0" dirty="0" smtClean="0">
+              <a:rPr lang="en-US" sz="1200" b="0" kern="1200" baseline="0" dirty="0">
                 <a:solidFill>
                   <a:schemeClr val="tx1"/>
                 </a:solidFill>
@@ -18780,7 +18494,7 @@
             </a:r>
           </a:p>
           <a:p>
-            <a:endParaRPr lang="en-US" sz="1200" b="0" kern="1200" baseline="0" dirty="0" smtClean="0">
+            <a:endParaRPr lang="en-US" sz="1200" b="0" kern="1200" baseline="0" dirty="0">
               <a:solidFill>
                 <a:schemeClr val="tx1"/>
               </a:solidFill>
@@ -18791,7 +18505,7 @@
           </a:p>
           <a:p>
             <a:r>
-              <a:rPr lang="en-US" sz="1200" b="0" kern="1200" baseline="0" dirty="0" smtClean="0">
+              <a:rPr lang="en-US" sz="1200" b="0" kern="1200" baseline="0" dirty="0">
                 <a:solidFill>
                   <a:schemeClr val="tx1"/>
                 </a:solidFill>
@@ -18804,7 +18518,7 @@
           </a:p>
           <a:p>
             <a:r>
-              <a:rPr lang="en-US" sz="1200" b="0" kern="1200" baseline="0" dirty="0" smtClean="0">
+              <a:rPr lang="en-US" sz="1200" b="0" kern="1200" baseline="0" dirty="0">
                 <a:solidFill>
                   <a:schemeClr val="tx1"/>
                 </a:solidFill>
@@ -18815,7 +18529,7 @@
               <a:t>Note that the test at the end is on the value </a:t>
             </a:r>
             <a:r>
-              <a:rPr lang="en-US" sz="1200" b="0" i="1" kern="1200" baseline="0" dirty="0" smtClean="0">
+              <a:rPr lang="en-US" sz="1200" b="0" i="1" kern="1200" baseline="0" dirty="0">
                 <a:solidFill>
                   <a:schemeClr val="tx1"/>
                 </a:solidFill>
@@ -18826,7 +18540,7 @@
               <a:t>r</a:t>
             </a:r>
             <a:r>
-              <a:rPr lang="en-US" sz="1200" b="0" kern="1200" baseline="0" dirty="0" smtClean="0">
+              <a:rPr lang="en-US" sz="1200" b="0" kern="1200" baseline="0" dirty="0">
                 <a:solidFill>
                   <a:schemeClr val="tx1"/>
                 </a:solidFill>
@@ -18839,7 +18553,7 @@
           </a:p>
           <a:p>
             <a:r>
-              <a:rPr lang="en-US" sz="1200" b="0" kern="1200" baseline="0" dirty="0" smtClean="0">
+              <a:rPr lang="en-US" sz="1200" b="0" kern="1200" baseline="0" dirty="0">
                 <a:solidFill>
                   <a:schemeClr val="tx1"/>
                 </a:solidFill>
@@ -18850,7 +18564,7 @@
               <a:t>at all. Instead, </a:t>
             </a:r>
             <a:r>
-              <a:rPr lang="en-US" sz="1200" b="0" i="1" kern="1200" baseline="0" dirty="0" smtClean="0">
+              <a:rPr lang="en-US" sz="1200" b="0" i="1" kern="1200" baseline="0" dirty="0">
                 <a:solidFill>
                   <a:schemeClr val="tx1"/>
                 </a:solidFill>
@@ -18861,7 +18575,7 @@
               <a:t>r</a:t>
             </a:r>
             <a:r>
-              <a:rPr lang="en-US" sz="1200" b="0" kern="1200" baseline="0" dirty="0" smtClean="0">
+              <a:rPr lang="en-US" sz="1200" b="0" kern="1200" baseline="0" dirty="0">
                 <a:solidFill>
                   <a:schemeClr val="tx1"/>
                 </a:solidFill>
@@ -18872,7 +18586,7 @@
               <a:t>  is a function of </a:t>
             </a:r>
             <a:r>
-              <a:rPr lang="en-US" sz="1200" b="0" i="1" kern="1200" baseline="0" dirty="0" smtClean="0">
+              <a:rPr lang="en-US" sz="1200" b="0" i="1" kern="1200" baseline="0" dirty="0">
                 <a:solidFill>
                   <a:schemeClr val="tx1"/>
                 </a:solidFill>
@@ -18883,7 +18597,7 @@
               <a:t>k</a:t>
             </a:r>
             <a:r>
-              <a:rPr lang="en-US" sz="1200" b="0" kern="1200" baseline="0" dirty="0" smtClean="0">
+              <a:rPr lang="en-US" sz="1200" b="0" kern="1200" baseline="0" dirty="0">
                 <a:solidFill>
                   <a:schemeClr val="tx1"/>
                 </a:solidFill>
@@ -18896,7 +18610,7 @@
           </a:p>
           <a:p>
             <a:r>
-              <a:rPr lang="en-US" sz="1200" b="0" kern="1200" baseline="0" dirty="0" smtClean="0">
+              <a:rPr lang="en-US" sz="1200" b="0" kern="1200" baseline="0" dirty="0">
                 <a:solidFill>
                   <a:schemeClr val="tx1"/>
                 </a:solidFill>
@@ -18907,7 +18621,7 @@
               <a:t>multiplicative inverse of </a:t>
             </a:r>
             <a:r>
-              <a:rPr lang="en-US" sz="1200" b="0" i="1" kern="1200" baseline="0" dirty="0" smtClean="0">
+              <a:rPr lang="en-US" sz="1200" b="0" i="1" kern="1200" baseline="0" dirty="0">
                 <a:solidFill>
                   <a:schemeClr val="tx1"/>
                 </a:solidFill>
@@ -18918,7 +18632,7 @@
               <a:t>k</a:t>
             </a:r>
             <a:r>
-              <a:rPr lang="en-US" sz="1200" b="0" kern="1200" baseline="0" dirty="0" smtClean="0">
+              <a:rPr lang="en-US" sz="1200" b="0" kern="1200" baseline="0" dirty="0">
                 <a:solidFill>
                   <a:schemeClr val="tx1"/>
                 </a:solidFill>
@@ -18929,7 +18643,7 @@
               <a:t>  (mod </a:t>
             </a:r>
             <a:r>
-              <a:rPr lang="en-US" sz="1200" b="0" i="1" kern="1200" baseline="0" dirty="0" smtClean="0">
+              <a:rPr lang="en-US" sz="1200" b="0" i="1" kern="1200" baseline="0" dirty="0">
                 <a:solidFill>
                   <a:schemeClr val="tx1"/>
                 </a:solidFill>
@@ -18940,7 +18654,7 @@
               <a:t>q</a:t>
             </a:r>
             <a:r>
-              <a:rPr lang="en-US" sz="1200" b="0" kern="1200" baseline="0" dirty="0" smtClean="0">
+              <a:rPr lang="en-US" sz="1200" b="0" kern="1200" baseline="0" dirty="0">
                 <a:solidFill>
                   <a:schemeClr val="tx1"/>
                 </a:solidFill>
@@ -18953,7 +18667,7 @@
           </a:p>
           <a:p>
             <a:r>
-              <a:rPr lang="en-US" sz="1200" b="0" kern="1200" baseline="0" dirty="0" smtClean="0">
+              <a:rPr lang="en-US" sz="1200" b="0" kern="1200" baseline="0" dirty="0">
                 <a:solidFill>
                   <a:schemeClr val="tx1"/>
                 </a:solidFill>
@@ -18966,7 +18680,7 @@
           </a:p>
           <a:p>
             <a:r>
-              <a:rPr lang="en-US" sz="1200" b="0" kern="1200" baseline="0" dirty="0" smtClean="0">
+              <a:rPr lang="en-US" sz="1200" b="0" kern="1200" baseline="0" dirty="0">
                 <a:solidFill>
                   <a:schemeClr val="tx1"/>
                 </a:solidFill>
@@ -18977,7 +18691,7 @@
               <a:t>such that the receiver can recover </a:t>
             </a:r>
             <a:r>
-              <a:rPr lang="en-US" sz="1200" b="0" i="1" kern="1200" baseline="0" dirty="0" smtClean="0">
+              <a:rPr lang="en-US" sz="1200" b="0" i="1" kern="1200" baseline="0" dirty="0">
                 <a:solidFill>
                   <a:schemeClr val="tx1"/>
                 </a:solidFill>
@@ -18988,7 +18702,7 @@
               <a:t>r</a:t>
             </a:r>
             <a:r>
-              <a:rPr lang="en-US" sz="1200" b="0" kern="1200" baseline="0" dirty="0" smtClean="0">
+              <a:rPr lang="en-US" sz="1200" b="0" kern="1200" baseline="0" dirty="0">
                 <a:solidFill>
                   <a:schemeClr val="tx1"/>
                 </a:solidFill>
@@ -19001,7 +18715,7 @@
           </a:p>
           <a:p>
             <a:r>
-              <a:rPr lang="en-US" sz="1200" b="0" kern="1200" baseline="0" dirty="0" smtClean="0">
+              <a:rPr lang="en-US" sz="1200" b="0" kern="1200" baseline="0" dirty="0">
                 <a:solidFill>
                   <a:schemeClr val="tx1"/>
                 </a:solidFill>
@@ -19014,7 +18728,7 @@
           </a:p>
           <a:p>
             <a:r>
-              <a:rPr lang="en-US" sz="1200" b="0" kern="1200" baseline="0" dirty="0" smtClean="0">
+              <a:rPr lang="en-US" sz="1200" b="0" kern="1200" baseline="0" dirty="0">
                 <a:solidFill>
                   <a:schemeClr val="tx1"/>
                 </a:solidFill>
@@ -19027,7 +18741,7 @@
           </a:p>
           <a:p>
             <a:r>
-              <a:rPr lang="en-US" sz="1200" b="0" kern="1200" baseline="0" dirty="0" smtClean="0">
+              <a:rPr lang="en-US" sz="1200" b="0" kern="1200" baseline="0" dirty="0">
                 <a:solidFill>
                   <a:schemeClr val="tx1"/>
                 </a:solidFill>
@@ -19130,7 +18844,7 @@
           <a:lstStyle/>
           <a:p>
             <a:r>
-              <a:rPr lang="en-US" sz="1200" kern="1200" baseline="0" dirty="0" smtClean="0">
+              <a:rPr lang="en-US" sz="1200" kern="1200" baseline="0" dirty="0">
                 <a:solidFill>
                   <a:schemeClr val="tx1"/>
                 </a:solidFill>
@@ -19143,7 +18857,7 @@
           </a:p>
           <a:p>
             <a:r>
-              <a:rPr lang="en-US" sz="1200" kern="1200" baseline="0" dirty="0" smtClean="0">
+              <a:rPr lang="en-US" sz="1200" kern="1200" baseline="0" dirty="0">
                 <a:solidFill>
                   <a:schemeClr val="tx1"/>
                 </a:solidFill>
@@ -19156,7 +18870,7 @@
           </a:p>
           <a:p>
             <a:r>
-              <a:rPr lang="en-US" sz="1200" kern="1200" baseline="0" dirty="0" smtClean="0">
+              <a:rPr lang="en-US" sz="1200" kern="1200" baseline="0" dirty="0">
                 <a:solidFill>
                   <a:schemeClr val="tx1"/>
                 </a:solidFill>
@@ -19169,7 +18883,7 @@
           </a:p>
           <a:p>
             <a:r>
-              <a:rPr lang="en-US" sz="1200" kern="1200" baseline="0" dirty="0" smtClean="0">
+              <a:rPr lang="en-US" sz="1200" kern="1200" baseline="0" dirty="0">
                 <a:solidFill>
                   <a:schemeClr val="tx1"/>
                 </a:solidFill>
@@ -19182,7 +18896,7 @@
           </a:p>
           <a:p>
             <a:r>
-              <a:rPr lang="en-US" sz="1200" kern="1200" baseline="0" dirty="0" smtClean="0">
+              <a:rPr lang="en-US" sz="1200" kern="1200" baseline="0" dirty="0">
                 <a:solidFill>
                   <a:schemeClr val="tx1"/>
                 </a:solidFill>
@@ -19194,7 +18908,7 @@
             </a:r>
           </a:p>
           <a:p>
-            <a:endParaRPr lang="en-US" sz="1200" kern="1200" baseline="0" dirty="0" smtClean="0">
+            <a:endParaRPr lang="en-US" sz="1200" kern="1200" baseline="0" dirty="0">
               <a:solidFill>
                 <a:schemeClr val="tx1"/>
               </a:solidFill>
@@ -19205,7 +18919,7 @@
           </a:p>
           <a:p>
             <a:r>
-              <a:rPr lang="en-US" sz="1200" kern="1200" baseline="0" dirty="0" smtClean="0">
+              <a:rPr lang="en-US" sz="1200" kern="1200" baseline="0" dirty="0">
                 <a:solidFill>
                   <a:schemeClr val="tx1"/>
                 </a:solidFill>
@@ -19218,7 +18932,7 @@
           </a:p>
           <a:p>
             <a:r>
-              <a:rPr lang="en-US" sz="1200" kern="1200" baseline="0" dirty="0" smtClean="0">
+              <a:rPr lang="en-US" sz="1200" kern="1200" baseline="0" dirty="0">
                 <a:solidFill>
                   <a:schemeClr val="tx1"/>
                 </a:solidFill>
@@ -19230,7 +18944,7 @@
             </a:r>
           </a:p>
           <a:p>
-            <a:endParaRPr lang="en-US" sz="1200" kern="1200" baseline="0" dirty="0" smtClean="0">
+            <a:endParaRPr lang="en-US" sz="1200" kern="1200" baseline="0" dirty="0">
               <a:solidFill>
                 <a:schemeClr val="tx1"/>
               </a:solidFill>
@@ -19241,7 +18955,7 @@
           </a:p>
           <a:p>
             <a:r>
-              <a:rPr lang="en-US" sz="1200" kern="1200" baseline="0" dirty="0" smtClean="0">
+              <a:rPr lang="en-US" sz="1200" kern="1200" baseline="0" dirty="0">
                 <a:solidFill>
                   <a:schemeClr val="tx1"/>
                 </a:solidFill>
@@ -19254,7 +18968,7 @@
           </a:p>
           <a:p>
             <a:r>
-              <a:rPr lang="en-US" sz="1200" kern="1200" baseline="0" dirty="0" smtClean="0">
+              <a:rPr lang="en-US" sz="1200" kern="1200" baseline="0" dirty="0">
                 <a:solidFill>
                   <a:schemeClr val="tx1"/>
                 </a:solidFill>
@@ -19266,7 +18980,7 @@
             </a:r>
           </a:p>
           <a:p>
-            <a:endParaRPr lang="en-US" sz="1200" kern="1200" baseline="0" dirty="0" smtClean="0">
+            <a:endParaRPr lang="en-US" sz="1200" kern="1200" baseline="0" dirty="0">
               <a:solidFill>
                 <a:schemeClr val="tx1"/>
               </a:solidFill>
@@ -19277,7 +18991,7 @@
           </a:p>
           <a:p>
             <a:r>
-              <a:rPr lang="en-US" sz="1200" kern="1200" baseline="0" dirty="0" smtClean="0">
+              <a:rPr lang="en-US" sz="1200" kern="1200" baseline="0" dirty="0">
                 <a:solidFill>
                   <a:schemeClr val="tx1"/>
                 </a:solidFill>
@@ -19290,7 +19004,7 @@
           </a:p>
           <a:p>
             <a:r>
-              <a:rPr lang="en-US" sz="1200" kern="1200" baseline="0" dirty="0" smtClean="0">
+              <a:rPr lang="en-US" sz="1200" kern="1200" baseline="0" dirty="0">
                 <a:solidFill>
                   <a:schemeClr val="tx1"/>
                 </a:solidFill>
@@ -19303,7 +19017,7 @@
           </a:p>
           <a:p>
             <a:r>
-              <a:rPr lang="en-US" sz="1200" kern="1200" baseline="0" dirty="0" smtClean="0">
+              <a:rPr lang="en-US" sz="1200" kern="1200" baseline="0" dirty="0">
                 <a:solidFill>
                   <a:schemeClr val="tx1"/>
                 </a:solidFill>
@@ -19316,7 +19030,7 @@
           </a:p>
           <a:p>
             <a:r>
-              <a:rPr lang="en-US" sz="1200" kern="1200" baseline="0" dirty="0" smtClean="0">
+              <a:rPr lang="en-US" sz="1200" kern="1200" baseline="0" dirty="0">
                 <a:solidFill>
                   <a:schemeClr val="tx1"/>
                 </a:solidFill>
@@ -19328,7 +19042,7 @@
             </a:r>
           </a:p>
           <a:p>
-            <a:endParaRPr lang="en-US" sz="1200" kern="1200" baseline="0" dirty="0" smtClean="0">
+            <a:endParaRPr lang="en-US" sz="1200" kern="1200" baseline="0" dirty="0">
               <a:solidFill>
                 <a:schemeClr val="tx1"/>
               </a:solidFill>
@@ -19339,7 +19053,7 @@
           </a:p>
           <a:p>
             <a:r>
-              <a:rPr lang="en-US" sz="1200" kern="1200" baseline="0" dirty="0" smtClean="0">
+              <a:rPr lang="en-US" sz="1200" kern="1200" baseline="0" dirty="0">
                 <a:solidFill>
                   <a:schemeClr val="tx1"/>
                 </a:solidFill>
@@ -19352,7 +19066,7 @@
           </a:p>
           <a:p>
             <a:r>
-              <a:rPr lang="en-US" sz="1200" kern="1200" baseline="0" dirty="0" smtClean="0">
+              <a:rPr lang="en-US" sz="1200" kern="1200" baseline="0" dirty="0">
                 <a:solidFill>
                   <a:schemeClr val="tx1"/>
                 </a:solidFill>
@@ -19365,7 +19079,7 @@
           </a:p>
           <a:p>
             <a:r>
-              <a:rPr lang="en-US" sz="1200" kern="1200" baseline="0" dirty="0" smtClean="0">
+              <a:rPr lang="en-US" sz="1200" kern="1200" baseline="0" dirty="0">
                 <a:solidFill>
                   <a:schemeClr val="tx1"/>
                 </a:solidFill>
@@ -19377,7 +19091,7 @@
             </a:r>
           </a:p>
           <a:p>
-            <a:endParaRPr lang="en-US" sz="1200" kern="1200" baseline="0" dirty="0" smtClean="0">
+            <a:endParaRPr lang="en-US" sz="1200" kern="1200" baseline="0" dirty="0">
               <a:solidFill>
                 <a:schemeClr val="tx1"/>
               </a:solidFill>
@@ -19388,7 +19102,7 @@
           </a:p>
           <a:p>
             <a:r>
-              <a:rPr lang="en-US" sz="1200" kern="1200" baseline="0" dirty="0" smtClean="0">
+              <a:rPr lang="en-US" sz="1200" kern="1200" baseline="0" dirty="0">
                 <a:solidFill>
                   <a:schemeClr val="tx1"/>
                 </a:solidFill>
@@ -19401,7 +19115,7 @@
           </a:p>
           <a:p>
             <a:r>
-              <a:rPr lang="en-US" sz="1200" kern="1200" baseline="0" dirty="0" smtClean="0">
+              <a:rPr lang="en-US" sz="1200" kern="1200" baseline="0" dirty="0">
                 <a:solidFill>
                   <a:schemeClr val="tx1"/>
                 </a:solidFill>
@@ -19414,7 +19128,7 @@
           </a:p>
           <a:p>
             <a:r>
-              <a:rPr lang="en-US" sz="1200" kern="1200" baseline="0" dirty="0" smtClean="0">
+              <a:rPr lang="en-US" sz="1200" kern="1200" baseline="0" dirty="0">
                 <a:solidFill>
                   <a:schemeClr val="tx1"/>
                 </a:solidFill>
@@ -19517,7 +19231,7 @@
           <a:lstStyle/>
           <a:p>
             <a:r>
-              <a:rPr lang="en-US" sz="1200" kern="1200" baseline="0" dirty="0" smtClean="0">
+              <a:rPr lang="en-US" sz="1200" kern="1200" baseline="0" dirty="0">
                 <a:solidFill>
                   <a:schemeClr val="tx1"/>
                 </a:solidFill>
@@ -19529,7 +19243,7 @@
             </a:r>
           </a:p>
           <a:p>
-            <a:endParaRPr lang="en-US" sz="1200" kern="1200" baseline="0" dirty="0" smtClean="0">
+            <a:endParaRPr lang="en-US" sz="1200" kern="1200" baseline="0" dirty="0">
               <a:solidFill>
                 <a:schemeClr val="tx1"/>
               </a:solidFill>
@@ -19539,7 +19253,7 @@
             </a:endParaRPr>
           </a:p>
           <a:p>
-            <a:endParaRPr lang="en-US" sz="1200" kern="1200" baseline="0" dirty="0" smtClean="0">
+            <a:endParaRPr lang="en-US" sz="1200" kern="1200" baseline="0" dirty="0">
               <a:solidFill>
                 <a:schemeClr val="tx1"/>
               </a:solidFill>
@@ -19639,7 +19353,7 @@
           <a:lstStyle/>
           <a:p>
             <a:r>
-              <a:rPr lang="en-US" sz="1200" kern="1200" baseline="0" dirty="0" smtClean="0">
+              <a:rPr lang="en-US" sz="1200" kern="1200" baseline="0" dirty="0">
                 <a:solidFill>
                   <a:schemeClr val="tx1"/>
                 </a:solidFill>
@@ -19652,7 +19366,7 @@
           </a:p>
           <a:p>
             <a:r>
-              <a:rPr lang="en-US" sz="1200" kern="1200" baseline="0" dirty="0" smtClean="0">
+              <a:rPr lang="en-US" sz="1200" kern="1200" baseline="0" dirty="0">
                 <a:solidFill>
                   <a:schemeClr val="tx1"/>
                 </a:solidFill>
@@ -19665,7 +19379,7 @@
           </a:p>
           <a:p>
             <a:r>
-              <a:rPr lang="en-US" sz="1200" kern="1200" baseline="0" dirty="0" smtClean="0">
+              <a:rPr lang="en-US" sz="1200" kern="1200" baseline="0" dirty="0">
                 <a:solidFill>
                   <a:schemeClr val="tx1"/>
                 </a:solidFill>
@@ -19678,7 +19392,7 @@
           </a:p>
           <a:p>
             <a:r>
-              <a:rPr lang="en-US" sz="1200" kern="1200" baseline="0" dirty="0" smtClean="0">
+              <a:rPr lang="en-US" sz="1200" kern="1200" baseline="0" dirty="0">
                 <a:solidFill>
                   <a:schemeClr val="tx1"/>
                 </a:solidFill>
@@ -19691,7 +19405,7 @@
           </a:p>
           <a:p>
             <a:r>
-              <a:rPr lang="en-US" sz="1200" kern="1200" baseline="0" dirty="0" smtClean="0">
+              <a:rPr lang="en-US" sz="1200" kern="1200" baseline="0" dirty="0">
                 <a:solidFill>
                   <a:schemeClr val="tx1"/>
                 </a:solidFill>
@@ -19704,7 +19418,7 @@
           </a:p>
           <a:p>
             <a:r>
-              <a:rPr lang="en-US" sz="1200" kern="1200" baseline="0" dirty="0" smtClean="0">
+              <a:rPr lang="en-US" sz="1200" kern="1200" baseline="0" dirty="0">
                 <a:solidFill>
                   <a:schemeClr val="tx1"/>
                 </a:solidFill>
@@ -19716,7 +19430,7 @@
             </a:r>
           </a:p>
           <a:p>
-            <a:endParaRPr lang="en-US" sz="1200" kern="1200" baseline="0" dirty="0" smtClean="0">
+            <a:endParaRPr lang="en-US" sz="1200" kern="1200" baseline="0" dirty="0">
               <a:solidFill>
                 <a:schemeClr val="tx1"/>
               </a:solidFill>
@@ -19727,7 +19441,7 @@
           </a:p>
           <a:p>
             <a:r>
-              <a:rPr lang="en-US" sz="1200" kern="1200" baseline="0" dirty="0" smtClean="0">
+              <a:rPr lang="en-US" sz="1200" kern="1200" baseline="0" dirty="0">
                 <a:solidFill>
                   <a:schemeClr val="tx1"/>
                 </a:solidFill>
@@ -19740,7 +19454,7 @@
           </a:p>
           <a:p>
             <a:r>
-              <a:rPr lang="en-US" sz="1200" kern="1200" baseline="0" dirty="0" smtClean="0">
+              <a:rPr lang="en-US" sz="1200" kern="1200" baseline="0" dirty="0">
                 <a:solidFill>
                   <a:schemeClr val="tx1"/>
                 </a:solidFill>
@@ -19753,7 +19467,7 @@
           </a:p>
           <a:p>
             <a:r>
-              <a:rPr lang="en-US" sz="1200" kern="1200" baseline="0" dirty="0" smtClean="0">
+              <a:rPr lang="en-US" sz="1200" kern="1200" baseline="0" dirty="0">
                 <a:solidFill>
                   <a:schemeClr val="tx1"/>
                 </a:solidFill>
@@ -19766,7 +19480,7 @@
           </a:p>
           <a:p>
             <a:r>
-              <a:rPr lang="en-US" sz="1200" kern="1200" baseline="0" dirty="0" smtClean="0">
+              <a:rPr lang="en-US" sz="1200" kern="1200" baseline="0" dirty="0">
                 <a:solidFill>
                   <a:schemeClr val="tx1"/>
                 </a:solidFill>
@@ -19779,7 +19493,7 @@
           </a:p>
           <a:p>
             <a:r>
-              <a:rPr lang="en-US" sz="1200" kern="1200" baseline="0" dirty="0" smtClean="0">
+              <a:rPr lang="en-US" sz="1200" kern="1200" baseline="0" dirty="0">
                 <a:solidFill>
                   <a:schemeClr val="tx1"/>
                 </a:solidFill>
@@ -19792,7 +19506,7 @@
           </a:p>
           <a:p>
             <a:r>
-              <a:rPr lang="en-US" sz="1200" kern="1200" baseline="0" dirty="0" smtClean="0">
+              <a:rPr lang="en-US" sz="1200" kern="1200" baseline="0" dirty="0">
                 <a:solidFill>
                   <a:schemeClr val="tx1"/>
                 </a:solidFill>
@@ -19805,7 +19519,7 @@
           </a:p>
           <a:p>
             <a:r>
-              <a:rPr lang="en-US" sz="1200" kern="1200" baseline="0" dirty="0" smtClean="0">
+              <a:rPr lang="en-US" sz="1200" kern="1200" baseline="0" dirty="0">
                 <a:solidFill>
                   <a:schemeClr val="tx1"/>
                 </a:solidFill>
@@ -19818,7 +19532,7 @@
           </a:p>
           <a:p>
             <a:r>
-              <a:rPr lang="en-US" sz="1200" kern="1200" baseline="0" dirty="0" smtClean="0">
+              <a:rPr lang="en-US" sz="1200" kern="1200" baseline="0" dirty="0">
                 <a:solidFill>
                   <a:schemeClr val="tx1"/>
                 </a:solidFill>
@@ -19831,7 +19545,7 @@
           </a:p>
           <a:p>
             <a:r>
-              <a:rPr lang="en-US" sz="1200" kern="1200" baseline="0" dirty="0" smtClean="0">
+              <a:rPr lang="en-US" sz="1200" kern="1200" baseline="0" dirty="0">
                 <a:solidFill>
                   <a:schemeClr val="tx1"/>
                 </a:solidFill>
@@ -19844,7 +19558,7 @@
           </a:p>
           <a:p>
             <a:r>
-              <a:rPr lang="en-US" sz="1200" kern="1200" baseline="0" dirty="0" smtClean="0">
+              <a:rPr lang="en-US" sz="1200" kern="1200" baseline="0" dirty="0">
                 <a:solidFill>
                   <a:schemeClr val="tx1"/>
                 </a:solidFill>
@@ -19857,7 +19571,7 @@
           </a:p>
           <a:p>
             <a:r>
-              <a:rPr lang="en-US" sz="1200" kern="1200" baseline="0" dirty="0" smtClean="0">
+              <a:rPr lang="en-US" sz="1200" kern="1200" baseline="0" dirty="0">
                 <a:solidFill>
                   <a:schemeClr val="tx1"/>
                 </a:solidFill>
@@ -19870,7 +19584,7 @@
           </a:p>
           <a:p>
             <a:r>
-              <a:rPr lang="en-US" sz="1200" kern="1200" baseline="0" dirty="0" smtClean="0">
+              <a:rPr lang="en-US" sz="1200" kern="1200" baseline="0" dirty="0">
                 <a:solidFill>
                   <a:schemeClr val="tx1"/>
                 </a:solidFill>
@@ -19883,7 +19597,7 @@
           </a:p>
           <a:p>
             <a:r>
-              <a:rPr lang="en-US" sz="1200" kern="1200" baseline="0" dirty="0" smtClean="0">
+              <a:rPr lang="en-US" sz="1200" kern="1200" baseline="0" dirty="0">
                 <a:solidFill>
                   <a:schemeClr val="tx1"/>
                 </a:solidFill>
@@ -19896,7 +19610,7 @@
           </a:p>
           <a:p>
             <a:r>
-              <a:rPr lang="en-US" sz="1200" kern="1200" baseline="0" dirty="0" smtClean="0">
+              <a:rPr lang="en-US" sz="1200" kern="1200" baseline="0" dirty="0">
                 <a:solidFill>
                   <a:schemeClr val="tx1"/>
                 </a:solidFill>
@@ -19999,7 +19713,7 @@
           <a:lstStyle/>
           <a:p>
             <a:r>
-              <a:rPr lang="en-US" sz="1200" b="0" kern="1200" baseline="0" dirty="0" smtClean="0">
+              <a:rPr lang="en-US" sz="1200" b="0" kern="1200" baseline="0" dirty="0">
                 <a:solidFill>
                   <a:schemeClr val="tx1"/>
                 </a:solidFill>
@@ -20012,7 +19726,7 @@
           </a:p>
           <a:p>
             <a:r>
-              <a:rPr lang="en-US" sz="1200" b="0" kern="1200" baseline="0" dirty="0" smtClean="0">
+              <a:rPr lang="en-US" sz="1200" b="0" kern="1200" baseline="0" dirty="0">
                 <a:solidFill>
                   <a:schemeClr val="tx1"/>
                 </a:solidFill>
@@ -20023,7 +19737,7 @@
               <a:t>function (MGF) used as a building block. MGF(</a:t>
             </a:r>
             <a:r>
-              <a:rPr lang="en-US" sz="1200" b="0" i="1" kern="1200" baseline="0" dirty="0" smtClean="0">
+              <a:rPr lang="en-US" sz="1200" b="0" i="1" kern="1200" baseline="0" dirty="0">
                 <a:solidFill>
                   <a:schemeClr val="tx1"/>
                 </a:solidFill>
@@ -20034,7 +19748,7 @@
               <a:t>X , maskLen </a:t>
             </a:r>
             <a:r>
-              <a:rPr lang="en-US" sz="1200" b="0" kern="1200" baseline="0" dirty="0" smtClean="0">
+              <a:rPr lang="en-US" sz="1200" b="0" kern="1200" baseline="0" dirty="0">
                 <a:solidFill>
                   <a:schemeClr val="tx1"/>
                 </a:solidFill>
@@ -20047,7 +19761,7 @@
           </a:p>
           <a:p>
             <a:r>
-              <a:rPr lang="en-US" sz="1200" b="0" kern="1200" baseline="0" dirty="0" smtClean="0">
+              <a:rPr lang="en-US" sz="1200" b="0" kern="1200" baseline="0" dirty="0">
                 <a:solidFill>
                   <a:schemeClr val="tx1"/>
                 </a:solidFill>
@@ -20058,7 +19772,7 @@
               <a:t>function that has as input parameters a bit string </a:t>
             </a:r>
             <a:r>
-              <a:rPr lang="en-US" sz="1200" b="0" i="1" kern="1200" baseline="0" dirty="0" smtClean="0">
+              <a:rPr lang="en-US" sz="1200" b="0" i="1" kern="1200" baseline="0" dirty="0">
                 <a:solidFill>
                   <a:schemeClr val="tx1"/>
                 </a:solidFill>
@@ -20069,7 +19783,7 @@
               <a:t>X</a:t>
             </a:r>
             <a:r>
-              <a:rPr lang="en-US" sz="1200" b="0" kern="1200" baseline="0" dirty="0" smtClean="0">
+              <a:rPr lang="en-US" sz="1200" b="0" kern="1200" baseline="0" dirty="0">
                 <a:solidFill>
                   <a:schemeClr val="tx1"/>
                 </a:solidFill>
@@ -20082,7 +19796,7 @@
           </a:p>
           <a:p>
             <a:r>
-              <a:rPr lang="en-US" sz="1200" b="0" kern="1200" baseline="0" dirty="0" smtClean="0">
+              <a:rPr lang="en-US" sz="1200" b="0" kern="1200" baseline="0" dirty="0">
                 <a:solidFill>
                   <a:schemeClr val="tx1"/>
                 </a:solidFill>
@@ -20093,7 +19807,7 @@
               <a:t>length </a:t>
             </a:r>
             <a:r>
-              <a:rPr lang="en-US" sz="1200" b="0" i="1" kern="1200" baseline="0" dirty="0" smtClean="0">
+              <a:rPr lang="en-US" sz="1200" b="0" i="1" kern="1200" baseline="0" dirty="0">
                 <a:solidFill>
                   <a:schemeClr val="tx1"/>
                 </a:solidFill>
@@ -20104,7 +19818,7 @@
               <a:t>L</a:t>
             </a:r>
             <a:r>
-              <a:rPr lang="en-US" sz="1200" b="0" kern="1200" baseline="0" dirty="0" smtClean="0">
+              <a:rPr lang="en-US" sz="1200" b="0" kern="1200" baseline="0" dirty="0">
                 <a:solidFill>
                   <a:schemeClr val="tx1"/>
                 </a:solidFill>
@@ -20117,7 +19831,7 @@
           </a:p>
           <a:p>
             <a:r>
-              <a:rPr lang="en-US" sz="1200" b="0" kern="1200" baseline="0" dirty="0" smtClean="0">
+              <a:rPr lang="en-US" sz="1200" b="0" kern="1200" baseline="0" dirty="0">
                 <a:solidFill>
                   <a:schemeClr val="tx1"/>
                 </a:solidFill>
@@ -20130,7 +19844,7 @@
           </a:p>
           <a:p>
             <a:r>
-              <a:rPr lang="en-US" sz="1200" b="0" kern="1200" baseline="0" dirty="0" smtClean="0">
+              <a:rPr lang="en-US" sz="1200" b="0" kern="1200" baseline="0" dirty="0">
                 <a:solidFill>
                   <a:schemeClr val="tx1"/>
                 </a:solidFill>
@@ -20143,7 +19857,7 @@
           </a:p>
           <a:p>
             <a:r>
-              <a:rPr lang="en-US" sz="1200" b="0" kern="1200" baseline="0" dirty="0" smtClean="0">
+              <a:rPr lang="en-US" sz="1200" b="0" kern="1200" baseline="0" dirty="0">
                 <a:solidFill>
                   <a:schemeClr val="tx1"/>
                 </a:solidFill>
@@ -20156,7 +19870,7 @@
           </a:p>
           <a:p>
             <a:r>
-              <a:rPr lang="en-US" sz="1200" b="0" kern="1200" baseline="0" dirty="0" smtClean="0">
+              <a:rPr lang="en-US" sz="1200" b="0" kern="1200" baseline="0" dirty="0">
                 <a:solidFill>
                   <a:schemeClr val="tx1"/>
                 </a:solidFill>
@@ -20168,7 +19882,7 @@
             </a:r>
           </a:p>
           <a:p>
-            <a:endParaRPr lang="en-US" sz="1200" b="0" kern="1200" baseline="0" dirty="0" smtClean="0">
+            <a:endParaRPr lang="en-US" sz="1200" b="0" kern="1200" baseline="0" dirty="0">
               <a:solidFill>
                 <a:schemeClr val="tx1"/>
               </a:solidFill>
@@ -20179,7 +19893,7 @@
           </a:p>
           <a:p>
             <a:r>
-              <a:rPr lang="en-US" sz="1200" kern="1200" baseline="0" dirty="0" smtClean="0">
+              <a:rPr lang="en-US" sz="1200" kern="1200" baseline="0" dirty="0">
                 <a:solidFill>
                   <a:schemeClr val="tx1"/>
                 </a:solidFill>
@@ -20192,7 +19906,7 @@
           </a:p>
           <a:p>
             <a:r>
-              <a:rPr lang="en-US" sz="1200" kern="1200" baseline="0" dirty="0" smtClean="0">
+              <a:rPr lang="en-US" sz="1200" kern="1200" baseline="0" dirty="0">
                 <a:solidFill>
                   <a:schemeClr val="tx1"/>
                 </a:solidFill>
@@ -20204,7 +19918,7 @@
             </a:r>
           </a:p>
           <a:p>
-            <a:endParaRPr lang="en-US" sz="1200" kern="1200" baseline="0" dirty="0" smtClean="0">
+            <a:endParaRPr lang="en-US" sz="1200" kern="1200" baseline="0" dirty="0">
               <a:solidFill>
                 <a:schemeClr val="tx1"/>
               </a:solidFill>
@@ -20215,7 +19929,7 @@
           </a:p>
           <a:p>
             <a:r>
-              <a:rPr lang="en-US" sz="1200" kern="1200" baseline="0" dirty="0" smtClean="0">
+              <a:rPr lang="en-US" sz="1200" kern="1200" baseline="0" dirty="0">
                 <a:solidFill>
                   <a:schemeClr val="tx1"/>
                 </a:solidFill>
@@ -20226,7 +19940,7 @@
               <a:t>Options  	Hash 	hash function with output </a:t>
             </a:r>
             <a:r>
-              <a:rPr lang="en-US" sz="1200" i="1" kern="1200" baseline="0" dirty="0" err="1" smtClean="0">
+              <a:rPr lang="en-US" sz="1200" i="1" kern="1200" baseline="0" dirty="0" err="1">
                 <a:solidFill>
                   <a:schemeClr val="tx1"/>
                 </a:solidFill>
@@ -20237,7 +19951,7 @@
               <a:t>hLen</a:t>
             </a:r>
             <a:r>
-              <a:rPr lang="en-US" sz="1200" kern="1200" baseline="0" dirty="0" smtClean="0">
+              <a:rPr lang="en-US" sz="1200" kern="1200" baseline="0" dirty="0">
                 <a:solidFill>
                   <a:schemeClr val="tx1"/>
                 </a:solidFill>
@@ -20250,7 +19964,7 @@
           </a:p>
           <a:p>
             <a:r>
-              <a:rPr lang="en-US" sz="1200" kern="1200" baseline="0" dirty="0" smtClean="0">
+              <a:rPr lang="en-US" sz="1200" kern="1200" baseline="0" dirty="0">
                 <a:solidFill>
                   <a:schemeClr val="tx1"/>
                 </a:solidFill>
@@ -20263,7 +19977,7 @@
           </a:p>
           <a:p>
             <a:r>
-              <a:rPr lang="en-US" sz="1200" kern="1200" baseline="0" dirty="0" smtClean="0">
+              <a:rPr lang="en-US" sz="1200" kern="1200" baseline="0" dirty="0">
                 <a:solidFill>
                   <a:schemeClr val="tx1"/>
                 </a:solidFill>
@@ -20274,7 +19988,7 @@
               <a:t>	</a:t>
             </a:r>
             <a:r>
-              <a:rPr lang="en-US" sz="1200" i="1" kern="1200" baseline="0" dirty="0" err="1" smtClean="0">
+              <a:rPr lang="en-US" sz="1200" i="1" kern="1200" baseline="0" dirty="0" err="1">
                 <a:solidFill>
                   <a:schemeClr val="tx1"/>
                 </a:solidFill>
@@ -20285,7 +19999,7 @@
               <a:t>maskLen</a:t>
             </a:r>
             <a:r>
-              <a:rPr lang="en-US" sz="1200" kern="1200" baseline="0" dirty="0" smtClean="0">
+              <a:rPr lang="en-US" sz="1200" kern="1200" baseline="0" dirty="0">
                 <a:solidFill>
                   <a:schemeClr val="tx1"/>
                 </a:solidFill>
@@ -20298,7 +20012,7 @@
           </a:p>
           <a:p>
             <a:r>
-              <a:rPr lang="en-US" sz="1200" kern="1200" baseline="0" dirty="0" smtClean="0">
+              <a:rPr lang="en-US" sz="1200" kern="1200" baseline="0" dirty="0">
                 <a:solidFill>
                   <a:schemeClr val="tx1"/>
                 </a:solidFill>
@@ -20309,7 +20023,7 @@
               <a:t>Output 	</a:t>
             </a:r>
             <a:r>
-              <a:rPr lang="en-US" sz="1200" i="1" kern="1200" baseline="0" dirty="0" smtClean="0">
+              <a:rPr lang="en-US" sz="1200" i="1" kern="1200" baseline="0" dirty="0">
                 <a:solidFill>
                   <a:schemeClr val="tx1"/>
                 </a:solidFill>
@@ -20320,7 +20034,7 @@
               <a:t>mask </a:t>
             </a:r>
             <a:r>
-              <a:rPr lang="en-US" sz="1200" kern="1200" baseline="0" dirty="0" smtClean="0">
+              <a:rPr lang="en-US" sz="1200" kern="1200" baseline="0" dirty="0">
                 <a:solidFill>
                   <a:schemeClr val="tx1"/>
                 </a:solidFill>
@@ -20331,7 +20045,7 @@
               <a:t> 	an octet string of length </a:t>
             </a:r>
             <a:r>
-              <a:rPr lang="en-US" sz="1200" i="1" kern="1200" baseline="0" dirty="0" err="1" smtClean="0">
+              <a:rPr lang="en-US" sz="1200" i="1" kern="1200" baseline="0" dirty="0" err="1">
                 <a:solidFill>
                   <a:schemeClr val="tx1"/>
                 </a:solidFill>
@@ -20434,7 +20148,7 @@
           <a:lstStyle/>
           <a:p>
             <a:r>
-              <a:rPr lang="en-US" sz="1200" kern="1200" baseline="0" dirty="0" smtClean="0">
+              <a:rPr lang="en-US" sz="1200" kern="1200" baseline="0" dirty="0">
                 <a:solidFill>
                   <a:schemeClr val="tx1"/>
                 </a:solidFill>
@@ -20447,7 +20161,7 @@
           </a:p>
           <a:p>
             <a:r>
-              <a:rPr lang="en-US" sz="1200" i="1" kern="1200" baseline="0" dirty="0" smtClean="0">
+              <a:rPr lang="en-US" sz="1200" i="1" kern="1200" baseline="0" dirty="0">
                 <a:solidFill>
                   <a:schemeClr val="tx1"/>
                 </a:solidFill>
@@ -20458,7 +20172,7 @@
               <a:t>M</a:t>
             </a:r>
             <a:r>
-              <a:rPr lang="en-US" sz="1200" kern="1200" baseline="0" dirty="0" smtClean="0">
+              <a:rPr lang="en-US" sz="1200" kern="1200" baseline="0" dirty="0">
                 <a:solidFill>
                   <a:schemeClr val="tx1"/>
                 </a:solidFill>
@@ -20469,7 +20183,7 @@
               <a:t>  is to generate from </a:t>
             </a:r>
             <a:r>
-              <a:rPr lang="en-US" sz="1200" i="1" kern="1200" baseline="0" dirty="0" smtClean="0">
+              <a:rPr lang="en-US" sz="1200" i="1" kern="1200" baseline="0" dirty="0">
                 <a:solidFill>
                   <a:schemeClr val="tx1"/>
                 </a:solidFill>
@@ -20480,7 +20194,7 @@
               <a:t>M</a:t>
             </a:r>
             <a:r>
-              <a:rPr lang="en-US" sz="1200" kern="1200" baseline="0" dirty="0" smtClean="0">
+              <a:rPr lang="en-US" sz="1200" kern="1200" baseline="0" dirty="0">
                 <a:solidFill>
                   <a:schemeClr val="tx1"/>
                 </a:solidFill>
@@ -20493,7 +20207,7 @@
           </a:p>
           <a:p>
             <a:r>
-              <a:rPr lang="en-US" sz="1200" i="1" kern="1200" baseline="0" dirty="0" smtClean="0">
+              <a:rPr lang="en-US" sz="1200" i="1" kern="1200" baseline="0" dirty="0">
                 <a:solidFill>
                   <a:schemeClr val="tx1"/>
                 </a:solidFill>
@@ -20504,7 +20218,7 @@
               <a:t>(EM </a:t>
             </a:r>
             <a:r>
-              <a:rPr lang="en-US" sz="1200" kern="1200" baseline="0" dirty="0" smtClean="0">
+              <a:rPr lang="en-US" sz="1200" kern="1200" baseline="0" dirty="0">
                 <a:solidFill>
                   <a:schemeClr val="tx1"/>
                 </a:solidFill>
@@ -20516,7 +20230,7 @@
             </a:r>
           </a:p>
           <a:p>
-            <a:endParaRPr lang="en-US" sz="1200" kern="1200" baseline="0" dirty="0" smtClean="0">
+            <a:endParaRPr lang="en-US" sz="1200" kern="1200" baseline="0" dirty="0">
               <a:solidFill>
                 <a:schemeClr val="tx1"/>
               </a:solidFill>
@@ -20527,7 +20241,7 @@
           </a:p>
           <a:p>
             <a:r>
-              <a:rPr lang="en-US" sz="1200" kern="1200" baseline="0" dirty="0" smtClean="0">
+              <a:rPr lang="en-US" sz="1200" kern="1200" baseline="0" dirty="0">
                 <a:solidFill>
                   <a:schemeClr val="tx1"/>
                 </a:solidFill>
@@ -20540,7 +20254,7 @@
           </a:p>
           <a:p>
             <a:r>
-              <a:rPr lang="en-US" sz="1200" kern="1200" baseline="0" dirty="0" smtClean="0">
+              <a:rPr lang="en-US" sz="1200" kern="1200" baseline="0" dirty="0">
                 <a:solidFill>
                   <a:schemeClr val="tx1"/>
                 </a:solidFill>
@@ -20553,7 +20267,7 @@
           </a:p>
           <a:p>
             <a:r>
-              <a:rPr lang="en-US" sz="1200" kern="1200" baseline="0" dirty="0" smtClean="0">
+              <a:rPr lang="en-US" sz="1200" kern="1200" baseline="0" dirty="0">
                 <a:solidFill>
                   <a:schemeClr val="tx1"/>
                 </a:solidFill>
@@ -20564,7 +20278,7 @@
               <a:t>one or more constants (e.g., padding</a:t>
             </a:r>
             <a:r>
-              <a:rPr lang="en-US" sz="1200" kern="1200" baseline="-25000" dirty="0" smtClean="0">
+              <a:rPr lang="en-US" sz="1200" kern="1200" baseline="-25000" dirty="0">
                 <a:solidFill>
                   <a:schemeClr val="tx1"/>
                 </a:solidFill>
@@ -20575,7 +20289,7 @@
               <a:t>1</a:t>
             </a:r>
             <a:r>
-              <a:rPr lang="en-US" sz="1200" kern="1200" baseline="0" dirty="0" smtClean="0">
+              <a:rPr lang="en-US" sz="1200" kern="1200" baseline="0" dirty="0">
                 <a:solidFill>
                   <a:schemeClr val="tx1"/>
                 </a:solidFill>
@@ -20586,7 +20300,7 @@
               <a:t>  and padding</a:t>
             </a:r>
             <a:r>
-              <a:rPr lang="en-US" sz="1200" kern="1200" baseline="-25000" dirty="0" smtClean="0">
+              <a:rPr lang="en-US" sz="1200" kern="1200" baseline="-25000" dirty="0">
                 <a:solidFill>
                   <a:schemeClr val="tx1"/>
                 </a:solidFill>
@@ -20597,7 +20311,7 @@
               <a:t>2</a:t>
             </a:r>
             <a:r>
-              <a:rPr lang="en-US" sz="1200" kern="1200" baseline="0" dirty="0" smtClean="0">
+              <a:rPr lang="en-US" sz="1200" kern="1200" baseline="0" dirty="0">
                 <a:solidFill>
                   <a:schemeClr val="tx1"/>
                 </a:solidFill>
@@ -20610,7 +20324,7 @@
           </a:p>
           <a:p>
             <a:r>
-              <a:rPr lang="en-US" sz="1200" kern="1200" baseline="0" dirty="0" smtClean="0">
+              <a:rPr lang="en-US" sz="1200" kern="1200" baseline="0" dirty="0">
                 <a:solidFill>
                   <a:schemeClr val="tx1"/>
                 </a:solidFill>
@@ -20623,7 +20337,7 @@
           </a:p>
           <a:p>
             <a:r>
-              <a:rPr lang="en-US" sz="1200" kern="1200" baseline="0" dirty="0" smtClean="0">
+              <a:rPr lang="en-US" sz="1200" kern="1200" baseline="0" dirty="0">
                 <a:solidFill>
                   <a:schemeClr val="tx1"/>
                 </a:solidFill>
@@ -20636,7 +20350,7 @@
           </a:p>
           <a:p>
             <a:r>
-              <a:rPr lang="en-US" sz="1200" kern="1200" baseline="0" dirty="0" smtClean="0">
+              <a:rPr lang="en-US" sz="1200" kern="1200" baseline="0" dirty="0">
                 <a:solidFill>
                   <a:schemeClr val="tx1"/>
                 </a:solidFill>
@@ -20649,7 +20363,7 @@
           </a:p>
           <a:p>
             <a:r>
-              <a:rPr lang="en-US" sz="1200" kern="1200" baseline="0" dirty="0" smtClean="0">
+              <a:rPr lang="en-US" sz="1200" kern="1200" baseline="0" dirty="0">
                 <a:solidFill>
                   <a:schemeClr val="tx1"/>
                 </a:solidFill>
@@ -20662,7 +20376,7 @@
           </a:p>
           <a:p>
             <a:r>
-              <a:rPr lang="en-US" sz="1200" kern="1200" baseline="0" dirty="0" smtClean="0">
+              <a:rPr lang="en-US" sz="1200" kern="1200" baseline="0" dirty="0">
                 <a:solidFill>
                   <a:schemeClr val="tx1"/>
                 </a:solidFill>
@@ -20675,7 +20389,7 @@
           </a:p>
           <a:p>
             <a:r>
-              <a:rPr lang="en-US" sz="1200" kern="1200" baseline="0" dirty="0" smtClean="0">
+              <a:rPr lang="en-US" sz="1200" kern="1200" baseline="0" dirty="0">
                 <a:solidFill>
                   <a:schemeClr val="tx1"/>
                 </a:solidFill>
@@ -20778,7 +20492,7 @@
           <a:lstStyle/>
           <a:p>
             <a:r>
-              <a:rPr lang="en-US" sz="1200" kern="1200" baseline="0" dirty="0" smtClean="0">
+              <a:rPr lang="en-US" sz="1200" kern="1200" baseline="0" dirty="0">
                 <a:solidFill>
                   <a:schemeClr val="tx1"/>
                 </a:solidFill>
@@ -20884,7 +20598,7 @@
           <a:lstStyle/>
           <a:p>
             <a:r>
-              <a:rPr lang="en-US" sz="1200" kern="1200" baseline="0" dirty="0" smtClean="0">
+              <a:rPr lang="en-US" sz="1200" kern="1200" baseline="0" dirty="0">
                 <a:solidFill>
                   <a:schemeClr val="tx1"/>
                 </a:solidFill>
@@ -20897,7 +20611,7 @@
           </a:p>
           <a:p>
             <a:r>
-              <a:rPr lang="en-US" sz="1200" kern="1200" baseline="0" dirty="0" smtClean="0">
+              <a:rPr lang="en-US" sz="1200" kern="1200" baseline="0" dirty="0">
                 <a:solidFill>
                   <a:schemeClr val="tx1"/>
                 </a:solidFill>
@@ -20910,7 +20624,7 @@
           </a:p>
           <a:p>
             <a:r>
-              <a:rPr lang="en-US" sz="1200" kern="1200" baseline="0" dirty="0" smtClean="0">
+              <a:rPr lang="en-US" sz="1200" kern="1200" baseline="0" dirty="0">
                 <a:solidFill>
                   <a:schemeClr val="tx1"/>
                 </a:solidFill>
@@ -20922,7 +20636,7 @@
             </a:r>
           </a:p>
           <a:p>
-            <a:endParaRPr lang="en-US" sz="1200" kern="1200" baseline="0" dirty="0" smtClean="0">
+            <a:endParaRPr lang="en-US" sz="1200" kern="1200" baseline="0" dirty="0">
               <a:solidFill>
                 <a:schemeClr val="tx1"/>
               </a:solidFill>
@@ -20933,7 +20647,7 @@
           </a:p>
           <a:p>
             <a:r>
-              <a:rPr lang="en-US" sz="1200" kern="1200" baseline="0" dirty="0" smtClean="0">
+              <a:rPr lang="en-US" sz="1200" kern="1200" baseline="0" dirty="0">
                 <a:solidFill>
                   <a:schemeClr val="tx1"/>
                 </a:solidFill>
@@ -20946,7 +20660,7 @@
           </a:p>
           <a:p>
             <a:r>
-              <a:rPr lang="en-US" sz="1200" kern="1200" baseline="0" dirty="0" smtClean="0">
+              <a:rPr lang="en-US" sz="1200" kern="1200" baseline="0" dirty="0">
                 <a:solidFill>
                   <a:schemeClr val="tx1"/>
                 </a:solidFill>
@@ -20959,7 +20673,7 @@
           </a:p>
           <a:p>
             <a:r>
-              <a:rPr lang="en-US" sz="1200" kern="1200" baseline="0" dirty="0" smtClean="0">
+              <a:rPr lang="en-US" sz="1200" kern="1200" baseline="0" dirty="0">
                 <a:solidFill>
                   <a:schemeClr val="tx1"/>
                 </a:solidFill>
@@ -20972,7 +20686,7 @@
           </a:p>
           <a:p>
             <a:r>
-              <a:rPr lang="en-US" sz="1200" kern="1200" baseline="0" dirty="0" smtClean="0">
+              <a:rPr lang="en-US" sz="1200" kern="1200" baseline="0" dirty="0">
                 <a:solidFill>
                   <a:schemeClr val="tx1"/>
                 </a:solidFill>
@@ -20985,7 +20699,7 @@
           </a:p>
           <a:p>
             <a:r>
-              <a:rPr lang="en-US" sz="1200" kern="1200" baseline="0" dirty="0" smtClean="0">
+              <a:rPr lang="en-US" sz="1200" kern="1200" baseline="0" dirty="0">
                 <a:solidFill>
                   <a:schemeClr val="tx1"/>
                 </a:solidFill>
@@ -20998,7 +20712,7 @@
           </a:p>
           <a:p>
             <a:r>
-              <a:rPr lang="en-US" sz="1200" kern="1200" baseline="0" dirty="0" smtClean="0">
+              <a:rPr lang="en-US" sz="1200" kern="1200" baseline="0" dirty="0">
                 <a:solidFill>
                   <a:schemeClr val="tx1"/>
                 </a:solidFill>
@@ -21011,7 +20725,7 @@
           </a:p>
           <a:p>
             <a:r>
-              <a:rPr lang="en-US" sz="1200" kern="1200" baseline="0" dirty="0" smtClean="0">
+              <a:rPr lang="en-US" sz="1200" kern="1200" baseline="0" dirty="0">
                 <a:solidFill>
                   <a:schemeClr val="tx1"/>
                 </a:solidFill>
@@ -21024,7 +20738,7 @@
           </a:p>
           <a:p>
             <a:r>
-              <a:rPr lang="en-US" sz="1200" kern="1200" baseline="0" dirty="0" smtClean="0">
+              <a:rPr lang="en-US" sz="1200" kern="1200" baseline="0" dirty="0">
                 <a:solidFill>
                   <a:schemeClr val="tx1"/>
                 </a:solidFill>
@@ -21037,7 +20751,7 @@
           </a:p>
           <a:p>
             <a:r>
-              <a:rPr lang="en-US" sz="1200" kern="1200" baseline="0" dirty="0" smtClean="0">
+              <a:rPr lang="en-US" sz="1200" kern="1200" baseline="0" dirty="0">
                 <a:solidFill>
                   <a:schemeClr val="tx1"/>
                 </a:solidFill>
@@ -21050,7 +20764,7 @@
           </a:p>
           <a:p>
             <a:r>
-              <a:rPr lang="en-US" sz="1200" kern="1200" baseline="0" dirty="0" smtClean="0">
+              <a:rPr lang="en-US" sz="1200" kern="1200" baseline="0" dirty="0">
                 <a:solidFill>
                   <a:schemeClr val="tx1"/>
                 </a:solidFill>
@@ -21063,7 +20777,7 @@
           </a:p>
           <a:p>
             <a:r>
-              <a:rPr lang="en-US" sz="1200" kern="1200" baseline="0" dirty="0" smtClean="0">
+              <a:rPr lang="en-US" sz="1200" kern="1200" baseline="0" dirty="0">
                 <a:solidFill>
                   <a:schemeClr val="tx1"/>
                 </a:solidFill>
@@ -21076,7 +20790,7 @@
           </a:p>
           <a:p>
             <a:r>
-              <a:rPr lang="en-US" sz="1200" kern="1200" baseline="0" dirty="0" smtClean="0">
+              <a:rPr lang="en-US" sz="1200" kern="1200" baseline="0" dirty="0">
                 <a:solidFill>
                   <a:schemeClr val="tx1"/>
                 </a:solidFill>
@@ -21089,7 +20803,7 @@
           </a:p>
           <a:p>
             <a:r>
-              <a:rPr lang="en-US" sz="1200" kern="1200" baseline="0" dirty="0" smtClean="0">
+              <a:rPr lang="en-US" sz="1200" kern="1200" baseline="0" dirty="0">
                 <a:solidFill>
                   <a:schemeClr val="tx1"/>
                 </a:solidFill>
@@ -21102,7 +20816,7 @@
           </a:p>
           <a:p>
             <a:r>
-              <a:rPr lang="en-US" sz="1200" kern="1200" baseline="0" dirty="0" smtClean="0">
+              <a:rPr lang="en-US" sz="1200" kern="1200" baseline="0" dirty="0">
                 <a:solidFill>
                   <a:schemeClr val="tx1"/>
                 </a:solidFill>
@@ -21115,7 +20829,7 @@
           </a:p>
           <a:p>
             <a:r>
-              <a:rPr lang="en-US" sz="1200" kern="1200" baseline="0" dirty="0" smtClean="0">
+              <a:rPr lang="en-US" sz="1200" kern="1200" baseline="0" dirty="0">
                 <a:solidFill>
                   <a:schemeClr val="tx1"/>
                 </a:solidFill>
@@ -21128,7 +20842,7 @@
           </a:p>
           <a:p>
             <a:r>
-              <a:rPr lang="en-US" sz="1200" kern="1200" baseline="0" dirty="0" smtClean="0">
+              <a:rPr lang="en-US" sz="1200" kern="1200" baseline="0" dirty="0">
                 <a:solidFill>
                   <a:schemeClr val="tx1"/>
                 </a:solidFill>
@@ -21140,7 +20854,7 @@
             </a:r>
           </a:p>
           <a:p>
-            <a:endParaRPr lang="en-US" sz="1200" kern="1200" baseline="0" dirty="0" smtClean="0">
+            <a:endParaRPr lang="en-US" sz="1200" kern="1200" baseline="0" dirty="0">
               <a:solidFill>
                 <a:schemeClr val="tx1"/>
               </a:solidFill>
@@ -21151,7 +20865,7 @@
           </a:p>
           <a:p>
             <a:r>
-              <a:rPr lang="en-US" sz="1200" kern="1200" baseline="0" dirty="0" smtClean="0">
+              <a:rPr lang="en-US" sz="1200" kern="1200" baseline="0" dirty="0">
                 <a:solidFill>
                   <a:schemeClr val="tx1"/>
                 </a:solidFill>
@@ -21164,7 +20878,7 @@
           </a:p>
           <a:p>
             <a:r>
-              <a:rPr lang="en-US" sz="1200" kern="1200" baseline="0" dirty="0" err="1" smtClean="0">
+              <a:rPr lang="en-US" sz="1200" kern="1200" baseline="0" dirty="0" err="1">
                 <a:solidFill>
                   <a:schemeClr val="tx1"/>
                 </a:solidFill>
@@ -21175,7 +20889,7 @@
               <a:t>Elgamal</a:t>
             </a:r>
             <a:r>
-              <a:rPr lang="en-US" sz="1200" kern="1200" baseline="0" dirty="0" smtClean="0">
+              <a:rPr lang="en-US" sz="1200" kern="1200" baseline="0" dirty="0">
                 <a:solidFill>
                   <a:schemeClr val="tx1"/>
                 </a:solidFill>
@@ -21186,7 +20900,7 @@
               <a:t> and </a:t>
             </a:r>
             <a:r>
-              <a:rPr lang="en-US" sz="1200" kern="1200" baseline="0" dirty="0" err="1" smtClean="0">
+              <a:rPr lang="en-US" sz="1200" kern="1200" baseline="0" dirty="0" err="1">
                 <a:solidFill>
                   <a:schemeClr val="tx1"/>
                 </a:solidFill>
@@ -21197,7 +20911,7 @@
               <a:t>Schnorr</a:t>
             </a:r>
             <a:r>
-              <a:rPr lang="en-US" sz="1200" kern="1200" baseline="0" dirty="0" smtClean="0">
+              <a:rPr lang="en-US" sz="1200" kern="1200" baseline="0" dirty="0">
                 <a:solidFill>
                   <a:schemeClr val="tx1"/>
                 </a:solidFill>
@@ -21210,7 +20924,7 @@
           </a:p>
           <a:p>
             <a:r>
-              <a:rPr lang="en-US" sz="1200" kern="1200" baseline="0" dirty="0" smtClean="0">
+              <a:rPr lang="en-US" sz="1200" kern="1200" baseline="0" dirty="0">
                 <a:solidFill>
                   <a:schemeClr val="tx1"/>
                 </a:solidFill>
@@ -21223,7 +20937,7 @@
           </a:p>
           <a:p>
             <a:r>
-              <a:rPr lang="en-US" sz="1200" kern="1200" baseline="0" dirty="0" smtClean="0">
+              <a:rPr lang="en-US" sz="1200" kern="1200" baseline="0" dirty="0">
                 <a:solidFill>
                   <a:schemeClr val="tx1"/>
                 </a:solidFill>
@@ -21236,7 +20950,7 @@
           </a:p>
           <a:p>
             <a:r>
-              <a:rPr lang="en-US" sz="1200" kern="1200" baseline="0" dirty="0" smtClean="0">
+              <a:rPr lang="en-US" sz="1200" kern="1200" baseline="0" dirty="0">
                 <a:solidFill>
                   <a:schemeClr val="tx1"/>
                 </a:solidFill>
@@ -21249,7 +20963,7 @@
           </a:p>
           <a:p>
             <a:r>
-              <a:rPr lang="en-US" sz="1200" kern="1200" baseline="0" dirty="0" smtClean="0">
+              <a:rPr lang="en-US" sz="1200" kern="1200" baseline="0" dirty="0">
                 <a:solidFill>
                   <a:schemeClr val="tx1"/>
                 </a:solidFill>
@@ -21259,7 +20973,7 @@
               </a:rPr>
               <a:t>(RSA-PSS).</a:t>
             </a:r>
-            <a:endParaRPr lang="en-US" dirty="0" smtClean="0">
+            <a:endParaRPr lang="en-US" dirty="0">
               <a:latin typeface="Arial" pitchFamily="-84" charset="0"/>
               <a:ea typeface="ＭＳ Ｐゴシック" pitchFamily="-84" charset="-128"/>
               <a:cs typeface="ＭＳ Ｐゴシック" pitchFamily="-84" charset="-128"/>
@@ -21291,7 +21005,7 @@
               <a:pPr/>
               <a:t>2</a:t>
             </a:fld>
-            <a:endParaRPr lang="en-AU" dirty="0" smtClean="0">
+            <a:endParaRPr lang="en-AU" dirty="0">
               <a:latin typeface="Arial" pitchFamily="-84" charset="0"/>
             </a:endParaRPr>
           </a:p>
@@ -21396,23 +21110,7 @@
                 <a:ea typeface="ＭＳ Ｐゴシック" pitchFamily="-84" charset="-128"/>
                 <a:cs typeface="ＭＳ Ｐゴシック" pitchFamily="-84" charset="-128"/>
               </a:rPr>
-              <a:t>Chapter</a:t>
-            </a:r>
-            <a:r>
-              <a:rPr lang="en-US" dirty="0" smtClean="0">
-                <a:latin typeface="Arial" pitchFamily="-84" charset="0"/>
-                <a:ea typeface="ＭＳ Ｐゴシック" pitchFamily="-84" charset="-128"/>
-                <a:cs typeface="ＭＳ Ｐゴシック" pitchFamily="-84" charset="-128"/>
-              </a:rPr>
-              <a:t> 13 </a:t>
-            </a:r>
-            <a:r>
-              <a:rPr lang="en-US" dirty="0">
-                <a:latin typeface="Arial" pitchFamily="-84" charset="0"/>
-                <a:ea typeface="ＭＳ Ｐゴシック" pitchFamily="-84" charset="-128"/>
-                <a:cs typeface="ＭＳ Ｐゴシック" pitchFamily="-84" charset="-128"/>
-              </a:rPr>
-              <a:t>summary.</a:t>
+              <a:t>Chapter 13 summary.</a:t>
             </a:r>
           </a:p>
         </p:txBody>
@@ -21510,7 +21208,7 @@
           <a:lstStyle/>
           <a:p>
             <a:r>
-              <a:rPr lang="en-US" sz="1200" kern="1200" baseline="0" dirty="0" smtClean="0">
+              <a:rPr lang="en-US" sz="1200" kern="1200" baseline="0" dirty="0">
                 <a:solidFill>
                   <a:schemeClr val="tx1"/>
                 </a:solidFill>
@@ -21523,7 +21221,7 @@
           </a:p>
           <a:p>
             <a:r>
-              <a:rPr lang="en-US" sz="1200" kern="1200" baseline="0" dirty="0" smtClean="0">
+              <a:rPr lang="en-US" sz="1200" kern="1200" baseline="0" dirty="0">
                 <a:solidFill>
                   <a:schemeClr val="tx1"/>
                 </a:solidFill>
@@ -21536,7 +21234,7 @@
           </a:p>
           <a:p>
             <a:r>
-              <a:rPr lang="en-US" sz="1200" kern="1200" baseline="0" dirty="0" smtClean="0">
+              <a:rPr lang="en-US" sz="1200" kern="1200" baseline="0" dirty="0">
                 <a:solidFill>
                   <a:schemeClr val="tx1"/>
                 </a:solidFill>
@@ -21548,7 +21246,7 @@
             </a:r>
           </a:p>
           <a:p>
-            <a:endParaRPr lang="en-US" sz="1200" kern="1200" baseline="0" dirty="0" smtClean="0">
+            <a:endParaRPr lang="en-US" sz="1200" kern="1200" baseline="0" dirty="0">
               <a:solidFill>
                 <a:schemeClr val="tx1"/>
               </a:solidFill>
@@ -21559,7 +21257,7 @@
           </a:p>
           <a:p>
             <a:r>
-              <a:rPr lang="en-US" sz="1200" kern="1200" baseline="0" dirty="0" smtClean="0">
+              <a:rPr lang="en-US" sz="1200" kern="1200" baseline="0" dirty="0">
                 <a:solidFill>
                   <a:schemeClr val="tx1"/>
                 </a:solidFill>
@@ -21572,7 +21270,7 @@
           </a:p>
           <a:p>
             <a:r>
-              <a:rPr lang="en-US" sz="1200" kern="1200" baseline="0" dirty="0" smtClean="0">
+              <a:rPr lang="en-US" sz="1200" kern="1200" baseline="0" dirty="0">
                 <a:solidFill>
                   <a:schemeClr val="tx1"/>
                 </a:solidFill>
@@ -21585,7 +21283,7 @@
           </a:p>
           <a:p>
             <a:r>
-              <a:rPr lang="en-US" sz="1200" kern="1200" baseline="0" dirty="0" smtClean="0">
+              <a:rPr lang="en-US" sz="1200" kern="1200" baseline="0" dirty="0">
                 <a:solidFill>
                   <a:schemeClr val="tx1"/>
                 </a:solidFill>
@@ -21598,7 +21296,7 @@
           </a:p>
           <a:p>
             <a:r>
-              <a:rPr lang="en-US" sz="1200" kern="1200" baseline="0" dirty="0" smtClean="0">
+              <a:rPr lang="en-US" sz="1200" kern="1200" baseline="0" dirty="0">
                 <a:solidFill>
                   <a:schemeClr val="tx1"/>
                 </a:solidFill>
@@ -21610,7 +21308,7 @@
             </a:r>
           </a:p>
           <a:p>
-            <a:endParaRPr lang="en-US" sz="1200" kern="1200" baseline="0" dirty="0" smtClean="0">
+            <a:endParaRPr lang="en-US" sz="1200" kern="1200" baseline="0" dirty="0">
               <a:solidFill>
                 <a:schemeClr val="tx1"/>
               </a:solidFill>
@@ -21621,7 +21319,7 @@
           </a:p>
           <a:p>
             <a:r>
-              <a:rPr lang="en-US" sz="1200" kern="1200" baseline="0" dirty="0" smtClean="0">
+              <a:rPr lang="en-US" sz="1200" kern="1200" baseline="0" dirty="0">
                 <a:solidFill>
                   <a:schemeClr val="tx1"/>
                 </a:solidFill>
@@ -21633,7 +21331,7 @@
             </a:r>
           </a:p>
           <a:p>
-            <a:endParaRPr lang="en-US" sz="1200" kern="1200" baseline="0" dirty="0" smtClean="0">
+            <a:endParaRPr lang="en-US" sz="1200" kern="1200" baseline="0" dirty="0">
               <a:solidFill>
                 <a:schemeClr val="tx1"/>
               </a:solidFill>
@@ -21644,7 +21342,7 @@
           </a:p>
           <a:p>
             <a:r>
-              <a:rPr lang="en-US" sz="1200" kern="1200" baseline="0" dirty="0" smtClean="0">
+              <a:rPr lang="en-US" sz="1200" kern="1200" baseline="0" dirty="0">
                 <a:solidFill>
                   <a:schemeClr val="tx1"/>
                 </a:solidFill>
@@ -21656,7 +21354,7 @@
             </a:r>
           </a:p>
           <a:p>
-            <a:endParaRPr lang="en-US" sz="1200" kern="1200" baseline="0" dirty="0" smtClean="0">
+            <a:endParaRPr lang="en-US" sz="1200" kern="1200" baseline="0" dirty="0">
               <a:solidFill>
                 <a:schemeClr val="tx1"/>
               </a:solidFill>
@@ -21667,7 +21365,7 @@
           </a:p>
           <a:p>
             <a:r>
-              <a:rPr lang="en-US" sz="1200" kern="1200" baseline="0" dirty="0" smtClean="0">
+              <a:rPr lang="en-US" sz="1200" kern="1200" baseline="0" dirty="0">
                 <a:solidFill>
                   <a:schemeClr val="tx1"/>
                 </a:solidFill>
@@ -21679,7 +21377,7 @@
             </a:r>
           </a:p>
           <a:p>
-            <a:endParaRPr lang="en-US" sz="1200" kern="1200" baseline="0" dirty="0" smtClean="0">
+            <a:endParaRPr lang="en-US" sz="1200" kern="1200" baseline="0" dirty="0">
               <a:solidFill>
                 <a:schemeClr val="tx1"/>
               </a:solidFill>
@@ -21690,7 +21388,7 @@
           </a:p>
           <a:p>
             <a:r>
-              <a:rPr lang="en-US" sz="1200" kern="1200" baseline="0" dirty="0" smtClean="0">
+              <a:rPr lang="en-US" sz="1200" kern="1200" baseline="0" dirty="0">
                 <a:solidFill>
                   <a:schemeClr val="tx1"/>
                 </a:solidFill>
@@ -21771,7 +21469,7 @@
           <a:lstStyle/>
           <a:p>
             <a:r>
-              <a:rPr lang="en-US" sz="1200" b="0" kern="1200" baseline="0" dirty="0" smtClean="0">
+              <a:rPr lang="en-US" sz="1200" b="0" kern="1200" baseline="0" dirty="0">
                 <a:solidFill>
                   <a:schemeClr val="tx1"/>
                 </a:solidFill>
@@ -21784,7 +21482,7 @@
           </a:p>
           <a:p>
             <a:r>
-              <a:rPr lang="en-US" sz="1200" b="0" kern="1200" baseline="0" dirty="0" smtClean="0">
+              <a:rPr lang="en-US" sz="1200" b="0" kern="1200" baseline="0" dirty="0">
                 <a:solidFill>
                   <a:schemeClr val="tx1"/>
                 </a:solidFill>
@@ -21797,7 +21495,7 @@
           </a:p>
           <a:p>
             <a:r>
-              <a:rPr lang="en-US" sz="1200" b="0" kern="1200" baseline="0" dirty="0" smtClean="0">
+              <a:rPr lang="en-US" sz="1200" b="0" kern="1200" baseline="0" dirty="0">
                 <a:solidFill>
                   <a:schemeClr val="tx1"/>
                 </a:solidFill>
@@ -21809,7 +21507,7 @@
             </a:r>
           </a:p>
           <a:p>
-            <a:endParaRPr lang="en-US" sz="1200" b="0" kern="1200" baseline="0" dirty="0" smtClean="0">
+            <a:endParaRPr lang="en-US" sz="1200" b="0" kern="1200" baseline="0" dirty="0">
               <a:solidFill>
                 <a:schemeClr val="tx1"/>
               </a:solidFill>
@@ -21820,7 +21518,7 @@
           </a:p>
           <a:p>
             <a:r>
-              <a:rPr lang="en-US" sz="1200" b="0" kern="1200" baseline="0" dirty="0" smtClean="0">
+              <a:rPr lang="en-US" sz="1200" b="0" kern="1200" baseline="0" dirty="0">
                 <a:solidFill>
                   <a:schemeClr val="tx1"/>
                 </a:solidFill>
@@ -21832,7 +21530,7 @@
             </a:r>
           </a:p>
           <a:p>
-            <a:endParaRPr lang="en-US" sz="1200" b="0" kern="1200" baseline="0" dirty="0" smtClean="0">
+            <a:endParaRPr lang="en-US" sz="1200" b="0" kern="1200" baseline="0" dirty="0">
               <a:solidFill>
                 <a:schemeClr val="tx1"/>
               </a:solidFill>
@@ -21843,7 +21541,7 @@
           </a:p>
           <a:p>
             <a:r>
-              <a:rPr lang="en-US" sz="1200" b="0" kern="1200" baseline="0" dirty="0" smtClean="0">
+              <a:rPr lang="en-US" sz="1200" b="0" kern="1200" baseline="0" dirty="0">
                 <a:solidFill>
                   <a:schemeClr val="tx1"/>
                 </a:solidFill>
@@ -21856,7 +21554,7 @@
           </a:p>
           <a:p>
             <a:r>
-              <a:rPr lang="en-US" sz="1200" b="0" kern="1200" baseline="0" dirty="0" smtClean="0">
+              <a:rPr lang="en-US" sz="1200" b="0" kern="1200" baseline="0" dirty="0">
                 <a:solidFill>
                   <a:schemeClr val="tx1"/>
                 </a:solidFill>
@@ -21868,7 +21566,7 @@
             </a:r>
           </a:p>
           <a:p>
-            <a:endParaRPr lang="en-US" sz="1200" b="0" kern="1200" baseline="0" dirty="0" smtClean="0">
+            <a:endParaRPr lang="en-US" sz="1200" b="0" kern="1200" baseline="0" dirty="0">
               <a:solidFill>
                 <a:schemeClr val="tx1"/>
               </a:solidFill>
@@ -21879,7 +21577,7 @@
           </a:p>
           <a:p>
             <a:r>
-              <a:rPr lang="en-US" sz="1200" b="0" kern="1200" baseline="0" dirty="0" smtClean="0">
+              <a:rPr lang="en-US" sz="1200" b="0" kern="1200" baseline="0" dirty="0">
                 <a:solidFill>
                   <a:schemeClr val="tx1"/>
                 </a:solidFill>
@@ -21892,7 +21590,7 @@
           </a:p>
           <a:p>
             <a:r>
-              <a:rPr lang="en-US" sz="1200" b="0" kern="1200" baseline="0" dirty="0" smtClean="0">
+              <a:rPr lang="en-US" sz="1200" b="0" kern="1200" baseline="0" dirty="0">
                 <a:solidFill>
                   <a:schemeClr val="tx1"/>
                 </a:solidFill>
@@ -21905,7 +21603,7 @@
           </a:p>
           <a:p>
             <a:r>
-              <a:rPr lang="en-US" sz="1200" b="0" kern="1200" baseline="0" dirty="0" smtClean="0">
+              <a:rPr lang="en-US" sz="1200" b="0" kern="1200" baseline="0" dirty="0">
                 <a:solidFill>
                   <a:schemeClr val="tx1"/>
                 </a:solidFill>
@@ -21918,7 +21616,7 @@
           </a:p>
           <a:p>
             <a:r>
-              <a:rPr lang="en-US" sz="1200" b="0" kern="1200" baseline="0" dirty="0" smtClean="0">
+              <a:rPr lang="en-US" sz="1200" b="0" kern="1200" baseline="0" dirty="0">
                 <a:solidFill>
                   <a:schemeClr val="tx1"/>
                 </a:solidFill>
@@ -21931,7 +21629,7 @@
           </a:p>
           <a:p>
             <a:r>
-              <a:rPr lang="en-US" sz="1200" b="0" kern="1200" baseline="0" dirty="0" smtClean="0">
+              <a:rPr lang="en-US" sz="1200" b="0" kern="1200" baseline="0" dirty="0">
                 <a:solidFill>
                   <a:schemeClr val="tx1"/>
                 </a:solidFill>
@@ -21943,7 +21641,7 @@
             </a:r>
           </a:p>
           <a:p>
-            <a:endParaRPr lang="en-US" sz="1200" b="0" kern="1200" baseline="0" dirty="0" smtClean="0">
+            <a:endParaRPr lang="en-US" sz="1200" b="0" kern="1200" baseline="0" dirty="0">
               <a:solidFill>
                 <a:schemeClr val="tx1"/>
               </a:solidFill>
@@ -21954,7 +21652,7 @@
           </a:p>
           <a:p>
             <a:r>
-              <a:rPr lang="en-US" sz="1200" b="0" kern="1200" baseline="0" dirty="0" smtClean="0">
+              <a:rPr lang="en-US" sz="1200" b="0" kern="1200" baseline="0" dirty="0">
                 <a:solidFill>
                   <a:schemeClr val="tx1"/>
                 </a:solidFill>
@@ -21967,7 +21665,7 @@
           </a:p>
           <a:p>
             <a:r>
-              <a:rPr lang="en-US" sz="1200" b="0" kern="1200" baseline="0" dirty="0" smtClean="0">
+              <a:rPr lang="en-US" sz="1200" b="0" kern="1200" baseline="0" dirty="0">
                 <a:solidFill>
                   <a:schemeClr val="tx1"/>
                 </a:solidFill>
@@ -21980,7 +21678,7 @@
           </a:p>
           <a:p>
             <a:r>
-              <a:rPr lang="en-US" sz="1200" b="0" kern="1200" baseline="0" dirty="0" smtClean="0">
+              <a:rPr lang="en-US" sz="1200" b="0" kern="1200" baseline="0" dirty="0">
                 <a:solidFill>
                   <a:schemeClr val="tx1"/>
                 </a:solidFill>
@@ -21992,7 +21690,7 @@
             </a:r>
           </a:p>
           <a:p>
-            <a:endParaRPr lang="en-US" sz="1200" b="0" kern="1200" baseline="0" dirty="0" smtClean="0">
+            <a:endParaRPr lang="en-US" sz="1200" b="0" kern="1200" baseline="0" dirty="0">
               <a:solidFill>
                 <a:schemeClr val="tx1"/>
               </a:solidFill>
@@ -22003,7 +21701,7 @@
           </a:p>
           <a:p>
             <a:r>
-              <a:rPr lang="en-US" sz="1200" b="0" kern="1200" baseline="0" dirty="0" smtClean="0">
+              <a:rPr lang="en-US" sz="1200" b="0" kern="1200" baseline="0" dirty="0">
                 <a:solidFill>
                   <a:schemeClr val="tx1"/>
                 </a:solidFill>
@@ -22016,7 +21714,7 @@
           </a:p>
           <a:p>
             <a:r>
-              <a:rPr lang="en-US" sz="1200" b="0" kern="1200" baseline="0" dirty="0" smtClean="0">
+              <a:rPr lang="en-US" sz="1200" b="0" kern="1200" baseline="0" dirty="0">
                 <a:solidFill>
                   <a:schemeClr val="tx1"/>
                 </a:solidFill>
@@ -22029,7 +21727,7 @@
           </a:p>
           <a:p>
             <a:r>
-              <a:rPr lang="en-US" sz="1200" b="0" kern="1200" baseline="0" dirty="0" smtClean="0">
+              <a:rPr lang="en-US" sz="1200" b="0" kern="1200" baseline="0" dirty="0">
                 <a:solidFill>
                   <a:schemeClr val="tx1"/>
                 </a:solidFill>
@@ -22041,7 +21739,7 @@
             </a:r>
           </a:p>
           <a:p>
-            <a:endParaRPr lang="en-US" sz="1200" b="0" kern="1200" baseline="0" dirty="0" smtClean="0">
+            <a:endParaRPr lang="en-US" sz="1200" b="0" kern="1200" baseline="0" dirty="0">
               <a:solidFill>
                 <a:schemeClr val="tx1"/>
               </a:solidFill>
@@ -22076,7 +21774,7 @@
               <a:pPr/>
               <a:t>4</a:t>
             </a:fld>
-            <a:endParaRPr lang="en-AU" dirty="0" smtClean="0">
+            <a:endParaRPr lang="en-AU" dirty="0">
               <a:latin typeface="Arial" pitchFamily="-84" charset="0"/>
             </a:endParaRPr>
           </a:p>
@@ -22142,7 +21840,7 @@
           <a:lstStyle/>
           <a:p>
             <a:r>
-              <a:rPr lang="en-US" sz="1200" b="0" kern="1200" baseline="0" dirty="0" smtClean="0">
+              <a:rPr lang="en-US" sz="1200" b="0" kern="1200" baseline="0" dirty="0">
                 <a:solidFill>
                   <a:schemeClr val="tx1"/>
                 </a:solidFill>
@@ -22155,7 +21853,7 @@
           </a:p>
           <a:p>
             <a:r>
-              <a:rPr lang="en-US" sz="1200" b="0" kern="1200" baseline="0" dirty="0" smtClean="0">
+              <a:rPr lang="en-US" sz="1200" b="0" kern="1200" baseline="0" dirty="0">
                 <a:solidFill>
                   <a:schemeClr val="tx1"/>
                 </a:solidFill>
@@ -22167,7 +21865,7 @@
             </a:r>
           </a:p>
           <a:p>
-            <a:endParaRPr lang="en-US" sz="1200" b="0" kern="1200" baseline="0" dirty="0" smtClean="0">
+            <a:endParaRPr lang="en-US" sz="1200" b="0" kern="1200" baseline="0" dirty="0">
               <a:solidFill>
                 <a:schemeClr val="tx1"/>
               </a:solidFill>
@@ -22178,7 +21876,7 @@
           </a:p>
           <a:p>
             <a:r>
-              <a:rPr lang="en-US" sz="1200" b="0" kern="1200" baseline="0" dirty="0" smtClean="0">
+              <a:rPr lang="en-US" sz="1200" b="0" kern="1200" baseline="0" dirty="0">
                 <a:solidFill>
                   <a:schemeClr val="tx1"/>
                 </a:solidFill>
@@ -22190,7 +21888,7 @@
             </a:r>
           </a:p>
           <a:p>
-            <a:endParaRPr lang="en-US" sz="1200" b="0" kern="1200" baseline="0" dirty="0" smtClean="0">
+            <a:endParaRPr lang="en-US" sz="1200" b="0" kern="1200" baseline="0" dirty="0">
               <a:solidFill>
                 <a:schemeClr val="tx1"/>
               </a:solidFill>
@@ -22201,7 +21899,7 @@
           </a:p>
           <a:p>
             <a:r>
-              <a:rPr lang="en-US" sz="1200" b="0" kern="1200" baseline="0" dirty="0" smtClean="0">
+              <a:rPr lang="en-US" sz="1200" b="0" kern="1200" baseline="0" dirty="0">
                 <a:solidFill>
                   <a:schemeClr val="tx1"/>
                 </a:solidFill>
@@ -22214,7 +21912,7 @@
           </a:p>
           <a:p>
             <a:r>
-              <a:rPr lang="en-US" sz="1200" b="0" kern="1200" baseline="0" dirty="0" smtClean="0">
+              <a:rPr lang="en-US" sz="1200" b="0" kern="1200" baseline="0" dirty="0">
                 <a:solidFill>
                   <a:schemeClr val="tx1"/>
                 </a:solidFill>
@@ -22226,7 +21924,7 @@
             </a:r>
           </a:p>
           <a:p>
-            <a:endParaRPr lang="en-US" sz="1200" b="0" kern="1200" baseline="0" dirty="0" smtClean="0">
+            <a:endParaRPr lang="en-US" sz="1200" b="0" kern="1200" baseline="0" dirty="0">
               <a:solidFill>
                 <a:schemeClr val="tx1"/>
               </a:solidFill>
@@ -22237,7 +21935,7 @@
           </a:p>
           <a:p>
             <a:r>
-              <a:rPr lang="en-US" sz="1200" b="0" kern="1200" baseline="0" dirty="0" smtClean="0">
+              <a:rPr lang="en-US" sz="1200" b="0" kern="1200" baseline="0" dirty="0">
                 <a:solidFill>
                   <a:schemeClr val="tx1"/>
                 </a:solidFill>
@@ -22249,7 +21947,7 @@
             </a:r>
           </a:p>
           <a:p>
-            <a:endParaRPr lang="en-US" sz="1200" b="0" kern="1200" baseline="0" dirty="0" smtClean="0">
+            <a:endParaRPr lang="en-US" sz="1200" b="0" kern="1200" baseline="0" dirty="0">
               <a:solidFill>
                 <a:schemeClr val="tx1"/>
               </a:solidFill>
@@ -22260,7 +21958,7 @@
           </a:p>
           <a:p>
             <a:r>
-              <a:rPr lang="en-US" sz="1200" b="0" kern="1200" baseline="0" dirty="0" smtClean="0">
+              <a:rPr lang="en-US" sz="1200" b="0" kern="1200" baseline="0" dirty="0">
                 <a:solidFill>
                   <a:schemeClr val="tx1"/>
                 </a:solidFill>
@@ -22273,7 +21971,7 @@
           </a:p>
           <a:p>
             <a:r>
-              <a:rPr lang="en-US" sz="1200" b="0" kern="1200" baseline="0" dirty="0" smtClean="0">
+              <a:rPr lang="en-US" sz="1200" b="0" kern="1200" baseline="0" dirty="0">
                 <a:solidFill>
                   <a:schemeClr val="tx1"/>
                 </a:solidFill>
@@ -22286,7 +21984,7 @@
           </a:p>
           <a:p>
             <a:r>
-              <a:rPr lang="en-US" sz="1200" b="0" kern="1200" baseline="0" dirty="0" smtClean="0">
+              <a:rPr lang="en-US" sz="1200" b="0" kern="1200" baseline="0" dirty="0">
                 <a:solidFill>
                   <a:schemeClr val="tx1"/>
                 </a:solidFill>
@@ -22296,7 +21994,7 @@
               </a:rPr>
               <a:t>to A.</a:t>
             </a:r>
-            <a:endParaRPr lang="en-US" sz="1100" b="0" dirty="0" smtClean="0">
+            <a:endParaRPr lang="en-US" sz="1100" b="0" dirty="0">
               <a:latin typeface="Arial" pitchFamily="-84" charset="0"/>
               <a:ea typeface="ＭＳ Ｐゴシック" pitchFamily="-84" charset="-128"/>
               <a:cs typeface="ＭＳ Ｐゴシック" pitchFamily="-84" charset="-128"/>
@@ -22429,7 +22127,7 @@
           <a:lstStyle/>
           <a:p>
             <a:r>
-              <a:rPr lang="en-US" sz="1200" kern="1200" baseline="0" dirty="0" smtClean="0">
+              <a:rPr lang="en-US" sz="1200" kern="1200" baseline="0" dirty="0">
                 <a:solidFill>
                   <a:schemeClr val="tx1"/>
                 </a:solidFill>
@@ -22442,7 +22140,7 @@
           </a:p>
           <a:p>
             <a:r>
-              <a:rPr lang="en-US" sz="1200" kern="1200" baseline="0" dirty="0" smtClean="0">
+              <a:rPr lang="en-US" sz="1200" kern="1200" baseline="0" dirty="0">
                 <a:solidFill>
                   <a:schemeClr val="tx1"/>
                 </a:solidFill>
@@ -22454,7 +22152,7 @@
             </a:r>
           </a:p>
           <a:p>
-            <a:endParaRPr lang="en-US" sz="1200" kern="1200" baseline="0" dirty="0" smtClean="0">
+            <a:endParaRPr lang="en-US" sz="1200" kern="1200" baseline="0" dirty="0">
               <a:solidFill>
                 <a:schemeClr val="tx1"/>
               </a:solidFill>
@@ -22465,7 +22163,7 @@
           </a:p>
           <a:p>
             <a:r>
-              <a:rPr lang="en-US" sz="1200" kern="1200" baseline="0" dirty="0" smtClean="0">
+              <a:rPr lang="en-US" sz="1200" kern="1200" baseline="0" dirty="0">
                 <a:solidFill>
                   <a:schemeClr val="tx1"/>
                 </a:solidFill>
@@ -22477,7 +22175,7 @@
             </a:r>
           </a:p>
           <a:p>
-            <a:endParaRPr lang="en-US" sz="1200" kern="1200" baseline="0" dirty="0" smtClean="0">
+            <a:endParaRPr lang="en-US" sz="1200" kern="1200" baseline="0" dirty="0">
               <a:solidFill>
                 <a:schemeClr val="tx1"/>
               </a:solidFill>
@@ -22488,7 +22186,7 @@
           </a:p>
           <a:p>
             <a:r>
-              <a:rPr lang="en-US" sz="1200" kern="1200" baseline="0" dirty="0" smtClean="0">
+              <a:rPr lang="en-US" sz="1200" kern="1200" baseline="0" dirty="0">
                 <a:solidFill>
                   <a:schemeClr val="tx1"/>
                 </a:solidFill>
@@ -22501,7 +22199,7 @@
           </a:p>
           <a:p>
             <a:r>
-              <a:rPr lang="en-US" sz="1200" kern="1200" baseline="0" dirty="0" smtClean="0">
+              <a:rPr lang="en-US" sz="1200" kern="1200" baseline="0" dirty="0">
                 <a:solidFill>
                   <a:schemeClr val="tx1"/>
                 </a:solidFill>
@@ -22513,7 +22211,7 @@
             </a:r>
           </a:p>
           <a:p>
-            <a:endParaRPr lang="en-US" sz="1200" kern="1200" baseline="0" dirty="0" smtClean="0">
+            <a:endParaRPr lang="en-US" sz="1200" kern="1200" baseline="0" dirty="0">
               <a:solidFill>
                 <a:schemeClr val="tx1"/>
               </a:solidFill>
@@ -22524,7 +22222,7 @@
           </a:p>
           <a:p>
             <a:r>
-              <a:rPr lang="en-US" sz="1200" kern="1200" baseline="0" dirty="0" smtClean="0">
+              <a:rPr lang="en-US" sz="1200" kern="1200" baseline="0" dirty="0">
                 <a:solidFill>
                   <a:schemeClr val="tx1"/>
                 </a:solidFill>
@@ -22536,7 +22234,7 @@
             </a:r>
           </a:p>
           <a:p>
-            <a:endParaRPr lang="en-US" sz="1200" kern="1200" baseline="0" dirty="0" smtClean="0">
+            <a:endParaRPr lang="en-US" sz="1200" kern="1200" baseline="0" dirty="0">
               <a:solidFill>
                 <a:schemeClr val="tx1"/>
               </a:solidFill>
@@ -22547,7 +22245,7 @@
           </a:p>
           <a:p>
             <a:r>
-              <a:rPr lang="en-US" sz="1200" kern="1200" baseline="0" dirty="0" smtClean="0">
+              <a:rPr lang="en-US" sz="1200" kern="1200" baseline="0" dirty="0">
                 <a:solidFill>
                   <a:schemeClr val="tx1"/>
                 </a:solidFill>
@@ -22559,7 +22257,7 @@
             </a:r>
           </a:p>
           <a:p>
-            <a:endParaRPr lang="en-US" sz="1200" kern="1200" baseline="0" dirty="0" smtClean="0">
+            <a:endParaRPr lang="en-US" sz="1200" kern="1200" baseline="0" dirty="0">
               <a:solidFill>
                 <a:schemeClr val="tx1"/>
               </a:solidFill>
@@ -22570,7 +22268,7 @@
           </a:p>
           <a:p>
             <a:r>
-              <a:rPr lang="en-US" sz="1200" kern="1200" baseline="0" dirty="0" smtClean="0">
+              <a:rPr lang="en-US" sz="1200" kern="1200" baseline="0" dirty="0">
                 <a:solidFill>
                   <a:schemeClr val="tx1"/>
                 </a:solidFill>
@@ -22583,7 +22281,7 @@
           </a:p>
           <a:p>
             <a:r>
-              <a:rPr lang="en-US" sz="1200" kern="1200" baseline="0" dirty="0" smtClean="0">
+              <a:rPr lang="en-US" sz="1200" kern="1200" baseline="0" dirty="0">
                 <a:solidFill>
                   <a:schemeClr val="tx1"/>
                 </a:solidFill>
@@ -22596,7 +22294,7 @@
           </a:p>
           <a:p>
             <a:r>
-              <a:rPr lang="en-US" sz="1200" kern="1200" baseline="0" dirty="0" smtClean="0">
+              <a:rPr lang="en-US" sz="1200" kern="1200" baseline="0" dirty="0">
                 <a:solidFill>
                   <a:schemeClr val="tx1"/>
                 </a:solidFill>
@@ -22608,7 +22306,7 @@
             </a:r>
           </a:p>
           <a:p>
-            <a:endParaRPr lang="en-US" sz="1200" kern="1200" baseline="0" dirty="0" smtClean="0">
+            <a:endParaRPr lang="en-US" sz="1200" kern="1200" baseline="0" dirty="0">
               <a:solidFill>
                 <a:schemeClr val="tx1"/>
               </a:solidFill>
@@ -22619,7 +22317,7 @@
           </a:p>
           <a:p>
             <a:r>
-              <a:rPr lang="en-US" sz="1200" kern="1200" baseline="0" dirty="0" smtClean="0">
+              <a:rPr lang="en-US" sz="1200" kern="1200" baseline="0" dirty="0">
                 <a:solidFill>
                   <a:schemeClr val="tx1"/>
                 </a:solidFill>
@@ -22631,7 +22329,7 @@
             </a:r>
           </a:p>
           <a:p>
-            <a:endParaRPr lang="en-US" sz="1200" kern="1200" baseline="0" dirty="0" smtClean="0">
+            <a:endParaRPr lang="en-US" sz="1200" kern="1200" baseline="0" dirty="0">
               <a:solidFill>
                 <a:schemeClr val="tx1"/>
               </a:solidFill>
@@ -22642,7 +22340,7 @@
           </a:p>
           <a:p>
             <a:r>
-              <a:rPr lang="en-US" sz="1200" kern="1200" baseline="0" dirty="0" smtClean="0">
+              <a:rPr lang="en-US" sz="1200" kern="1200" baseline="0" dirty="0">
                 <a:solidFill>
                   <a:schemeClr val="tx1"/>
                 </a:solidFill>
@@ -22655,7 +22353,7 @@
           </a:p>
           <a:p>
             <a:r>
-              <a:rPr lang="en-US" sz="1200" kern="1200" baseline="0" dirty="0" smtClean="0">
+              <a:rPr lang="en-US" sz="1200" kern="1200" baseline="0" dirty="0">
                 <a:solidFill>
                   <a:schemeClr val="tx1"/>
                 </a:solidFill>
@@ -22668,7 +22366,7 @@
           </a:p>
           <a:p>
             <a:r>
-              <a:rPr lang="en-US" sz="1200" kern="1200" baseline="0" dirty="0" smtClean="0">
+              <a:rPr lang="en-US" sz="1200" kern="1200" baseline="0" dirty="0">
                 <a:solidFill>
                   <a:schemeClr val="tx1"/>
                 </a:solidFill>
@@ -22779,7 +22477,7 @@
           <a:lstStyle/>
           <a:p>
             <a:r>
-              <a:rPr lang="en-US" sz="1200" kern="1200" baseline="0" dirty="0" smtClean="0">
+              <a:rPr lang="en-US" sz="1200" kern="1200" baseline="0" dirty="0">
                 <a:solidFill>
                   <a:schemeClr val="tx1"/>
                 </a:solidFill>
@@ -22792,7 +22490,7 @@
           </a:p>
           <a:p>
             <a:r>
-              <a:rPr lang="en-US" sz="1200" kern="1200" baseline="0" dirty="0" smtClean="0">
+              <a:rPr lang="en-US" sz="1200" kern="1200" baseline="0" dirty="0">
                 <a:solidFill>
                   <a:schemeClr val="tx1"/>
                 </a:solidFill>
@@ -22805,7 +22503,7 @@
           </a:p>
           <a:p>
             <a:r>
-              <a:rPr lang="en-US" sz="1200" kern="1200" baseline="0" dirty="0" smtClean="0">
+              <a:rPr lang="en-US" sz="1200" kern="1200" baseline="0" dirty="0">
                 <a:solidFill>
                   <a:schemeClr val="tx1"/>
                 </a:solidFill>
@@ -22817,7 +22515,7 @@
             </a:r>
           </a:p>
           <a:p>
-            <a:endParaRPr lang="en-US" sz="1200" kern="1200" baseline="0" dirty="0" smtClean="0">
+            <a:endParaRPr lang="en-US" sz="1200" kern="1200" baseline="0" dirty="0">
               <a:solidFill>
                 <a:schemeClr val="tx1"/>
               </a:solidFill>
@@ -22828,7 +22526,7 @@
           </a:p>
           <a:p>
             <a:r>
-              <a:rPr lang="en-US" sz="1200" kern="1200" baseline="0" dirty="0" smtClean="0">
+              <a:rPr lang="en-US" sz="1200" kern="1200" baseline="0" dirty="0">
                 <a:solidFill>
                   <a:schemeClr val="tx1"/>
                 </a:solidFill>
@@ -22841,7 +22539,7 @@
           </a:p>
           <a:p>
             <a:r>
-              <a:rPr lang="en-US" sz="1200" kern="1200" baseline="0" dirty="0" smtClean="0">
+              <a:rPr lang="en-US" sz="1200" kern="1200" baseline="0" dirty="0">
                 <a:solidFill>
                   <a:schemeClr val="tx1"/>
                 </a:solidFill>
@@ -22854,7 +22552,7 @@
           </a:p>
           <a:p>
             <a:r>
-              <a:rPr lang="en-US" sz="1200" kern="1200" baseline="0" dirty="0" smtClean="0">
+              <a:rPr lang="en-US" sz="1200" kern="1200" baseline="0" dirty="0">
                 <a:solidFill>
                   <a:schemeClr val="tx1"/>
                 </a:solidFill>
@@ -22867,7 +22565,7 @@
           </a:p>
           <a:p>
             <a:r>
-              <a:rPr lang="en-US" sz="1200" kern="1200" baseline="0" dirty="0" smtClean="0">
+              <a:rPr lang="en-US" sz="1200" kern="1200" baseline="0" dirty="0">
                 <a:solidFill>
                   <a:schemeClr val="tx1"/>
                 </a:solidFill>
@@ -22880,7 +22578,7 @@
           </a:p>
           <a:p>
             <a:r>
-              <a:rPr lang="en-US" sz="1200" kern="1200" baseline="0" dirty="0" smtClean="0">
+              <a:rPr lang="en-US" sz="1200" kern="1200" baseline="0" dirty="0">
                 <a:solidFill>
                   <a:schemeClr val="tx1"/>
                 </a:solidFill>
@@ -22893,7 +22591,7 @@
           </a:p>
           <a:p>
             <a:r>
-              <a:rPr lang="en-US" sz="1200" kern="1200" baseline="0" dirty="0" smtClean="0">
+              <a:rPr lang="en-US" sz="1200" kern="1200" baseline="0" dirty="0">
                 <a:solidFill>
                   <a:schemeClr val="tx1"/>
                 </a:solidFill>
@@ -22906,7 +22604,7 @@
           </a:p>
           <a:p>
             <a:r>
-              <a:rPr lang="en-US" sz="1200" kern="1200" baseline="0" dirty="0" smtClean="0">
+              <a:rPr lang="en-US" sz="1200" kern="1200" baseline="0" dirty="0">
                 <a:solidFill>
                   <a:schemeClr val="tx1"/>
                 </a:solidFill>
@@ -22919,7 +22617,7 @@
           </a:p>
           <a:p>
             <a:r>
-              <a:rPr lang="en-US" sz="1200" kern="1200" baseline="0" dirty="0" smtClean="0">
+              <a:rPr lang="en-US" sz="1200" kern="1200" baseline="0" dirty="0">
                 <a:solidFill>
                   <a:schemeClr val="tx1"/>
                 </a:solidFill>
@@ -22931,7 +22629,7 @@
             </a:r>
           </a:p>
           <a:p>
-            <a:endParaRPr lang="en-US" sz="1200" kern="1200" baseline="0" dirty="0" smtClean="0">
+            <a:endParaRPr lang="en-US" sz="1200" kern="1200" baseline="0" dirty="0">
               <a:solidFill>
                 <a:schemeClr val="tx1"/>
               </a:solidFill>
@@ -22942,7 +22640,7 @@
           </a:p>
           <a:p>
             <a:r>
-              <a:rPr lang="en-US" sz="1200" kern="1200" baseline="0" dirty="0" smtClean="0">
+              <a:rPr lang="en-US" sz="1200" kern="1200" baseline="0" dirty="0">
                 <a:solidFill>
                   <a:schemeClr val="tx1"/>
                 </a:solidFill>
@@ -22955,7 +22653,7 @@
           </a:p>
           <a:p>
             <a:r>
-              <a:rPr lang="en-US" sz="1200" kern="1200" baseline="0" dirty="0" smtClean="0">
+              <a:rPr lang="en-US" sz="1200" kern="1200" baseline="0" dirty="0">
                 <a:solidFill>
                   <a:schemeClr val="tx1"/>
                 </a:solidFill>
@@ -22968,7 +22666,7 @@
           </a:p>
           <a:p>
             <a:r>
-              <a:rPr lang="en-US" sz="1200" kern="1200" baseline="0" dirty="0" smtClean="0">
+              <a:rPr lang="en-US" sz="1200" kern="1200" baseline="0" dirty="0">
                 <a:solidFill>
                   <a:schemeClr val="tx1"/>
                 </a:solidFill>
@@ -22981,7 +22679,7 @@
           </a:p>
           <a:p>
             <a:r>
-              <a:rPr lang="en-US" sz="1200" kern="1200" baseline="0" dirty="0" smtClean="0">
+              <a:rPr lang="en-US" sz="1200" kern="1200" baseline="0" dirty="0">
                 <a:solidFill>
                   <a:schemeClr val="tx1"/>
                 </a:solidFill>
@@ -22994,7 +22692,7 @@
           </a:p>
           <a:p>
             <a:r>
-              <a:rPr lang="en-US" sz="1200" kern="1200" baseline="0" dirty="0" smtClean="0">
+              <a:rPr lang="en-US" sz="1200" kern="1200" baseline="0" dirty="0">
                 <a:solidFill>
                   <a:schemeClr val="tx1"/>
                 </a:solidFill>
@@ -23007,7 +22705,7 @@
           </a:p>
           <a:p>
             <a:r>
-              <a:rPr lang="en-US" sz="1200" kern="1200" baseline="0" dirty="0" smtClean="0">
+              <a:rPr lang="en-US" sz="1200" kern="1200" baseline="0" dirty="0">
                 <a:solidFill>
                   <a:schemeClr val="tx1"/>
                 </a:solidFill>
@@ -23020,7 +22718,7 @@
           </a:p>
           <a:p>
             <a:r>
-              <a:rPr lang="en-US" sz="1200" kern="1200" baseline="0" dirty="0" smtClean="0">
+              <a:rPr lang="en-US" sz="1200" kern="1200" baseline="0" dirty="0">
                 <a:solidFill>
                   <a:schemeClr val="tx1"/>
                 </a:solidFill>
@@ -23032,7 +22730,7 @@
             </a:r>
           </a:p>
           <a:p>
-            <a:endParaRPr lang="en-US" sz="1200" kern="1200" baseline="0" dirty="0" smtClean="0">
+            <a:endParaRPr lang="en-US" sz="1200" kern="1200" baseline="0" dirty="0">
               <a:solidFill>
                 <a:schemeClr val="tx1"/>
               </a:solidFill>
@@ -23043,7 +22741,7 @@
           </a:p>
           <a:p>
             <a:r>
-              <a:rPr lang="en-US" sz="1200" kern="1200" baseline="0" dirty="0" smtClean="0">
+              <a:rPr lang="en-US" sz="1200" kern="1200" baseline="0" dirty="0">
                 <a:solidFill>
                   <a:schemeClr val="tx1"/>
                 </a:solidFill>
@@ -23056,7 +22754,7 @@
           </a:p>
           <a:p>
             <a:r>
-              <a:rPr lang="en-US" sz="1200" kern="1200" baseline="0" dirty="0" smtClean="0">
+              <a:rPr lang="en-US" sz="1200" kern="1200" baseline="0" dirty="0">
                 <a:solidFill>
                   <a:schemeClr val="tx1"/>
                 </a:solidFill>
@@ -23069,7 +22767,7 @@
           </a:p>
           <a:p>
             <a:r>
-              <a:rPr lang="en-US" sz="1200" kern="1200" baseline="0" dirty="0" smtClean="0">
+              <a:rPr lang="en-US" sz="1200" kern="1200" baseline="0" dirty="0">
                 <a:solidFill>
                   <a:schemeClr val="tx1"/>
                 </a:solidFill>
@@ -23081,7 +22779,7 @@
             </a:r>
           </a:p>
           <a:p>
-            <a:endParaRPr lang="en-US" sz="1200" kern="1200" baseline="0" dirty="0" smtClean="0">
+            <a:endParaRPr lang="en-US" sz="1200" kern="1200" baseline="0" dirty="0">
               <a:solidFill>
                 <a:schemeClr val="tx1"/>
               </a:solidFill>
@@ -23092,7 +22790,7 @@
           </a:p>
           <a:p>
             <a:r>
-              <a:rPr lang="en-US" sz="1200" kern="1200" baseline="0" dirty="0" smtClean="0">
+              <a:rPr lang="en-US" sz="1200" kern="1200" baseline="0" dirty="0">
                 <a:solidFill>
                   <a:schemeClr val="tx1"/>
                 </a:solidFill>
@@ -23105,7 +22803,7 @@
           </a:p>
           <a:p>
             <a:r>
-              <a:rPr lang="en-US" sz="1200" kern="1200" baseline="0" dirty="0" smtClean="0">
+              <a:rPr lang="en-US" sz="1200" kern="1200" baseline="0" dirty="0">
                 <a:solidFill>
                   <a:schemeClr val="tx1"/>
                 </a:solidFill>
@@ -23118,7 +22816,7 @@
           </a:p>
           <a:p>
             <a:r>
-              <a:rPr lang="en-US" sz="1200" kern="1200" baseline="0" dirty="0" smtClean="0">
+              <a:rPr lang="en-US" sz="1200" kern="1200" baseline="0" dirty="0">
                 <a:solidFill>
                   <a:schemeClr val="tx1"/>
                 </a:solidFill>
@@ -23128,7 +22826,7 @@
               </a:rPr>
               <a:t>until Chapter 14, and focus in this chapter on digital signature algorithms.</a:t>
             </a:r>
-            <a:endParaRPr lang="en-AU" dirty="0" smtClean="0">
+            <a:endParaRPr lang="en-AU" dirty="0">
               <a:latin typeface="Arial" pitchFamily="-84" charset="0"/>
               <a:ea typeface="Arial" pitchFamily="-84" charset="0"/>
               <a:cs typeface="Arial" pitchFamily="-84" charset="0"/>
@@ -23229,7 +22927,7 @@
           <a:lstStyle/>
           <a:p>
             <a:r>
-              <a:rPr lang="en-US" sz="1200" kern="1200" baseline="0" dirty="0" smtClean="0">
+              <a:rPr lang="en-US" sz="1200" kern="1200" baseline="0" dirty="0">
                 <a:solidFill>
                   <a:schemeClr val="tx1"/>
                 </a:solidFill>
@@ -23242,7 +22940,7 @@
           </a:p>
           <a:p>
             <a:r>
-              <a:rPr lang="en-US" sz="1200" kern="1200" baseline="0" dirty="0" smtClean="0">
+              <a:rPr lang="en-US" sz="1200" kern="1200" baseline="0" dirty="0">
                 <a:solidFill>
                   <a:schemeClr val="tx1"/>
                 </a:solidFill>
@@ -23255,7 +22953,7 @@
           </a:p>
           <a:p>
             <a:r>
-              <a:rPr lang="en-US" sz="1200" kern="1200" baseline="0" dirty="0" smtClean="0">
+              <a:rPr lang="en-US" sz="1200" kern="1200" baseline="0" dirty="0">
                 <a:solidFill>
                   <a:schemeClr val="tx1"/>
                 </a:solidFill>
@@ -23268,7 +22966,7 @@
           </a:p>
           <a:p>
             <a:r>
-              <a:rPr lang="en-US" sz="1200" kern="1200" baseline="0" dirty="0" smtClean="0">
+              <a:rPr lang="en-US" sz="1200" kern="1200" baseline="0" dirty="0">
                 <a:solidFill>
                   <a:schemeClr val="tx1"/>
                 </a:solidFill>
@@ -23281,7 +22979,7 @@
           </a:p>
           <a:p>
             <a:r>
-              <a:rPr lang="en-US" sz="1200" kern="1200" baseline="0" dirty="0" smtClean="0">
+              <a:rPr lang="en-US" sz="1200" kern="1200" baseline="0" dirty="0">
                 <a:solidFill>
                   <a:schemeClr val="tx1"/>
                 </a:solidFill>
@@ -23294,7 +22992,7 @@
           </a:p>
           <a:p>
             <a:r>
-              <a:rPr lang="en-US" sz="1200" kern="1200" baseline="0" dirty="0" smtClean="0">
+              <a:rPr lang="en-US" sz="1200" kern="1200" baseline="0" dirty="0">
                 <a:solidFill>
                   <a:schemeClr val="tx1"/>
                 </a:solidFill>
@@ -23306,7 +23004,7 @@
             </a:r>
           </a:p>
           <a:p>
-            <a:endParaRPr lang="en-US" sz="1200" kern="1200" baseline="0" dirty="0" smtClean="0">
+            <a:endParaRPr lang="en-US" sz="1200" kern="1200" baseline="0" dirty="0">
               <a:solidFill>
                 <a:schemeClr val="tx1"/>
               </a:solidFill>
@@ -23317,7 +23015,7 @@
           </a:p>
           <a:p>
             <a:r>
-              <a:rPr lang="en-US" sz="1200" kern="1200" baseline="0" dirty="0" smtClean="0">
+              <a:rPr lang="en-US" sz="1200" kern="1200" baseline="0" dirty="0">
                 <a:solidFill>
                   <a:schemeClr val="tx1"/>
                 </a:solidFill>
@@ -23330,7 +23028,7 @@
           </a:p>
           <a:p>
             <a:r>
-              <a:rPr lang="en-US" sz="1200" kern="1200" baseline="0" dirty="0" smtClean="0">
+              <a:rPr lang="en-US" sz="1200" kern="1200" baseline="0" dirty="0">
                 <a:solidFill>
                   <a:schemeClr val="tx1"/>
                 </a:solidFill>
@@ -23341,7 +23039,7 @@
               <a:t> are a prime number </a:t>
             </a:r>
             <a:r>
-              <a:rPr lang="en-US" sz="1200" i="1" kern="1200" baseline="0" dirty="0" smtClean="0">
+              <a:rPr lang="en-US" sz="1200" i="1" kern="1200" baseline="0" dirty="0">
                 <a:solidFill>
                   <a:schemeClr val="tx1"/>
                 </a:solidFill>
@@ -23352,7 +23050,7 @@
               <a:t>q</a:t>
             </a:r>
             <a:r>
-              <a:rPr lang="en-US" sz="1200" kern="1200" baseline="0" dirty="0" smtClean="0">
+              <a:rPr lang="en-US" sz="1200" kern="1200" baseline="0" dirty="0">
                 <a:solidFill>
                   <a:schemeClr val="tx1"/>
                 </a:solidFill>
@@ -23363,7 +23061,7 @@
               <a:t>  and a, which is a primitive root of </a:t>
             </a:r>
             <a:r>
-              <a:rPr lang="en-US" sz="1200" i="1" kern="1200" baseline="0" dirty="0" smtClean="0">
+              <a:rPr lang="en-US" sz="1200" i="1" kern="1200" baseline="0" dirty="0">
                 <a:solidFill>
                   <a:schemeClr val="tx1"/>
                 </a:solidFill>
@@ -23374,7 +23072,7 @@
               <a:t>q</a:t>
             </a:r>
             <a:r>
-              <a:rPr lang="en-US" sz="1200" kern="1200" baseline="0" dirty="0" smtClean="0">
+              <a:rPr lang="en-US" sz="1200" kern="1200" baseline="0" dirty="0">
                 <a:solidFill>
                   <a:schemeClr val="tx1"/>
                 </a:solidFill>
@@ -23386,7 +23084,7 @@
             </a:r>
           </a:p>
           <a:p>
-            <a:endParaRPr lang="en-US" sz="1200" kern="1200" baseline="0" dirty="0" smtClean="0">
+            <a:endParaRPr lang="en-US" sz="1200" kern="1200" baseline="0" dirty="0">
               <a:solidFill>
                 <a:schemeClr val="tx1"/>
               </a:solidFill>
@@ -23396,7 +23094,7 @@
             </a:endParaRPr>
           </a:p>
           <a:p>
-            <a:endParaRPr lang="en-US" dirty="0" smtClean="0">
+            <a:endParaRPr lang="en-US" dirty="0">
               <a:latin typeface="Times-Roman" charset="0"/>
               <a:ea typeface="ＭＳ Ｐゴシック" pitchFamily="-84" charset="-128"/>
               <a:cs typeface="ＭＳ Ｐゴシック" pitchFamily="-84" charset="-128"/>
@@ -23498,7 +23196,7 @@
           <a:p>
             <a:pPr eaLnBrk="1" hangingPunct="1"/>
             <a:r>
-              <a:rPr lang="en-US" dirty="0" smtClean="0">
+              <a:rPr lang="en-US" dirty="0">
                 <a:latin typeface="Arial" pitchFamily="-84" charset="0"/>
                 <a:ea typeface="ＭＳ Ｐゴシック" pitchFamily="-84" charset="-128"/>
                 <a:cs typeface="ＭＳ Ｐゴシック" pitchFamily="-84" charset="-128"/>
@@ -23506,7 +23204,7 @@
               <a:t>As with the ElGamal digital signature scheme, the Schnorr signature scheme is based on discrete logarithms [SCHN89, SCHN91]. The Schnorr scheme minimizes the message dependent amount of computation required to generate a signature. The main work for signature generation does not depend on the message and can be done during the idle time of the processor. The message dependent part of the signature generation requires multiplying a 2</a:t>
             </a:r>
             <a:r>
-              <a:rPr lang="en-US" i="1" dirty="0" smtClean="0">
+              <a:rPr lang="en-US" i="1" dirty="0">
                 <a:latin typeface="Arial" pitchFamily="-84" charset="0"/>
                 <a:ea typeface="ＭＳ Ｐゴシック" pitchFamily="-84" charset="-128"/>
                 <a:cs typeface="ＭＳ Ｐゴシック" pitchFamily="-84" charset="-128"/>
@@ -23514,7 +23212,7 @@
               <a:t>n-bit </a:t>
             </a:r>
             <a:r>
-              <a:rPr lang="en-US" dirty="0" smtClean="0">
+              <a:rPr lang="en-US" dirty="0">
                 <a:latin typeface="Arial" pitchFamily="-84" charset="0"/>
                 <a:ea typeface="ＭＳ Ｐゴシック" pitchFamily="-84" charset="-128"/>
                 <a:cs typeface="ＭＳ Ｐゴシック" pitchFamily="-84" charset="-128"/>
@@ -23522,7 +23220,7 @@
               <a:t>integer with an </a:t>
             </a:r>
             <a:r>
-              <a:rPr lang="en-US" i="1" dirty="0" smtClean="0">
+              <a:rPr lang="en-US" i="1" dirty="0">
                 <a:latin typeface="Arial" pitchFamily="-84" charset="0"/>
                 <a:ea typeface="ＭＳ Ｐゴシック" pitchFamily="-84" charset="-128"/>
                 <a:cs typeface="ＭＳ Ｐゴシック" pitchFamily="-84" charset="-128"/>
@@ -23530,7 +23228,7 @@
               <a:t>n-bit </a:t>
             </a:r>
             <a:r>
-              <a:rPr lang="en-US" dirty="0" smtClean="0">
+              <a:rPr lang="en-US" dirty="0">
                 <a:latin typeface="Arial" pitchFamily="-84" charset="0"/>
                 <a:ea typeface="ＭＳ Ｐゴシック" pitchFamily="-84" charset="-128"/>
                 <a:cs typeface="ＭＳ Ｐゴシック" pitchFamily="-84" charset="-128"/>
@@ -23538,7 +23236,7 @@
               <a:t>integer.  The scheme is based on using a prime modulus </a:t>
             </a:r>
             <a:r>
-              <a:rPr lang="en-US" i="1" dirty="0" smtClean="0">
+              <a:rPr lang="en-US" i="1" dirty="0">
                 <a:latin typeface="Arial" pitchFamily="-84" charset="0"/>
                 <a:ea typeface="ＭＳ Ｐゴシック" pitchFamily="-84" charset="-128"/>
                 <a:cs typeface="ＭＳ Ｐゴシック" pitchFamily="-84" charset="-128"/>
@@ -23546,7 +23244,7 @@
               <a:t>p, </a:t>
             </a:r>
             <a:r>
-              <a:rPr lang="en-US" dirty="0" smtClean="0">
+              <a:rPr lang="en-US" dirty="0">
                 <a:latin typeface="Arial" pitchFamily="-84" charset="0"/>
                 <a:ea typeface="ＭＳ Ｐゴシック" pitchFamily="-84" charset="-128"/>
                 <a:cs typeface="ＭＳ Ｐゴシック" pitchFamily="-84" charset="-128"/>
@@ -23554,7 +23252,7 @@
               <a:t>with </a:t>
             </a:r>
             <a:r>
-              <a:rPr lang="en-US" i="1" dirty="0" smtClean="0">
+              <a:rPr lang="en-US" i="1" dirty="0">
                 <a:latin typeface="Arial" pitchFamily="-84" charset="0"/>
                 <a:ea typeface="ＭＳ Ｐゴシック" pitchFamily="-84" charset="-128"/>
                 <a:cs typeface="ＭＳ Ｐゴシック" pitchFamily="-84" charset="-128"/>
@@ -23562,7 +23260,7 @@
               <a:t>p – 1 </a:t>
             </a:r>
             <a:r>
-              <a:rPr lang="en-US" dirty="0" smtClean="0">
+              <a:rPr lang="en-US" dirty="0">
                 <a:latin typeface="Arial" pitchFamily="-84" charset="0"/>
                 <a:ea typeface="ＭＳ Ｐゴシック" pitchFamily="-84" charset="-128"/>
                 <a:cs typeface="ＭＳ Ｐゴシック" pitchFamily="-84" charset="-128"/>
@@ -23570,7 +23268,7 @@
               <a:t>having a prime factor </a:t>
             </a:r>
             <a:r>
-              <a:rPr lang="en-US" i="1" dirty="0" smtClean="0">
+              <a:rPr lang="en-US" i="1" dirty="0">
                 <a:latin typeface="Arial" pitchFamily="-84" charset="0"/>
                 <a:ea typeface="ＭＳ Ｐゴシック" pitchFamily="-84" charset="-128"/>
                 <a:cs typeface="ＭＳ Ｐゴシック" pitchFamily="-84" charset="-128"/>
@@ -23578,7 +23276,7 @@
               <a:t>q </a:t>
             </a:r>
             <a:r>
-              <a:rPr lang="en-US" dirty="0" smtClean="0">
+              <a:rPr lang="en-US" dirty="0">
                 <a:latin typeface="Arial" pitchFamily="-84" charset="0"/>
                 <a:ea typeface="ＭＳ Ｐゴシック" pitchFamily="-84" charset="-128"/>
                 <a:cs typeface="ＭＳ Ｐゴシック" pitchFamily="-84" charset="-128"/>
@@ -23586,7 +23284,7 @@
               <a:t>of appropriate size; that is </a:t>
             </a:r>
             <a:r>
-              <a:rPr lang="en-US" i="1" dirty="0" smtClean="0">
+              <a:rPr lang="en-US" i="1" dirty="0">
                 <a:latin typeface="Arial" pitchFamily="-84" charset="0"/>
                 <a:ea typeface="ＭＳ Ｐゴシック" pitchFamily="-84" charset="-128"/>
                 <a:cs typeface="ＭＳ Ｐゴシック" pitchFamily="-84" charset="-128"/>
@@ -23594,7 +23292,7 @@
               <a:t>p – 1 = 1 (mod q). </a:t>
             </a:r>
             <a:r>
-              <a:rPr lang="en-US" dirty="0" smtClean="0">
+              <a:rPr lang="en-US" dirty="0">
                 <a:latin typeface="Arial" pitchFamily="-84" charset="0"/>
                 <a:ea typeface="ＭＳ Ｐゴシック" pitchFamily="-84" charset="-128"/>
                 <a:cs typeface="ＭＳ Ｐゴシック" pitchFamily="-84" charset="-128"/>
@@ -23602,7 +23300,7 @@
               <a:t>Typically, we use </a:t>
             </a:r>
             <a:r>
-              <a:rPr lang="en-US" i="1" dirty="0" smtClean="0">
+              <a:rPr lang="en-US" i="1" dirty="0">
                 <a:latin typeface="Arial" pitchFamily="-84" charset="0"/>
                 <a:ea typeface="ＭＳ Ｐゴシック" pitchFamily="-84" charset="-128"/>
                 <a:cs typeface="ＭＳ Ｐゴシック" pitchFamily="-84" charset="-128"/>
@@ -23610,7 +23308,7 @@
               <a:t>p approx 2</a:t>
             </a:r>
             <a:r>
-              <a:rPr lang="en-US" i="1" baseline="30000" dirty="0" smtClean="0">
+              <a:rPr lang="en-US" i="1" baseline="30000" dirty="0">
                 <a:latin typeface="Arial" pitchFamily="-84" charset="0"/>
                 <a:ea typeface="ＭＳ Ｐゴシック" pitchFamily="-84" charset="-128"/>
                 <a:cs typeface="ＭＳ Ｐゴシック" pitchFamily="-84" charset="-128"/>
@@ -23618,7 +23316,7 @@
               <a:t>1024</a:t>
             </a:r>
             <a:r>
-              <a:rPr lang="en-US" i="1" dirty="0" smtClean="0">
+              <a:rPr lang="en-US" i="1" dirty="0">
                 <a:latin typeface="Arial" pitchFamily="-84" charset="0"/>
                 <a:ea typeface="ＭＳ Ｐゴシック" pitchFamily="-84" charset="-128"/>
                 <a:cs typeface="ＭＳ Ｐゴシック" pitchFamily="-84" charset="-128"/>
@@ -23626,7 +23324,7 @@
               <a:t> </a:t>
             </a:r>
             <a:r>
-              <a:rPr lang="en-US" dirty="0" smtClean="0">
+              <a:rPr lang="en-US" dirty="0">
                 <a:latin typeface="Arial" pitchFamily="-84" charset="0"/>
                 <a:ea typeface="ＭＳ Ｐゴシック" pitchFamily="-84" charset="-128"/>
                 <a:cs typeface="ＭＳ Ｐゴシック" pitchFamily="-84" charset="-128"/>
@@ -23634,7 +23332,7 @@
               <a:t>and </a:t>
             </a:r>
             <a:r>
-              <a:rPr lang="en-US" i="1" dirty="0" smtClean="0">
+              <a:rPr lang="en-US" i="1" dirty="0">
                 <a:latin typeface="Arial" pitchFamily="-84" charset="0"/>
                 <a:ea typeface="ＭＳ Ｐゴシック" pitchFamily="-84" charset="-128"/>
                 <a:cs typeface="ＭＳ Ｐゴシック" pitchFamily="-84" charset="-128"/>
@@ -23642,7 +23340,7 @@
               <a:t>q approx 2</a:t>
             </a:r>
             <a:r>
-              <a:rPr lang="en-US" i="1" baseline="30000" dirty="0" smtClean="0">
+              <a:rPr lang="en-US" i="1" baseline="30000" dirty="0">
                 <a:latin typeface="Arial" pitchFamily="-84" charset="0"/>
                 <a:ea typeface="ＭＳ Ｐゴシック" pitchFamily="-84" charset="-128"/>
                 <a:cs typeface="ＭＳ Ｐゴシック" pitchFamily="-84" charset="-128"/>
@@ -23650,7 +23348,7 @@
               <a:t>160</a:t>
             </a:r>
             <a:r>
-              <a:rPr lang="en-US" i="1" dirty="0" smtClean="0">
+              <a:rPr lang="en-US" i="1" dirty="0">
                 <a:latin typeface="Arial" pitchFamily="-84" charset="0"/>
                 <a:ea typeface="ＭＳ Ｐゴシック" pitchFamily="-84" charset="-128"/>
                 <a:cs typeface="ＭＳ Ｐゴシック" pitchFamily="-84" charset="-128"/>
@@ -23658,7 +23356,7 @@
               <a:t>. </a:t>
             </a:r>
             <a:r>
-              <a:rPr lang="en-US" dirty="0" smtClean="0">
+              <a:rPr lang="en-US" dirty="0">
                 <a:latin typeface="Arial" pitchFamily="-84" charset="0"/>
                 <a:ea typeface="ＭＳ Ｐゴシック" pitchFamily="-84" charset="-128"/>
                 <a:cs typeface="ＭＳ Ｐゴシック" pitchFamily="-84" charset="-128"/>
@@ -23666,7 +23364,7 @@
               <a:t>Thus</a:t>
             </a:r>
             <a:r>
-              <a:rPr lang="en-US" i="1" dirty="0" smtClean="0">
+              <a:rPr lang="en-US" i="1" dirty="0">
                 <a:latin typeface="Arial" pitchFamily="-84" charset="0"/>
                 <a:ea typeface="ＭＳ Ｐゴシック" pitchFamily="-84" charset="-128"/>
                 <a:cs typeface="ＭＳ Ｐゴシック" pitchFamily="-84" charset="-128"/>
@@ -23674,14 +23372,14 @@
               <a:t>, p  </a:t>
             </a:r>
             <a:r>
-              <a:rPr lang="en-US" dirty="0" smtClean="0">
+              <a:rPr lang="en-US" dirty="0">
                 <a:latin typeface="Arial" pitchFamily="-84" charset="0"/>
                 <a:ea typeface="ＭＳ Ｐゴシック" pitchFamily="-84" charset="-128"/>
                 <a:cs typeface="ＭＳ Ｐゴシック" pitchFamily="-84" charset="-128"/>
               </a:rPr>
               <a:t>is a 1024-bit number and q  is a 160-bit number, which is also the length of the SHA-1 hash value.</a:t>
             </a:r>
-            <a:endParaRPr lang="en-US" dirty="0" smtClean="0">
+            <a:endParaRPr lang="en-US" dirty="0">
               <a:latin typeface="Times-Roman" charset="0"/>
               <a:ea typeface="ＭＳ Ｐゴシック" pitchFamily="-84" charset="-128"/>
               <a:cs typeface="ＭＳ Ｐゴシック" pitchFamily="-84" charset="-128"/>
@@ -23943,7 +23641,7 @@
           </a:lstStyle>
           <a:p>
             <a:r>
-              <a:rPr lang="en-US" smtClean="0"/>
+              <a:rPr lang="en-US"/>
               <a:t>Click to edit Master title style</a:t>
             </a:r>
             <a:endParaRPr/>
@@ -24065,7 +23763,7 @@
           </a:lstStyle>
           <a:p>
             <a:r>
-              <a:rPr lang="en-US" smtClean="0"/>
+              <a:rPr lang="en-US"/>
               <a:t>Click to edit Master subtitle style</a:t>
             </a:r>
             <a:endParaRPr/>
@@ -24139,10 +23837,9 @@
               <a:defRPr/>
             </a:pPr>
             <a:r>
-              <a:rPr lang="en-US" dirty="0" smtClean="0"/>
+              <a:rPr lang="en-US" dirty="0"/>
               <a:t>© 2017 Pearson Education, Ltd., All rights reserved.    </a:t>
             </a:r>
-            <a:endParaRPr lang="en-US" dirty="0"/>
           </a:p>
         </p:txBody>
       </p:sp>
@@ -24244,7 +23941,7 @@
           </a:lstStyle>
           <a:p>
             <a:r>
-              <a:rPr lang="en-US" smtClean="0"/>
+              <a:rPr lang="en-US"/>
               <a:t>Click to edit Master title style</a:t>
             </a:r>
             <a:endParaRPr/>
@@ -24335,7 +24032,7 @@
           <a:p>
             <a:pPr lvl="0"/>
             <a:r>
-              <a:rPr lang="en-US" noProof="0" dirty="0" smtClean="0"/>
+              <a:rPr lang="en-US" noProof="0" dirty="0"/>
               <a:t>Click icon to add picture</a:t>
             </a:r>
             <a:endParaRPr noProof="0" dirty="0"/>
@@ -24410,7 +24107,7 @@
           <a:p>
             <a:pPr lvl="0"/>
             <a:r>
-              <a:rPr lang="en-US" smtClean="0"/>
+              <a:rPr lang="en-US"/>
               <a:t>Click to edit Master text styles</a:t>
             </a:r>
           </a:p>
@@ -24465,10 +24162,9 @@
               <a:defRPr/>
             </a:pPr>
             <a:r>
-              <a:rPr lang="en-US" dirty="0" smtClean="0"/>
+              <a:rPr lang="en-US" dirty="0"/>
               <a:t>© 2017 Pearson Education, Ltd., All rights reserved.    </a:t>
             </a:r>
-            <a:endParaRPr lang="en-US" dirty="0"/>
           </a:p>
         </p:txBody>
       </p:sp>
@@ -24652,7 +24348,7 @@
           </a:lstStyle>
           <a:p>
             <a:r>
-              <a:rPr lang="en-US" smtClean="0"/>
+              <a:rPr lang="en-US"/>
               <a:t>Click to edit Master title style</a:t>
             </a:r>
             <a:endParaRPr/>
@@ -24739,7 +24435,7 @@
           <a:p>
             <a:pPr lvl="0"/>
             <a:r>
-              <a:rPr lang="en-US" noProof="0" dirty="0" smtClean="0"/>
+              <a:rPr lang="en-US" noProof="0" dirty="0"/>
               <a:t>Click icon to add picture</a:t>
             </a:r>
             <a:endParaRPr noProof="0" dirty="0"/>
@@ -24814,7 +24510,7 @@
           <a:p>
             <a:pPr lvl="0"/>
             <a:r>
-              <a:rPr lang="en-US" smtClean="0"/>
+              <a:rPr lang="en-US"/>
               <a:t>Click to edit Master text styles</a:t>
             </a:r>
           </a:p>
@@ -24869,10 +24565,9 @@
               <a:defRPr/>
             </a:pPr>
             <a:r>
-              <a:rPr lang="en-US" dirty="0" smtClean="0"/>
+              <a:rPr lang="en-US" dirty="0"/>
               <a:t>© 2017 Pearson Education, Ltd., All rights reserved.    </a:t>
             </a:r>
-            <a:endParaRPr lang="en-US" dirty="0"/>
           </a:p>
         </p:txBody>
       </p:sp>
@@ -25031,7 +24726,7 @@
           <a:lstStyle/>
           <a:p>
             <a:r>
-              <a:rPr lang="en-US" smtClean="0"/>
+              <a:rPr lang="en-US"/>
               <a:t>Click to edit Master title style</a:t>
             </a:r>
             <a:endParaRPr/>
@@ -25055,35 +24750,35 @@
           <a:p>
             <a:pPr lvl="0"/>
             <a:r>
-              <a:rPr lang="en-US" smtClean="0"/>
+              <a:rPr lang="en-US"/>
               <a:t>Click to edit Master text styles</a:t>
             </a:r>
           </a:p>
           <a:p>
             <a:pPr lvl="1"/>
             <a:r>
-              <a:rPr lang="en-US" smtClean="0"/>
+              <a:rPr lang="en-US"/>
               <a:t>Second level</a:t>
             </a:r>
           </a:p>
           <a:p>
             <a:pPr lvl="2"/>
             <a:r>
-              <a:rPr lang="en-US" smtClean="0"/>
+              <a:rPr lang="en-US"/>
               <a:t>Third level</a:t>
             </a:r>
           </a:p>
           <a:p>
             <a:pPr lvl="3"/>
             <a:r>
-              <a:rPr lang="en-US" smtClean="0"/>
+              <a:rPr lang="en-US"/>
               <a:t>Fourth level</a:t>
             </a:r>
           </a:p>
           <a:p>
             <a:pPr lvl="4"/>
             <a:r>
-              <a:rPr lang="en-US" smtClean="0"/>
+              <a:rPr lang="en-US"/>
               <a:t>Fifth level</a:t>
             </a:r>
             <a:endParaRPr/>
@@ -25139,10 +24834,9 @@
               <a:defRPr/>
             </a:pPr>
             <a:r>
-              <a:rPr lang="en-US" dirty="0" smtClean="0"/>
+              <a:rPr lang="en-US" dirty="0"/>
               <a:t>© 2017 Pearson Education, Ltd., All rights reserved.    </a:t>
             </a:r>
-            <a:endParaRPr lang="en-US" dirty="0"/>
           </a:p>
         </p:txBody>
       </p:sp>
@@ -25306,7 +25000,7 @@
           <a:lstStyle/>
           <a:p>
             <a:r>
-              <a:rPr lang="en-US" smtClean="0"/>
+              <a:rPr lang="en-US"/>
               <a:t>Click to edit Master title style</a:t>
             </a:r>
             <a:endParaRPr/>
@@ -25335,35 +25029,35 @@
           <a:p>
             <a:pPr lvl="0"/>
             <a:r>
-              <a:rPr lang="en-US" smtClean="0"/>
+              <a:rPr lang="en-US"/>
               <a:t>Click to edit Master text styles</a:t>
             </a:r>
           </a:p>
           <a:p>
             <a:pPr lvl="1"/>
             <a:r>
-              <a:rPr lang="en-US" smtClean="0"/>
+              <a:rPr lang="en-US"/>
               <a:t>Second level</a:t>
             </a:r>
           </a:p>
           <a:p>
             <a:pPr lvl="2"/>
             <a:r>
-              <a:rPr lang="en-US" smtClean="0"/>
+              <a:rPr lang="en-US"/>
               <a:t>Third level</a:t>
             </a:r>
           </a:p>
           <a:p>
             <a:pPr lvl="3"/>
             <a:r>
-              <a:rPr lang="en-US" smtClean="0"/>
+              <a:rPr lang="en-US"/>
               <a:t>Fourth level</a:t>
             </a:r>
           </a:p>
           <a:p>
             <a:pPr lvl="4"/>
             <a:r>
-              <a:rPr lang="en-US" smtClean="0"/>
+              <a:rPr lang="en-US"/>
               <a:t>Fifth level</a:t>
             </a:r>
             <a:endParaRPr/>
@@ -25419,10 +25113,9 @@
               <a:defRPr/>
             </a:pPr>
             <a:r>
-              <a:rPr lang="en-US" dirty="0" smtClean="0"/>
+              <a:rPr lang="en-US" dirty="0"/>
               <a:t>© 2017 Pearson Education, Ltd., All rights reserved.    </a:t>
             </a:r>
-            <a:endParaRPr lang="en-US" dirty="0"/>
           </a:p>
         </p:txBody>
       </p:sp>
@@ -25581,7 +25274,7 @@
           <a:lstStyle/>
           <a:p>
             <a:r>
-              <a:rPr lang="en-US" smtClean="0"/>
+              <a:rPr lang="en-US"/>
               <a:t>Click to edit Master title style</a:t>
             </a:r>
             <a:endParaRPr/>
@@ -25605,35 +25298,35 @@
           <a:p>
             <a:pPr lvl="0"/>
             <a:r>
-              <a:rPr lang="en-US" smtClean="0"/>
+              <a:rPr lang="en-US"/>
               <a:t>Click to edit Master text styles</a:t>
             </a:r>
           </a:p>
           <a:p>
             <a:pPr lvl="1"/>
             <a:r>
-              <a:rPr lang="en-US" smtClean="0"/>
+              <a:rPr lang="en-US"/>
               <a:t>Second level</a:t>
             </a:r>
           </a:p>
           <a:p>
             <a:pPr lvl="2"/>
             <a:r>
-              <a:rPr lang="en-US" smtClean="0"/>
+              <a:rPr lang="en-US"/>
               <a:t>Third level</a:t>
             </a:r>
           </a:p>
           <a:p>
             <a:pPr lvl="3"/>
             <a:r>
-              <a:rPr lang="en-US" smtClean="0"/>
+              <a:rPr lang="en-US"/>
               <a:t>Fourth level</a:t>
             </a:r>
           </a:p>
           <a:p>
             <a:pPr lvl="4"/>
             <a:r>
-              <a:rPr lang="en-US" smtClean="0"/>
+              <a:rPr lang="en-US"/>
               <a:t>Fifth level</a:t>
             </a:r>
             <a:endParaRPr/>
@@ -25689,10 +25382,9 @@
               <a:defRPr/>
             </a:pPr>
             <a:r>
-              <a:rPr lang="en-US" dirty="0" smtClean="0"/>
+              <a:rPr lang="en-US" dirty="0"/>
               <a:t>© 2017 Pearson Education, Ltd., All rights reserved.    </a:t>
             </a:r>
-            <a:endParaRPr lang="en-US" dirty="0"/>
           </a:p>
         </p:txBody>
       </p:sp>
@@ -25978,7 +25670,7 @@
           </a:lstStyle>
           <a:p>
             <a:r>
-              <a:rPr lang="en-US" smtClean="0"/>
+              <a:rPr lang="en-US"/>
               <a:t>Click to edit Master title style</a:t>
             </a:r>
             <a:endParaRPr/>
@@ -26100,7 +25792,7 @@
           </a:lstStyle>
           <a:p>
             <a:r>
-              <a:rPr lang="en-US" smtClean="0"/>
+              <a:rPr lang="en-US"/>
               <a:t>Click to edit Master subtitle style</a:t>
             </a:r>
             <a:endParaRPr/>
@@ -26173,7 +25865,7 @@
           <a:p>
             <a:pPr lvl="0"/>
             <a:r>
-              <a:rPr lang="en-US" noProof="0" dirty="0" smtClean="0"/>
+              <a:rPr lang="en-US" noProof="0" dirty="0"/>
               <a:t>Click icon to add picture</a:t>
             </a:r>
             <a:endParaRPr noProof="0" dirty="0"/>
@@ -26247,10 +25939,9 @@
               <a:defRPr/>
             </a:pPr>
             <a:r>
-              <a:rPr lang="en-US" dirty="0" smtClean="0"/>
+              <a:rPr lang="en-US" dirty="0"/>
               <a:t>© 2017 Pearson Education, Ltd., All rights reserved.    </a:t>
             </a:r>
-            <a:endParaRPr lang="en-US" dirty="0"/>
           </a:p>
         </p:txBody>
       </p:sp>
@@ -26503,7 +26194,7 @@
           </a:lstStyle>
           <a:p>
             <a:r>
-              <a:rPr lang="en-US" smtClean="0"/>
+              <a:rPr lang="en-US"/>
               <a:t>Click to edit Master title style</a:t>
             </a:r>
             <a:endParaRPr/>
@@ -26626,7 +26317,7 @@
           <a:p>
             <a:pPr lvl="0"/>
             <a:r>
-              <a:rPr lang="en-US" smtClean="0"/>
+              <a:rPr lang="en-US"/>
               <a:t>Click to edit Master text styles</a:t>
             </a:r>
           </a:p>
@@ -26681,10 +26372,9 @@
               <a:defRPr/>
             </a:pPr>
             <a:r>
-              <a:rPr lang="en-US" dirty="0" smtClean="0"/>
+              <a:rPr lang="en-US" dirty="0"/>
               <a:t>© 2017 Pearson Education, Ltd., All rights reserved.    </a:t>
             </a:r>
-            <a:endParaRPr lang="en-US" dirty="0"/>
           </a:p>
         </p:txBody>
       </p:sp>
@@ -26843,7 +26533,7 @@
           <a:lstStyle/>
           <a:p>
             <a:r>
-              <a:rPr lang="en-US" smtClean="0"/>
+              <a:rPr lang="en-US"/>
               <a:t>Click to edit Master title style</a:t>
             </a:r>
             <a:endParaRPr/>
@@ -26902,35 +26592,35 @@
           <a:p>
             <a:pPr lvl="0"/>
             <a:r>
-              <a:rPr lang="en-US" smtClean="0"/>
+              <a:rPr lang="en-US"/>
               <a:t>Click to edit Master text styles</a:t>
             </a:r>
           </a:p>
           <a:p>
             <a:pPr lvl="1"/>
             <a:r>
-              <a:rPr lang="en-US" smtClean="0"/>
+              <a:rPr lang="en-US"/>
               <a:t>Second level</a:t>
             </a:r>
           </a:p>
           <a:p>
             <a:pPr lvl="2"/>
             <a:r>
-              <a:rPr lang="en-US" smtClean="0"/>
+              <a:rPr lang="en-US"/>
               <a:t>Third level</a:t>
             </a:r>
           </a:p>
           <a:p>
             <a:pPr lvl="3"/>
             <a:r>
-              <a:rPr lang="en-US" smtClean="0"/>
+              <a:rPr lang="en-US"/>
               <a:t>Fourth level</a:t>
             </a:r>
           </a:p>
           <a:p>
             <a:pPr lvl="4"/>
             <a:r>
-              <a:rPr lang="en-US" smtClean="0"/>
+              <a:rPr lang="en-US"/>
               <a:t>Fifth level</a:t>
             </a:r>
             <a:endParaRPr/>
@@ -26989,35 +26679,35 @@
           <a:p>
             <a:pPr lvl="0"/>
             <a:r>
-              <a:rPr lang="en-US" smtClean="0"/>
+              <a:rPr lang="en-US"/>
               <a:t>Click to edit Master text styles</a:t>
             </a:r>
           </a:p>
           <a:p>
             <a:pPr lvl="1"/>
             <a:r>
-              <a:rPr lang="en-US" smtClean="0"/>
+              <a:rPr lang="en-US"/>
               <a:t>Second level</a:t>
             </a:r>
           </a:p>
           <a:p>
             <a:pPr lvl="2"/>
             <a:r>
-              <a:rPr lang="en-US" smtClean="0"/>
+              <a:rPr lang="en-US"/>
               <a:t>Third level</a:t>
             </a:r>
           </a:p>
           <a:p>
             <a:pPr lvl="3"/>
             <a:r>
-              <a:rPr lang="en-US" smtClean="0"/>
+              <a:rPr lang="en-US"/>
               <a:t>Fourth level</a:t>
             </a:r>
           </a:p>
           <a:p>
             <a:pPr lvl="4"/>
             <a:r>
-              <a:rPr lang="en-US" smtClean="0"/>
+              <a:rPr lang="en-US"/>
               <a:t>Fifth level</a:t>
             </a:r>
             <a:endParaRPr/>
@@ -27073,10 +26763,9 @@
               <a:defRPr/>
             </a:pPr>
             <a:r>
-              <a:rPr lang="en-US" dirty="0" smtClean="0"/>
+              <a:rPr lang="en-US" dirty="0"/>
               <a:t>© 2017 Pearson Education, Ltd., All rights reserved.    </a:t>
             </a:r>
-            <a:endParaRPr lang="en-US" dirty="0"/>
           </a:p>
         </p:txBody>
       </p:sp>
@@ -27301,7 +26990,7 @@
           </a:lstStyle>
           <a:p>
             <a:r>
-              <a:rPr lang="en-US" smtClean="0"/>
+              <a:rPr lang="en-US"/>
               <a:t>Click to edit Master title style</a:t>
             </a:r>
             <a:endParaRPr/>
@@ -27379,7 +27068,7 @@
           <a:p>
             <a:pPr lvl="0"/>
             <a:r>
-              <a:rPr lang="en-US" smtClean="0"/>
+              <a:rPr lang="en-US"/>
               <a:t>Click to edit Master text styles</a:t>
             </a:r>
           </a:p>
@@ -27437,35 +27126,35 @@
           <a:p>
             <a:pPr lvl="0"/>
             <a:r>
-              <a:rPr lang="en-US" smtClean="0"/>
+              <a:rPr lang="en-US"/>
               <a:t>Click to edit Master text styles</a:t>
             </a:r>
           </a:p>
           <a:p>
             <a:pPr lvl="1"/>
             <a:r>
-              <a:rPr lang="en-US" smtClean="0"/>
+              <a:rPr lang="en-US"/>
               <a:t>Second level</a:t>
             </a:r>
           </a:p>
           <a:p>
             <a:pPr lvl="2"/>
             <a:r>
-              <a:rPr lang="en-US" smtClean="0"/>
+              <a:rPr lang="en-US"/>
               <a:t>Third level</a:t>
             </a:r>
           </a:p>
           <a:p>
             <a:pPr lvl="3"/>
             <a:r>
-              <a:rPr lang="en-US" smtClean="0"/>
+              <a:rPr lang="en-US"/>
               <a:t>Fourth level</a:t>
             </a:r>
           </a:p>
           <a:p>
             <a:pPr lvl="4"/>
             <a:r>
-              <a:rPr lang="en-US" smtClean="0"/>
+              <a:rPr lang="en-US"/>
               <a:t>Fifth level</a:t>
             </a:r>
             <a:endParaRPr/>
@@ -27543,7 +27232,7 @@
           <a:p>
             <a:pPr lvl="0"/>
             <a:r>
-              <a:rPr lang="en-US" smtClean="0"/>
+              <a:rPr lang="en-US"/>
               <a:t>Click to edit Master text styles</a:t>
             </a:r>
           </a:p>
@@ -27601,35 +27290,35 @@
           <a:p>
             <a:pPr lvl="0"/>
             <a:r>
-              <a:rPr lang="en-US" smtClean="0"/>
+              <a:rPr lang="en-US"/>
               <a:t>Click to edit Master text styles</a:t>
             </a:r>
           </a:p>
           <a:p>
             <a:pPr lvl="1"/>
             <a:r>
-              <a:rPr lang="en-US" smtClean="0"/>
+              <a:rPr lang="en-US"/>
               <a:t>Second level</a:t>
             </a:r>
           </a:p>
           <a:p>
             <a:pPr lvl="2"/>
             <a:r>
-              <a:rPr lang="en-US" smtClean="0"/>
+              <a:rPr lang="en-US"/>
               <a:t>Third level</a:t>
             </a:r>
           </a:p>
           <a:p>
             <a:pPr lvl="3"/>
             <a:r>
-              <a:rPr lang="en-US" smtClean="0"/>
+              <a:rPr lang="en-US"/>
               <a:t>Fourth level</a:t>
             </a:r>
           </a:p>
           <a:p>
             <a:pPr lvl="4"/>
             <a:r>
-              <a:rPr lang="en-US" smtClean="0"/>
+              <a:rPr lang="en-US"/>
               <a:t>Fifth level</a:t>
             </a:r>
             <a:endParaRPr/>
@@ -27685,10 +27374,9 @@
               <a:defRPr/>
             </a:pPr>
             <a:r>
-              <a:rPr lang="en-US" dirty="0" smtClean="0"/>
+              <a:rPr lang="en-US" dirty="0"/>
               <a:t>© 2017 Pearson Education, Ltd., All rights reserved.    </a:t>
             </a:r>
-            <a:endParaRPr lang="en-US" dirty="0"/>
           </a:p>
         </p:txBody>
       </p:sp>
@@ -27847,7 +27535,7 @@
           <a:lstStyle/>
           <a:p>
             <a:r>
-              <a:rPr lang="en-US" smtClean="0"/>
+              <a:rPr lang="en-US"/>
               <a:t>Click to edit Master title style</a:t>
             </a:r>
             <a:endParaRPr/>
@@ -27903,10 +27591,9 @@
               <a:defRPr/>
             </a:pPr>
             <a:r>
-              <a:rPr lang="en-US" dirty="0" smtClean="0"/>
+              <a:rPr lang="en-US" dirty="0"/>
               <a:t>© 2017 Pearson Education, Ltd., All rights reserved.    </a:t>
             </a:r>
-            <a:endParaRPr lang="en-US" dirty="0"/>
           </a:p>
         </p:txBody>
       </p:sp>
@@ -28049,10 +27736,9 @@
               <a:defRPr/>
             </a:pPr>
             <a:r>
-              <a:rPr lang="en-US" dirty="0" smtClean="0"/>
+              <a:rPr lang="en-US" dirty="0"/>
               <a:t>© 2017 Pearson Education, Ltd., All rights reserved.    </a:t>
             </a:r>
-            <a:endParaRPr lang="en-US" dirty="0"/>
           </a:p>
         </p:txBody>
       </p:sp>
@@ -28223,7 +27909,7 @@
           </a:lstStyle>
           <a:p>
             <a:r>
-              <a:rPr lang="en-US" smtClean="0"/>
+              <a:rPr lang="en-US"/>
               <a:t>Click to edit Master title style</a:t>
             </a:r>
             <a:endParaRPr/>
@@ -28282,35 +27968,35 @@
           <a:p>
             <a:pPr lvl="0"/>
             <a:r>
-              <a:rPr lang="en-US" smtClean="0"/>
+              <a:rPr lang="en-US"/>
               <a:t>Click to edit Master text styles</a:t>
             </a:r>
           </a:p>
           <a:p>
             <a:pPr lvl="1"/>
             <a:r>
-              <a:rPr lang="en-US" smtClean="0"/>
+              <a:rPr lang="en-US"/>
               <a:t>Second level</a:t>
             </a:r>
           </a:p>
           <a:p>
             <a:pPr lvl="2"/>
             <a:r>
-              <a:rPr lang="en-US" smtClean="0"/>
+              <a:rPr lang="en-US"/>
               <a:t>Third level</a:t>
             </a:r>
           </a:p>
           <a:p>
             <a:pPr lvl="3"/>
             <a:r>
-              <a:rPr lang="en-US" smtClean="0"/>
+              <a:rPr lang="en-US"/>
               <a:t>Fourth level</a:t>
             </a:r>
           </a:p>
           <a:p>
             <a:pPr lvl="4"/>
             <a:r>
-              <a:rPr lang="en-US" smtClean="0"/>
+              <a:rPr lang="en-US"/>
               <a:t>Fifth level</a:t>
             </a:r>
             <a:endParaRPr/>
@@ -28378,7 +28064,7 @@
           <a:p>
             <a:pPr lvl="0"/>
             <a:r>
-              <a:rPr lang="en-US" smtClean="0"/>
+              <a:rPr lang="en-US"/>
               <a:t>Click to edit Master text styles</a:t>
             </a:r>
           </a:p>
@@ -28437,10 +28123,9 @@
               <a:defRPr/>
             </a:pPr>
             <a:r>
-              <a:rPr lang="en-US" dirty="0" smtClean="0"/>
+              <a:rPr lang="en-US" dirty="0"/>
               <a:t>© 2017 Pearson Education, Ltd., All rights reserved.    </a:t>
             </a:r>
-            <a:endParaRPr lang="en-US" dirty="0"/>
           </a:p>
         </p:txBody>
       </p:sp>
@@ -28765,10 +28450,9 @@
               <a:defRPr/>
             </a:pPr>
             <a:r>
-              <a:rPr lang="en-US" dirty="0" smtClean="0"/>
+              <a:rPr lang="en-US" dirty="0"/>
               <a:t>© 2017 Pearson Education, Ltd., All rights reserved.    </a:t>
             </a:r>
-            <a:endParaRPr lang="en-US" dirty="0"/>
           </a:p>
         </p:txBody>
       </p:sp>
@@ -29277,16 +28961,12 @@
               <a:defRPr/>
             </a:pPr>
             <a:r>
-              <a:rPr lang="en-US" dirty="0" smtClean="0">
+              <a:rPr lang="en-US" dirty="0">
                 <a:ea typeface="+mj-ea"/>
                 <a:cs typeface="+mj-cs"/>
               </a:rPr>
               <a:t>Chapter 13</a:t>
             </a:r>
-            <a:endParaRPr lang="en-US" dirty="0">
-              <a:ea typeface="+mj-ea"/>
-              <a:cs typeface="+mj-cs"/>
-            </a:endParaRPr>
           </a:p>
         </p:txBody>
       </p:sp>
@@ -29313,10 +28993,10 @@
           <a:lstStyle/>
           <a:p>
             <a:r>
-              <a:rPr lang="en-AU" sz="3600" dirty="0" smtClean="0"/>
+              <a:rPr lang="en-AU" sz="3600" dirty="0"/>
               <a:t>Digital Signatures</a:t>
             </a:r>
-            <a:endParaRPr lang="en-US" sz="3600" dirty="0" smtClean="0"/>
+            <a:endParaRPr lang="en-US" sz="3600" dirty="0"/>
           </a:p>
         </p:txBody>
       </p:sp>
@@ -29325,13 +29005,6 @@
   <p:clrMapOvr>
     <a:masterClrMapping/>
   </p:clrMapOvr>
-  <p:timing>
-    <p:tnLst>
-      <p:par>
-        <p:cTn id="1" dur="indefinite" restart="never" nodeType="tmRoot"/>
-      </p:par>
-    </p:tnLst>
-  </p:timing>
 </p:sld>
 </file>
 
@@ -29373,10 +29046,9 @@
           <a:lstStyle/>
           <a:p>
             <a:r>
-              <a:rPr lang="en-AU" dirty="0" smtClean="0"/>
+              <a:rPr lang="en-AU" dirty="0"/>
               <a:t>NIST Digital Signature Algorithm</a:t>
             </a:r>
-            <a:endParaRPr lang="en-AU" dirty="0"/>
           </a:p>
         </p:txBody>
       </p:sp>
@@ -29403,22 +29075,21 @@
           <a:lstStyle/>
           <a:p>
             <a:r>
-              <a:rPr lang="en-AU" dirty="0" smtClean="0"/>
+              <a:rPr lang="en-AU" dirty="0"/>
               <a:t>Published by NIST as Federal Information Processing Standard FIPS 186</a:t>
             </a:r>
           </a:p>
           <a:p>
             <a:r>
-              <a:rPr lang="en-AU" dirty="0" smtClean="0"/>
+              <a:rPr lang="en-AU" dirty="0"/>
               <a:t>Makes use of the Secure Hash Algorithm (SHA)</a:t>
             </a:r>
           </a:p>
           <a:p>
             <a:r>
-              <a:rPr lang="en-AU" dirty="0" smtClean="0"/>
+              <a:rPr lang="en-AU" dirty="0"/>
               <a:t>The latest version, FIPS 186-3, also incorporates digital signature algorithms based on RSA and on elliptic curve cryptography</a:t>
             </a:r>
-            <a:endParaRPr lang="en-AU" dirty="0"/>
           </a:p>
         </p:txBody>
       </p:sp>
@@ -29451,13 +29122,6 @@
   <p:clrMapOvr>
     <a:masterClrMapping/>
   </p:clrMapOvr>
-  <p:timing>
-    <p:tnLst>
-      <p:par>
-        <p:cTn id="1" dur="indefinite" restart="never" nodeType="tmRoot"/>
-      </p:par>
-    </p:tnLst>
-  </p:timing>
 </p:sld>
 </file>
 
@@ -29487,7 +29151,7 @@
           <p:nvPr/>
         </p:nvPicPr>
         <mc:AlternateContent xmlns:mc="http://schemas.openxmlformats.org/markup-compatibility/2006">
-          <mc:Choice xmlns="" xmlns:mv="urn:schemas-microsoft-com:mac:vml" xmlns:ma="http://schemas.microsoft.com/office/mac/drawingml/2008/main" Requires="ma">
+          <mc:Choice xmlns:ma="http://schemas.microsoft.com/office/mac/drawingml/2008/main" xmlns:mv="urn:schemas-microsoft-com:mac:vml" xmlns="" Requires="ma">
             <p:blipFill>
               <a:blip r:embed="rId3"/>
               <a:srcRect t="19091" b="23636"/>
@@ -29524,13 +29188,6 @@
   <p:transition>
     <p:dissolve/>
   </p:transition>
-  <p:timing>
-    <p:tnLst>
-      <p:par>
-        <p:cTn id="1" dur="indefinite" restart="never" nodeType="tmRoot"/>
-      </p:par>
-    </p:tnLst>
-  </p:timing>
 </p:sld>
 </file>
 
@@ -29573,12 +29230,12 @@
           <a:graphicData uri="http://schemas.openxmlformats.org/presentationml/2006/ole">
             <mc:AlternateContent xmlns:mc="http://schemas.openxmlformats.org/markup-compatibility/2006">
               <mc:Choice xmlns:v="urn:schemas-microsoft-com:vml" Requires="v">
-                <p:oleObj spid="_x0000_s45062" name="Document" r:id="rId5" imgW="8229297" imgH="5562395" progId="Word.Document.12">
+                <p:oleObj name="Document" r:id="rId3" imgW="8229297" imgH="5562395" progId="Word.Document.12">
                   <p:embed/>
                 </p:oleObj>
               </mc:Choice>
               <mc:Fallback>
-                <p:oleObj name="Document" r:id="rId5" imgW="8229297" imgH="5562395" progId="Word.Document.12">
+                <p:oleObj name="Document" r:id="rId3" imgW="8229297" imgH="5562395" progId="Word.Document.12">
                   <p:embed/>
                   <p:pic>
                     <p:nvPicPr>
@@ -29589,7 +29246,7 @@
                       <p:nvPr/>
                     </p:nvPicPr>
                     <p:blipFill>
-                      <a:blip r:embed="rId6">
+                      <a:blip r:embed="rId4">
                         <a:extLst>
                           <a:ext uri="{28A0092B-C50C-407E-A947-70E740481C1C}">
                             <a14:useLocalDpi xmlns:a14="http://schemas.microsoft.com/office/drawing/2010/main" val="0"/>
@@ -29613,7 +29270,6 @@
                       <a:ln>
                         <a:noFill/>
                       </a:ln>
-                      <a:extLst/>
                     </p:spPr>
                   </p:pic>
                 </p:oleObj>
@@ -29630,13 +29286,6 @@
   <p:transition spd="med">
     <p:pull dir="ld"/>
   </p:transition>
-  <p:timing>
-    <p:tnLst>
-      <p:par>
-        <p:cTn id="1" dur="indefinite" restart="never" nodeType="tmRoot"/>
-      </p:par>
-    </p:tnLst>
-  </p:timing>
 </p:sld>
 </file>
 
@@ -29666,7 +29315,7 @@
           <p:nvPr/>
         </p:nvPicPr>
         <mc:AlternateContent xmlns:mc="http://schemas.openxmlformats.org/markup-compatibility/2006">
-          <mc:Choice xmlns="" xmlns:mv="urn:schemas-microsoft-com:mac:vml" xmlns:ma="http://schemas.microsoft.com/office/mac/drawingml/2008/main" Requires="ma">
+          <mc:Choice xmlns:ma="http://schemas.microsoft.com/office/mac/drawingml/2008/main" xmlns:mv="urn:schemas-microsoft-com:mac:vml" xmlns="" Requires="ma">
             <p:blipFill>
               <a:blip r:embed="rId3"/>
               <a:stretch>
@@ -29701,13 +29350,6 @@
   <p:transition spd="med">
     <p:pull dir="rd"/>
   </p:transition>
-  <p:timing>
-    <p:tnLst>
-      <p:par>
-        <p:cTn id="1" dur="indefinite" restart="never" nodeType="tmRoot"/>
-      </p:par>
-    </p:tnLst>
-  </p:timing>
 </p:sld>
 </file>
 
@@ -29749,10 +29391,9 @@
           <a:lstStyle/>
           <a:p>
             <a:r>
-              <a:rPr lang="en-US" dirty="0" smtClean="0"/>
+              <a:rPr lang="en-US" dirty="0"/>
               <a:t>Elliptic Curve Digital Signature Algorithm (ECDSA)</a:t>
             </a:r>
-            <a:endParaRPr lang="en-US" dirty="0"/>
           </a:p>
         </p:txBody>
       </p:sp>
@@ -29786,13 +29427,6 @@
   <p:clrMapOvr>
     <a:masterClrMapping/>
   </p:clrMapOvr>
-  <p:timing>
-    <p:tnLst>
-      <p:par>
-        <p:cTn id="1" dur="indefinite" restart="never" nodeType="tmRoot"/>
-      </p:par>
-    </p:tnLst>
-  </p:timing>
 </p:sld>
 </file>
 
@@ -29822,7 +29456,7 @@
           <p:nvPr/>
         </p:nvPicPr>
         <mc:AlternateContent xmlns:mc="http://schemas.openxmlformats.org/markup-compatibility/2006">
-          <mc:Choice xmlns="" xmlns:mv="urn:schemas-microsoft-com:mac:vml" xmlns:ma="http://schemas.microsoft.com/office/mac/drawingml/2008/main" Requires="ma">
+          <mc:Choice xmlns:ma="http://schemas.microsoft.com/office/mac/drawingml/2008/main" xmlns:mv="urn:schemas-microsoft-com:mac:vml" xmlns="" Requires="ma">
             <p:blipFill>
               <a:blip r:embed="rId3"/>
               <a:stretch>
@@ -29857,13 +29491,6 @@
   <p:transition>
     <p:dissolve/>
   </p:transition>
-  <p:timing>
-    <p:tnLst>
-      <p:par>
-        <p:cTn id="1" dur="indefinite" restart="never" nodeType="tmRoot"/>
-      </p:par>
-    </p:tnLst>
-  </p:timing>
 </p:sld>
 </file>
 
@@ -29900,10 +29527,9 @@
           <a:lstStyle/>
           <a:p>
             <a:r>
-              <a:rPr lang="en-US" dirty="0" smtClean="0"/>
+              <a:rPr lang="en-US" dirty="0"/>
               <a:t>RSA-PSS</a:t>
             </a:r>
-            <a:endParaRPr lang="en-US" dirty="0"/>
           </a:p>
         </p:txBody>
       </p:sp>
@@ -29930,40 +29556,39 @@
           <a:lstStyle/>
           <a:p>
             <a:r>
-              <a:rPr lang="en-US" dirty="0" smtClean="0"/>
+              <a:rPr lang="en-US" dirty="0"/>
               <a:t>RSA Probabilistic Signature Scheme</a:t>
             </a:r>
           </a:p>
           <a:p>
             <a:r>
-              <a:rPr lang="en-US" dirty="0" smtClean="0"/>
+              <a:rPr lang="en-US" dirty="0"/>
               <a:t>Included in the 2009 version of FIPS 186</a:t>
             </a:r>
           </a:p>
           <a:p>
             <a:r>
-              <a:rPr lang="en-US" dirty="0" smtClean="0"/>
+              <a:rPr lang="en-US" dirty="0"/>
               <a:t>Latest of the RSA schemes and the one that RSA Laboratories recommends as the most secure of the RSA schemes</a:t>
             </a:r>
           </a:p>
           <a:p>
             <a:r>
-              <a:rPr lang="en-US" dirty="0" smtClean="0"/>
+              <a:rPr lang="en-US" dirty="0"/>
               <a:t>For all schemes developed prior to PSS it has not been possible to develop a mathematical proof that the signature scheme is as secure as the underlying RSA encryption/decryption primitive</a:t>
             </a:r>
           </a:p>
           <a:p>
             <a:r>
-              <a:rPr lang="en-US" dirty="0" smtClean="0"/>
+              <a:rPr lang="en-US" dirty="0"/>
               <a:t>The PSS approach was first proposed by Bellare and Rogaway</a:t>
             </a:r>
           </a:p>
           <a:p>
             <a:r>
-              <a:rPr lang="en-US" dirty="0" smtClean="0"/>
+              <a:rPr lang="en-US" dirty="0"/>
               <a:t>This approach, unlike the other RSA-based schemes, introduces a randomization process that enables the security of the method to be shown to be closely related to the security of the RSA algorithm itself</a:t>
             </a:r>
-            <a:endParaRPr lang="en-US" dirty="0"/>
           </a:p>
         </p:txBody>
       </p:sp>
@@ -29972,13 +29597,6 @@
   <p:clrMapOvr>
     <a:masterClrMapping/>
   </p:clrMapOvr>
-  <p:timing>
-    <p:tnLst>
-      <p:par>
-        <p:cTn id="1" dur="indefinite" restart="never" nodeType="tmRoot"/>
-      </p:par>
-    </p:tnLst>
-  </p:timing>
 </p:sld>
 </file>
 
@@ -30020,10 +29638,9 @@
           <a:lstStyle/>
           <a:p>
             <a:r>
-              <a:rPr lang="en-US" dirty="0" smtClean="0"/>
+              <a:rPr lang="en-US" dirty="0"/>
               <a:t>Mask Generation Function (MGF)</a:t>
             </a:r>
-            <a:endParaRPr lang="en-US" dirty="0"/>
           </a:p>
         </p:txBody>
       </p:sp>
@@ -30048,17 +29665,16 @@
           <a:lstStyle/>
           <a:p>
             <a:r>
-              <a:rPr lang="en-US" dirty="0" smtClean="0"/>
+              <a:rPr lang="en-US" dirty="0"/>
               <a:t>Typically based on a secure cryptographic hash function such as SHA-1</a:t>
             </a:r>
           </a:p>
           <a:p>
             <a:pPr lvl="1"/>
             <a:r>
-              <a:rPr lang="en-US" dirty="0" smtClean="0"/>
+              <a:rPr lang="en-US" dirty="0"/>
               <a:t>Is intended to be a cryptographically secure way of generating a message digest, or hash, of variable length based on an underlying cryptographic hash function that produces a fixed-length output</a:t>
             </a:r>
-            <a:endParaRPr lang="en-US" dirty="0"/>
           </a:p>
         </p:txBody>
       </p:sp>
@@ -30067,13 +29683,6 @@
   <p:clrMapOvr>
     <a:masterClrMapping/>
   </p:clrMapOvr>
-  <p:timing>
-    <p:tnLst>
-      <p:par>
-        <p:cTn id="1" dur="indefinite" restart="never" nodeType="tmRoot"/>
-      </p:par>
-    </p:tnLst>
-  </p:timing>
 </p:sld>
 </file>
 
@@ -30103,7 +29712,7 @@
           <p:nvPr/>
         </p:nvPicPr>
         <mc:AlternateContent xmlns:mc="http://schemas.openxmlformats.org/markup-compatibility/2006">
-          <mc:Choice xmlns="" xmlns:mv="urn:schemas-microsoft-com:mac:vml" xmlns:ma="http://schemas.microsoft.com/office/mac/drawingml/2008/main" Requires="ma">
+          <mc:Choice xmlns:ma="http://schemas.microsoft.com/office/mac/drawingml/2008/main" xmlns:mv="urn:schemas-microsoft-com:mac:vml" xmlns="" Requires="ma">
             <p:blipFill>
               <a:blip r:embed="rId3"/>
               <a:srcRect t="12727" b="14545"/>
@@ -30140,13 +29749,6 @@
   <p:transition spd="med">
     <p:wipe/>
   </p:transition>
-  <p:timing>
-    <p:tnLst>
-      <p:par>
-        <p:cTn id="1" dur="indefinite" restart="never" nodeType="tmRoot"/>
-      </p:par>
-    </p:tnLst>
-  </p:timing>
 </p:sld>
 </file>
 
@@ -30176,7 +29778,7 @@
           <p:nvPr/>
         </p:nvPicPr>
         <mc:AlternateContent xmlns:mc="http://schemas.openxmlformats.org/markup-compatibility/2006">
-          <mc:Choice xmlns="" xmlns:mv="urn:schemas-microsoft-com:mac:vml" xmlns:ma="http://schemas.microsoft.com/office/mac/drawingml/2008/main" Requires="ma">
+          <mc:Choice xmlns:ma="http://schemas.microsoft.com/office/mac/drawingml/2008/main" xmlns:mv="urn:schemas-microsoft-com:mac:vml" xmlns="" Requires="ma">
             <p:blipFill>
               <a:blip r:embed="rId3"/>
               <a:srcRect t="3636" b="18182"/>
@@ -30213,13 +29815,6 @@
   <p:transition>
     <p:dissolve/>
   </p:transition>
-  <p:timing>
-    <p:tnLst>
-      <p:par>
-        <p:cTn id="1" dur="indefinite" restart="never" nodeType="tmRoot"/>
-      </p:par>
-    </p:tnLst>
-  </p:timing>
 </p:sld>
 </file>
 
@@ -30249,7 +29844,7 @@
           <p:nvPr/>
         </p:nvPicPr>
         <mc:AlternateContent xmlns:mc="http://schemas.openxmlformats.org/markup-compatibility/2006">
-          <mc:Choice xmlns="" xmlns:mv="urn:schemas-microsoft-com:mac:vml" xmlns:ma="http://schemas.microsoft.com/office/mac/drawingml/2008/main" Requires="ma">
+          <mc:Choice xmlns:ma="http://schemas.microsoft.com/office/mac/drawingml/2008/main" xmlns:mv="urn:schemas-microsoft-com:mac:vml" xmlns="" Requires="ma">
             <p:blipFill>
               <a:blip r:embed="rId3"/>
               <a:stretch>
@@ -30284,13 +29879,6 @@
   <p:transition spd="med">
     <p:wipe dir="u"/>
   </p:transition>
-  <p:timing>
-    <p:tnLst>
-      <p:par>
-        <p:cTn id="1" dur="indefinite" restart="never" nodeType="tmRoot"/>
-      </p:par>
-    </p:tnLst>
-  </p:timing>
 </p:sld>
 </file>
 
@@ -30327,10 +29915,10 @@
           <a:lstStyle/>
           <a:p>
             <a:r>
-              <a:rPr lang="en-US" dirty="0" smtClean="0"/>
+              <a:rPr lang="en-US" dirty="0"/>
               <a:t>Summary</a:t>
             </a:r>
-            <a:endParaRPr lang="en-AU" dirty="0" smtClean="0"/>
+            <a:endParaRPr lang="en-AU" dirty="0"/>
           </a:p>
         </p:txBody>
       </p:sp>
@@ -30357,41 +29945,41 @@
           <a:lstStyle/>
           <a:p>
             <a:r>
-              <a:rPr lang="en-US" dirty="0" smtClean="0"/>
+              <a:rPr lang="en-US" dirty="0"/>
               <a:t>Digital signatures</a:t>
             </a:r>
           </a:p>
           <a:p>
             <a:pPr lvl="1"/>
             <a:r>
-              <a:rPr lang="en-US" dirty="0" smtClean="0"/>
+              <a:rPr lang="en-US" dirty="0"/>
               <a:t>Properties</a:t>
             </a:r>
           </a:p>
           <a:p>
             <a:pPr lvl="1"/>
             <a:r>
-              <a:rPr lang="en-US" dirty="0" smtClean="0"/>
+              <a:rPr lang="en-US" dirty="0"/>
               <a:t>Attacks and forgeries</a:t>
             </a:r>
           </a:p>
           <a:p>
             <a:pPr lvl="1"/>
             <a:r>
-              <a:rPr lang="en-US" dirty="0" smtClean="0"/>
+              <a:rPr lang="en-US" dirty="0"/>
               <a:t>Digital signature requirements</a:t>
             </a:r>
           </a:p>
           <a:p>
             <a:pPr lvl="1"/>
             <a:r>
-              <a:rPr lang="en-US" dirty="0" smtClean="0"/>
+              <a:rPr lang="en-US" dirty="0"/>
               <a:t>Direct digital signature</a:t>
             </a:r>
           </a:p>
           <a:p>
             <a:r>
-              <a:rPr lang="en-US" dirty="0" smtClean="0"/>
+              <a:rPr lang="en-US" dirty="0"/>
               <a:t>Elgamal digital signature scheme</a:t>
             </a:r>
           </a:p>
@@ -30411,7 +29999,7 @@
               <a:defRPr/>
             </a:pPr>
             <a:r>
-              <a:rPr lang="en-US" dirty="0" smtClean="0"/>
+              <a:rPr lang="en-US" dirty="0"/>
               <a:t>RSA-PSS Digital Signature Algorithm</a:t>
             </a:r>
           </a:p>
@@ -30431,7 +30019,7 @@
               <a:defRPr/>
             </a:pPr>
             <a:r>
-              <a:rPr lang="en-US" dirty="0" smtClean="0"/>
+              <a:rPr lang="en-US" dirty="0"/>
               <a:t>Mask generation function</a:t>
             </a:r>
           </a:p>
@@ -30451,7 +30039,7 @@
               <a:defRPr/>
             </a:pPr>
             <a:r>
-              <a:rPr lang="en-US" dirty="0" smtClean="0"/>
+              <a:rPr lang="en-US" dirty="0"/>
               <a:t>The signing operation</a:t>
             </a:r>
           </a:p>
@@ -30471,12 +30059,12 @@
               <a:defRPr/>
             </a:pPr>
             <a:r>
-              <a:rPr lang="en-US" dirty="0" smtClean="0"/>
+              <a:rPr lang="en-US" dirty="0"/>
               <a:t>Signature verification</a:t>
             </a:r>
           </a:p>
           <a:p>
-            <a:endParaRPr lang="en-US" dirty="0" smtClean="0"/>
+            <a:endParaRPr lang="en-US" dirty="0"/>
           </a:p>
         </p:txBody>
       </p:sp>
@@ -30517,7 +30105,7 @@
               <a:defRPr/>
             </a:pPr>
             <a:r>
-              <a:rPr lang="en-US" dirty="0" smtClean="0">
+              <a:rPr lang="en-US" dirty="0">
                 <a:ea typeface="+mn-ea"/>
                 <a:cs typeface="+mn-cs"/>
               </a:rPr>
@@ -30540,7 +30128,7 @@
               <a:defRPr/>
             </a:pPr>
             <a:r>
-              <a:rPr lang="en-US" dirty="0" smtClean="0">
+              <a:rPr lang="en-US" dirty="0">
                 <a:ea typeface="+mn-ea"/>
               </a:rPr>
               <a:t>The DSA approach</a:t>
@@ -30562,7 +30150,7 @@
               <a:defRPr/>
             </a:pPr>
             <a:r>
-              <a:rPr lang="en-US" dirty="0" smtClean="0">
+              <a:rPr lang="en-US" dirty="0">
                 <a:ea typeface="+mn-ea"/>
                 <a:cs typeface="+mn-cs"/>
               </a:rPr>
@@ -30585,7 +30173,7 @@
               <a:defRPr/>
             </a:pPr>
             <a:r>
-              <a:rPr lang="en-US" dirty="0" smtClean="0">
+              <a:rPr lang="en-US" dirty="0">
                 <a:ea typeface="+mn-ea"/>
                 <a:cs typeface="+mn-cs"/>
               </a:rPr>
@@ -30608,7 +30196,7 @@
               <a:defRPr/>
             </a:pPr>
             <a:r>
-              <a:rPr lang="en-US" dirty="0" smtClean="0">
+              <a:rPr lang="en-US" dirty="0">
                 <a:ea typeface="+mn-ea"/>
               </a:rPr>
               <a:t>Global domain parameters</a:t>
@@ -30630,7 +30218,7 @@
               <a:defRPr/>
             </a:pPr>
             <a:r>
-              <a:rPr lang="en-US" dirty="0" smtClean="0">
+              <a:rPr lang="en-US" dirty="0">
                 <a:ea typeface="+mn-ea"/>
                 <a:cs typeface="+mn-cs"/>
               </a:rPr>
@@ -30653,7 +30241,7 @@
               <a:defRPr/>
             </a:pPr>
             <a:r>
-              <a:rPr lang="en-US" dirty="0" smtClean="0">
+              <a:rPr lang="en-US" dirty="0">
                 <a:ea typeface="+mn-ea"/>
               </a:rPr>
               <a:t>Digital signature generation and authentication</a:t>
@@ -30673,7 +30261,7 @@
               <a:buNone/>
               <a:defRPr/>
             </a:pPr>
-            <a:endParaRPr lang="en-US" sz="1189" dirty="0" smtClean="0">
+            <a:endParaRPr lang="en-US" sz="1189" dirty="0">
               <a:ea typeface="+mn-ea"/>
               <a:cs typeface="+mn-cs"/>
             </a:endParaRPr>
@@ -30694,7 +30282,7 @@
               <a:defRPr/>
             </a:pPr>
             <a:r>
-              <a:rPr lang="en-US" dirty="0" smtClean="0"/>
+              <a:rPr lang="en-US" dirty="0"/>
               <a:t>Schnorr digital signature scheme</a:t>
             </a:r>
           </a:p>
@@ -30713,7 +30301,7 @@
               <a:buChar char="•"/>
               <a:defRPr/>
             </a:pPr>
-            <a:endParaRPr lang="en-US" dirty="0" smtClean="0">
+            <a:endParaRPr lang="en-US" dirty="0">
               <a:ea typeface="+mn-ea"/>
               <a:cs typeface="+mn-cs"/>
             </a:endParaRPr>
@@ -30772,13 +30360,6 @@
   <p:clrMapOvr>
     <a:masterClrMapping/>
   </p:clrMapOvr>
-  <p:timing>
-    <p:tnLst>
-      <p:par>
-        <p:cTn id="1" dur="indefinite" restart="never" nodeType="tmRoot"/>
-      </p:par>
-    </p:tnLst>
-  </p:timing>
 </p:sld>
 </file>
 
@@ -30820,7 +30401,7 @@
           <a:lstStyle/>
           <a:p>
             <a:r>
-              <a:rPr lang="en-US" dirty="0" smtClean="0"/>
+              <a:rPr lang="en-US" dirty="0"/>
               <a:t>Digital Signature Properties</a:t>
             </a:r>
             <a:endParaRPr lang="en-AU" dirty="0"/>
@@ -30857,13 +30438,6 @@
   <p:clrMapOvr>
     <a:masterClrMapping/>
   </p:clrMapOvr>
-  <p:timing>
-    <p:tnLst>
-      <p:par>
-        <p:cTn id="1" dur="indefinite" restart="never" nodeType="tmRoot"/>
-      </p:par>
-    </p:tnLst>
-  </p:timing>
 </p:sld>
 </file>
 
@@ -30900,7 +30474,7 @@
           <a:lstStyle/>
           <a:p>
             <a:r>
-              <a:rPr lang="en-US" dirty="0" smtClean="0"/>
+              <a:rPr lang="en-US" dirty="0"/>
               <a:t>Attacks</a:t>
             </a:r>
           </a:p>
@@ -30933,13 +30507,6 @@
   <p:clrMapOvr>
     <a:masterClrMapping/>
   </p:clrMapOvr>
-  <p:timing>
-    <p:tnLst>
-      <p:par>
-        <p:cTn id="1" dur="indefinite" restart="never" nodeType="tmRoot"/>
-      </p:par>
-    </p:tnLst>
-  </p:timing>
 </p:sld>
 </file>
 
@@ -30976,10 +30543,9 @@
           <a:lstStyle/>
           <a:p>
             <a:r>
-              <a:rPr lang="en-US" dirty="0" smtClean="0"/>
+              <a:rPr lang="en-US" dirty="0"/>
               <a:t>Forgeries</a:t>
             </a:r>
-            <a:endParaRPr lang="en-US" dirty="0"/>
           </a:p>
         </p:txBody>
       </p:sp>
@@ -31010,13 +30576,6 @@
   <p:clrMapOvr>
     <a:masterClrMapping/>
   </p:clrMapOvr>
-  <p:timing>
-    <p:tnLst>
-      <p:par>
-        <p:cTn id="1" dur="indefinite" restart="never" nodeType="tmRoot"/>
-      </p:par>
-    </p:tnLst>
-  </p:timing>
 </p:sld>
 </file>
 
@@ -31058,7 +30617,7 @@
           <a:lstStyle/>
           <a:p>
             <a:r>
-              <a:rPr lang="en-US" dirty="0" smtClean="0"/>
+              <a:rPr lang="en-US" dirty="0"/>
               <a:t>Digital Signature Requirements</a:t>
             </a:r>
             <a:endParaRPr lang="en-AU" dirty="0"/>
@@ -31088,40 +30647,39 @@
           <a:lstStyle/>
           <a:p>
             <a:r>
-              <a:rPr lang="en-AU" dirty="0" smtClean="0"/>
+              <a:rPr lang="en-AU" dirty="0"/>
               <a:t>The signature must be a bit pattern that depends on the message being signed</a:t>
             </a:r>
           </a:p>
           <a:p>
             <a:r>
-              <a:rPr lang="en-AU" dirty="0" smtClean="0"/>
+              <a:rPr lang="en-AU" dirty="0"/>
               <a:t>The signature must use some information unique to the sender to prevent both forgery and denial</a:t>
             </a:r>
           </a:p>
           <a:p>
             <a:r>
-              <a:rPr lang="en-AU" dirty="0" smtClean="0"/>
+              <a:rPr lang="en-AU" dirty="0"/>
               <a:t>It must be relatively easy to produce the digital signature</a:t>
             </a:r>
           </a:p>
           <a:p>
             <a:r>
-              <a:rPr lang="en-AU" dirty="0" smtClean="0"/>
+              <a:rPr lang="en-AU" dirty="0"/>
               <a:t>It must be relatively easy to recognize and verify the digital signature</a:t>
             </a:r>
           </a:p>
           <a:p>
             <a:r>
-              <a:rPr lang="en-AU" dirty="0" smtClean="0"/>
+              <a:rPr lang="en-AU" dirty="0"/>
               <a:t>It must be computationally infeasible to forge a digital signature, either by constructing a new message for an existing digital signature or by constructing a fraudulent digital signature for a given message</a:t>
             </a:r>
           </a:p>
           <a:p>
             <a:r>
-              <a:rPr lang="en-AU" dirty="0" smtClean="0"/>
+              <a:rPr lang="en-AU" dirty="0"/>
               <a:t>It must be practical to retain a copy of the digital signature in storage</a:t>
             </a:r>
-            <a:endParaRPr lang="en-AU" dirty="0"/>
           </a:p>
         </p:txBody>
       </p:sp>
@@ -31130,13 +30688,6 @@
   <p:clrMapOvr>
     <a:masterClrMapping/>
   </p:clrMapOvr>
-  <p:timing>
-    <p:tnLst>
-      <p:par>
-        <p:cTn id="1" dur="indefinite" restart="never" nodeType="tmRoot"/>
-      </p:par>
-    </p:tnLst>
-  </p:timing>
 </p:sld>
 </file>
 
@@ -31173,7 +30724,7 @@
           <a:lstStyle/>
           <a:p>
             <a:r>
-              <a:rPr lang="en-US" dirty="0" smtClean="0"/>
+              <a:rPr lang="en-US" dirty="0"/>
               <a:t>Direct Digital Signature</a:t>
             </a:r>
             <a:endParaRPr lang="en-AU" dirty="0"/>
@@ -31205,13 +30756,6 @@
   <p:clrMapOvr>
     <a:masterClrMapping/>
   </p:clrMapOvr>
-  <p:timing>
-    <p:tnLst>
-      <p:par>
-        <p:cTn id="1" dur="indefinite" restart="never" nodeType="tmRoot"/>
-      </p:par>
-    </p:tnLst>
-  </p:timing>
 </p:sld>
 </file>
 
@@ -31253,14 +30797,14 @@
           <a:lstStyle/>
           <a:p>
             <a:r>
-              <a:rPr lang="en-AU" dirty="0" smtClean="0"/>
+              <a:rPr lang="en-AU" dirty="0"/>
               <a:t>ElGamal </a:t>
             </a:r>
             <a:r>
-              <a:rPr lang="en-US" dirty="0" smtClean="0"/>
+              <a:rPr lang="en-US" dirty="0"/>
               <a:t>Digital Signature</a:t>
             </a:r>
-            <a:endParaRPr lang="en-AU" dirty="0" smtClean="0"/>
+            <a:endParaRPr lang="en-AU" dirty="0"/>
           </a:p>
         </p:txBody>
       </p:sp>
@@ -31287,104 +30831,104 @@
           <a:lstStyle/>
           <a:p>
             <a:r>
-              <a:rPr lang="en-AU" dirty="0" smtClean="0"/>
+              <a:rPr lang="en-AU" dirty="0"/>
               <a:t>Scheme involves the use of the private key for encryption and the public key for decryption</a:t>
             </a:r>
           </a:p>
           <a:p>
             <a:r>
-              <a:rPr lang="en-AU" dirty="0" smtClean="0"/>
+              <a:rPr lang="en-AU" dirty="0"/>
               <a:t>Global elements are a prime number </a:t>
             </a:r>
             <a:r>
-              <a:rPr lang="en-AU" i="1" dirty="0" smtClean="0"/>
+              <a:rPr lang="en-AU" i="1" dirty="0"/>
               <a:t>q </a:t>
             </a:r>
             <a:r>
-              <a:rPr lang="en-AU" dirty="0" smtClean="0"/>
+              <a:rPr lang="en-AU" dirty="0"/>
               <a:t>and a, which is a primitive root of </a:t>
             </a:r>
             <a:r>
-              <a:rPr lang="en-AU" i="1" dirty="0" smtClean="0"/>
+              <a:rPr lang="en-AU" i="1" dirty="0"/>
               <a:t>q</a:t>
             </a:r>
-            <a:endParaRPr lang="en-AU" dirty="0" smtClean="0"/>
-          </a:p>
-          <a:p>
-            <a:r>
-              <a:rPr lang="en-US" dirty="0" smtClean="0"/>
+            <a:endParaRPr lang="en-AU" dirty="0"/>
+          </a:p>
+          <a:p>
+            <a:r>
+              <a:rPr lang="en-US" dirty="0"/>
               <a:t>Use private key for encryption (signing)</a:t>
             </a:r>
           </a:p>
           <a:p>
             <a:r>
-              <a:rPr lang="en-US" dirty="0" smtClean="0"/>
+              <a:rPr lang="en-US" dirty="0"/>
               <a:t>Uses public key for decryption (verification)</a:t>
             </a:r>
-            <a:endParaRPr lang="en-AU" dirty="0" smtClean="0"/>
-          </a:p>
-          <a:p>
-            <a:r>
-              <a:rPr lang="en-US" dirty="0" smtClean="0"/>
+            <a:endParaRPr lang="en-AU" dirty="0"/>
+          </a:p>
+          <a:p>
+            <a:r>
+              <a:rPr lang="en-US" dirty="0"/>
               <a:t>Each user generates their key</a:t>
             </a:r>
           </a:p>
           <a:p>
             <a:pPr lvl="1"/>
             <a:r>
-              <a:rPr lang="en-AU" dirty="0" smtClean="0"/>
+              <a:rPr lang="en-AU" dirty="0"/>
               <a:t>Chooses a secret key (number): 1 &lt; </a:t>
             </a:r>
             <a:r>
-              <a:rPr lang="en-AU" i="1" dirty="0" smtClean="0"/>
+              <a:rPr lang="en-AU" i="1" dirty="0"/>
               <a:t>x</a:t>
             </a:r>
             <a:r>
-              <a:rPr lang="en-AU" i="1" baseline="-25000" dirty="0" smtClean="0"/>
+              <a:rPr lang="en-AU" i="1" baseline="-25000" dirty="0"/>
               <a:t>A</a:t>
             </a:r>
             <a:r>
-              <a:rPr lang="en-AU" i="1" dirty="0" smtClean="0"/>
+              <a:rPr lang="en-AU" i="1" dirty="0"/>
               <a:t> &lt; q</a:t>
             </a:r>
             <a:r>
-              <a:rPr lang="en-AU" dirty="0" smtClean="0"/>
+              <a:rPr lang="en-AU" dirty="0"/>
               <a:t>-1 </a:t>
             </a:r>
           </a:p>
           <a:p>
             <a:pPr lvl="1"/>
             <a:r>
-              <a:rPr lang="en-AU" dirty="0" smtClean="0"/>
+              <a:rPr lang="en-AU" dirty="0"/>
               <a:t>Compute their public key: y</a:t>
             </a:r>
             <a:r>
-              <a:rPr lang="en-AU" baseline="-25000" dirty="0" smtClean="0"/>
+              <a:rPr lang="en-AU" baseline="-25000" dirty="0"/>
               <a:t>A</a:t>
             </a:r>
             <a:r>
-              <a:rPr lang="en-AU" dirty="0" smtClean="0"/>
+              <a:rPr lang="en-AU" dirty="0"/>
               <a:t> = </a:t>
             </a:r>
             <a:r>
-              <a:rPr lang="el-GR" dirty="0" smtClean="0"/>
+              <a:rPr lang="el-GR" dirty="0"/>
               <a:t>a</a:t>
             </a:r>
             <a:r>
-              <a:rPr lang="en-AU" baseline="30000" dirty="0" smtClean="0"/>
+              <a:rPr lang="en-AU" baseline="30000" dirty="0"/>
               <a:t>xA</a:t>
             </a:r>
             <a:r>
-              <a:rPr lang="en-AU" dirty="0" smtClean="0"/>
+              <a:rPr lang="en-AU" dirty="0"/>
               <a:t> mod </a:t>
             </a:r>
             <a:r>
-              <a:rPr lang="en-AU" i="1" dirty="0" smtClean="0"/>
+              <a:rPr lang="en-AU" i="1" dirty="0"/>
               <a:t>q</a:t>
             </a:r>
           </a:p>
           <a:p>
-            <a:endParaRPr lang="en-AU" dirty="0" smtClean="0"/>
+            <a:endParaRPr lang="en-AU" dirty="0"/>
           </a:p>
         </p:txBody>
       </p:sp>
@@ -31393,13 +30937,6 @@
   <p:clrMapOvr>
     <a:masterClrMapping/>
   </p:clrMapOvr>
-  <p:timing>
-    <p:tnLst>
-      <p:par>
-        <p:cTn id="1" dur="indefinite" restart="never" nodeType="tmRoot"/>
-      </p:par>
-    </p:tnLst>
-  </p:timing>
 </p:sld>
 </file>
 
@@ -31441,14 +30978,14 @@
           <a:lstStyle/>
           <a:p>
             <a:r>
-              <a:rPr lang="en-AU" dirty="0" smtClean="0"/>
+              <a:rPr lang="en-AU" dirty="0"/>
               <a:t>Schnorr </a:t>
             </a:r>
             <a:r>
-              <a:rPr lang="en-US" dirty="0" smtClean="0"/>
+              <a:rPr lang="en-US" dirty="0"/>
               <a:t>Digital Signature</a:t>
             </a:r>
-            <a:endParaRPr lang="en-AU" dirty="0" smtClean="0"/>
+            <a:endParaRPr lang="en-AU" dirty="0"/>
           </a:p>
         </p:txBody>
       </p:sp>
@@ -31475,96 +31012,96 @@
           <a:lstStyle/>
           <a:p>
             <a:r>
-              <a:rPr lang="en-AU" dirty="0" smtClean="0"/>
+              <a:rPr lang="en-AU" dirty="0"/>
               <a:t>Scheme is based on discrete logarithms</a:t>
             </a:r>
           </a:p>
           <a:p>
             <a:r>
-              <a:rPr lang="en-AU" dirty="0" smtClean="0"/>
+              <a:rPr lang="en-AU" dirty="0"/>
               <a:t>Minimizes the message-dependent amount of computation required to generate a signature</a:t>
             </a:r>
           </a:p>
           <a:p>
             <a:pPr lvl="1"/>
             <a:r>
-              <a:rPr lang="en-US" dirty="0" smtClean="0"/>
+              <a:rPr lang="en-US" dirty="0"/>
               <a:t>Multiplying a 2</a:t>
             </a:r>
             <a:r>
-              <a:rPr lang="en-US" i="1" dirty="0" smtClean="0"/>
+              <a:rPr lang="en-US" i="1" dirty="0"/>
               <a:t>n</a:t>
             </a:r>
             <a:r>
-              <a:rPr lang="en-US" dirty="0" smtClean="0"/>
+              <a:rPr lang="en-US" dirty="0"/>
               <a:t>-bit integer with an </a:t>
             </a:r>
             <a:r>
-              <a:rPr lang="en-US" i="1" dirty="0" smtClean="0"/>
+              <a:rPr lang="en-US" i="1" dirty="0"/>
               <a:t>n</a:t>
             </a:r>
             <a:r>
-              <a:rPr lang="en-US" dirty="0" smtClean="0"/>
+              <a:rPr lang="en-US" dirty="0"/>
               <a:t>-bit integer</a:t>
             </a:r>
           </a:p>
           <a:p>
             <a:r>
-              <a:rPr lang="en-US" dirty="0" smtClean="0"/>
+              <a:rPr lang="en-US" dirty="0"/>
               <a:t>Main work can be done during the idle time of the processor</a:t>
             </a:r>
-            <a:endParaRPr lang="en-AU" dirty="0" smtClean="0"/>
-          </a:p>
-          <a:p>
-            <a:r>
-              <a:rPr lang="en-US" dirty="0" smtClean="0"/>
+            <a:endParaRPr lang="en-AU" dirty="0"/>
+          </a:p>
+          <a:p>
+            <a:r>
+              <a:rPr lang="en-US" dirty="0"/>
               <a:t>Based on using a prime modulus </a:t>
             </a:r>
             <a:r>
-              <a:rPr lang="en-US" i="1" dirty="0" smtClean="0"/>
+              <a:rPr lang="en-US" i="1" dirty="0"/>
               <a:t>p, </a:t>
             </a:r>
             <a:r>
-              <a:rPr lang="en-US" dirty="0" smtClean="0"/>
+              <a:rPr lang="en-US" dirty="0"/>
               <a:t>with </a:t>
             </a:r>
             <a:r>
-              <a:rPr lang="en-US" i="1" dirty="0" smtClean="0"/>
+              <a:rPr lang="en-US" i="1" dirty="0"/>
               <a:t>p </a:t>
             </a:r>
             <a:r>
-              <a:rPr lang="en-US" dirty="0" smtClean="0"/>
+              <a:rPr lang="en-US" dirty="0"/>
               <a:t>– 1 having a prime factor </a:t>
             </a:r>
             <a:r>
-              <a:rPr lang="en-US" i="1" dirty="0" smtClean="0"/>
+              <a:rPr lang="en-US" i="1" dirty="0"/>
               <a:t>q </a:t>
             </a:r>
             <a:r>
-              <a:rPr lang="en-US" dirty="0" smtClean="0"/>
+              <a:rPr lang="en-US" dirty="0"/>
               <a:t>of appropriate size </a:t>
             </a:r>
           </a:p>
           <a:p>
             <a:pPr lvl="1"/>
             <a:r>
-              <a:rPr lang="en-US" dirty="0" smtClean="0"/>
+              <a:rPr lang="en-US" dirty="0"/>
               <a:t>Typically </a:t>
             </a:r>
             <a:r>
-              <a:rPr lang="en-US" i="1" dirty="0" smtClean="0"/>
+              <a:rPr lang="en-US" i="1" dirty="0"/>
               <a:t>p </a:t>
             </a:r>
             <a:r>
-              <a:rPr lang="en-US" dirty="0" smtClean="0"/>
+              <a:rPr lang="en-US" dirty="0"/>
               <a:t>is a 1024-bit number, and </a:t>
             </a:r>
             <a:r>
-              <a:rPr lang="en-US" i="1" dirty="0" smtClean="0"/>
+              <a:rPr lang="en-US" i="1" dirty="0"/>
               <a:t>q</a:t>
             </a:r>
             <a:r>
-              <a:rPr lang="en-US" dirty="0" smtClean="0"/>
+              <a:rPr lang="en-US" dirty="0"/>
               <a:t> is a 160-bit number</a:t>
             </a:r>
           </a:p>
@@ -31575,13 +31112,6 @@
   <p:clrMapOvr>
     <a:masterClrMapping/>
   </p:clrMapOvr>
-  <p:timing>
-    <p:tnLst>
-      <p:par>
-        <p:cTn id="1" dur="indefinite" restart="never" nodeType="tmRoot"/>
-      </p:par>
-    </p:tnLst>
-  </p:timing>
 </p:sld>
 </file>
 
